--- a/presentations/first_intro_1.pptx
+++ b/presentations/first_intro_1.pptx
@@ -21238,6 +21238,17 @@
           <a:p>
             <a:pPr algn="ctr"/>
             <a:r>
+              <a:rPr lang="en-US" sz="4800" b="1" spc="-1">
+                <a:solidFill>
+                  <a:srgbClr val="000000"/>
+                </a:solidFill>
+                <a:latin typeface="Assistant" pitchFamily="2" charset="-79"/>
+                <a:ea typeface="+mj-lt"/>
+                <a:cs typeface="Assistant" pitchFamily="2" charset="-79"/>
+              </a:rPr>
+              <a:t>Intro </a:t>
+            </a:r>
+            <a:r>
               <a:rPr lang="en-US" sz="4800" b="1" spc="-1" dirty="0">
                 <a:solidFill>
                   <a:srgbClr val="000000"/>
@@ -21246,7 +21257,7 @@
                 <a:ea typeface="+mj-lt"/>
                 <a:cs typeface="Assistant" pitchFamily="2" charset="-79"/>
               </a:rPr>
-              <a:t>Into to Medical Image Processing</a:t>
+              <a:t>to Medical Image Processing</a:t>
             </a:r>
             <a:br>
               <a:rPr lang="en-US" sz="4000" b="1" spc="-1" dirty="0">
@@ -21289,7 +21300,7 @@
         </p:nvSpPr>
         <p:spPr>
           <a:xfrm>
-            <a:off x="3653628" y="5557349"/>
+            <a:off x="2648612" y="5590300"/>
             <a:ext cx="9143280" cy="852480"/>
           </a:xfrm>
           <a:prstGeom prst="rect">
@@ -21373,7 +21384,7 @@
                 </a:solidFill>
                 <a:latin typeface="Assistant"/>
               </a:rPr>
-              <a:t>, </a:t>
+              <a:t> </a:t>
             </a:r>
             <a:r>
               <a:rPr lang="nl-NL" sz="2400" spc="-1" dirty="0" err="1">
@@ -21452,6 +21463,42 @@
           </a:p>
         </p:txBody>
       </p:sp>
+      <p:pic>
+        <p:nvPicPr>
+          <p:cNvPr id="3" name="Picture 2" descr="A close-up of a liver&#10;&#10;Description automatically generated">
+            <a:extLst>
+              <a:ext uri="{FF2B5EF4-FFF2-40B4-BE49-F238E27FC236}">
+                <a16:creationId xmlns:a16="http://schemas.microsoft.com/office/drawing/2014/main" id="{C46272E3-D02D-B0DB-A650-34F747BAF922}"/>
+              </a:ext>
+            </a:extLst>
+          </p:cNvPr>
+          <p:cNvPicPr>
+            <a:picLocks noChangeAspect="1"/>
+          </p:cNvPicPr>
+          <p:nvPr/>
+        </p:nvPicPr>
+        <p:blipFill>
+          <a:blip r:embed="rId3">
+            <a:extLst>
+              <a:ext uri="{28A0092B-C50C-407E-A947-70E740481C1C}">
+                <a14:useLocalDpi xmlns:a14="http://schemas.microsoft.com/office/drawing/2010/main" val="0"/>
+              </a:ext>
+            </a:extLst>
+          </a:blip>
+          <a:stretch>
+            <a:fillRect/>
+          </a:stretch>
+        </p:blipFill>
+        <p:spPr>
+          <a:xfrm>
+            <a:off x="3696126" y="2208360"/>
+            <a:ext cx="2834799" cy="2834799"/>
+          </a:xfrm>
+          <a:prstGeom prst="rect">
+            <a:avLst/>
+          </a:prstGeom>
+        </p:spPr>
+      </p:pic>
     </p:spTree>
     <p:extLst>
       <p:ext uri="{BB962C8B-B14F-4D97-AF65-F5344CB8AC3E}">
@@ -21679,13 +21726,13 @@
           <p:nvPr>
             <p:extLst>
               <p:ext uri="{D42A27DB-BD31-4B8C-83A1-F6EECF244321}">
-                <p14:modId xmlns:p14="http://schemas.microsoft.com/office/powerpoint/2010/main" val="2384087170"/>
+                <p14:modId xmlns:p14="http://schemas.microsoft.com/office/powerpoint/2010/main" val="1629577803"/>
               </p:ext>
             </p:extLst>
           </p:nvPr>
         </p:nvGraphicFramePr>
         <p:xfrm>
-          <a:off x="2241029" y="695353"/>
+          <a:off x="2281134" y="172220"/>
           <a:ext cx="7432360" cy="1200329"/>
         </p:xfrm>
         <a:graphic>
@@ -21708,8 +21755,87 @@
         </p:nvSpPr>
         <p:spPr>
           <a:xfrm>
-            <a:off x="3443005" y="2109074"/>
-            <a:ext cx="4891083" cy="1477328"/>
+            <a:off x="1540042" y="1372549"/>
+            <a:ext cx="6430305" cy="2308324"/>
+          </a:xfrm>
+          <a:prstGeom prst="rect">
+            <a:avLst/>
+          </a:prstGeom>
+          <a:noFill/>
+        </p:spPr>
+        <p:txBody>
+          <a:bodyPr wrap="square" rtlCol="0">
+            <a:spAutoFit/>
+          </a:bodyPr>
+          <a:lstStyle/>
+          <a:p>
+            <a:r>
+              <a:rPr lang="en-US" sz="2400" dirty="0"/>
+              <a:t>                          </a:t>
+            </a:r>
+          </a:p>
+          <a:p>
+            <a:r>
+              <a:rPr lang="en-US" sz="2400" dirty="0">
+                <a:highlight>
+                  <a:srgbClr val="008000"/>
+                </a:highlight>
+              </a:rPr>
+              <a:t>General guidelines:</a:t>
+            </a:r>
+          </a:p>
+          <a:p>
+            <a:r>
+              <a:rPr lang="en-US" sz="2400" dirty="0"/>
+              <a:t>Play nice, and use the collaborative document</a:t>
+            </a:r>
+          </a:p>
+          <a:p>
+            <a:r>
+              <a:rPr lang="en-US" sz="2400" dirty="0"/>
+              <a:t>(</a:t>
+            </a:r>
+            <a:r>
+              <a:rPr lang="en-US" sz="2400" dirty="0">
+                <a:solidFill>
+                  <a:schemeClr val="accent1">
+                    <a:lumMod val="75000"/>
+                  </a:schemeClr>
+                </a:solidFill>
+              </a:rPr>
+              <a:t>https://tinyurl.com/medical-image-2024</a:t>
+            </a:r>
+            <a:r>
+              <a:rPr lang="en-US" sz="2400" dirty="0"/>
+              <a:t>)</a:t>
+            </a:r>
+          </a:p>
+          <a:p>
+            <a:endParaRPr lang="en-US" sz="2400" dirty="0">
+              <a:sym typeface="Wingdings" panose="05000000000000000000" pitchFamily="2" charset="2"/>
+            </a:endParaRPr>
+          </a:p>
+          <a:p>
+            <a:endParaRPr lang="LID4096" sz="2400" dirty="0"/>
+          </a:p>
+        </p:txBody>
+      </p:sp>
+      <p:sp>
+        <p:nvSpPr>
+          <p:cNvPr id="4" name="TextBox 3">
+            <a:extLst>
+              <a:ext uri="{FF2B5EF4-FFF2-40B4-BE49-F238E27FC236}">
+                <a16:creationId xmlns:a16="http://schemas.microsoft.com/office/drawing/2014/main" id="{F59139FA-E56C-F5E3-596B-426B2145FCBC}"/>
+              </a:ext>
+            </a:extLst>
+          </p:cNvPr>
+          <p:cNvSpPr txBox="1"/>
+          <p:nvPr/>
+        </p:nvSpPr>
+        <p:spPr>
+          <a:xfrm>
+            <a:off x="1750563" y="4307496"/>
+            <a:ext cx="9464450" cy="1938992"/>
           </a:xfrm>
           <a:prstGeom prst="rect">
             <a:avLst/>
@@ -21723,33 +21849,43 @@
           <a:lstStyle/>
           <a:p>
             <a:r>
-              <a:rPr lang="en-US" dirty="0"/>
+              <a:rPr lang="en-US" sz="2400" dirty="0"/>
               <a:t>                          </a:t>
             </a:r>
           </a:p>
           <a:p>
             <a:r>
-              <a:rPr lang="en-US" dirty="0">
+              <a:rPr lang="en-US" sz="2400" dirty="0">
                 <a:highlight>
                   <a:srgbClr val="008000"/>
                 </a:highlight>
               </a:rPr>
-              <a:t>General guidelines:</a:t>
+              <a:t>Special guidelines:</a:t>
             </a:r>
           </a:p>
           <a:p>
             <a:r>
-              <a:rPr lang="en-US" dirty="0"/>
-              <a:t>Play nice, and use the collaborative document</a:t>
+              <a:rPr lang="en-US" sz="2400" dirty="0"/>
+              <a:t>Advanced materials available : </a:t>
             </a:r>
-          </a:p>
-          <a:p>
-            <a:endParaRPr lang="en-US" dirty="0">
+            <a:r>
+              <a:rPr lang="en-US" sz="2400" dirty="0">
+                <a:solidFill>
+                  <a:schemeClr val="accent1">
+                    <a:lumMod val="75000"/>
+                  </a:schemeClr>
+                </a:solidFill>
+              </a:rPr>
+              <a:t>https://tinyurl.com/imaging-advanced</a:t>
+            </a:r>
+          </a:p>
+          <a:p>
+            <a:endParaRPr lang="en-US" sz="2400" dirty="0">
               <a:sym typeface="Wingdings" panose="05000000000000000000" pitchFamily="2" charset="2"/>
             </a:endParaRPr>
           </a:p>
           <a:p>
-            <a:endParaRPr lang="LID4096" dirty="0"/>
+            <a:endParaRPr lang="LID4096" sz="2400" dirty="0"/>
           </a:p>
         </p:txBody>
       </p:sp>
@@ -22609,7 +22745,7 @@
                     <a:lstStyle/>
                     <a:p>
                       <a:r>
-                        <a:rPr lang="en-NL" sz="1400"/>
+                        <a:rPr lang="en-NL" sz="1400" dirty="0"/>
                         <a:t>15:00</a:t>
                       </a:r>
                     </a:p>

--- a/presentations/first_intro_1.pptx
+++ b/presentations/first_intro_1.pptx
@@ -10713,7 +10713,7 @@
           </a:lstStyle>
           <a:p>
             <a:fld id="{69732D9D-C667-489A-831F-0E01110209EA}" type="datetimeFigureOut">
-              <a:t>08/26/2024</a:t>
+              <a:t>09/05/2024</a:t>
             </a:fld>
             <a:endParaRPr lang="en-US"/>
           </a:p>
@@ -11314,7 +11314,7 @@
           <a:p>
             <a:fld id="{846CE7D5-CF57-46EF-B807-FDD0502418D4}" type="datetimeFigureOut">
               <a:rPr lang="en-US" smtClean="0"/>
-              <a:t>8/26/2024</a:t>
+              <a:t>9/5/2024</a:t>
             </a:fld>
             <a:endParaRPr lang="en-US"/>
           </a:p>
@@ -11484,7 +11484,7 @@
           <a:p>
             <a:fld id="{846CE7D5-CF57-46EF-B807-FDD0502418D4}" type="datetimeFigureOut">
               <a:rPr lang="en-US" smtClean="0"/>
-              <a:t>8/26/2024</a:t>
+              <a:t>9/5/2024</a:t>
             </a:fld>
             <a:endParaRPr lang="en-US"/>
           </a:p>
@@ -11664,7 +11664,7 @@
           <a:p>
             <a:fld id="{846CE7D5-CF57-46EF-B807-FDD0502418D4}" type="datetimeFigureOut">
               <a:rPr lang="en-US" smtClean="0"/>
-              <a:t>8/26/2024</a:t>
+              <a:t>9/5/2024</a:t>
             </a:fld>
             <a:endParaRPr lang="en-US"/>
           </a:p>
@@ -13149,7 +13149,7 @@
           <a:p>
             <a:fld id="{846CE7D5-CF57-46EF-B807-FDD0502418D4}" type="datetimeFigureOut">
               <a:rPr lang="en-US" smtClean="0"/>
-              <a:t>8/26/2024</a:t>
+              <a:t>9/5/2024</a:t>
             </a:fld>
             <a:endParaRPr lang="en-US"/>
           </a:p>
@@ -15275,7 +15275,7 @@
           <a:p>
             <a:fld id="{846CE7D5-CF57-46EF-B807-FDD0502418D4}" type="datetimeFigureOut">
               <a:rPr lang="en-US" smtClean="0"/>
-              <a:t>8/26/2024</a:t>
+              <a:t>9/5/2024</a:t>
             </a:fld>
             <a:endParaRPr lang="en-US"/>
           </a:p>
@@ -16986,7 +16986,7 @@
           <a:p>
             <a:fld id="{EA730EFB-AB28-4A68-9CF2-24FEA7CF3D98}" type="datetimeFigureOut">
               <a:rPr lang="en-US" smtClean="0"/>
-              <a:t>8/26/2024</a:t>
+              <a:t>9/5/2024</a:t>
             </a:fld>
             <a:endParaRPr lang="en-US"/>
           </a:p>
@@ -17224,7 +17224,7 @@
           <a:p>
             <a:fld id="{EA730EFB-AB28-4A68-9CF2-24FEA7CF3D98}" type="datetimeFigureOut">
               <a:rPr lang="en-US" smtClean="0"/>
-              <a:t>8/26/2024</a:t>
+              <a:t>9/5/2024</a:t>
             </a:fld>
             <a:endParaRPr lang="en-US"/>
           </a:p>
@@ -17419,7 +17419,7 @@
           <a:p>
             <a:fld id="{EA730EFB-AB28-4A68-9CF2-24FEA7CF3D98}" type="datetimeFigureOut">
               <a:rPr lang="en-US" smtClean="0"/>
-              <a:t>8/26/2024</a:t>
+              <a:t>9/5/2024</a:t>
             </a:fld>
             <a:endParaRPr lang="en-US"/>
           </a:p>
@@ -17619,7 +17619,7 @@
           <a:p>
             <a:fld id="{EA730EFB-AB28-4A68-9CF2-24FEA7CF3D98}" type="datetimeFigureOut">
               <a:rPr lang="en-US" smtClean="0"/>
-              <a:t>8/26/2024</a:t>
+              <a:t>9/5/2024</a:t>
             </a:fld>
             <a:endParaRPr lang="en-US"/>
           </a:p>
@@ -18095,7 +18095,7 @@
           <a:p>
             <a:fld id="{846CE7D5-CF57-46EF-B807-FDD0502418D4}" type="datetimeFigureOut">
               <a:rPr lang="en-US" smtClean="0"/>
-              <a:t>8/26/2024</a:t>
+              <a:t>9/5/2024</a:t>
             </a:fld>
             <a:endParaRPr lang="en-US"/>
           </a:p>
@@ -18462,7 +18462,7 @@
           <a:p>
             <a:fld id="{846CE7D5-CF57-46EF-B807-FDD0502418D4}" type="datetimeFigureOut">
               <a:rPr lang="en-US" smtClean="0"/>
-              <a:t>8/26/2024</a:t>
+              <a:t>9/5/2024</a:t>
             </a:fld>
             <a:endParaRPr lang="en-US"/>
           </a:p>
@@ -18580,7 +18580,7 @@
           <a:p>
             <a:fld id="{846CE7D5-CF57-46EF-B807-FDD0502418D4}" type="datetimeFigureOut">
               <a:rPr lang="en-US" smtClean="0"/>
-              <a:t>8/26/2024</a:t>
+              <a:t>9/5/2024</a:t>
             </a:fld>
             <a:endParaRPr lang="en-US"/>
           </a:p>
@@ -18675,7 +18675,7 @@
           <a:p>
             <a:fld id="{846CE7D5-CF57-46EF-B807-FDD0502418D4}" type="datetimeFigureOut">
               <a:rPr lang="en-US" smtClean="0"/>
-              <a:t>8/26/2024</a:t>
+              <a:t>9/5/2024</a:t>
             </a:fld>
             <a:endParaRPr lang="en-US"/>
           </a:p>
@@ -18952,7 +18952,7 @@
           <a:p>
             <a:fld id="{846CE7D5-CF57-46EF-B807-FDD0502418D4}" type="datetimeFigureOut">
               <a:rPr lang="en-US" smtClean="0"/>
-              <a:t>8/26/2024</a:t>
+              <a:t>9/5/2024</a:t>
             </a:fld>
             <a:endParaRPr lang="en-US"/>
           </a:p>
@@ -19209,7 +19209,7 @@
           <a:p>
             <a:fld id="{846CE7D5-CF57-46EF-B807-FDD0502418D4}" type="datetimeFigureOut">
               <a:rPr lang="en-US" smtClean="0"/>
-              <a:t>8/26/2024</a:t>
+              <a:t>9/5/2024</a:t>
             </a:fld>
             <a:endParaRPr lang="en-US"/>
           </a:p>
@@ -19422,7 +19422,7 @@
           <a:p>
             <a:fld id="{846CE7D5-CF57-46EF-B807-FDD0502418D4}" type="datetimeFigureOut">
               <a:rPr lang="en-US" smtClean="0"/>
-              <a:t>8/26/2024</a:t>
+              <a:t>9/5/2024</a:t>
             </a:fld>
             <a:endParaRPr lang="en-US"/>
           </a:p>
@@ -23683,7 +23683,7 @@
         </p:nvSpPr>
         <p:spPr>
           <a:xfrm>
-            <a:off x="1293818" y="530049"/>
+            <a:off x="1351483" y="371752"/>
             <a:ext cx="5401147" cy="1325563"/>
           </a:xfrm>
         </p:spPr>
@@ -23719,8 +23719,8 @@
         </p:nvSpPr>
         <p:spPr>
           <a:xfrm>
-            <a:off x="281708" y="1736436"/>
-            <a:ext cx="5284233" cy="4942860"/>
+            <a:off x="164794" y="1414379"/>
+            <a:ext cx="5401147" cy="5264917"/>
           </a:xfrm>
         </p:spPr>
         <p:txBody>
@@ -23743,17 +23743,15 @@
               <a:buNone/>
             </a:pPr>
             <a:r>
-              <a:rPr lang="en-US" dirty="0"/>
-              <a:t>	(</a:t>
+              <a:rPr lang="en-US" sz="1100" dirty="0"/>
+              <a:t>       (https://github.com/esciencecenter-digital-skills/medical-image-processing/)</a:t>
             </a:r>
-            <a:r>
-              <a:rPr lang="en-US" sz="1100" dirty="0"/>
-              <a:t>https://github.com/esciencecenter-digital-skills/medical-image-processing/</a:t>
-            </a:r>
-            <a:r>
-              <a:rPr lang="en-US" dirty="0"/>
-              <a:t>)</a:t>
-            </a:r>
+          </a:p>
+          <a:p>
+            <a:pPr marL="0" indent="0">
+              <a:buNone/>
+            </a:pPr>
+            <a:endParaRPr lang="en-US" sz="1100" dirty="0"/>
           </a:p>
           <a:p>
             <a:r>
@@ -23783,7 +23781,25 @@
             </a:r>
           </a:p>
           <a:p>
+            <a:pPr marL="457200" lvl="1" indent="0">
+              <a:buNone/>
+            </a:pPr>
+            <a:r>
+              <a:rPr lang="en-US" dirty="0"/>
+              <a:t>	https://tinyurl.com/medical-image-2024</a:t>
+            </a:r>
+          </a:p>
+          <a:p>
+            <a:pPr marL="457200" lvl="1" indent="0">
+              <a:buNone/>
+            </a:pPr>
             <a:endParaRPr lang="en-US" dirty="0"/>
+          </a:p>
+          <a:p>
+            <a:r>
+              <a:rPr lang="en-US" dirty="0"/>
+              <a:t>Post-it notes ready?</a:t>
+            </a:r>
           </a:p>
           <a:p>
             <a:pPr marL="0" indent="0">

--- a/presentations/first_intro_1.pptx
+++ b/presentations/first_intro_1.pptx
@@ -7,7 +7,7 @@
     <p:sldMasterId id="2147483776" r:id="rId3"/>
   </p:sldMasterIdLst>
   <p:notesMasterIdLst>
-    <p:notesMasterId r:id="rId15"/>
+    <p:notesMasterId r:id="rId16"/>
   </p:notesMasterIdLst>
   <p:sldIdLst>
     <p:sldId id="257" r:id="rId4"/>
@@ -18,9 +18,10 @@
     <p:sldId id="260" r:id="rId9"/>
     <p:sldId id="259" r:id="rId10"/>
     <p:sldId id="265" r:id="rId11"/>
-    <p:sldId id="256" r:id="rId12"/>
-    <p:sldId id="304" r:id="rId13"/>
-    <p:sldId id="302" r:id="rId14"/>
+    <p:sldId id="268" r:id="rId12"/>
+    <p:sldId id="256" r:id="rId13"/>
+    <p:sldId id="304" r:id="rId14"/>
+    <p:sldId id="302" r:id="rId15"/>
   </p:sldIdLst>
   <p:sldSz cx="12192000" cy="6858000"/>
   <p:notesSz cx="6858000" cy="9144000"/>
@@ -10713,7 +10714,7 @@
           </a:lstStyle>
           <a:p>
             <a:fld id="{69732D9D-C667-489A-831F-0E01110209EA}" type="datetimeFigureOut">
-              <a:t>09/05/2024</a:t>
+              <a:t>09/10/2024</a:t>
             </a:fld>
             <a:endParaRPr lang="en-US"/>
           </a:p>
@@ -11314,7 +11315,7 @@
           <a:p>
             <a:fld id="{846CE7D5-CF57-46EF-B807-FDD0502418D4}" type="datetimeFigureOut">
               <a:rPr lang="en-US" smtClean="0"/>
-              <a:t>9/5/2024</a:t>
+              <a:t>9/10/2024</a:t>
             </a:fld>
             <a:endParaRPr lang="en-US"/>
           </a:p>
@@ -11484,7 +11485,7 @@
           <a:p>
             <a:fld id="{846CE7D5-CF57-46EF-B807-FDD0502418D4}" type="datetimeFigureOut">
               <a:rPr lang="en-US" smtClean="0"/>
-              <a:t>9/5/2024</a:t>
+              <a:t>9/10/2024</a:t>
             </a:fld>
             <a:endParaRPr lang="en-US"/>
           </a:p>
@@ -11664,7 +11665,7 @@
           <a:p>
             <a:fld id="{846CE7D5-CF57-46EF-B807-FDD0502418D4}" type="datetimeFigureOut">
               <a:rPr lang="en-US" smtClean="0"/>
-              <a:t>9/5/2024</a:t>
+              <a:t>9/10/2024</a:t>
             </a:fld>
             <a:endParaRPr lang="en-US"/>
           </a:p>
@@ -13149,7 +13150,7 @@
           <a:p>
             <a:fld id="{846CE7D5-CF57-46EF-B807-FDD0502418D4}" type="datetimeFigureOut">
               <a:rPr lang="en-US" smtClean="0"/>
-              <a:t>9/5/2024</a:t>
+              <a:t>9/10/2024</a:t>
             </a:fld>
             <a:endParaRPr lang="en-US"/>
           </a:p>
@@ -15275,7 +15276,7 @@
           <a:p>
             <a:fld id="{846CE7D5-CF57-46EF-B807-FDD0502418D4}" type="datetimeFigureOut">
               <a:rPr lang="en-US" smtClean="0"/>
-              <a:t>9/5/2024</a:t>
+              <a:t>9/10/2024</a:t>
             </a:fld>
             <a:endParaRPr lang="en-US"/>
           </a:p>
@@ -16986,7 +16987,7 @@
           <a:p>
             <a:fld id="{EA730EFB-AB28-4A68-9CF2-24FEA7CF3D98}" type="datetimeFigureOut">
               <a:rPr lang="en-US" smtClean="0"/>
-              <a:t>9/5/2024</a:t>
+              <a:t>9/10/2024</a:t>
             </a:fld>
             <a:endParaRPr lang="en-US"/>
           </a:p>
@@ -17224,7 +17225,7 @@
           <a:p>
             <a:fld id="{EA730EFB-AB28-4A68-9CF2-24FEA7CF3D98}" type="datetimeFigureOut">
               <a:rPr lang="en-US" smtClean="0"/>
-              <a:t>9/5/2024</a:t>
+              <a:t>9/10/2024</a:t>
             </a:fld>
             <a:endParaRPr lang="en-US"/>
           </a:p>
@@ -17419,7 +17420,7 @@
           <a:p>
             <a:fld id="{EA730EFB-AB28-4A68-9CF2-24FEA7CF3D98}" type="datetimeFigureOut">
               <a:rPr lang="en-US" smtClean="0"/>
-              <a:t>9/5/2024</a:t>
+              <a:t>9/10/2024</a:t>
             </a:fld>
             <a:endParaRPr lang="en-US"/>
           </a:p>
@@ -17619,7 +17620,7 @@
           <a:p>
             <a:fld id="{EA730EFB-AB28-4A68-9CF2-24FEA7CF3D98}" type="datetimeFigureOut">
               <a:rPr lang="en-US" smtClean="0"/>
-              <a:t>9/5/2024</a:t>
+              <a:t>9/10/2024</a:t>
             </a:fld>
             <a:endParaRPr lang="en-US"/>
           </a:p>
@@ -18095,7 +18096,7 @@
           <a:p>
             <a:fld id="{846CE7D5-CF57-46EF-B807-FDD0502418D4}" type="datetimeFigureOut">
               <a:rPr lang="en-US" smtClean="0"/>
-              <a:t>9/5/2024</a:t>
+              <a:t>9/10/2024</a:t>
             </a:fld>
             <a:endParaRPr lang="en-US"/>
           </a:p>
@@ -18462,7 +18463,7 @@
           <a:p>
             <a:fld id="{846CE7D5-CF57-46EF-B807-FDD0502418D4}" type="datetimeFigureOut">
               <a:rPr lang="en-US" smtClean="0"/>
-              <a:t>9/5/2024</a:t>
+              <a:t>9/10/2024</a:t>
             </a:fld>
             <a:endParaRPr lang="en-US"/>
           </a:p>
@@ -18580,7 +18581,7 @@
           <a:p>
             <a:fld id="{846CE7D5-CF57-46EF-B807-FDD0502418D4}" type="datetimeFigureOut">
               <a:rPr lang="en-US" smtClean="0"/>
-              <a:t>9/5/2024</a:t>
+              <a:t>9/10/2024</a:t>
             </a:fld>
             <a:endParaRPr lang="en-US"/>
           </a:p>
@@ -18675,7 +18676,7 @@
           <a:p>
             <a:fld id="{846CE7D5-CF57-46EF-B807-FDD0502418D4}" type="datetimeFigureOut">
               <a:rPr lang="en-US" smtClean="0"/>
-              <a:t>9/5/2024</a:t>
+              <a:t>9/10/2024</a:t>
             </a:fld>
             <a:endParaRPr lang="en-US"/>
           </a:p>
@@ -18952,7 +18953,7 @@
           <a:p>
             <a:fld id="{846CE7D5-CF57-46EF-B807-FDD0502418D4}" type="datetimeFigureOut">
               <a:rPr lang="en-US" smtClean="0"/>
-              <a:t>9/5/2024</a:t>
+              <a:t>9/10/2024</a:t>
             </a:fld>
             <a:endParaRPr lang="en-US"/>
           </a:p>
@@ -19209,7 +19210,7 @@
           <a:p>
             <a:fld id="{846CE7D5-CF57-46EF-B807-FDD0502418D4}" type="datetimeFigureOut">
               <a:rPr lang="en-US" smtClean="0"/>
-              <a:t>9/5/2024</a:t>
+              <a:t>9/10/2024</a:t>
             </a:fld>
             <a:endParaRPr lang="en-US"/>
           </a:p>
@@ -19422,7 +19423,7 @@
           <a:p>
             <a:fld id="{846CE7D5-CF57-46EF-B807-FDD0502418D4}" type="datetimeFigureOut">
               <a:rPr lang="en-US" smtClean="0"/>
-              <a:t>9/5/2024</a:t>
+              <a:t>9/10/2024</a:t>
             </a:fld>
             <a:endParaRPr lang="en-US"/>
           </a:p>
@@ -21300,8 +21301,8 @@
         </p:nvSpPr>
         <p:spPr>
           <a:xfrm>
-            <a:off x="2648612" y="5590300"/>
-            <a:ext cx="9143280" cy="852480"/>
+            <a:off x="2624548" y="5349667"/>
+            <a:ext cx="9143280" cy="1363953"/>
           </a:xfrm>
           <a:prstGeom prst="rect">
             <a:avLst/>
@@ -21329,13 +21330,13 @@
               </a:tabLst>
             </a:pPr>
             <a:r>
-              <a:rPr lang="nl-NL" sz="2400" spc="-1" dirty="0">
+              <a:rPr lang="nl-NL" sz="2400" spc="-1">
                 <a:solidFill>
                   <a:srgbClr val="000000"/>
                 </a:solidFill>
                 <a:latin typeface="Assistant"/>
               </a:rPr>
-              <a:t>Dr. Candace </a:t>
+              <a:t>Candace </a:t>
             </a:r>
             <a:r>
               <a:rPr lang="nl-NL" sz="2400" spc="-1" dirty="0" err="1">
@@ -21403,6 +21404,37 @@
                 <a:latin typeface="Assistant"/>
               </a:rPr>
               <a:t>, MS</a:t>
+            </a:r>
+          </a:p>
+          <a:p>
+            <a:pPr algn="ctr">
+              <a:lnSpc>
+                <a:spcPct val="100000"/>
+              </a:lnSpc>
+              <a:spcBef>
+                <a:spcPts val="1001"/>
+              </a:spcBef>
+              <a:tabLst>
+                <a:tab pos="0" algn="l"/>
+              </a:tabLst>
+            </a:pPr>
+            <a:r>
+              <a:rPr lang="nl-NL" sz="2400" spc="-1" dirty="0" err="1">
+                <a:solidFill>
+                  <a:srgbClr val="000000"/>
+                </a:solidFill>
+                <a:latin typeface="Assistant"/>
+              </a:rPr>
+              <a:t>Ou</a:t>
+            </a:r>
+            <a:r>
+              <a:rPr lang="nl-NL" sz="2400" spc="-1" dirty="0">
+                <a:solidFill>
+                  <a:srgbClr val="000000"/>
+                </a:solidFill>
+                <a:latin typeface="Assistant"/>
+              </a:rPr>
+              <a:t> Ko, MS</a:t>
             </a:r>
             <a:endParaRPr lang="nl-NL" sz="2400" spc="-1" dirty="0">
               <a:solidFill>
@@ -21513,6 +21545,1371 @@
 </file>
 
 <file path=ppt/slides/slide10.xml><?xml version="1.0" encoding="utf-8"?>
+<p:sld xmlns:a="http://schemas.openxmlformats.org/drawingml/2006/main" xmlns:r="http://schemas.openxmlformats.org/officeDocument/2006/relationships" xmlns:p="http://schemas.openxmlformats.org/presentationml/2006/main">
+  <p:cSld>
+    <p:spTree>
+      <p:nvGrpSpPr>
+        <p:cNvPr id="1" name=""/>
+        <p:cNvGrpSpPr/>
+        <p:nvPr/>
+      </p:nvGrpSpPr>
+      <p:grpSpPr>
+        <a:xfrm>
+          <a:off x="0" y="0"/>
+          <a:ext cx="0" cy="0"/>
+          <a:chOff x="0" y="0"/>
+          <a:chExt cx="0" cy="0"/>
+        </a:xfrm>
+      </p:grpSpPr>
+      <p:sp>
+        <p:nvSpPr>
+          <p:cNvPr id="28" name="Rechthoek 27">
+            <a:extLst>
+              <a:ext uri="{FF2B5EF4-FFF2-40B4-BE49-F238E27FC236}">
+                <a16:creationId xmlns:a16="http://schemas.microsoft.com/office/drawing/2014/main" id="{87912A70-C0B3-E6FA-DBEB-210D517D3DA7}"/>
+              </a:ext>
+            </a:extLst>
+          </p:cNvPr>
+          <p:cNvSpPr/>
+          <p:nvPr/>
+        </p:nvSpPr>
+        <p:spPr>
+          <a:xfrm>
+            <a:off x="4063977" y="166792"/>
+            <a:ext cx="8127953" cy="6858000"/>
+          </a:xfrm>
+          <a:prstGeom prst="rect">
+            <a:avLst/>
+          </a:prstGeom>
+          <a:ln>
+            <a:noFill/>
+          </a:ln>
+        </p:spPr>
+        <p:style>
+          <a:lnRef idx="2">
+            <a:schemeClr val="accent1">
+              <a:shade val="50000"/>
+            </a:schemeClr>
+          </a:lnRef>
+          <a:fillRef idx="1">
+            <a:schemeClr val="accent1"/>
+          </a:fillRef>
+          <a:effectRef idx="0">
+            <a:schemeClr val="accent1"/>
+          </a:effectRef>
+          <a:fontRef idx="minor">
+            <a:schemeClr val="lt1"/>
+          </a:fontRef>
+        </p:style>
+        <p:txBody>
+          <a:bodyPr rtlCol="0" anchor="ctr"/>
+          <a:lstStyle/>
+          <a:p>
+            <a:pPr algn="ctr"/>
+            <a:endParaRPr lang="nl-NL"/>
+          </a:p>
+        </p:txBody>
+      </p:sp>
+      <p:sp>
+        <p:nvSpPr>
+          <p:cNvPr id="2" name="Title 1">
+            <a:extLst>
+              <a:ext uri="{FF2B5EF4-FFF2-40B4-BE49-F238E27FC236}">
+                <a16:creationId xmlns:a16="http://schemas.microsoft.com/office/drawing/2014/main" id="{D898023C-E8B0-5D45-B2E2-C470D19A2F59}"/>
+              </a:ext>
+            </a:extLst>
+          </p:cNvPr>
+          <p:cNvSpPr>
+            <a:spLocks noGrp="1"/>
+          </p:cNvSpPr>
+          <p:nvPr>
+            <p:ph type="title" hasCustomPrompt="1"/>
+          </p:nvPr>
+        </p:nvSpPr>
+        <p:spPr>
+          <a:xfrm>
+            <a:off x="623980" y="3767353"/>
+            <a:ext cx="3034539" cy="1325563"/>
+          </a:xfrm>
+        </p:spPr>
+        <p:txBody>
+          <a:bodyPr/>
+          <a:lstStyle>
+            <a:lvl1pPr>
+              <a:defRPr/>
+            </a:lvl1pPr>
+          </a:lstStyle>
+          <a:p>
+            <a:r>
+              <a:rPr lang="en-US"/>
+              <a:t>Let’s stay</a:t>
+            </a:r>
+            <a:br>
+              <a:rPr lang="en-US"/>
+            </a:br>
+            <a:r>
+              <a:rPr lang="en-US"/>
+              <a:t>in touch</a:t>
+            </a:r>
+          </a:p>
+        </p:txBody>
+      </p:sp>
+      <p:sp>
+        <p:nvSpPr>
+          <p:cNvPr id="3" name="Tijdelijke aanduiding voor tekst 7">
+            <a:extLst>
+              <a:ext uri="{FF2B5EF4-FFF2-40B4-BE49-F238E27FC236}">
+                <a16:creationId xmlns:a16="http://schemas.microsoft.com/office/drawing/2014/main" id="{3AD75782-B307-EE4B-B28C-3341D9638E95}"/>
+              </a:ext>
+            </a:extLst>
+          </p:cNvPr>
+          <p:cNvSpPr>
+            <a:spLocks noGrp="1"/>
+          </p:cNvSpPr>
+          <p:nvPr>
+            <p:ph type="body" sz="quarter" idx="13" hasCustomPrompt="1"/>
+          </p:nvPr>
+        </p:nvSpPr>
+        <p:spPr>
+          <a:xfrm>
+            <a:off x="6640980" y="1852539"/>
+            <a:ext cx="3592232" cy="454071"/>
+          </a:xfrm>
+        </p:spPr>
+        <p:txBody>
+          <a:bodyPr/>
+          <a:lstStyle>
+            <a:lvl1pPr marL="0" indent="0">
+              <a:lnSpc>
+                <a:spcPct val="100000"/>
+              </a:lnSpc>
+              <a:buNone/>
+              <a:defRPr sz="1400" baseline="0">
+                <a:solidFill>
+                  <a:schemeClr val="bg1"/>
+                </a:solidFill>
+              </a:defRPr>
+            </a:lvl1pPr>
+            <a:lvl2pPr marL="457200" indent="0">
+              <a:buNone/>
+              <a:defRPr sz="1600"/>
+            </a:lvl2pPr>
+            <a:lvl3pPr marL="914400" indent="0">
+              <a:buNone/>
+              <a:defRPr sz="1600"/>
+            </a:lvl3pPr>
+            <a:lvl4pPr marL="1371600" indent="0">
+              <a:buNone/>
+              <a:defRPr sz="1600"/>
+            </a:lvl4pPr>
+            <a:lvl5pPr marL="1828800" indent="0">
+              <a:buNone/>
+              <a:defRPr sz="1600"/>
+            </a:lvl5pPr>
+          </a:lstStyle>
+          <a:p>
+            <a:pPr lvl="0"/>
+            <a:r>
+              <a:rPr lang="nl-NL" dirty="0" err="1"/>
+              <a:t>https</a:t>
+            </a:r>
+            <a:r>
+              <a:rPr lang="nl-NL" dirty="0"/>
+              <a:t>://</a:t>
+            </a:r>
+            <a:r>
+              <a:rPr lang="nl-NL" dirty="0" err="1"/>
+              <a:t>www.esciencecenter.nl</a:t>
+            </a:r>
+            <a:r>
+              <a:rPr lang="nl-NL" dirty="0"/>
+              <a:t>/digital-skills/</a:t>
+            </a:r>
+          </a:p>
+        </p:txBody>
+      </p:sp>
+      <p:sp>
+        <p:nvSpPr>
+          <p:cNvPr id="4" name="Tijdelijke aanduiding voor tekst 7">
+            <a:extLst>
+              <a:ext uri="{FF2B5EF4-FFF2-40B4-BE49-F238E27FC236}">
+                <a16:creationId xmlns:a16="http://schemas.microsoft.com/office/drawing/2014/main" id="{95E3912A-4C7D-E14E-AA32-A9DFF63E84BE}"/>
+              </a:ext>
+            </a:extLst>
+          </p:cNvPr>
+          <p:cNvSpPr>
+            <a:spLocks noGrp="1"/>
+          </p:cNvSpPr>
+          <p:nvPr>
+            <p:ph type="body" sz="quarter" idx="14" hasCustomPrompt="1"/>
+          </p:nvPr>
+        </p:nvSpPr>
+        <p:spPr>
+          <a:xfrm>
+            <a:off x="6640981" y="2352616"/>
+            <a:ext cx="3334964" cy="454071"/>
+          </a:xfrm>
+        </p:spPr>
+        <p:txBody>
+          <a:bodyPr/>
+          <a:lstStyle>
+            <a:lvl1pPr marL="0" indent="0">
+              <a:lnSpc>
+                <a:spcPct val="100000"/>
+              </a:lnSpc>
+              <a:buNone/>
+              <a:defRPr sz="1400" baseline="0">
+                <a:solidFill>
+                  <a:schemeClr val="bg1"/>
+                </a:solidFill>
+              </a:defRPr>
+            </a:lvl1pPr>
+            <a:lvl2pPr marL="457200" indent="0">
+              <a:buNone/>
+              <a:defRPr sz="1600"/>
+            </a:lvl2pPr>
+            <a:lvl3pPr marL="914400" indent="0">
+              <a:buNone/>
+              <a:defRPr sz="1600"/>
+            </a:lvl3pPr>
+            <a:lvl4pPr marL="1371600" indent="0">
+              <a:buNone/>
+              <a:defRPr sz="1600"/>
+            </a:lvl4pPr>
+            <a:lvl5pPr marL="1828800" indent="0">
+              <a:buNone/>
+              <a:defRPr sz="1600"/>
+            </a:lvl5pPr>
+          </a:lstStyle>
+          <a:p>
+            <a:pPr lvl="0"/>
+            <a:r>
+              <a:rPr lang="nl-NL" dirty="0" err="1"/>
+              <a:t>training@esciencecenter.nl</a:t>
+            </a:r>
+            <a:endParaRPr lang="nl-NL" dirty="0"/>
+          </a:p>
+        </p:txBody>
+      </p:sp>
+      <p:sp>
+        <p:nvSpPr>
+          <p:cNvPr id="5" name="Tijdelijke aanduiding voor tekst 7">
+            <a:extLst>
+              <a:ext uri="{FF2B5EF4-FFF2-40B4-BE49-F238E27FC236}">
+                <a16:creationId xmlns:a16="http://schemas.microsoft.com/office/drawing/2014/main" id="{F6209456-4EFA-3843-8A44-4722F9136E67}"/>
+              </a:ext>
+            </a:extLst>
+          </p:cNvPr>
+          <p:cNvSpPr>
+            <a:spLocks noGrp="1"/>
+          </p:cNvSpPr>
+          <p:nvPr>
+            <p:ph type="body" sz="quarter" idx="15" hasCustomPrompt="1"/>
+          </p:nvPr>
+        </p:nvSpPr>
+        <p:spPr>
+          <a:xfrm>
+            <a:off x="6640981" y="2888187"/>
+            <a:ext cx="3334964" cy="454071"/>
+          </a:xfrm>
+        </p:spPr>
+        <p:txBody>
+          <a:bodyPr/>
+          <a:lstStyle>
+            <a:lvl1pPr marL="0" indent="0">
+              <a:lnSpc>
+                <a:spcPct val="100000"/>
+              </a:lnSpc>
+              <a:buNone/>
+              <a:defRPr sz="1400" baseline="0">
+                <a:solidFill>
+                  <a:schemeClr val="bg1"/>
+                </a:solidFill>
+              </a:defRPr>
+            </a:lvl1pPr>
+            <a:lvl2pPr marL="457200" indent="0">
+              <a:buNone/>
+              <a:defRPr sz="1600"/>
+            </a:lvl2pPr>
+            <a:lvl3pPr marL="914400" indent="0">
+              <a:buNone/>
+              <a:defRPr sz="1600"/>
+            </a:lvl3pPr>
+            <a:lvl4pPr marL="1371600" indent="0">
+              <a:buNone/>
+              <a:defRPr sz="1600"/>
+            </a:lvl4pPr>
+            <a:lvl5pPr marL="1828800" indent="0">
+              <a:buNone/>
+              <a:defRPr sz="1600"/>
+            </a:lvl5pPr>
+          </a:lstStyle>
+          <a:p>
+            <a:pPr lvl="0"/>
+            <a:r>
+              <a:rPr lang="nl-NL"/>
+              <a:t>+31 (0)20 460 4770</a:t>
+            </a:r>
+          </a:p>
+        </p:txBody>
+      </p:sp>
+      <p:pic>
+        <p:nvPicPr>
+          <p:cNvPr id="6" name="Afbeelding 5">
+            <a:extLst>
+              <a:ext uri="{FF2B5EF4-FFF2-40B4-BE49-F238E27FC236}">
+                <a16:creationId xmlns:a16="http://schemas.microsoft.com/office/drawing/2014/main" id="{FC8D59EB-0E2A-F456-8EA1-C607170435BE}"/>
+              </a:ext>
+            </a:extLst>
+          </p:cNvPr>
+          <p:cNvPicPr>
+            <a:picLocks noChangeAspect="1"/>
+          </p:cNvPicPr>
+          <p:nvPr/>
+        </p:nvPicPr>
+        <p:blipFill rotWithShape="1">
+          <a:blip r:embed="rId2" cstate="print">
+            <a:extLst>
+              <a:ext uri="{28A0092B-C50C-407E-A947-70E740481C1C}">
+                <a14:useLocalDpi xmlns:a14="http://schemas.microsoft.com/office/drawing/2010/main" val="0"/>
+              </a:ext>
+            </a:extLst>
+          </a:blip>
+          <a:srcRect t="29409"/>
+          <a:stretch/>
+        </p:blipFill>
+        <p:spPr>
+          <a:xfrm>
+            <a:off x="8127954" y="0"/>
+            <a:ext cx="4071978" cy="2992099"/>
+          </a:xfrm>
+          <a:prstGeom prst="rect">
+            <a:avLst/>
+          </a:prstGeom>
+        </p:spPr>
+      </p:pic>
+      <p:pic>
+        <p:nvPicPr>
+          <p:cNvPr id="7" name="Afbeelding 6" descr="Afbeelding met tekst, illustratie&#10;&#10;Automatisch gegenereerde beschrijving">
+            <a:extLst>
+              <a:ext uri="{FF2B5EF4-FFF2-40B4-BE49-F238E27FC236}">
+                <a16:creationId xmlns:a16="http://schemas.microsoft.com/office/drawing/2014/main" id="{497D229A-5C21-227A-73D3-604456448DD2}"/>
+              </a:ext>
+            </a:extLst>
+          </p:cNvPr>
+          <p:cNvPicPr>
+            <a:picLocks noChangeAspect="1"/>
+          </p:cNvPicPr>
+          <p:nvPr/>
+        </p:nvPicPr>
+        <p:blipFill>
+          <a:blip r:embed="rId3">
+            <a:extLst>
+              <a:ext uri="{28A0092B-C50C-407E-A947-70E740481C1C}">
+                <a14:useLocalDpi xmlns:a14="http://schemas.microsoft.com/office/drawing/2010/main" val="0"/>
+              </a:ext>
+            </a:extLst>
+          </a:blip>
+          <a:stretch>
+            <a:fillRect/>
+          </a:stretch>
+        </p:blipFill>
+        <p:spPr>
+          <a:xfrm>
+            <a:off x="11468100" y="3738849"/>
+            <a:ext cx="731832" cy="1760353"/>
+          </a:xfrm>
+          <a:prstGeom prst="rect">
+            <a:avLst/>
+          </a:prstGeom>
+        </p:spPr>
+      </p:pic>
+      <p:pic>
+        <p:nvPicPr>
+          <p:cNvPr id="8" name="Afbeelding 7">
+            <a:extLst>
+              <a:ext uri="{FF2B5EF4-FFF2-40B4-BE49-F238E27FC236}">
+                <a16:creationId xmlns:a16="http://schemas.microsoft.com/office/drawing/2014/main" id="{8176A494-1C03-DDA0-26C4-0ED3F794AC75}"/>
+              </a:ext>
+            </a:extLst>
+          </p:cNvPr>
+          <p:cNvPicPr>
+            <a:picLocks noChangeAspect="1"/>
+          </p:cNvPicPr>
+          <p:nvPr/>
+        </p:nvPicPr>
+        <p:blipFill rotWithShape="1">
+          <a:blip r:embed="rId4">
+            <a:extLst>
+              <a:ext uri="{28A0092B-C50C-407E-A947-70E740481C1C}">
+                <a14:useLocalDpi xmlns:a14="http://schemas.microsoft.com/office/drawing/2010/main" val="0"/>
+              </a:ext>
+            </a:extLst>
+          </a:blip>
+          <a:srcRect l="52015" b="81263"/>
+          <a:stretch/>
+        </p:blipFill>
+        <p:spPr>
+          <a:xfrm>
+            <a:off x="4063405" y="4649096"/>
+            <a:ext cx="2029927" cy="2208904"/>
+          </a:xfrm>
+          <a:prstGeom prst="rect">
+            <a:avLst/>
+          </a:prstGeom>
+        </p:spPr>
+      </p:pic>
+      <p:pic>
+        <p:nvPicPr>
+          <p:cNvPr id="9" name="Tijdelijke aanduiding voor inhoud 9">
+            <a:extLst>
+              <a:ext uri="{FF2B5EF4-FFF2-40B4-BE49-F238E27FC236}">
+                <a16:creationId xmlns:a16="http://schemas.microsoft.com/office/drawing/2014/main" id="{2B686402-5592-8894-E7F8-2ACA3F464BA5}"/>
+              </a:ext>
+            </a:extLst>
+          </p:cNvPr>
+          <p:cNvPicPr>
+            <a:picLocks noChangeAspect="1"/>
+          </p:cNvPicPr>
+          <p:nvPr/>
+        </p:nvPicPr>
+        <p:blipFill rotWithShape="1">
+          <a:blip r:embed="rId5">
+            <a:extLst>
+              <a:ext uri="{28A0092B-C50C-407E-A947-70E740481C1C}">
+                <a14:useLocalDpi xmlns:a14="http://schemas.microsoft.com/office/drawing/2010/main" val="0"/>
+              </a:ext>
+            </a:extLst>
+          </a:blip>
+          <a:srcRect b="28515"/>
+          <a:stretch/>
+        </p:blipFill>
+        <p:spPr>
+          <a:xfrm>
+            <a:off x="6077409" y="5717283"/>
+            <a:ext cx="2029928" cy="1146149"/>
+          </a:xfrm>
+          <a:prstGeom prst="rect">
+            <a:avLst/>
+          </a:prstGeom>
+        </p:spPr>
+      </p:pic>
+      <p:pic>
+        <p:nvPicPr>
+          <p:cNvPr id="11" name="Graphic 10" descr="Ontvanger met effen opvulling">
+            <a:extLst>
+              <a:ext uri="{FF2B5EF4-FFF2-40B4-BE49-F238E27FC236}">
+                <a16:creationId xmlns:a16="http://schemas.microsoft.com/office/drawing/2014/main" id="{48B736F7-0290-B78E-5E57-05B8AD71F0A8}"/>
+              </a:ext>
+            </a:extLst>
+          </p:cNvPr>
+          <p:cNvPicPr>
+            <a:picLocks noChangeAspect="1"/>
+          </p:cNvPicPr>
+          <p:nvPr/>
+        </p:nvPicPr>
+        <p:blipFill>
+          <a:blip r:embed="rId6">
+            <a:extLst>
+              <a:ext uri="{28A0092B-C50C-407E-A947-70E740481C1C}">
+                <a14:useLocalDpi xmlns:a14="http://schemas.microsoft.com/office/drawing/2010/main" val="0"/>
+              </a:ext>
+              <a:ext uri="{96DAC541-7B7A-43D3-8B79-37D633B846F1}">
+                <asvg:svgBlip xmlns:asvg="http://schemas.microsoft.com/office/drawing/2016/SVG/main" r:embed="rId7"/>
+              </a:ext>
+            </a:extLst>
+          </a:blip>
+          <a:stretch>
+            <a:fillRect/>
+          </a:stretch>
+        </p:blipFill>
+        <p:spPr>
+          <a:xfrm>
+            <a:off x="6295131" y="2915787"/>
+            <a:ext cx="291889" cy="291889"/>
+          </a:xfrm>
+          <a:prstGeom prst="rect">
+            <a:avLst/>
+          </a:prstGeom>
+        </p:spPr>
+      </p:pic>
+      <p:pic>
+        <p:nvPicPr>
+          <p:cNvPr id="13" name="Graphic 12" descr="Envelop met effen opvulling">
+            <a:extLst>
+              <a:ext uri="{FF2B5EF4-FFF2-40B4-BE49-F238E27FC236}">
+                <a16:creationId xmlns:a16="http://schemas.microsoft.com/office/drawing/2014/main" id="{B718220F-31C0-C659-5AED-9C53048A81AA}"/>
+              </a:ext>
+            </a:extLst>
+          </p:cNvPr>
+          <p:cNvPicPr>
+            <a:picLocks noChangeAspect="1"/>
+          </p:cNvPicPr>
+          <p:nvPr/>
+        </p:nvPicPr>
+        <p:blipFill>
+          <a:blip r:embed="rId8">
+            <a:extLst>
+              <a:ext uri="{28A0092B-C50C-407E-A947-70E740481C1C}">
+                <a14:useLocalDpi xmlns:a14="http://schemas.microsoft.com/office/drawing/2010/main" val="0"/>
+              </a:ext>
+              <a:ext uri="{96DAC541-7B7A-43D3-8B79-37D633B846F1}">
+                <asvg:svgBlip xmlns:asvg="http://schemas.microsoft.com/office/drawing/2016/SVG/main" r:embed="rId9"/>
+              </a:ext>
+            </a:extLst>
+          </a:blip>
+          <a:stretch>
+            <a:fillRect/>
+          </a:stretch>
+        </p:blipFill>
+        <p:spPr>
+          <a:xfrm>
+            <a:off x="6261190" y="2366149"/>
+            <a:ext cx="359767" cy="359767"/>
+          </a:xfrm>
+          <a:prstGeom prst="rect">
+            <a:avLst/>
+          </a:prstGeom>
+        </p:spPr>
+      </p:pic>
+      <p:pic>
+        <p:nvPicPr>
+          <p:cNvPr id="15" name="Graphic 14" descr="Webontwerp met effen opvulling">
+            <a:extLst>
+              <a:ext uri="{FF2B5EF4-FFF2-40B4-BE49-F238E27FC236}">
+                <a16:creationId xmlns:a16="http://schemas.microsoft.com/office/drawing/2014/main" id="{D90E8C64-A082-C6E3-F770-6D5FF0144C98}"/>
+              </a:ext>
+            </a:extLst>
+          </p:cNvPr>
+          <p:cNvPicPr>
+            <a:picLocks noChangeAspect="1"/>
+          </p:cNvPicPr>
+          <p:nvPr/>
+        </p:nvPicPr>
+        <p:blipFill>
+          <a:blip r:embed="rId10">
+            <a:extLst>
+              <a:ext uri="{28A0092B-C50C-407E-A947-70E740481C1C}">
+                <a14:useLocalDpi xmlns:a14="http://schemas.microsoft.com/office/drawing/2010/main" val="0"/>
+              </a:ext>
+              <a:ext uri="{96DAC541-7B7A-43D3-8B79-37D633B846F1}">
+                <asvg:svgBlip xmlns:asvg="http://schemas.microsoft.com/office/drawing/2016/SVG/main" r:embed="rId11"/>
+              </a:ext>
+            </a:extLst>
+          </a:blip>
+          <a:stretch>
+            <a:fillRect/>
+          </a:stretch>
+        </p:blipFill>
+        <p:spPr>
+          <a:xfrm>
+            <a:off x="6261191" y="1815543"/>
+            <a:ext cx="359767" cy="359767"/>
+          </a:xfrm>
+          <a:prstGeom prst="rect">
+            <a:avLst/>
+          </a:prstGeom>
+        </p:spPr>
+      </p:pic>
+      <p:pic>
+        <p:nvPicPr>
+          <p:cNvPr id="21" name="Afbeelding 20" descr="Afbeelding met bijl, vectorafbeeldingen&#10;&#10;Automatisch gegenereerde beschrijving">
+            <a:extLst>
+              <a:ext uri="{FF2B5EF4-FFF2-40B4-BE49-F238E27FC236}">
+                <a16:creationId xmlns:a16="http://schemas.microsoft.com/office/drawing/2014/main" id="{A04E5A98-6ACF-B0D0-1671-DFBFA198EEA1}"/>
+              </a:ext>
+            </a:extLst>
+          </p:cNvPr>
+          <p:cNvPicPr>
+            <a:picLocks noChangeAspect="1"/>
+          </p:cNvPicPr>
+          <p:nvPr/>
+        </p:nvPicPr>
+        <p:blipFill>
+          <a:blip r:embed="rId12" cstate="print">
+            <a:extLst>
+              <a:ext uri="{28A0092B-C50C-407E-A947-70E740481C1C}">
+                <a14:useLocalDpi xmlns:a14="http://schemas.microsoft.com/office/drawing/2010/main" val="0"/>
+              </a:ext>
+            </a:extLst>
+          </a:blip>
+          <a:stretch>
+            <a:fillRect/>
+          </a:stretch>
+        </p:blipFill>
+        <p:spPr>
+          <a:xfrm>
+            <a:off x="6225848" y="3397481"/>
+            <a:ext cx="396622" cy="396622"/>
+          </a:xfrm>
+          <a:prstGeom prst="rect">
+            <a:avLst/>
+          </a:prstGeom>
+        </p:spPr>
+      </p:pic>
+      <p:pic>
+        <p:nvPicPr>
+          <p:cNvPr id="23" name="Afbeelding 22">
+            <a:extLst>
+              <a:ext uri="{FF2B5EF4-FFF2-40B4-BE49-F238E27FC236}">
+                <a16:creationId xmlns:a16="http://schemas.microsoft.com/office/drawing/2014/main" id="{2BAD9D4D-4FF6-051E-0CA8-72334812AD62}"/>
+              </a:ext>
+            </a:extLst>
+          </p:cNvPr>
+          <p:cNvPicPr>
+            <a:picLocks noChangeAspect="1"/>
+          </p:cNvPicPr>
+          <p:nvPr/>
+        </p:nvPicPr>
+        <p:blipFill>
+          <a:blip r:embed="rId13" cstate="print">
+            <a:extLst>
+              <a:ext uri="{28A0092B-C50C-407E-A947-70E740481C1C}">
+                <a14:useLocalDpi xmlns:a14="http://schemas.microsoft.com/office/drawing/2010/main" val="0"/>
+              </a:ext>
+            </a:extLst>
+          </a:blip>
+          <a:stretch>
+            <a:fillRect/>
+          </a:stretch>
+        </p:blipFill>
+        <p:spPr>
+          <a:xfrm>
+            <a:off x="6263049" y="4009017"/>
+            <a:ext cx="291889" cy="291889"/>
+          </a:xfrm>
+          <a:prstGeom prst="rect">
+            <a:avLst/>
+          </a:prstGeom>
+        </p:spPr>
+      </p:pic>
+      <p:pic>
+        <p:nvPicPr>
+          <p:cNvPr id="25" name="Afbeelding 24">
+            <a:extLst>
+              <a:ext uri="{FF2B5EF4-FFF2-40B4-BE49-F238E27FC236}">
+                <a16:creationId xmlns:a16="http://schemas.microsoft.com/office/drawing/2014/main" id="{AC16DC2A-9854-3A7E-FC7B-AB4FAEE46258}"/>
+              </a:ext>
+            </a:extLst>
+          </p:cNvPr>
+          <p:cNvPicPr>
+            <a:picLocks noChangeAspect="1"/>
+          </p:cNvPicPr>
+          <p:nvPr/>
+        </p:nvPicPr>
+        <p:blipFill>
+          <a:blip r:embed="rId14" cstate="print">
+            <a:extLst>
+              <a:ext uri="{28A0092B-C50C-407E-A947-70E740481C1C}">
+                <a14:useLocalDpi xmlns:a14="http://schemas.microsoft.com/office/drawing/2010/main" val="0"/>
+              </a:ext>
+            </a:extLst>
+          </a:blip>
+          <a:stretch>
+            <a:fillRect/>
+          </a:stretch>
+        </p:blipFill>
+        <p:spPr>
+          <a:xfrm>
+            <a:off x="6228662" y="4549996"/>
+            <a:ext cx="340928" cy="340928"/>
+          </a:xfrm>
+          <a:prstGeom prst="rect">
+            <a:avLst/>
+          </a:prstGeom>
+        </p:spPr>
+      </p:pic>
+      <p:pic>
+        <p:nvPicPr>
+          <p:cNvPr id="26" name="Afbeelding 25">
+            <a:extLst>
+              <a:ext uri="{FF2B5EF4-FFF2-40B4-BE49-F238E27FC236}">
+                <a16:creationId xmlns:a16="http://schemas.microsoft.com/office/drawing/2014/main" id="{177CF833-1AED-72B3-9FD9-057F21BAFE98}"/>
+              </a:ext>
+            </a:extLst>
+          </p:cNvPr>
+          <p:cNvPicPr>
+            <a:picLocks noChangeAspect="1"/>
+          </p:cNvPicPr>
+          <p:nvPr/>
+        </p:nvPicPr>
+        <p:blipFill>
+          <a:blip r:embed="rId15" cstate="print">
+            <a:extLst>
+              <a:ext uri="{28A0092B-C50C-407E-A947-70E740481C1C}">
+                <a14:useLocalDpi xmlns:a14="http://schemas.microsoft.com/office/drawing/2010/main" val="0"/>
+              </a:ext>
+            </a:extLst>
+          </a:blip>
+          <a:stretch>
+            <a:fillRect/>
+          </a:stretch>
+        </p:blipFill>
+        <p:spPr>
+          <a:xfrm>
+            <a:off x="9753600" y="6006815"/>
+            <a:ext cx="2080416" cy="572034"/>
+          </a:xfrm>
+          <a:prstGeom prst="rect">
+            <a:avLst/>
+          </a:prstGeom>
+        </p:spPr>
+      </p:pic>
+      <p:sp>
+        <p:nvSpPr>
+          <p:cNvPr id="30" name="Tijdelijke aanduiding voor tekst 7">
+            <a:extLst>
+              <a:ext uri="{FF2B5EF4-FFF2-40B4-BE49-F238E27FC236}">
+                <a16:creationId xmlns:a16="http://schemas.microsoft.com/office/drawing/2014/main" id="{EBF532CB-52C9-3A83-89CD-6B799E3B2C96}"/>
+              </a:ext>
+            </a:extLst>
+          </p:cNvPr>
+          <p:cNvSpPr txBox="1">
+            <a:spLocks/>
+          </p:cNvSpPr>
+          <p:nvPr/>
+        </p:nvSpPr>
+        <p:spPr>
+          <a:xfrm>
+            <a:off x="6637989" y="3437253"/>
+            <a:ext cx="3334964" cy="454071"/>
+          </a:xfrm>
+          <a:prstGeom prst="rect">
+            <a:avLst/>
+          </a:prstGeom>
+        </p:spPr>
+        <p:txBody>
+          <a:bodyPr vert="horz" lIns="91440" tIns="45720" rIns="91440" bIns="45720" rtlCol="0">
+            <a:noAutofit/>
+          </a:bodyPr>
+          <a:lstStyle>
+            <a:lvl1pPr marL="0" indent="0" algn="l" defTabSz="914400" rtl="0" eaLnBrk="1" latinLnBrk="0" hangingPunct="1">
+              <a:lnSpc>
+                <a:spcPct val="100000"/>
+              </a:lnSpc>
+              <a:spcBef>
+                <a:spcPts val="1000"/>
+              </a:spcBef>
+              <a:buFont typeface="Arial" panose="020B0604020202020204" pitchFamily="34" charset="0"/>
+              <a:buNone/>
+              <a:defRPr sz="1400" kern="1200" baseline="0">
+                <a:solidFill>
+                  <a:schemeClr val="bg1"/>
+                </a:solidFill>
+                <a:latin typeface="+mn-lt"/>
+                <a:ea typeface="+mn-ea"/>
+                <a:cs typeface="+mn-cs"/>
+              </a:defRPr>
+            </a:lvl1pPr>
+            <a:lvl2pPr marL="457200" indent="0" algn="l" defTabSz="914400" rtl="0" eaLnBrk="1" latinLnBrk="0" hangingPunct="1">
+              <a:lnSpc>
+                <a:spcPct val="100000"/>
+              </a:lnSpc>
+              <a:spcBef>
+                <a:spcPts val="500"/>
+              </a:spcBef>
+              <a:buFont typeface="Arial" panose="020B0604020202020204" pitchFamily="34" charset="0"/>
+              <a:buNone/>
+              <a:defRPr sz="1600" kern="1200">
+                <a:solidFill>
+                  <a:schemeClr val="tx1"/>
+                </a:solidFill>
+                <a:latin typeface="+mn-lt"/>
+                <a:ea typeface="+mn-ea"/>
+                <a:cs typeface="+mn-cs"/>
+              </a:defRPr>
+            </a:lvl2pPr>
+            <a:lvl3pPr marL="914400" indent="0" algn="l" defTabSz="914400" rtl="0" eaLnBrk="1" latinLnBrk="0" hangingPunct="1">
+              <a:lnSpc>
+                <a:spcPct val="100000"/>
+              </a:lnSpc>
+              <a:spcBef>
+                <a:spcPts val="500"/>
+              </a:spcBef>
+              <a:buFont typeface="Arial" panose="020B0604020202020204" pitchFamily="34" charset="0"/>
+              <a:buNone/>
+              <a:defRPr sz="1600" kern="1200">
+                <a:solidFill>
+                  <a:schemeClr val="tx1"/>
+                </a:solidFill>
+                <a:latin typeface="+mn-lt"/>
+                <a:ea typeface="+mn-ea"/>
+                <a:cs typeface="+mn-cs"/>
+              </a:defRPr>
+            </a:lvl3pPr>
+            <a:lvl4pPr marL="1371600" indent="0" algn="l" defTabSz="914400" rtl="0" eaLnBrk="1" latinLnBrk="0" hangingPunct="1">
+              <a:lnSpc>
+                <a:spcPct val="100000"/>
+              </a:lnSpc>
+              <a:spcBef>
+                <a:spcPts val="500"/>
+              </a:spcBef>
+              <a:buFont typeface="Arial" panose="020B0604020202020204" pitchFamily="34" charset="0"/>
+              <a:buNone/>
+              <a:defRPr sz="1600" kern="1200">
+                <a:solidFill>
+                  <a:schemeClr val="tx1"/>
+                </a:solidFill>
+                <a:latin typeface="+mn-lt"/>
+                <a:ea typeface="+mn-ea"/>
+                <a:cs typeface="+mn-cs"/>
+              </a:defRPr>
+            </a:lvl4pPr>
+            <a:lvl5pPr marL="1828800" indent="0" algn="l" defTabSz="914400" rtl="0" eaLnBrk="1" latinLnBrk="0" hangingPunct="1">
+              <a:lnSpc>
+                <a:spcPct val="100000"/>
+              </a:lnSpc>
+              <a:spcBef>
+                <a:spcPts val="500"/>
+              </a:spcBef>
+              <a:buFont typeface="Arial" panose="020B0604020202020204" pitchFamily="34" charset="0"/>
+              <a:buNone/>
+              <a:defRPr sz="1600" kern="1200">
+                <a:solidFill>
+                  <a:schemeClr val="tx1"/>
+                </a:solidFill>
+                <a:latin typeface="+mn-lt"/>
+                <a:ea typeface="+mn-ea"/>
+                <a:cs typeface="+mn-cs"/>
+              </a:defRPr>
+            </a:lvl5pPr>
+            <a:lvl6pPr marL="2514600" indent="-228600" algn="l" defTabSz="914400" rtl="0" eaLnBrk="1" latinLnBrk="0" hangingPunct="1">
+              <a:lnSpc>
+                <a:spcPct val="90000"/>
+              </a:lnSpc>
+              <a:spcBef>
+                <a:spcPts val="500"/>
+              </a:spcBef>
+              <a:buFont typeface="Arial" panose="020B0604020202020204" pitchFamily="34" charset="0"/>
+              <a:buChar char="•"/>
+              <a:defRPr sz="1800" kern="1200">
+                <a:solidFill>
+                  <a:schemeClr val="tx1"/>
+                </a:solidFill>
+                <a:latin typeface="+mn-lt"/>
+                <a:ea typeface="+mn-ea"/>
+                <a:cs typeface="+mn-cs"/>
+              </a:defRPr>
+            </a:lvl6pPr>
+            <a:lvl7pPr marL="2971800" indent="-228600" algn="l" defTabSz="914400" rtl="0" eaLnBrk="1" latinLnBrk="0" hangingPunct="1">
+              <a:lnSpc>
+                <a:spcPct val="90000"/>
+              </a:lnSpc>
+              <a:spcBef>
+                <a:spcPts val="500"/>
+              </a:spcBef>
+              <a:buFont typeface="Arial" panose="020B0604020202020204" pitchFamily="34" charset="0"/>
+              <a:buChar char="•"/>
+              <a:defRPr sz="1800" kern="1200">
+                <a:solidFill>
+                  <a:schemeClr val="tx1"/>
+                </a:solidFill>
+                <a:latin typeface="+mn-lt"/>
+                <a:ea typeface="+mn-ea"/>
+                <a:cs typeface="+mn-cs"/>
+              </a:defRPr>
+            </a:lvl7pPr>
+            <a:lvl8pPr marL="3429000" indent="-228600" algn="l" defTabSz="914400" rtl="0" eaLnBrk="1" latinLnBrk="0" hangingPunct="1">
+              <a:lnSpc>
+                <a:spcPct val="90000"/>
+              </a:lnSpc>
+              <a:spcBef>
+                <a:spcPts val="500"/>
+              </a:spcBef>
+              <a:buFont typeface="Arial" panose="020B0604020202020204" pitchFamily="34" charset="0"/>
+              <a:buChar char="•"/>
+              <a:defRPr sz="1800" kern="1200">
+                <a:solidFill>
+                  <a:schemeClr val="tx1"/>
+                </a:solidFill>
+                <a:latin typeface="+mn-lt"/>
+                <a:ea typeface="+mn-ea"/>
+                <a:cs typeface="+mn-cs"/>
+              </a:defRPr>
+            </a:lvl8pPr>
+            <a:lvl9pPr marL="3886200" indent="-228600" algn="l" defTabSz="914400" rtl="0" eaLnBrk="1" latinLnBrk="0" hangingPunct="1">
+              <a:lnSpc>
+                <a:spcPct val="90000"/>
+              </a:lnSpc>
+              <a:spcBef>
+                <a:spcPts val="500"/>
+              </a:spcBef>
+              <a:buFont typeface="Arial" panose="020B0604020202020204" pitchFamily="34" charset="0"/>
+              <a:buChar char="•"/>
+              <a:defRPr sz="1800" kern="1200">
+                <a:solidFill>
+                  <a:schemeClr val="tx1"/>
+                </a:solidFill>
+                <a:latin typeface="+mn-lt"/>
+                <a:ea typeface="+mn-ea"/>
+                <a:cs typeface="+mn-cs"/>
+              </a:defRPr>
+            </a:lvl9pPr>
+          </a:lstStyle>
+          <a:p>
+            <a:r>
+              <a:rPr lang="nl-NL"/>
+              <a:t>@eScienceCenter</a:t>
+            </a:r>
+          </a:p>
+        </p:txBody>
+      </p:sp>
+      <p:sp>
+        <p:nvSpPr>
+          <p:cNvPr id="31" name="Tijdelijke aanduiding voor tekst 7">
+            <a:extLst>
+              <a:ext uri="{FF2B5EF4-FFF2-40B4-BE49-F238E27FC236}">
+                <a16:creationId xmlns:a16="http://schemas.microsoft.com/office/drawing/2014/main" id="{9AB01774-7DC4-364E-9EE8-0EF0F20B39C5}"/>
+              </a:ext>
+            </a:extLst>
+          </p:cNvPr>
+          <p:cNvSpPr txBox="1">
+            <a:spLocks/>
+          </p:cNvSpPr>
+          <p:nvPr/>
+        </p:nvSpPr>
+        <p:spPr>
+          <a:xfrm>
+            <a:off x="6637989" y="4004074"/>
+            <a:ext cx="3334964" cy="454071"/>
+          </a:xfrm>
+          <a:prstGeom prst="rect">
+            <a:avLst/>
+          </a:prstGeom>
+        </p:spPr>
+        <p:txBody>
+          <a:bodyPr vert="horz" lIns="91440" tIns="45720" rIns="91440" bIns="45720" rtlCol="0">
+            <a:noAutofit/>
+          </a:bodyPr>
+          <a:lstStyle>
+            <a:lvl1pPr marL="0" indent="0" algn="l" defTabSz="914400" rtl="0" eaLnBrk="1" latinLnBrk="0" hangingPunct="1">
+              <a:lnSpc>
+                <a:spcPct val="100000"/>
+              </a:lnSpc>
+              <a:spcBef>
+                <a:spcPts val="1000"/>
+              </a:spcBef>
+              <a:buFont typeface="Arial" panose="020B0604020202020204" pitchFamily="34" charset="0"/>
+              <a:buNone/>
+              <a:defRPr sz="1400" kern="1200" baseline="0">
+                <a:solidFill>
+                  <a:schemeClr val="bg1"/>
+                </a:solidFill>
+                <a:latin typeface="+mn-lt"/>
+                <a:ea typeface="+mn-ea"/>
+                <a:cs typeface="+mn-cs"/>
+              </a:defRPr>
+            </a:lvl1pPr>
+            <a:lvl2pPr marL="457200" indent="0" algn="l" defTabSz="914400" rtl="0" eaLnBrk="1" latinLnBrk="0" hangingPunct="1">
+              <a:lnSpc>
+                <a:spcPct val="100000"/>
+              </a:lnSpc>
+              <a:spcBef>
+                <a:spcPts val="500"/>
+              </a:spcBef>
+              <a:buFont typeface="Arial" panose="020B0604020202020204" pitchFamily="34" charset="0"/>
+              <a:buNone/>
+              <a:defRPr sz="1600" kern="1200">
+                <a:solidFill>
+                  <a:schemeClr val="tx1"/>
+                </a:solidFill>
+                <a:latin typeface="+mn-lt"/>
+                <a:ea typeface="+mn-ea"/>
+                <a:cs typeface="+mn-cs"/>
+              </a:defRPr>
+            </a:lvl2pPr>
+            <a:lvl3pPr marL="914400" indent="0" algn="l" defTabSz="914400" rtl="0" eaLnBrk="1" latinLnBrk="0" hangingPunct="1">
+              <a:lnSpc>
+                <a:spcPct val="100000"/>
+              </a:lnSpc>
+              <a:spcBef>
+                <a:spcPts val="500"/>
+              </a:spcBef>
+              <a:buFont typeface="Arial" panose="020B0604020202020204" pitchFamily="34" charset="0"/>
+              <a:buNone/>
+              <a:defRPr sz="1600" kern="1200">
+                <a:solidFill>
+                  <a:schemeClr val="tx1"/>
+                </a:solidFill>
+                <a:latin typeface="+mn-lt"/>
+                <a:ea typeface="+mn-ea"/>
+                <a:cs typeface="+mn-cs"/>
+              </a:defRPr>
+            </a:lvl3pPr>
+            <a:lvl4pPr marL="1371600" indent="0" algn="l" defTabSz="914400" rtl="0" eaLnBrk="1" latinLnBrk="0" hangingPunct="1">
+              <a:lnSpc>
+                <a:spcPct val="100000"/>
+              </a:lnSpc>
+              <a:spcBef>
+                <a:spcPts val="500"/>
+              </a:spcBef>
+              <a:buFont typeface="Arial" panose="020B0604020202020204" pitchFamily="34" charset="0"/>
+              <a:buNone/>
+              <a:defRPr sz="1600" kern="1200">
+                <a:solidFill>
+                  <a:schemeClr val="tx1"/>
+                </a:solidFill>
+                <a:latin typeface="+mn-lt"/>
+                <a:ea typeface="+mn-ea"/>
+                <a:cs typeface="+mn-cs"/>
+              </a:defRPr>
+            </a:lvl4pPr>
+            <a:lvl5pPr marL="1828800" indent="0" algn="l" defTabSz="914400" rtl="0" eaLnBrk="1" latinLnBrk="0" hangingPunct="1">
+              <a:lnSpc>
+                <a:spcPct val="100000"/>
+              </a:lnSpc>
+              <a:spcBef>
+                <a:spcPts val="500"/>
+              </a:spcBef>
+              <a:buFont typeface="Arial" panose="020B0604020202020204" pitchFamily="34" charset="0"/>
+              <a:buNone/>
+              <a:defRPr sz="1600" kern="1200">
+                <a:solidFill>
+                  <a:schemeClr val="tx1"/>
+                </a:solidFill>
+                <a:latin typeface="+mn-lt"/>
+                <a:ea typeface="+mn-ea"/>
+                <a:cs typeface="+mn-cs"/>
+              </a:defRPr>
+            </a:lvl5pPr>
+            <a:lvl6pPr marL="2514600" indent="-228600" algn="l" defTabSz="914400" rtl="0" eaLnBrk="1" latinLnBrk="0" hangingPunct="1">
+              <a:lnSpc>
+                <a:spcPct val="90000"/>
+              </a:lnSpc>
+              <a:spcBef>
+                <a:spcPts val="500"/>
+              </a:spcBef>
+              <a:buFont typeface="Arial" panose="020B0604020202020204" pitchFamily="34" charset="0"/>
+              <a:buChar char="•"/>
+              <a:defRPr sz="1800" kern="1200">
+                <a:solidFill>
+                  <a:schemeClr val="tx1"/>
+                </a:solidFill>
+                <a:latin typeface="+mn-lt"/>
+                <a:ea typeface="+mn-ea"/>
+                <a:cs typeface="+mn-cs"/>
+              </a:defRPr>
+            </a:lvl6pPr>
+            <a:lvl7pPr marL="2971800" indent="-228600" algn="l" defTabSz="914400" rtl="0" eaLnBrk="1" latinLnBrk="0" hangingPunct="1">
+              <a:lnSpc>
+                <a:spcPct val="90000"/>
+              </a:lnSpc>
+              <a:spcBef>
+                <a:spcPts val="500"/>
+              </a:spcBef>
+              <a:buFont typeface="Arial" panose="020B0604020202020204" pitchFamily="34" charset="0"/>
+              <a:buChar char="•"/>
+              <a:defRPr sz="1800" kern="1200">
+                <a:solidFill>
+                  <a:schemeClr val="tx1"/>
+                </a:solidFill>
+                <a:latin typeface="+mn-lt"/>
+                <a:ea typeface="+mn-ea"/>
+                <a:cs typeface="+mn-cs"/>
+              </a:defRPr>
+            </a:lvl7pPr>
+            <a:lvl8pPr marL="3429000" indent="-228600" algn="l" defTabSz="914400" rtl="0" eaLnBrk="1" latinLnBrk="0" hangingPunct="1">
+              <a:lnSpc>
+                <a:spcPct val="90000"/>
+              </a:lnSpc>
+              <a:spcBef>
+                <a:spcPts val="500"/>
+              </a:spcBef>
+              <a:buFont typeface="Arial" panose="020B0604020202020204" pitchFamily="34" charset="0"/>
+              <a:buChar char="•"/>
+              <a:defRPr sz="1800" kern="1200">
+                <a:solidFill>
+                  <a:schemeClr val="tx1"/>
+                </a:solidFill>
+                <a:latin typeface="+mn-lt"/>
+                <a:ea typeface="+mn-ea"/>
+                <a:cs typeface="+mn-cs"/>
+              </a:defRPr>
+            </a:lvl8pPr>
+            <a:lvl9pPr marL="3886200" indent="-228600" algn="l" defTabSz="914400" rtl="0" eaLnBrk="1" latinLnBrk="0" hangingPunct="1">
+              <a:lnSpc>
+                <a:spcPct val="90000"/>
+              </a:lnSpc>
+              <a:spcBef>
+                <a:spcPts val="500"/>
+              </a:spcBef>
+              <a:buFont typeface="Arial" panose="020B0604020202020204" pitchFamily="34" charset="0"/>
+              <a:buChar char="•"/>
+              <a:defRPr sz="1800" kern="1200">
+                <a:solidFill>
+                  <a:schemeClr val="tx1"/>
+                </a:solidFill>
+                <a:latin typeface="+mn-lt"/>
+                <a:ea typeface="+mn-ea"/>
+                <a:cs typeface="+mn-cs"/>
+              </a:defRPr>
+            </a:lvl9pPr>
+          </a:lstStyle>
+          <a:p>
+            <a:r>
+              <a:rPr lang="nl-NL"/>
+              <a:t>Netherlands </a:t>
+            </a:r>
+            <a:r>
+              <a:rPr lang="nl-NL" err="1"/>
+              <a:t>Escience</a:t>
+            </a:r>
+            <a:r>
+              <a:rPr lang="nl-NL"/>
+              <a:t> Center</a:t>
+            </a:r>
+          </a:p>
+        </p:txBody>
+      </p:sp>
+      <p:sp>
+        <p:nvSpPr>
+          <p:cNvPr id="32" name="Tijdelijke aanduiding voor tekst 7">
+            <a:extLst>
+              <a:ext uri="{FF2B5EF4-FFF2-40B4-BE49-F238E27FC236}">
+                <a16:creationId xmlns:a16="http://schemas.microsoft.com/office/drawing/2014/main" id="{7A7B6EB6-E8CF-F63F-F735-8B4CEC7E4E18}"/>
+              </a:ext>
+            </a:extLst>
+          </p:cNvPr>
+          <p:cNvSpPr txBox="1">
+            <a:spLocks/>
+          </p:cNvSpPr>
+          <p:nvPr/>
+        </p:nvSpPr>
+        <p:spPr>
+          <a:xfrm>
+            <a:off x="6620957" y="4572488"/>
+            <a:ext cx="3334964" cy="454071"/>
+          </a:xfrm>
+          <a:prstGeom prst="rect">
+            <a:avLst/>
+          </a:prstGeom>
+        </p:spPr>
+        <p:txBody>
+          <a:bodyPr vert="horz" lIns="91440" tIns="45720" rIns="91440" bIns="45720" rtlCol="0">
+            <a:noAutofit/>
+          </a:bodyPr>
+          <a:lstStyle>
+            <a:lvl1pPr marL="0" indent="0" algn="l" defTabSz="914400" rtl="0" eaLnBrk="1" latinLnBrk="0" hangingPunct="1">
+              <a:lnSpc>
+                <a:spcPct val="100000"/>
+              </a:lnSpc>
+              <a:spcBef>
+                <a:spcPts val="1000"/>
+              </a:spcBef>
+              <a:buFont typeface="Arial" panose="020B0604020202020204" pitchFamily="34" charset="0"/>
+              <a:buNone/>
+              <a:defRPr sz="1400" kern="1200" baseline="0">
+                <a:solidFill>
+                  <a:schemeClr val="bg1"/>
+                </a:solidFill>
+                <a:latin typeface="+mn-lt"/>
+                <a:ea typeface="+mn-ea"/>
+                <a:cs typeface="+mn-cs"/>
+              </a:defRPr>
+            </a:lvl1pPr>
+            <a:lvl2pPr marL="457200" indent="0" algn="l" defTabSz="914400" rtl="0" eaLnBrk="1" latinLnBrk="0" hangingPunct="1">
+              <a:lnSpc>
+                <a:spcPct val="100000"/>
+              </a:lnSpc>
+              <a:spcBef>
+                <a:spcPts val="500"/>
+              </a:spcBef>
+              <a:buFont typeface="Arial" panose="020B0604020202020204" pitchFamily="34" charset="0"/>
+              <a:buNone/>
+              <a:defRPr sz="1600" kern="1200">
+                <a:solidFill>
+                  <a:schemeClr val="tx1"/>
+                </a:solidFill>
+                <a:latin typeface="+mn-lt"/>
+                <a:ea typeface="+mn-ea"/>
+                <a:cs typeface="+mn-cs"/>
+              </a:defRPr>
+            </a:lvl2pPr>
+            <a:lvl3pPr marL="914400" indent="0" algn="l" defTabSz="914400" rtl="0" eaLnBrk="1" latinLnBrk="0" hangingPunct="1">
+              <a:lnSpc>
+                <a:spcPct val="100000"/>
+              </a:lnSpc>
+              <a:spcBef>
+                <a:spcPts val="500"/>
+              </a:spcBef>
+              <a:buFont typeface="Arial" panose="020B0604020202020204" pitchFamily="34" charset="0"/>
+              <a:buNone/>
+              <a:defRPr sz="1600" kern="1200">
+                <a:solidFill>
+                  <a:schemeClr val="tx1"/>
+                </a:solidFill>
+                <a:latin typeface="+mn-lt"/>
+                <a:ea typeface="+mn-ea"/>
+                <a:cs typeface="+mn-cs"/>
+              </a:defRPr>
+            </a:lvl3pPr>
+            <a:lvl4pPr marL="1371600" indent="0" algn="l" defTabSz="914400" rtl="0" eaLnBrk="1" latinLnBrk="0" hangingPunct="1">
+              <a:lnSpc>
+                <a:spcPct val="100000"/>
+              </a:lnSpc>
+              <a:spcBef>
+                <a:spcPts val="500"/>
+              </a:spcBef>
+              <a:buFont typeface="Arial" panose="020B0604020202020204" pitchFamily="34" charset="0"/>
+              <a:buNone/>
+              <a:defRPr sz="1600" kern="1200">
+                <a:solidFill>
+                  <a:schemeClr val="tx1"/>
+                </a:solidFill>
+                <a:latin typeface="+mn-lt"/>
+                <a:ea typeface="+mn-ea"/>
+                <a:cs typeface="+mn-cs"/>
+              </a:defRPr>
+            </a:lvl4pPr>
+            <a:lvl5pPr marL="1828800" indent="0" algn="l" defTabSz="914400" rtl="0" eaLnBrk="1" latinLnBrk="0" hangingPunct="1">
+              <a:lnSpc>
+                <a:spcPct val="100000"/>
+              </a:lnSpc>
+              <a:spcBef>
+                <a:spcPts val="500"/>
+              </a:spcBef>
+              <a:buFont typeface="Arial" panose="020B0604020202020204" pitchFamily="34" charset="0"/>
+              <a:buNone/>
+              <a:defRPr sz="1600" kern="1200">
+                <a:solidFill>
+                  <a:schemeClr val="tx1"/>
+                </a:solidFill>
+                <a:latin typeface="+mn-lt"/>
+                <a:ea typeface="+mn-ea"/>
+                <a:cs typeface="+mn-cs"/>
+              </a:defRPr>
+            </a:lvl5pPr>
+            <a:lvl6pPr marL="2514600" indent="-228600" algn="l" defTabSz="914400" rtl="0" eaLnBrk="1" latinLnBrk="0" hangingPunct="1">
+              <a:lnSpc>
+                <a:spcPct val="90000"/>
+              </a:lnSpc>
+              <a:spcBef>
+                <a:spcPts val="500"/>
+              </a:spcBef>
+              <a:buFont typeface="Arial" panose="020B0604020202020204" pitchFamily="34" charset="0"/>
+              <a:buChar char="•"/>
+              <a:defRPr sz="1800" kern="1200">
+                <a:solidFill>
+                  <a:schemeClr val="tx1"/>
+                </a:solidFill>
+                <a:latin typeface="+mn-lt"/>
+                <a:ea typeface="+mn-ea"/>
+                <a:cs typeface="+mn-cs"/>
+              </a:defRPr>
+            </a:lvl6pPr>
+            <a:lvl7pPr marL="2971800" indent="-228600" algn="l" defTabSz="914400" rtl="0" eaLnBrk="1" latinLnBrk="0" hangingPunct="1">
+              <a:lnSpc>
+                <a:spcPct val="90000"/>
+              </a:lnSpc>
+              <a:spcBef>
+                <a:spcPts val="500"/>
+              </a:spcBef>
+              <a:buFont typeface="Arial" panose="020B0604020202020204" pitchFamily="34" charset="0"/>
+              <a:buChar char="•"/>
+              <a:defRPr sz="1800" kern="1200">
+                <a:solidFill>
+                  <a:schemeClr val="tx1"/>
+                </a:solidFill>
+                <a:latin typeface="+mn-lt"/>
+                <a:ea typeface="+mn-ea"/>
+                <a:cs typeface="+mn-cs"/>
+              </a:defRPr>
+            </a:lvl7pPr>
+            <a:lvl8pPr marL="3429000" indent="-228600" algn="l" defTabSz="914400" rtl="0" eaLnBrk="1" latinLnBrk="0" hangingPunct="1">
+              <a:lnSpc>
+                <a:spcPct val="90000"/>
+              </a:lnSpc>
+              <a:spcBef>
+                <a:spcPts val="500"/>
+              </a:spcBef>
+              <a:buFont typeface="Arial" panose="020B0604020202020204" pitchFamily="34" charset="0"/>
+              <a:buChar char="•"/>
+              <a:defRPr sz="1800" kern="1200">
+                <a:solidFill>
+                  <a:schemeClr val="tx1"/>
+                </a:solidFill>
+                <a:latin typeface="+mn-lt"/>
+                <a:ea typeface="+mn-ea"/>
+                <a:cs typeface="+mn-cs"/>
+              </a:defRPr>
+            </a:lvl8pPr>
+            <a:lvl9pPr marL="3886200" indent="-228600" algn="l" defTabSz="914400" rtl="0" eaLnBrk="1" latinLnBrk="0" hangingPunct="1">
+              <a:lnSpc>
+                <a:spcPct val="90000"/>
+              </a:lnSpc>
+              <a:spcBef>
+                <a:spcPts val="500"/>
+              </a:spcBef>
+              <a:buFont typeface="Arial" panose="020B0604020202020204" pitchFamily="34" charset="0"/>
+              <a:buChar char="•"/>
+              <a:defRPr sz="1800" kern="1200">
+                <a:solidFill>
+                  <a:schemeClr val="tx1"/>
+                </a:solidFill>
+                <a:latin typeface="+mn-lt"/>
+                <a:ea typeface="+mn-ea"/>
+                <a:cs typeface="+mn-cs"/>
+              </a:defRPr>
+            </a:lvl9pPr>
+          </a:lstStyle>
+          <a:p>
+            <a:r>
+              <a:rPr lang="nl-NL"/>
+              <a:t>@eScienceCenter@akademienl.social</a:t>
+            </a:r>
+          </a:p>
+        </p:txBody>
+      </p:sp>
+      <p:pic>
+        <p:nvPicPr>
+          <p:cNvPr id="12" name="Afbeelding 11">
+            <a:extLst>
+              <a:ext uri="{FF2B5EF4-FFF2-40B4-BE49-F238E27FC236}">
+                <a16:creationId xmlns:a16="http://schemas.microsoft.com/office/drawing/2014/main" id="{3E68E063-8371-45E0-6DE5-4FA1EE0E4369}"/>
+              </a:ext>
+            </a:extLst>
+          </p:cNvPr>
+          <p:cNvPicPr>
+            <a:picLocks noChangeAspect="1"/>
+          </p:cNvPicPr>
+          <p:nvPr/>
+        </p:nvPicPr>
+        <p:blipFill>
+          <a:blip r:embed="rId16" cstate="print">
+            <a:extLst>
+              <a:ext uri="{28A0092B-C50C-407E-A947-70E740481C1C}">
+                <a14:useLocalDpi xmlns:a14="http://schemas.microsoft.com/office/drawing/2010/main" val="0"/>
+              </a:ext>
+            </a:extLst>
+          </a:blip>
+          <a:stretch>
+            <a:fillRect/>
+          </a:stretch>
+        </p:blipFill>
+        <p:spPr>
+          <a:xfrm>
+            <a:off x="801625" y="1509042"/>
+            <a:ext cx="2086750" cy="2086750"/>
+          </a:xfrm>
+          <a:prstGeom prst="rect">
+            <a:avLst/>
+          </a:prstGeom>
+        </p:spPr>
+      </p:pic>
+    </p:spTree>
+    <p:extLst>
+      <p:ext uri="{BB962C8B-B14F-4D97-AF65-F5344CB8AC3E}">
+        <p14:creationId xmlns:p14="http://schemas.microsoft.com/office/powerpoint/2010/main" val="2203836931"/>
+      </p:ext>
+    </p:extLst>
+  </p:cSld>
+  <p:clrMapOvr>
+    <a:masterClrMapping/>
+  </p:clrMapOvr>
+</p:sld>
+</file>
+
+<file path=ppt/slides/slide11.xml><?xml version="1.0" encoding="utf-8"?>
 <p:sld xmlns:a="http://schemas.openxmlformats.org/drawingml/2006/main" xmlns:r="http://schemas.openxmlformats.org/officeDocument/2006/relationships" xmlns:p="http://schemas.openxmlformats.org/presentationml/2006/main">
   <p:cSld>
     <p:spTree>
@@ -21980,7 +23377,7 @@
 </p:sld>
 </file>
 
-<file path=ppt/slides/slide11.xml><?xml version="1.0" encoding="utf-8"?>
+<file path=ppt/slides/slide12.xml><?xml version="1.0" encoding="utf-8"?>
 <p:sld xmlns:a="http://schemas.openxmlformats.org/drawingml/2006/main" xmlns:r="http://schemas.openxmlformats.org/officeDocument/2006/relationships" xmlns:p="http://schemas.openxmlformats.org/presentationml/2006/main">
   <p:cSld>
     <p:spTree>
@@ -23735,7 +25132,7 @@
           <a:p>
             <a:r>
               <a:rPr lang="en-US" dirty="0"/>
-              <a:t>Repo cloned?</a:t>
+              <a:t>Data downloaded?</a:t>
             </a:r>
           </a:p>
           <a:p>
@@ -23744,7 +25141,15 @@
             </a:pPr>
             <a:r>
               <a:rPr lang="en-US" sz="1100" dirty="0"/>
-              <a:t>       (https://github.com/esciencecenter-digital-skills/medical-image-processing/)</a:t>
+              <a:t>       (You can download from </a:t>
+            </a:r>
+            <a:r>
+              <a:rPr lang="en-US" sz="1100" dirty="0" err="1"/>
+              <a:t>Zenodo</a:t>
+            </a:r>
+            <a:r>
+              <a:rPr lang="en-US" sz="1100" dirty="0"/>
+              <a:t> by instructions)</a:t>
             </a:r>
           </a:p>
           <a:p>
@@ -23766,10 +25171,7 @@
             <a:pPr marL="457200" lvl="1" indent="0">
               <a:buNone/>
             </a:pPr>
-            <a:r>
-              <a:rPr lang="en-US" sz="1600" dirty="0"/>
-              <a:t>Can you start running the extra materials notebook?</a:t>
-            </a:r>
+            <a:endParaRPr lang="en-US" sz="1600" dirty="0"/>
           </a:p>
           <a:p>
             <a:endParaRPr lang="en-US" dirty="0"/>
@@ -26088,7 +27490,7 @@
           </a:lstStyle>
           <a:p>
             <a:r>
-              <a:rPr lang="en-GB" sz="2000">
+              <a:rPr lang="en-GB" sz="2000" dirty="0">
                 <a:solidFill>
                   <a:srgbClr val="000000"/>
                 </a:solidFill>
@@ -26098,13 +27500,13 @@
               <a:t>For exact dates of upcoming workshops (3 months in advance): </a:t>
             </a:r>
             <a:br>
-              <a:rPr lang="en-GB" sz="2000">
+              <a:rPr lang="en-GB" sz="2000" dirty="0">
                 <a:latin typeface="Assistant" pitchFamily="2" charset="-79"/>
                 <a:cs typeface="Assistant" pitchFamily="2" charset="-79"/>
               </a:rPr>
             </a:br>
             <a:r>
-              <a:rPr lang="en-GB" sz="2000">
+              <a:rPr lang="en-GB" sz="2000" dirty="0">
                 <a:solidFill>
                   <a:srgbClr val="00ADDC"/>
                 </a:solidFill>
@@ -26120,7 +27522,7 @@
               </a:rPr>
               <a:t>esciencecenter.nl/events/?f=workshops</a:t>
             </a:r>
-            <a:endParaRPr lang="en-GB" sz="2000">
+            <a:endParaRPr lang="en-GB" sz="2000" dirty="0">
               <a:solidFill>
                 <a:schemeClr val="accent1"/>
               </a:solidFill>
@@ -26137,14 +27539,14 @@
           </a:p>
           <a:p>
             <a:r>
-              <a:rPr lang="en-GB" sz="2000">
+              <a:rPr lang="en-GB" sz="2000" dirty="0">
                 <a:latin typeface="Assistant" pitchFamily="2" charset="-79"/>
                 <a:cs typeface="Assistant" pitchFamily="2" charset="-79"/>
               </a:rPr>
               <a:t>To be notified about coming up workshops, subscribe to the Newsletter: </a:t>
             </a:r>
             <a:r>
-              <a:rPr lang="en-GB" sz="2000">
+              <a:rPr lang="en-GB" sz="2000" dirty="0">
                 <a:solidFill>
                   <a:srgbClr val="00ADDC"/>
                 </a:solidFill>
@@ -26161,7 +27563,7 @@
               <a:t>eepurl.com/</a:t>
             </a:r>
             <a:r>
-              <a:rPr lang="en-GB" sz="2000" err="1">
+              <a:rPr lang="en-GB" sz="2000" dirty="0" err="1">
                 <a:solidFill>
                   <a:srgbClr val="00ADDC"/>
                 </a:solidFill>
@@ -26177,7 +27579,7 @@
               </a:rPr>
               <a:t>dtjzwP</a:t>
             </a:r>
-            <a:endParaRPr lang="en-NL" sz="2000"/>
+            <a:endParaRPr lang="en-NL" sz="2000" dirty="0"/>
           </a:p>
         </p:txBody>
       </p:sp>
@@ -26931,59 +28333,10 @@
       </p:grpSpPr>
       <p:sp>
         <p:nvSpPr>
-          <p:cNvPr id="28" name="Rechthoek 27">
-            <a:extLst>
-              <a:ext uri="{FF2B5EF4-FFF2-40B4-BE49-F238E27FC236}">
-                <a16:creationId xmlns:a16="http://schemas.microsoft.com/office/drawing/2014/main" id="{87912A70-C0B3-E6FA-DBEB-210D517D3DA7}"/>
-              </a:ext>
-            </a:extLst>
-          </p:cNvPr>
-          <p:cNvSpPr/>
-          <p:nvPr/>
-        </p:nvSpPr>
-        <p:spPr>
-          <a:xfrm>
-            <a:off x="4063977" y="166792"/>
-            <a:ext cx="8127953" cy="6858000"/>
-          </a:xfrm>
-          <a:prstGeom prst="rect">
-            <a:avLst/>
-          </a:prstGeom>
-          <a:ln>
-            <a:noFill/>
-          </a:ln>
-        </p:spPr>
-        <p:style>
-          <a:lnRef idx="2">
-            <a:schemeClr val="accent1">
-              <a:shade val="50000"/>
-            </a:schemeClr>
-          </a:lnRef>
-          <a:fillRef idx="1">
-            <a:schemeClr val="accent1"/>
-          </a:fillRef>
-          <a:effectRef idx="0">
-            <a:schemeClr val="accent1"/>
-          </a:effectRef>
-          <a:fontRef idx="minor">
-            <a:schemeClr val="lt1"/>
-          </a:fontRef>
-        </p:style>
-        <p:txBody>
-          <a:bodyPr rtlCol="0" anchor="ctr"/>
-          <a:lstStyle/>
-          <a:p>
-            <a:pPr algn="ctr"/>
-            <a:endParaRPr lang="nl-NL"/>
-          </a:p>
-        </p:txBody>
-      </p:sp>
-      <p:sp>
-        <p:nvSpPr>
           <p:cNvPr id="2" name="Title 1">
             <a:extLst>
               <a:ext uri="{FF2B5EF4-FFF2-40B4-BE49-F238E27FC236}">
-                <a16:creationId xmlns:a16="http://schemas.microsoft.com/office/drawing/2014/main" id="{D898023C-E8B0-5D45-B2E2-C470D19A2F59}"/>
+                <a16:creationId xmlns:a16="http://schemas.microsoft.com/office/drawing/2014/main" id="{79E75BE8-B3AF-0AD1-5D90-E836C876BD66}"/>
               </a:ext>
             </a:extLst>
           </p:cNvPr>
@@ -26991,277 +28344,40 @@
             <a:spLocks noGrp="1"/>
           </p:cNvSpPr>
           <p:nvPr>
-            <p:ph type="title" hasCustomPrompt="1"/>
+            <p:ph type="ctrTitle"/>
           </p:nvPr>
         </p:nvSpPr>
         <p:spPr>
           <a:xfrm>
-            <a:off x="623980" y="3767353"/>
-            <a:ext cx="3034539" cy="1325563"/>
+            <a:off x="1369237" y="1093907"/>
+            <a:ext cx="9144000" cy="753432"/>
           </a:xfrm>
         </p:spPr>
         <p:txBody>
           <a:bodyPr/>
-          <a:lstStyle>
-            <a:lvl1pPr>
-              <a:defRPr/>
-            </a:lvl1pPr>
-          </a:lstStyle>
-          <a:p>
+          <a:lstStyle/>
+          <a:p>
+            <a:pPr algn="l"/>
             <a:r>
-              <a:rPr lang="en-US"/>
-              <a:t>Let’s stay</a:t>
+              <a:rPr lang="en-US" sz="4400" dirty="0">
+                <a:ea typeface="+mj-lt"/>
+                <a:cs typeface="+mj-lt"/>
+              </a:rPr>
+              <a:t>Do you want to connect to fellow Research software Trainers?</a:t>
             </a:r>
-            <a:br>
-              <a:rPr lang="en-US"/>
-            </a:br>
-            <a:r>
-              <a:rPr lang="en-US"/>
-              <a:t>in touch</a:t>
-            </a:r>
-          </a:p>
-        </p:txBody>
-      </p:sp>
-      <p:sp>
-        <p:nvSpPr>
-          <p:cNvPr id="3" name="Tijdelijke aanduiding voor tekst 7">
-            <a:extLst>
-              <a:ext uri="{FF2B5EF4-FFF2-40B4-BE49-F238E27FC236}">
-                <a16:creationId xmlns:a16="http://schemas.microsoft.com/office/drawing/2014/main" id="{3AD75782-B307-EE4B-B28C-3341D9638E95}"/>
-              </a:ext>
-            </a:extLst>
-          </p:cNvPr>
-          <p:cNvSpPr>
-            <a:spLocks noGrp="1"/>
-          </p:cNvSpPr>
-          <p:nvPr>
-            <p:ph type="body" sz="quarter" idx="13" hasCustomPrompt="1"/>
-          </p:nvPr>
-        </p:nvSpPr>
-        <p:spPr>
-          <a:xfrm>
-            <a:off x="6640980" y="1852539"/>
-            <a:ext cx="3592232" cy="454071"/>
-          </a:xfrm>
-        </p:spPr>
-        <p:txBody>
-          <a:bodyPr/>
-          <a:lstStyle>
-            <a:lvl1pPr marL="0" indent="0">
-              <a:lnSpc>
-                <a:spcPct val="100000"/>
-              </a:lnSpc>
-              <a:buNone/>
-              <a:defRPr sz="1400" baseline="0">
-                <a:solidFill>
-                  <a:schemeClr val="bg1"/>
-                </a:solidFill>
-              </a:defRPr>
-            </a:lvl1pPr>
-            <a:lvl2pPr marL="457200" indent="0">
-              <a:buNone/>
-              <a:defRPr sz="1600"/>
-            </a:lvl2pPr>
-            <a:lvl3pPr marL="914400" indent="0">
-              <a:buNone/>
-              <a:defRPr sz="1600"/>
-            </a:lvl3pPr>
-            <a:lvl4pPr marL="1371600" indent="0">
-              <a:buNone/>
-              <a:defRPr sz="1600"/>
-            </a:lvl4pPr>
-            <a:lvl5pPr marL="1828800" indent="0">
-              <a:buNone/>
-              <a:defRPr sz="1600"/>
-            </a:lvl5pPr>
-          </a:lstStyle>
-          <a:p>
-            <a:pPr lvl="0"/>
-            <a:r>
-              <a:rPr lang="nl-NL" dirty="0" err="1"/>
-              <a:t>https</a:t>
-            </a:r>
-            <a:r>
-              <a:rPr lang="nl-NL" dirty="0"/>
-              <a:t>://</a:t>
-            </a:r>
-            <a:r>
-              <a:rPr lang="nl-NL" dirty="0" err="1"/>
-              <a:t>www.esciencecenter.nl</a:t>
-            </a:r>
-            <a:r>
-              <a:rPr lang="nl-NL" dirty="0"/>
-              <a:t>/digital-skills/</a:t>
-            </a:r>
-          </a:p>
-        </p:txBody>
-      </p:sp>
-      <p:sp>
-        <p:nvSpPr>
-          <p:cNvPr id="4" name="Tijdelijke aanduiding voor tekst 7">
-            <a:extLst>
-              <a:ext uri="{FF2B5EF4-FFF2-40B4-BE49-F238E27FC236}">
-                <a16:creationId xmlns:a16="http://schemas.microsoft.com/office/drawing/2014/main" id="{95E3912A-4C7D-E14E-AA32-A9DFF63E84BE}"/>
-              </a:ext>
-            </a:extLst>
-          </p:cNvPr>
-          <p:cNvSpPr>
-            <a:spLocks noGrp="1"/>
-          </p:cNvSpPr>
-          <p:nvPr>
-            <p:ph type="body" sz="quarter" idx="14" hasCustomPrompt="1"/>
-          </p:nvPr>
-        </p:nvSpPr>
-        <p:spPr>
-          <a:xfrm>
-            <a:off x="6640981" y="2352616"/>
-            <a:ext cx="3334964" cy="454071"/>
-          </a:xfrm>
-        </p:spPr>
-        <p:txBody>
-          <a:bodyPr/>
-          <a:lstStyle>
-            <a:lvl1pPr marL="0" indent="0">
-              <a:lnSpc>
-                <a:spcPct val="100000"/>
-              </a:lnSpc>
-              <a:buNone/>
-              <a:defRPr sz="1400" baseline="0">
-                <a:solidFill>
-                  <a:schemeClr val="bg1"/>
-                </a:solidFill>
-              </a:defRPr>
-            </a:lvl1pPr>
-            <a:lvl2pPr marL="457200" indent="0">
-              <a:buNone/>
-              <a:defRPr sz="1600"/>
-            </a:lvl2pPr>
-            <a:lvl3pPr marL="914400" indent="0">
-              <a:buNone/>
-              <a:defRPr sz="1600"/>
-            </a:lvl3pPr>
-            <a:lvl4pPr marL="1371600" indent="0">
-              <a:buNone/>
-              <a:defRPr sz="1600"/>
-            </a:lvl4pPr>
-            <a:lvl5pPr marL="1828800" indent="0">
-              <a:buNone/>
-              <a:defRPr sz="1600"/>
-            </a:lvl5pPr>
-          </a:lstStyle>
-          <a:p>
-            <a:pPr lvl="0"/>
-            <a:r>
-              <a:rPr lang="nl-NL" dirty="0" err="1"/>
-              <a:t>training@esciencecenter.nl</a:t>
-            </a:r>
-            <a:endParaRPr lang="nl-NL" dirty="0"/>
-          </a:p>
-        </p:txBody>
-      </p:sp>
-      <p:sp>
-        <p:nvSpPr>
-          <p:cNvPr id="5" name="Tijdelijke aanduiding voor tekst 7">
-            <a:extLst>
-              <a:ext uri="{FF2B5EF4-FFF2-40B4-BE49-F238E27FC236}">
-                <a16:creationId xmlns:a16="http://schemas.microsoft.com/office/drawing/2014/main" id="{F6209456-4EFA-3843-8A44-4722F9136E67}"/>
-              </a:ext>
-            </a:extLst>
-          </p:cNvPr>
-          <p:cNvSpPr>
-            <a:spLocks noGrp="1"/>
-          </p:cNvSpPr>
-          <p:nvPr>
-            <p:ph type="body" sz="quarter" idx="15" hasCustomPrompt="1"/>
-          </p:nvPr>
-        </p:nvSpPr>
-        <p:spPr>
-          <a:xfrm>
-            <a:off x="6640981" y="2888187"/>
-            <a:ext cx="3334964" cy="454071"/>
-          </a:xfrm>
-        </p:spPr>
-        <p:txBody>
-          <a:bodyPr/>
-          <a:lstStyle>
-            <a:lvl1pPr marL="0" indent="0">
-              <a:lnSpc>
-                <a:spcPct val="100000"/>
-              </a:lnSpc>
-              <a:buNone/>
-              <a:defRPr sz="1400" baseline="0">
-                <a:solidFill>
-                  <a:schemeClr val="bg1"/>
-                </a:solidFill>
-              </a:defRPr>
-            </a:lvl1pPr>
-            <a:lvl2pPr marL="457200" indent="0">
-              <a:buNone/>
-              <a:defRPr sz="1600"/>
-            </a:lvl2pPr>
-            <a:lvl3pPr marL="914400" indent="0">
-              <a:buNone/>
-              <a:defRPr sz="1600"/>
-            </a:lvl3pPr>
-            <a:lvl4pPr marL="1371600" indent="0">
-              <a:buNone/>
-              <a:defRPr sz="1600"/>
-            </a:lvl4pPr>
-            <a:lvl5pPr marL="1828800" indent="0">
-              <a:buNone/>
-              <a:defRPr sz="1600"/>
-            </a:lvl5pPr>
-          </a:lstStyle>
-          <a:p>
-            <a:pPr lvl="0"/>
-            <a:r>
-              <a:rPr lang="nl-NL"/>
-              <a:t>+31 (0)20 460 4770</a:t>
-            </a:r>
+            <a:endParaRPr lang="en-US" sz="4400" b="0" dirty="0">
+              <a:ea typeface="+mj-lt"/>
+              <a:cs typeface="+mj-lt"/>
+            </a:endParaRPr>
           </a:p>
         </p:txBody>
       </p:sp>
       <p:pic>
         <p:nvPicPr>
-          <p:cNvPr id="6" name="Afbeelding 5">
+          <p:cNvPr id="6" name="Picture 5" descr="A logo for a software training company&#10;&#10;Description automatically generated">
             <a:extLst>
               <a:ext uri="{FF2B5EF4-FFF2-40B4-BE49-F238E27FC236}">
-                <a16:creationId xmlns:a16="http://schemas.microsoft.com/office/drawing/2014/main" id="{FC8D59EB-0E2A-F456-8EA1-C607170435BE}"/>
-              </a:ext>
-            </a:extLst>
-          </p:cNvPr>
-          <p:cNvPicPr>
-            <a:picLocks noChangeAspect="1"/>
-          </p:cNvPicPr>
-          <p:nvPr/>
-        </p:nvPicPr>
-        <p:blipFill rotWithShape="1">
-          <a:blip r:embed="rId2" cstate="print">
-            <a:extLst>
-              <a:ext uri="{28A0092B-C50C-407E-A947-70E740481C1C}">
-                <a14:useLocalDpi xmlns:a14="http://schemas.microsoft.com/office/drawing/2010/main" val="0"/>
-              </a:ext>
-            </a:extLst>
-          </a:blip>
-          <a:srcRect t="29409"/>
-          <a:stretch/>
-        </p:blipFill>
-        <p:spPr>
-          <a:xfrm>
-            <a:off x="8127954" y="0"/>
-            <a:ext cx="4071978" cy="2992099"/>
-          </a:xfrm>
-          <a:prstGeom prst="rect">
-            <a:avLst/>
-          </a:prstGeom>
-        </p:spPr>
-      </p:pic>
-      <p:pic>
-        <p:nvPicPr>
-          <p:cNvPr id="7" name="Afbeelding 6" descr="Afbeelding met tekst, illustratie&#10;&#10;Automatisch gegenereerde beschrijving">
-            <a:extLst>
-              <a:ext uri="{FF2B5EF4-FFF2-40B4-BE49-F238E27FC236}">
-                <a16:creationId xmlns:a16="http://schemas.microsoft.com/office/drawing/2014/main" id="{497D229A-5C21-227A-73D3-604456448DD2}"/>
+                <a16:creationId xmlns:a16="http://schemas.microsoft.com/office/drawing/2014/main" id="{631D2C76-63D9-EEF9-9338-929625C2C1D1}"/>
               </a:ext>
             </a:extLst>
           </p:cNvPr>
@@ -27271,103 +28387,244 @@
           <p:nvPr/>
         </p:nvPicPr>
         <p:blipFill>
-          <a:blip r:embed="rId3">
-            <a:extLst>
-              <a:ext uri="{28A0092B-C50C-407E-A947-70E740481C1C}">
-                <a14:useLocalDpi xmlns:a14="http://schemas.microsoft.com/office/drawing/2010/main" val="0"/>
-              </a:ext>
-            </a:extLst>
-          </a:blip>
+          <a:blip r:embed="rId2"/>
           <a:stretch>
             <a:fillRect/>
           </a:stretch>
         </p:blipFill>
         <p:spPr>
           <a:xfrm>
-            <a:off x="11468100" y="3738849"/>
-            <a:ext cx="731832" cy="1760353"/>
+            <a:off x="8111101" y="2138918"/>
+            <a:ext cx="3094544" cy="1142081"/>
           </a:xfrm>
           <a:prstGeom prst="rect">
             <a:avLst/>
           </a:prstGeom>
+          <a:solidFill>
+            <a:srgbClr val="FFFFFF">
+              <a:shade val="85000"/>
+            </a:srgbClr>
+          </a:solidFill>
+          <a:ln w="88900" cap="sq">
+            <a:solidFill>
+              <a:srgbClr val="FFFFFF"/>
+            </a:solidFill>
+            <a:miter lim="800000"/>
+          </a:ln>
+          <a:effectLst>
+            <a:outerShdw blurRad="55000" dist="18000" dir="5400000" algn="tl" rotWithShape="0">
+              <a:srgbClr val="000000">
+                <a:alpha val="40000"/>
+              </a:srgbClr>
+            </a:outerShdw>
+          </a:effectLst>
+          <a:scene3d>
+            <a:camera prst="orthographicFront"/>
+            <a:lightRig rig="twoPt" dir="t">
+              <a:rot lat="0" lon="0" rev="7200000"/>
+            </a:lightRig>
+          </a:scene3d>
+          <a:sp3d>
+            <a:bevelT w="25400" h="19050"/>
+            <a:contourClr>
+              <a:srgbClr val="FFFFFF"/>
+            </a:contourClr>
+          </a:sp3d>
         </p:spPr>
       </p:pic>
-      <p:pic>
-        <p:nvPicPr>
-          <p:cNvPr id="8" name="Afbeelding 7">
+      <p:sp>
+        <p:nvSpPr>
+          <p:cNvPr id="7" name="TextBox 6">
             <a:extLst>
               <a:ext uri="{FF2B5EF4-FFF2-40B4-BE49-F238E27FC236}">
-                <a16:creationId xmlns:a16="http://schemas.microsoft.com/office/drawing/2014/main" id="{8176A494-1C03-DDA0-26C4-0ED3F794AC75}"/>
+                <a16:creationId xmlns:a16="http://schemas.microsoft.com/office/drawing/2014/main" id="{65417D03-3040-F05E-8B15-8412D53740E2}"/>
               </a:ext>
             </a:extLst>
           </p:cNvPr>
-          <p:cNvPicPr>
-            <a:picLocks noChangeAspect="1"/>
-          </p:cNvPicPr>
+          <p:cNvSpPr txBox="1"/>
           <p:nvPr/>
-        </p:nvPicPr>
-        <p:blipFill rotWithShape="1">
-          <a:blip r:embed="rId4">
-            <a:extLst>
-              <a:ext uri="{28A0092B-C50C-407E-A947-70E740481C1C}">
-                <a14:useLocalDpi xmlns:a14="http://schemas.microsoft.com/office/drawing/2010/main" val="0"/>
-              </a:ext>
-            </a:extLst>
-          </a:blip>
-          <a:srcRect l="52015" b="81263"/>
-          <a:stretch/>
-        </p:blipFill>
+        </p:nvSpPr>
         <p:spPr>
           <a:xfrm>
-            <a:off x="4063405" y="4649096"/>
-            <a:ext cx="2029927" cy="2208904"/>
+            <a:off x="1404456" y="1847339"/>
+            <a:ext cx="5700238" cy="1323439"/>
           </a:xfrm>
           <a:prstGeom prst="rect">
             <a:avLst/>
           </a:prstGeom>
+          <a:noFill/>
         </p:spPr>
-      </p:pic>
-      <p:pic>
-        <p:nvPicPr>
-          <p:cNvPr id="9" name="Tijdelijke aanduiding voor inhoud 9">
+        <p:txBody>
+          <a:bodyPr rot="0" spcFirstLastPara="0" vertOverflow="overflow" horzOverflow="overflow" vert="horz" wrap="square" lIns="91440" tIns="45720" rIns="91440" bIns="45720" numCol="1" spcCol="0" rtlCol="0" fromWordArt="0" anchor="t" anchorCtr="0" forceAA="0" compatLnSpc="1">
+            <a:prstTxWarp prst="textNoShape">
+              <a:avLst/>
+            </a:prstTxWarp>
+            <a:spAutoFit/>
+          </a:bodyPr>
+          <a:lstStyle/>
+          <a:p>
+            <a:r>
+              <a:rPr lang="en-US" sz="2000" dirty="0">
+                <a:latin typeface="Assistant"/>
+                <a:ea typeface="Open Sans"/>
+                <a:cs typeface="Open Sans"/>
+              </a:rPr>
+              <a:t>We are a community of training coordinators from Dutch research initiatives delivering training in research software, programming skills, open-source code, and applied data science.</a:t>
+            </a:r>
+            <a:endParaRPr lang="en-US" sz="2000" dirty="0">
+              <a:latin typeface="Assistant"/>
+              <a:cs typeface="Assistant"/>
+            </a:endParaRPr>
+          </a:p>
+        </p:txBody>
+      </p:sp>
+      <p:sp>
+        <p:nvSpPr>
+          <p:cNvPr id="9" name="TextBox 8">
             <a:extLst>
               <a:ext uri="{FF2B5EF4-FFF2-40B4-BE49-F238E27FC236}">
-                <a16:creationId xmlns:a16="http://schemas.microsoft.com/office/drawing/2014/main" id="{2B686402-5592-8894-E7F8-2ACA3F464BA5}"/>
+                <a16:creationId xmlns:a16="http://schemas.microsoft.com/office/drawing/2014/main" id="{86F15E8D-0598-FE21-EA2F-EDD028E61D18}"/>
               </a:ext>
             </a:extLst>
           </p:cNvPr>
-          <p:cNvPicPr>
-            <a:picLocks noChangeAspect="1"/>
-          </p:cNvPicPr>
+          <p:cNvSpPr txBox="1"/>
           <p:nvPr/>
-        </p:nvPicPr>
-        <p:blipFill rotWithShape="1">
-          <a:blip r:embed="rId5">
-            <a:extLst>
-              <a:ext uri="{28A0092B-C50C-407E-A947-70E740481C1C}">
-                <a14:useLocalDpi xmlns:a14="http://schemas.microsoft.com/office/drawing/2010/main" val="0"/>
-              </a:ext>
-            </a:extLst>
-          </a:blip>
-          <a:srcRect b="28515"/>
-          <a:stretch/>
-        </p:blipFill>
+        </p:nvSpPr>
         <p:spPr>
           <a:xfrm>
-            <a:off x="6077409" y="5717283"/>
-            <a:ext cx="2029928" cy="1146149"/>
+            <a:off x="1466335" y="3170778"/>
+            <a:ext cx="5774421" cy="2677656"/>
           </a:xfrm>
           <a:prstGeom prst="rect">
             <a:avLst/>
           </a:prstGeom>
+          <a:noFill/>
         </p:spPr>
-      </p:pic>
+        <p:txBody>
+          <a:bodyPr wrap="square" lIns="91440" tIns="45720" rIns="91440" bIns="45720" anchor="t">
+            <a:spAutoFit/>
+          </a:bodyPr>
+          <a:lstStyle/>
+          <a:p>
+            <a:r>
+              <a:rPr lang="en-GB" sz="2400" dirty="0">
+                <a:solidFill>
+                  <a:schemeClr val="accent1"/>
+                </a:solidFill>
+              </a:rPr>
+              <a:t>Website:</a:t>
+            </a:r>
+            <a:r>
+              <a:rPr lang="en-GB" sz="2400" dirty="0">
+                <a:solidFill>
+                  <a:schemeClr val="accent1"/>
+                </a:solidFill>
+                <a:ea typeface="+mn-lt"/>
+                <a:cs typeface="+mn-lt"/>
+              </a:rPr>
+              <a:t> </a:t>
+            </a:r>
+            <a:r>
+              <a:rPr lang="en-GB" sz="2400" u="sng" dirty="0">
+                <a:solidFill>
+                  <a:schemeClr val="accent1"/>
+                </a:solidFill>
+                <a:ea typeface="+mn-lt"/>
+                <a:cs typeface="+mn-lt"/>
+              </a:rPr>
+              <a:t>researchsoftwaretraining.nl</a:t>
+            </a:r>
+            <a:endParaRPr lang="en-GB" dirty="0">
+              <a:solidFill>
+                <a:schemeClr val="accent1"/>
+              </a:solidFill>
+              <a:cs typeface="Assistant"/>
+            </a:endParaRPr>
+          </a:p>
+          <a:p>
+            <a:r>
+              <a:rPr lang="en-GB" sz="2400" dirty="0">
+                <a:solidFill>
+                  <a:schemeClr val="accent1"/>
+                </a:solidFill>
+              </a:rPr>
+              <a:t>Email: </a:t>
+            </a:r>
+            <a:r>
+              <a:rPr lang="en-GB" sz="2400" u="sng" dirty="0">
+                <a:solidFill>
+                  <a:schemeClr val="accent1"/>
+                </a:solidFill>
+              </a:rPr>
+              <a:t>rstnl@escience.nl</a:t>
+            </a:r>
+          </a:p>
+          <a:p>
+            <a:endParaRPr lang="en-GB" sz="2400" u="sng" dirty="0">
+              <a:solidFill>
+                <a:schemeClr val="accent1"/>
+              </a:solidFill>
+              <a:cs typeface="Assistant"/>
+            </a:endParaRPr>
+          </a:p>
+          <a:p>
+            <a:r>
+              <a:rPr lang="en-GB" sz="2400" b="1" dirty="0">
+                <a:solidFill>
+                  <a:schemeClr val="accent2">
+                    <a:lumMod val="75000"/>
+                    <a:lumOff val="25000"/>
+                  </a:schemeClr>
+                </a:solidFill>
+                <a:cs typeface="Assistant"/>
+              </a:rPr>
+              <a:t>Also there are RSE-meetups</a:t>
+            </a:r>
+          </a:p>
+          <a:p>
+            <a:endParaRPr lang="en-GB" sz="2400" b="1" dirty="0">
+              <a:solidFill>
+                <a:schemeClr val="accent2">
+                  <a:lumMod val="75000"/>
+                  <a:lumOff val="25000"/>
+                </a:schemeClr>
+              </a:solidFill>
+              <a:cs typeface="Assistant"/>
+            </a:endParaRPr>
+          </a:p>
+          <a:p>
+            <a:r>
+              <a:rPr lang="en-GB" sz="2400" b="1" dirty="0">
+                <a:solidFill>
+                  <a:schemeClr val="accent2">
+                    <a:lumMod val="75000"/>
+                    <a:lumOff val="25000"/>
+                  </a:schemeClr>
+                </a:solidFill>
+                <a:cs typeface="Assistant"/>
+              </a:rPr>
+              <a:t>nl-rse.org</a:t>
+            </a:r>
+          </a:p>
+          <a:p>
+            <a:endParaRPr lang="en-GB" sz="2400" b="1" dirty="0">
+              <a:solidFill>
+                <a:schemeClr val="accent2">
+                  <a:lumMod val="75000"/>
+                  <a:lumOff val="25000"/>
+                </a:schemeClr>
+              </a:solidFill>
+              <a:cs typeface="Assistant"/>
+            </a:endParaRPr>
+          </a:p>
+        </p:txBody>
+      </p:sp>
       <p:pic>
         <p:nvPicPr>
-          <p:cNvPr id="11" name="Graphic 10" descr="Ontvanger met effen opvulling">
+          <p:cNvPr id="4" name="Picture 3">
             <a:extLst>
               <a:ext uri="{FF2B5EF4-FFF2-40B4-BE49-F238E27FC236}">
-                <a16:creationId xmlns:a16="http://schemas.microsoft.com/office/drawing/2014/main" id="{48B736F7-0290-B78E-5E57-05B8AD71F0A8}"/>
+                <a16:creationId xmlns:a16="http://schemas.microsoft.com/office/drawing/2014/main" id="{1625C77B-54D8-826A-D339-6A1C31EC9B47}"/>
               </a:ext>
             </a:extLst>
           </p:cNvPr>
@@ -27377,887 +28634,15 @@
           <p:nvPr/>
         </p:nvPicPr>
         <p:blipFill>
-          <a:blip r:embed="rId6">
-            <a:extLst>
-              <a:ext uri="{28A0092B-C50C-407E-A947-70E740481C1C}">
-                <a14:useLocalDpi xmlns:a14="http://schemas.microsoft.com/office/drawing/2010/main" val="0"/>
-              </a:ext>
-              <a:ext uri="{96DAC541-7B7A-43D3-8B79-37D633B846F1}">
-                <asvg:svgBlip xmlns:asvg="http://schemas.microsoft.com/office/drawing/2016/SVG/main" r:embed="rId7"/>
-              </a:ext>
-            </a:extLst>
-          </a:blip>
+          <a:blip r:embed="rId3"/>
           <a:stretch>
             <a:fillRect/>
           </a:stretch>
         </p:blipFill>
         <p:spPr>
           <a:xfrm>
-            <a:off x="6295131" y="2915787"/>
-            <a:ext cx="291889" cy="291889"/>
-          </a:xfrm>
-          <a:prstGeom prst="rect">
-            <a:avLst/>
-          </a:prstGeom>
-        </p:spPr>
-      </p:pic>
-      <p:pic>
-        <p:nvPicPr>
-          <p:cNvPr id="13" name="Graphic 12" descr="Envelop met effen opvulling">
-            <a:extLst>
-              <a:ext uri="{FF2B5EF4-FFF2-40B4-BE49-F238E27FC236}">
-                <a16:creationId xmlns:a16="http://schemas.microsoft.com/office/drawing/2014/main" id="{B718220F-31C0-C659-5AED-9C53048A81AA}"/>
-              </a:ext>
-            </a:extLst>
-          </p:cNvPr>
-          <p:cNvPicPr>
-            <a:picLocks noChangeAspect="1"/>
-          </p:cNvPicPr>
-          <p:nvPr/>
-        </p:nvPicPr>
-        <p:blipFill>
-          <a:blip r:embed="rId8">
-            <a:extLst>
-              <a:ext uri="{28A0092B-C50C-407E-A947-70E740481C1C}">
-                <a14:useLocalDpi xmlns:a14="http://schemas.microsoft.com/office/drawing/2010/main" val="0"/>
-              </a:ext>
-              <a:ext uri="{96DAC541-7B7A-43D3-8B79-37D633B846F1}">
-                <asvg:svgBlip xmlns:asvg="http://schemas.microsoft.com/office/drawing/2016/SVG/main" r:embed="rId9"/>
-              </a:ext>
-            </a:extLst>
-          </a:blip>
-          <a:stretch>
-            <a:fillRect/>
-          </a:stretch>
-        </p:blipFill>
-        <p:spPr>
-          <a:xfrm>
-            <a:off x="6261190" y="2366149"/>
-            <a:ext cx="359767" cy="359767"/>
-          </a:xfrm>
-          <a:prstGeom prst="rect">
-            <a:avLst/>
-          </a:prstGeom>
-        </p:spPr>
-      </p:pic>
-      <p:pic>
-        <p:nvPicPr>
-          <p:cNvPr id="15" name="Graphic 14" descr="Webontwerp met effen opvulling">
-            <a:extLst>
-              <a:ext uri="{FF2B5EF4-FFF2-40B4-BE49-F238E27FC236}">
-                <a16:creationId xmlns:a16="http://schemas.microsoft.com/office/drawing/2014/main" id="{D90E8C64-A082-C6E3-F770-6D5FF0144C98}"/>
-              </a:ext>
-            </a:extLst>
-          </p:cNvPr>
-          <p:cNvPicPr>
-            <a:picLocks noChangeAspect="1"/>
-          </p:cNvPicPr>
-          <p:nvPr/>
-        </p:nvPicPr>
-        <p:blipFill>
-          <a:blip r:embed="rId10">
-            <a:extLst>
-              <a:ext uri="{28A0092B-C50C-407E-A947-70E740481C1C}">
-                <a14:useLocalDpi xmlns:a14="http://schemas.microsoft.com/office/drawing/2010/main" val="0"/>
-              </a:ext>
-              <a:ext uri="{96DAC541-7B7A-43D3-8B79-37D633B846F1}">
-                <asvg:svgBlip xmlns:asvg="http://schemas.microsoft.com/office/drawing/2016/SVG/main" r:embed="rId11"/>
-              </a:ext>
-            </a:extLst>
-          </a:blip>
-          <a:stretch>
-            <a:fillRect/>
-          </a:stretch>
-        </p:blipFill>
-        <p:spPr>
-          <a:xfrm>
-            <a:off x="6261191" y="1815543"/>
-            <a:ext cx="359767" cy="359767"/>
-          </a:xfrm>
-          <a:prstGeom prst="rect">
-            <a:avLst/>
-          </a:prstGeom>
-        </p:spPr>
-      </p:pic>
-      <p:pic>
-        <p:nvPicPr>
-          <p:cNvPr id="21" name="Afbeelding 20" descr="Afbeelding met bijl, vectorafbeeldingen&#10;&#10;Automatisch gegenereerde beschrijving">
-            <a:extLst>
-              <a:ext uri="{FF2B5EF4-FFF2-40B4-BE49-F238E27FC236}">
-                <a16:creationId xmlns:a16="http://schemas.microsoft.com/office/drawing/2014/main" id="{A04E5A98-6ACF-B0D0-1671-DFBFA198EEA1}"/>
-              </a:ext>
-            </a:extLst>
-          </p:cNvPr>
-          <p:cNvPicPr>
-            <a:picLocks noChangeAspect="1"/>
-          </p:cNvPicPr>
-          <p:nvPr/>
-        </p:nvPicPr>
-        <p:blipFill>
-          <a:blip r:embed="rId12" cstate="print">
-            <a:extLst>
-              <a:ext uri="{28A0092B-C50C-407E-A947-70E740481C1C}">
-                <a14:useLocalDpi xmlns:a14="http://schemas.microsoft.com/office/drawing/2010/main" val="0"/>
-              </a:ext>
-            </a:extLst>
-          </a:blip>
-          <a:stretch>
-            <a:fillRect/>
-          </a:stretch>
-        </p:blipFill>
-        <p:spPr>
-          <a:xfrm>
-            <a:off x="6225848" y="3397481"/>
-            <a:ext cx="396622" cy="396622"/>
-          </a:xfrm>
-          <a:prstGeom prst="rect">
-            <a:avLst/>
-          </a:prstGeom>
-        </p:spPr>
-      </p:pic>
-      <p:pic>
-        <p:nvPicPr>
-          <p:cNvPr id="23" name="Afbeelding 22">
-            <a:extLst>
-              <a:ext uri="{FF2B5EF4-FFF2-40B4-BE49-F238E27FC236}">
-                <a16:creationId xmlns:a16="http://schemas.microsoft.com/office/drawing/2014/main" id="{2BAD9D4D-4FF6-051E-0CA8-72334812AD62}"/>
-              </a:ext>
-            </a:extLst>
-          </p:cNvPr>
-          <p:cNvPicPr>
-            <a:picLocks noChangeAspect="1"/>
-          </p:cNvPicPr>
-          <p:nvPr/>
-        </p:nvPicPr>
-        <p:blipFill>
-          <a:blip r:embed="rId13" cstate="print">
-            <a:extLst>
-              <a:ext uri="{28A0092B-C50C-407E-A947-70E740481C1C}">
-                <a14:useLocalDpi xmlns:a14="http://schemas.microsoft.com/office/drawing/2010/main" val="0"/>
-              </a:ext>
-            </a:extLst>
-          </a:blip>
-          <a:stretch>
-            <a:fillRect/>
-          </a:stretch>
-        </p:blipFill>
-        <p:spPr>
-          <a:xfrm>
-            <a:off x="6263049" y="4009017"/>
-            <a:ext cx="291889" cy="291889"/>
-          </a:xfrm>
-          <a:prstGeom prst="rect">
-            <a:avLst/>
-          </a:prstGeom>
-        </p:spPr>
-      </p:pic>
-      <p:pic>
-        <p:nvPicPr>
-          <p:cNvPr id="25" name="Afbeelding 24">
-            <a:extLst>
-              <a:ext uri="{FF2B5EF4-FFF2-40B4-BE49-F238E27FC236}">
-                <a16:creationId xmlns:a16="http://schemas.microsoft.com/office/drawing/2014/main" id="{AC16DC2A-9854-3A7E-FC7B-AB4FAEE46258}"/>
-              </a:ext>
-            </a:extLst>
-          </p:cNvPr>
-          <p:cNvPicPr>
-            <a:picLocks noChangeAspect="1"/>
-          </p:cNvPicPr>
-          <p:nvPr/>
-        </p:nvPicPr>
-        <p:blipFill>
-          <a:blip r:embed="rId14" cstate="print">
-            <a:extLst>
-              <a:ext uri="{28A0092B-C50C-407E-A947-70E740481C1C}">
-                <a14:useLocalDpi xmlns:a14="http://schemas.microsoft.com/office/drawing/2010/main" val="0"/>
-              </a:ext>
-            </a:extLst>
-          </a:blip>
-          <a:stretch>
-            <a:fillRect/>
-          </a:stretch>
-        </p:blipFill>
-        <p:spPr>
-          <a:xfrm>
-            <a:off x="6228662" y="4549996"/>
-            <a:ext cx="340928" cy="340928"/>
-          </a:xfrm>
-          <a:prstGeom prst="rect">
-            <a:avLst/>
-          </a:prstGeom>
-        </p:spPr>
-      </p:pic>
-      <p:pic>
-        <p:nvPicPr>
-          <p:cNvPr id="26" name="Afbeelding 25">
-            <a:extLst>
-              <a:ext uri="{FF2B5EF4-FFF2-40B4-BE49-F238E27FC236}">
-                <a16:creationId xmlns:a16="http://schemas.microsoft.com/office/drawing/2014/main" id="{177CF833-1AED-72B3-9FD9-057F21BAFE98}"/>
-              </a:ext>
-            </a:extLst>
-          </p:cNvPr>
-          <p:cNvPicPr>
-            <a:picLocks noChangeAspect="1"/>
-          </p:cNvPicPr>
-          <p:nvPr/>
-        </p:nvPicPr>
-        <p:blipFill>
-          <a:blip r:embed="rId15" cstate="print">
-            <a:extLst>
-              <a:ext uri="{28A0092B-C50C-407E-A947-70E740481C1C}">
-                <a14:useLocalDpi xmlns:a14="http://schemas.microsoft.com/office/drawing/2010/main" val="0"/>
-              </a:ext>
-            </a:extLst>
-          </a:blip>
-          <a:stretch>
-            <a:fillRect/>
-          </a:stretch>
-        </p:blipFill>
-        <p:spPr>
-          <a:xfrm>
-            <a:off x="9753600" y="6006815"/>
-            <a:ext cx="2080416" cy="572034"/>
-          </a:xfrm>
-          <a:prstGeom prst="rect">
-            <a:avLst/>
-          </a:prstGeom>
-        </p:spPr>
-      </p:pic>
-      <p:sp>
-        <p:nvSpPr>
-          <p:cNvPr id="30" name="Tijdelijke aanduiding voor tekst 7">
-            <a:extLst>
-              <a:ext uri="{FF2B5EF4-FFF2-40B4-BE49-F238E27FC236}">
-                <a16:creationId xmlns:a16="http://schemas.microsoft.com/office/drawing/2014/main" id="{EBF532CB-52C9-3A83-89CD-6B799E3B2C96}"/>
-              </a:ext>
-            </a:extLst>
-          </p:cNvPr>
-          <p:cNvSpPr txBox="1">
-            <a:spLocks/>
-          </p:cNvSpPr>
-          <p:nvPr/>
-        </p:nvSpPr>
-        <p:spPr>
-          <a:xfrm>
-            <a:off x="6637989" y="3437253"/>
-            <a:ext cx="3334964" cy="454071"/>
-          </a:xfrm>
-          <a:prstGeom prst="rect">
-            <a:avLst/>
-          </a:prstGeom>
-        </p:spPr>
-        <p:txBody>
-          <a:bodyPr vert="horz" lIns="91440" tIns="45720" rIns="91440" bIns="45720" rtlCol="0">
-            <a:noAutofit/>
-          </a:bodyPr>
-          <a:lstStyle>
-            <a:lvl1pPr marL="0" indent="0" algn="l" defTabSz="914400" rtl="0" eaLnBrk="1" latinLnBrk="0" hangingPunct="1">
-              <a:lnSpc>
-                <a:spcPct val="100000"/>
-              </a:lnSpc>
-              <a:spcBef>
-                <a:spcPts val="1000"/>
-              </a:spcBef>
-              <a:buFont typeface="Arial" panose="020B0604020202020204" pitchFamily="34" charset="0"/>
-              <a:buNone/>
-              <a:defRPr sz="1400" kern="1200" baseline="0">
-                <a:solidFill>
-                  <a:schemeClr val="bg1"/>
-                </a:solidFill>
-                <a:latin typeface="+mn-lt"/>
-                <a:ea typeface="+mn-ea"/>
-                <a:cs typeface="+mn-cs"/>
-              </a:defRPr>
-            </a:lvl1pPr>
-            <a:lvl2pPr marL="457200" indent="0" algn="l" defTabSz="914400" rtl="0" eaLnBrk="1" latinLnBrk="0" hangingPunct="1">
-              <a:lnSpc>
-                <a:spcPct val="100000"/>
-              </a:lnSpc>
-              <a:spcBef>
-                <a:spcPts val="500"/>
-              </a:spcBef>
-              <a:buFont typeface="Arial" panose="020B0604020202020204" pitchFamily="34" charset="0"/>
-              <a:buNone/>
-              <a:defRPr sz="1600" kern="1200">
-                <a:solidFill>
-                  <a:schemeClr val="tx1"/>
-                </a:solidFill>
-                <a:latin typeface="+mn-lt"/>
-                <a:ea typeface="+mn-ea"/>
-                <a:cs typeface="+mn-cs"/>
-              </a:defRPr>
-            </a:lvl2pPr>
-            <a:lvl3pPr marL="914400" indent="0" algn="l" defTabSz="914400" rtl="0" eaLnBrk="1" latinLnBrk="0" hangingPunct="1">
-              <a:lnSpc>
-                <a:spcPct val="100000"/>
-              </a:lnSpc>
-              <a:spcBef>
-                <a:spcPts val="500"/>
-              </a:spcBef>
-              <a:buFont typeface="Arial" panose="020B0604020202020204" pitchFamily="34" charset="0"/>
-              <a:buNone/>
-              <a:defRPr sz="1600" kern="1200">
-                <a:solidFill>
-                  <a:schemeClr val="tx1"/>
-                </a:solidFill>
-                <a:latin typeface="+mn-lt"/>
-                <a:ea typeface="+mn-ea"/>
-                <a:cs typeface="+mn-cs"/>
-              </a:defRPr>
-            </a:lvl3pPr>
-            <a:lvl4pPr marL="1371600" indent="0" algn="l" defTabSz="914400" rtl="0" eaLnBrk="1" latinLnBrk="0" hangingPunct="1">
-              <a:lnSpc>
-                <a:spcPct val="100000"/>
-              </a:lnSpc>
-              <a:spcBef>
-                <a:spcPts val="500"/>
-              </a:spcBef>
-              <a:buFont typeface="Arial" panose="020B0604020202020204" pitchFamily="34" charset="0"/>
-              <a:buNone/>
-              <a:defRPr sz="1600" kern="1200">
-                <a:solidFill>
-                  <a:schemeClr val="tx1"/>
-                </a:solidFill>
-                <a:latin typeface="+mn-lt"/>
-                <a:ea typeface="+mn-ea"/>
-                <a:cs typeface="+mn-cs"/>
-              </a:defRPr>
-            </a:lvl4pPr>
-            <a:lvl5pPr marL="1828800" indent="0" algn="l" defTabSz="914400" rtl="0" eaLnBrk="1" latinLnBrk="0" hangingPunct="1">
-              <a:lnSpc>
-                <a:spcPct val="100000"/>
-              </a:lnSpc>
-              <a:spcBef>
-                <a:spcPts val="500"/>
-              </a:spcBef>
-              <a:buFont typeface="Arial" panose="020B0604020202020204" pitchFamily="34" charset="0"/>
-              <a:buNone/>
-              <a:defRPr sz="1600" kern="1200">
-                <a:solidFill>
-                  <a:schemeClr val="tx1"/>
-                </a:solidFill>
-                <a:latin typeface="+mn-lt"/>
-                <a:ea typeface="+mn-ea"/>
-                <a:cs typeface="+mn-cs"/>
-              </a:defRPr>
-            </a:lvl5pPr>
-            <a:lvl6pPr marL="2514600" indent="-228600" algn="l" defTabSz="914400" rtl="0" eaLnBrk="1" latinLnBrk="0" hangingPunct="1">
-              <a:lnSpc>
-                <a:spcPct val="90000"/>
-              </a:lnSpc>
-              <a:spcBef>
-                <a:spcPts val="500"/>
-              </a:spcBef>
-              <a:buFont typeface="Arial" panose="020B0604020202020204" pitchFamily="34" charset="0"/>
-              <a:buChar char="•"/>
-              <a:defRPr sz="1800" kern="1200">
-                <a:solidFill>
-                  <a:schemeClr val="tx1"/>
-                </a:solidFill>
-                <a:latin typeface="+mn-lt"/>
-                <a:ea typeface="+mn-ea"/>
-                <a:cs typeface="+mn-cs"/>
-              </a:defRPr>
-            </a:lvl6pPr>
-            <a:lvl7pPr marL="2971800" indent="-228600" algn="l" defTabSz="914400" rtl="0" eaLnBrk="1" latinLnBrk="0" hangingPunct="1">
-              <a:lnSpc>
-                <a:spcPct val="90000"/>
-              </a:lnSpc>
-              <a:spcBef>
-                <a:spcPts val="500"/>
-              </a:spcBef>
-              <a:buFont typeface="Arial" panose="020B0604020202020204" pitchFamily="34" charset="0"/>
-              <a:buChar char="•"/>
-              <a:defRPr sz="1800" kern="1200">
-                <a:solidFill>
-                  <a:schemeClr val="tx1"/>
-                </a:solidFill>
-                <a:latin typeface="+mn-lt"/>
-                <a:ea typeface="+mn-ea"/>
-                <a:cs typeface="+mn-cs"/>
-              </a:defRPr>
-            </a:lvl7pPr>
-            <a:lvl8pPr marL="3429000" indent="-228600" algn="l" defTabSz="914400" rtl="0" eaLnBrk="1" latinLnBrk="0" hangingPunct="1">
-              <a:lnSpc>
-                <a:spcPct val="90000"/>
-              </a:lnSpc>
-              <a:spcBef>
-                <a:spcPts val="500"/>
-              </a:spcBef>
-              <a:buFont typeface="Arial" panose="020B0604020202020204" pitchFamily="34" charset="0"/>
-              <a:buChar char="•"/>
-              <a:defRPr sz="1800" kern="1200">
-                <a:solidFill>
-                  <a:schemeClr val="tx1"/>
-                </a:solidFill>
-                <a:latin typeface="+mn-lt"/>
-                <a:ea typeface="+mn-ea"/>
-                <a:cs typeface="+mn-cs"/>
-              </a:defRPr>
-            </a:lvl8pPr>
-            <a:lvl9pPr marL="3886200" indent="-228600" algn="l" defTabSz="914400" rtl="0" eaLnBrk="1" latinLnBrk="0" hangingPunct="1">
-              <a:lnSpc>
-                <a:spcPct val="90000"/>
-              </a:lnSpc>
-              <a:spcBef>
-                <a:spcPts val="500"/>
-              </a:spcBef>
-              <a:buFont typeface="Arial" panose="020B0604020202020204" pitchFamily="34" charset="0"/>
-              <a:buChar char="•"/>
-              <a:defRPr sz="1800" kern="1200">
-                <a:solidFill>
-                  <a:schemeClr val="tx1"/>
-                </a:solidFill>
-                <a:latin typeface="+mn-lt"/>
-                <a:ea typeface="+mn-ea"/>
-                <a:cs typeface="+mn-cs"/>
-              </a:defRPr>
-            </a:lvl9pPr>
-          </a:lstStyle>
-          <a:p>
-            <a:r>
-              <a:rPr lang="nl-NL"/>
-              <a:t>@eScienceCenter</a:t>
-            </a:r>
-          </a:p>
-        </p:txBody>
-      </p:sp>
-      <p:sp>
-        <p:nvSpPr>
-          <p:cNvPr id="31" name="Tijdelijke aanduiding voor tekst 7">
-            <a:extLst>
-              <a:ext uri="{FF2B5EF4-FFF2-40B4-BE49-F238E27FC236}">
-                <a16:creationId xmlns:a16="http://schemas.microsoft.com/office/drawing/2014/main" id="{9AB01774-7DC4-364E-9EE8-0EF0F20B39C5}"/>
-              </a:ext>
-            </a:extLst>
-          </p:cNvPr>
-          <p:cNvSpPr txBox="1">
-            <a:spLocks/>
-          </p:cNvSpPr>
-          <p:nvPr/>
-        </p:nvSpPr>
-        <p:spPr>
-          <a:xfrm>
-            <a:off x="6637989" y="4004074"/>
-            <a:ext cx="3334964" cy="454071"/>
-          </a:xfrm>
-          <a:prstGeom prst="rect">
-            <a:avLst/>
-          </a:prstGeom>
-        </p:spPr>
-        <p:txBody>
-          <a:bodyPr vert="horz" lIns="91440" tIns="45720" rIns="91440" bIns="45720" rtlCol="0">
-            <a:noAutofit/>
-          </a:bodyPr>
-          <a:lstStyle>
-            <a:lvl1pPr marL="0" indent="0" algn="l" defTabSz="914400" rtl="0" eaLnBrk="1" latinLnBrk="0" hangingPunct="1">
-              <a:lnSpc>
-                <a:spcPct val="100000"/>
-              </a:lnSpc>
-              <a:spcBef>
-                <a:spcPts val="1000"/>
-              </a:spcBef>
-              <a:buFont typeface="Arial" panose="020B0604020202020204" pitchFamily="34" charset="0"/>
-              <a:buNone/>
-              <a:defRPr sz="1400" kern="1200" baseline="0">
-                <a:solidFill>
-                  <a:schemeClr val="bg1"/>
-                </a:solidFill>
-                <a:latin typeface="+mn-lt"/>
-                <a:ea typeface="+mn-ea"/>
-                <a:cs typeface="+mn-cs"/>
-              </a:defRPr>
-            </a:lvl1pPr>
-            <a:lvl2pPr marL="457200" indent="0" algn="l" defTabSz="914400" rtl="0" eaLnBrk="1" latinLnBrk="0" hangingPunct="1">
-              <a:lnSpc>
-                <a:spcPct val="100000"/>
-              </a:lnSpc>
-              <a:spcBef>
-                <a:spcPts val="500"/>
-              </a:spcBef>
-              <a:buFont typeface="Arial" panose="020B0604020202020204" pitchFamily="34" charset="0"/>
-              <a:buNone/>
-              <a:defRPr sz="1600" kern="1200">
-                <a:solidFill>
-                  <a:schemeClr val="tx1"/>
-                </a:solidFill>
-                <a:latin typeface="+mn-lt"/>
-                <a:ea typeface="+mn-ea"/>
-                <a:cs typeface="+mn-cs"/>
-              </a:defRPr>
-            </a:lvl2pPr>
-            <a:lvl3pPr marL="914400" indent="0" algn="l" defTabSz="914400" rtl="0" eaLnBrk="1" latinLnBrk="0" hangingPunct="1">
-              <a:lnSpc>
-                <a:spcPct val="100000"/>
-              </a:lnSpc>
-              <a:spcBef>
-                <a:spcPts val="500"/>
-              </a:spcBef>
-              <a:buFont typeface="Arial" panose="020B0604020202020204" pitchFamily="34" charset="0"/>
-              <a:buNone/>
-              <a:defRPr sz="1600" kern="1200">
-                <a:solidFill>
-                  <a:schemeClr val="tx1"/>
-                </a:solidFill>
-                <a:latin typeface="+mn-lt"/>
-                <a:ea typeface="+mn-ea"/>
-                <a:cs typeface="+mn-cs"/>
-              </a:defRPr>
-            </a:lvl3pPr>
-            <a:lvl4pPr marL="1371600" indent="0" algn="l" defTabSz="914400" rtl="0" eaLnBrk="1" latinLnBrk="0" hangingPunct="1">
-              <a:lnSpc>
-                <a:spcPct val="100000"/>
-              </a:lnSpc>
-              <a:spcBef>
-                <a:spcPts val="500"/>
-              </a:spcBef>
-              <a:buFont typeface="Arial" panose="020B0604020202020204" pitchFamily="34" charset="0"/>
-              <a:buNone/>
-              <a:defRPr sz="1600" kern="1200">
-                <a:solidFill>
-                  <a:schemeClr val="tx1"/>
-                </a:solidFill>
-                <a:latin typeface="+mn-lt"/>
-                <a:ea typeface="+mn-ea"/>
-                <a:cs typeface="+mn-cs"/>
-              </a:defRPr>
-            </a:lvl4pPr>
-            <a:lvl5pPr marL="1828800" indent="0" algn="l" defTabSz="914400" rtl="0" eaLnBrk="1" latinLnBrk="0" hangingPunct="1">
-              <a:lnSpc>
-                <a:spcPct val="100000"/>
-              </a:lnSpc>
-              <a:spcBef>
-                <a:spcPts val="500"/>
-              </a:spcBef>
-              <a:buFont typeface="Arial" panose="020B0604020202020204" pitchFamily="34" charset="0"/>
-              <a:buNone/>
-              <a:defRPr sz="1600" kern="1200">
-                <a:solidFill>
-                  <a:schemeClr val="tx1"/>
-                </a:solidFill>
-                <a:latin typeface="+mn-lt"/>
-                <a:ea typeface="+mn-ea"/>
-                <a:cs typeface="+mn-cs"/>
-              </a:defRPr>
-            </a:lvl5pPr>
-            <a:lvl6pPr marL="2514600" indent="-228600" algn="l" defTabSz="914400" rtl="0" eaLnBrk="1" latinLnBrk="0" hangingPunct="1">
-              <a:lnSpc>
-                <a:spcPct val="90000"/>
-              </a:lnSpc>
-              <a:spcBef>
-                <a:spcPts val="500"/>
-              </a:spcBef>
-              <a:buFont typeface="Arial" panose="020B0604020202020204" pitchFamily="34" charset="0"/>
-              <a:buChar char="•"/>
-              <a:defRPr sz="1800" kern="1200">
-                <a:solidFill>
-                  <a:schemeClr val="tx1"/>
-                </a:solidFill>
-                <a:latin typeface="+mn-lt"/>
-                <a:ea typeface="+mn-ea"/>
-                <a:cs typeface="+mn-cs"/>
-              </a:defRPr>
-            </a:lvl6pPr>
-            <a:lvl7pPr marL="2971800" indent="-228600" algn="l" defTabSz="914400" rtl="0" eaLnBrk="1" latinLnBrk="0" hangingPunct="1">
-              <a:lnSpc>
-                <a:spcPct val="90000"/>
-              </a:lnSpc>
-              <a:spcBef>
-                <a:spcPts val="500"/>
-              </a:spcBef>
-              <a:buFont typeface="Arial" panose="020B0604020202020204" pitchFamily="34" charset="0"/>
-              <a:buChar char="•"/>
-              <a:defRPr sz="1800" kern="1200">
-                <a:solidFill>
-                  <a:schemeClr val="tx1"/>
-                </a:solidFill>
-                <a:latin typeface="+mn-lt"/>
-                <a:ea typeface="+mn-ea"/>
-                <a:cs typeface="+mn-cs"/>
-              </a:defRPr>
-            </a:lvl7pPr>
-            <a:lvl8pPr marL="3429000" indent="-228600" algn="l" defTabSz="914400" rtl="0" eaLnBrk="1" latinLnBrk="0" hangingPunct="1">
-              <a:lnSpc>
-                <a:spcPct val="90000"/>
-              </a:lnSpc>
-              <a:spcBef>
-                <a:spcPts val="500"/>
-              </a:spcBef>
-              <a:buFont typeface="Arial" panose="020B0604020202020204" pitchFamily="34" charset="0"/>
-              <a:buChar char="•"/>
-              <a:defRPr sz="1800" kern="1200">
-                <a:solidFill>
-                  <a:schemeClr val="tx1"/>
-                </a:solidFill>
-                <a:latin typeface="+mn-lt"/>
-                <a:ea typeface="+mn-ea"/>
-                <a:cs typeface="+mn-cs"/>
-              </a:defRPr>
-            </a:lvl8pPr>
-            <a:lvl9pPr marL="3886200" indent="-228600" algn="l" defTabSz="914400" rtl="0" eaLnBrk="1" latinLnBrk="0" hangingPunct="1">
-              <a:lnSpc>
-                <a:spcPct val="90000"/>
-              </a:lnSpc>
-              <a:spcBef>
-                <a:spcPts val="500"/>
-              </a:spcBef>
-              <a:buFont typeface="Arial" panose="020B0604020202020204" pitchFamily="34" charset="0"/>
-              <a:buChar char="•"/>
-              <a:defRPr sz="1800" kern="1200">
-                <a:solidFill>
-                  <a:schemeClr val="tx1"/>
-                </a:solidFill>
-                <a:latin typeface="+mn-lt"/>
-                <a:ea typeface="+mn-ea"/>
-                <a:cs typeface="+mn-cs"/>
-              </a:defRPr>
-            </a:lvl9pPr>
-          </a:lstStyle>
-          <a:p>
-            <a:r>
-              <a:rPr lang="nl-NL"/>
-              <a:t>Netherlands </a:t>
-            </a:r>
-            <a:r>
-              <a:rPr lang="nl-NL" err="1"/>
-              <a:t>Escience</a:t>
-            </a:r>
-            <a:r>
-              <a:rPr lang="nl-NL"/>
-              <a:t> Center</a:t>
-            </a:r>
-          </a:p>
-        </p:txBody>
-      </p:sp>
-      <p:sp>
-        <p:nvSpPr>
-          <p:cNvPr id="32" name="Tijdelijke aanduiding voor tekst 7">
-            <a:extLst>
-              <a:ext uri="{FF2B5EF4-FFF2-40B4-BE49-F238E27FC236}">
-                <a16:creationId xmlns:a16="http://schemas.microsoft.com/office/drawing/2014/main" id="{7A7B6EB6-E8CF-F63F-F735-8B4CEC7E4E18}"/>
-              </a:ext>
-            </a:extLst>
-          </p:cNvPr>
-          <p:cNvSpPr txBox="1">
-            <a:spLocks/>
-          </p:cNvSpPr>
-          <p:nvPr/>
-        </p:nvSpPr>
-        <p:spPr>
-          <a:xfrm>
-            <a:off x="6620957" y="4572488"/>
-            <a:ext cx="3334964" cy="454071"/>
-          </a:xfrm>
-          <a:prstGeom prst="rect">
-            <a:avLst/>
-          </a:prstGeom>
-        </p:spPr>
-        <p:txBody>
-          <a:bodyPr vert="horz" lIns="91440" tIns="45720" rIns="91440" bIns="45720" rtlCol="0">
-            <a:noAutofit/>
-          </a:bodyPr>
-          <a:lstStyle>
-            <a:lvl1pPr marL="0" indent="0" algn="l" defTabSz="914400" rtl="0" eaLnBrk="1" latinLnBrk="0" hangingPunct="1">
-              <a:lnSpc>
-                <a:spcPct val="100000"/>
-              </a:lnSpc>
-              <a:spcBef>
-                <a:spcPts val="1000"/>
-              </a:spcBef>
-              <a:buFont typeface="Arial" panose="020B0604020202020204" pitchFamily="34" charset="0"/>
-              <a:buNone/>
-              <a:defRPr sz="1400" kern="1200" baseline="0">
-                <a:solidFill>
-                  <a:schemeClr val="bg1"/>
-                </a:solidFill>
-                <a:latin typeface="+mn-lt"/>
-                <a:ea typeface="+mn-ea"/>
-                <a:cs typeface="+mn-cs"/>
-              </a:defRPr>
-            </a:lvl1pPr>
-            <a:lvl2pPr marL="457200" indent="0" algn="l" defTabSz="914400" rtl="0" eaLnBrk="1" latinLnBrk="0" hangingPunct="1">
-              <a:lnSpc>
-                <a:spcPct val="100000"/>
-              </a:lnSpc>
-              <a:spcBef>
-                <a:spcPts val="500"/>
-              </a:spcBef>
-              <a:buFont typeface="Arial" panose="020B0604020202020204" pitchFamily="34" charset="0"/>
-              <a:buNone/>
-              <a:defRPr sz="1600" kern="1200">
-                <a:solidFill>
-                  <a:schemeClr val="tx1"/>
-                </a:solidFill>
-                <a:latin typeface="+mn-lt"/>
-                <a:ea typeface="+mn-ea"/>
-                <a:cs typeface="+mn-cs"/>
-              </a:defRPr>
-            </a:lvl2pPr>
-            <a:lvl3pPr marL="914400" indent="0" algn="l" defTabSz="914400" rtl="0" eaLnBrk="1" latinLnBrk="0" hangingPunct="1">
-              <a:lnSpc>
-                <a:spcPct val="100000"/>
-              </a:lnSpc>
-              <a:spcBef>
-                <a:spcPts val="500"/>
-              </a:spcBef>
-              <a:buFont typeface="Arial" panose="020B0604020202020204" pitchFamily="34" charset="0"/>
-              <a:buNone/>
-              <a:defRPr sz="1600" kern="1200">
-                <a:solidFill>
-                  <a:schemeClr val="tx1"/>
-                </a:solidFill>
-                <a:latin typeface="+mn-lt"/>
-                <a:ea typeface="+mn-ea"/>
-                <a:cs typeface="+mn-cs"/>
-              </a:defRPr>
-            </a:lvl3pPr>
-            <a:lvl4pPr marL="1371600" indent="0" algn="l" defTabSz="914400" rtl="0" eaLnBrk="1" latinLnBrk="0" hangingPunct="1">
-              <a:lnSpc>
-                <a:spcPct val="100000"/>
-              </a:lnSpc>
-              <a:spcBef>
-                <a:spcPts val="500"/>
-              </a:spcBef>
-              <a:buFont typeface="Arial" panose="020B0604020202020204" pitchFamily="34" charset="0"/>
-              <a:buNone/>
-              <a:defRPr sz="1600" kern="1200">
-                <a:solidFill>
-                  <a:schemeClr val="tx1"/>
-                </a:solidFill>
-                <a:latin typeface="+mn-lt"/>
-                <a:ea typeface="+mn-ea"/>
-                <a:cs typeface="+mn-cs"/>
-              </a:defRPr>
-            </a:lvl4pPr>
-            <a:lvl5pPr marL="1828800" indent="0" algn="l" defTabSz="914400" rtl="0" eaLnBrk="1" latinLnBrk="0" hangingPunct="1">
-              <a:lnSpc>
-                <a:spcPct val="100000"/>
-              </a:lnSpc>
-              <a:spcBef>
-                <a:spcPts val="500"/>
-              </a:spcBef>
-              <a:buFont typeface="Arial" panose="020B0604020202020204" pitchFamily="34" charset="0"/>
-              <a:buNone/>
-              <a:defRPr sz="1600" kern="1200">
-                <a:solidFill>
-                  <a:schemeClr val="tx1"/>
-                </a:solidFill>
-                <a:latin typeface="+mn-lt"/>
-                <a:ea typeface="+mn-ea"/>
-                <a:cs typeface="+mn-cs"/>
-              </a:defRPr>
-            </a:lvl5pPr>
-            <a:lvl6pPr marL="2514600" indent="-228600" algn="l" defTabSz="914400" rtl="0" eaLnBrk="1" latinLnBrk="0" hangingPunct="1">
-              <a:lnSpc>
-                <a:spcPct val="90000"/>
-              </a:lnSpc>
-              <a:spcBef>
-                <a:spcPts val="500"/>
-              </a:spcBef>
-              <a:buFont typeface="Arial" panose="020B0604020202020204" pitchFamily="34" charset="0"/>
-              <a:buChar char="•"/>
-              <a:defRPr sz="1800" kern="1200">
-                <a:solidFill>
-                  <a:schemeClr val="tx1"/>
-                </a:solidFill>
-                <a:latin typeface="+mn-lt"/>
-                <a:ea typeface="+mn-ea"/>
-                <a:cs typeface="+mn-cs"/>
-              </a:defRPr>
-            </a:lvl6pPr>
-            <a:lvl7pPr marL="2971800" indent="-228600" algn="l" defTabSz="914400" rtl="0" eaLnBrk="1" latinLnBrk="0" hangingPunct="1">
-              <a:lnSpc>
-                <a:spcPct val="90000"/>
-              </a:lnSpc>
-              <a:spcBef>
-                <a:spcPts val="500"/>
-              </a:spcBef>
-              <a:buFont typeface="Arial" panose="020B0604020202020204" pitchFamily="34" charset="0"/>
-              <a:buChar char="•"/>
-              <a:defRPr sz="1800" kern="1200">
-                <a:solidFill>
-                  <a:schemeClr val="tx1"/>
-                </a:solidFill>
-                <a:latin typeface="+mn-lt"/>
-                <a:ea typeface="+mn-ea"/>
-                <a:cs typeface="+mn-cs"/>
-              </a:defRPr>
-            </a:lvl7pPr>
-            <a:lvl8pPr marL="3429000" indent="-228600" algn="l" defTabSz="914400" rtl="0" eaLnBrk="1" latinLnBrk="0" hangingPunct="1">
-              <a:lnSpc>
-                <a:spcPct val="90000"/>
-              </a:lnSpc>
-              <a:spcBef>
-                <a:spcPts val="500"/>
-              </a:spcBef>
-              <a:buFont typeface="Arial" panose="020B0604020202020204" pitchFamily="34" charset="0"/>
-              <a:buChar char="•"/>
-              <a:defRPr sz="1800" kern="1200">
-                <a:solidFill>
-                  <a:schemeClr val="tx1"/>
-                </a:solidFill>
-                <a:latin typeface="+mn-lt"/>
-                <a:ea typeface="+mn-ea"/>
-                <a:cs typeface="+mn-cs"/>
-              </a:defRPr>
-            </a:lvl8pPr>
-            <a:lvl9pPr marL="3886200" indent="-228600" algn="l" defTabSz="914400" rtl="0" eaLnBrk="1" latinLnBrk="0" hangingPunct="1">
-              <a:lnSpc>
-                <a:spcPct val="90000"/>
-              </a:lnSpc>
-              <a:spcBef>
-                <a:spcPts val="500"/>
-              </a:spcBef>
-              <a:buFont typeface="Arial" panose="020B0604020202020204" pitchFamily="34" charset="0"/>
-              <a:buChar char="•"/>
-              <a:defRPr sz="1800" kern="1200">
-                <a:solidFill>
-                  <a:schemeClr val="tx1"/>
-                </a:solidFill>
-                <a:latin typeface="+mn-lt"/>
-                <a:ea typeface="+mn-ea"/>
-                <a:cs typeface="+mn-cs"/>
-              </a:defRPr>
-            </a:lvl9pPr>
-          </a:lstStyle>
-          <a:p>
-            <a:r>
-              <a:rPr lang="nl-NL"/>
-              <a:t>@eScienceCenter@akademienl.social</a:t>
-            </a:r>
-          </a:p>
-        </p:txBody>
-      </p:sp>
-      <p:pic>
-        <p:nvPicPr>
-          <p:cNvPr id="12" name="Afbeelding 11">
-            <a:extLst>
-              <a:ext uri="{FF2B5EF4-FFF2-40B4-BE49-F238E27FC236}">
-                <a16:creationId xmlns:a16="http://schemas.microsoft.com/office/drawing/2014/main" id="{3E68E063-8371-45E0-6DE5-4FA1EE0E4369}"/>
-              </a:ext>
-            </a:extLst>
-          </p:cNvPr>
-          <p:cNvPicPr>
-            <a:picLocks noChangeAspect="1"/>
-          </p:cNvPicPr>
-          <p:nvPr/>
-        </p:nvPicPr>
-        <p:blipFill>
-          <a:blip r:embed="rId16" cstate="print">
-            <a:extLst>
-              <a:ext uri="{28A0092B-C50C-407E-A947-70E740481C1C}">
-                <a14:useLocalDpi xmlns:a14="http://schemas.microsoft.com/office/drawing/2010/main" val="0"/>
-              </a:ext>
-            </a:extLst>
-          </a:blip>
-          <a:stretch>
-            <a:fillRect/>
-          </a:stretch>
-        </p:blipFill>
-        <p:spPr>
-          <a:xfrm>
-            <a:off x="801625" y="1509042"/>
-            <a:ext cx="2086750" cy="2086750"/>
+            <a:off x="8226388" y="4140274"/>
+            <a:ext cx="1752845" cy="990738"/>
           </a:xfrm>
           <a:prstGeom prst="rect">
             <a:avLst/>
@@ -28267,7 +28652,7 @@
     </p:spTree>
     <p:extLst>
       <p:ext uri="{BB962C8B-B14F-4D97-AF65-F5344CB8AC3E}">
-        <p14:creationId xmlns:p14="http://schemas.microsoft.com/office/powerpoint/2010/main" val="2203836931"/>
+        <p14:creationId xmlns:p14="http://schemas.microsoft.com/office/powerpoint/2010/main" val="2124577835"/>
       </p:ext>
     </p:extLst>
   </p:cSld>

--- a/presentations/first_intro_1.pptx
+++ b/presentations/first_intro_1.pptx
@@ -7,7 +7,7 @@
     <p:sldMasterId id="2147483776" r:id="rId3"/>
   </p:sldMasterIdLst>
   <p:notesMasterIdLst>
-    <p:notesMasterId r:id="rId16"/>
+    <p:notesMasterId r:id="rId17"/>
   </p:notesMasterIdLst>
   <p:sldIdLst>
     <p:sldId id="257" r:id="rId4"/>
@@ -21,7 +21,8 @@
     <p:sldId id="268" r:id="rId12"/>
     <p:sldId id="256" r:id="rId13"/>
     <p:sldId id="304" r:id="rId14"/>
-    <p:sldId id="302" r:id="rId15"/>
+    <p:sldId id="305" r:id="rId15"/>
+    <p:sldId id="302" r:id="rId16"/>
   </p:sldIdLst>
   <p:sldSz cx="12192000" cy="6858000"/>
   <p:notesSz cx="6858000" cy="9144000"/>
@@ -1623,6 +1624,753 @@
 </file>
 
 <file path=ppt/diagrams/colors3.xml><?xml version="1.0" encoding="utf-8"?>
+<dgm:colorsDef xmlns:dgm="http://schemas.openxmlformats.org/drawingml/2006/diagram" xmlns:a="http://schemas.openxmlformats.org/drawingml/2006/main" uniqueId="urn:microsoft.com/office/officeart/2005/8/colors/accent1_2">
+  <dgm:title val=""/>
+  <dgm:desc val=""/>
+  <dgm:catLst>
+    <dgm:cat type="accent1" pri="11200"/>
+  </dgm:catLst>
+  <dgm:styleLbl name="node0">
+    <dgm:fillClrLst meth="repeat">
+      <a:schemeClr val="accent1"/>
+    </dgm:fillClrLst>
+    <dgm:linClrLst meth="repeat">
+      <a:schemeClr val="lt1"/>
+    </dgm:linClrLst>
+    <dgm:effectClrLst/>
+    <dgm:txLinClrLst/>
+    <dgm:txFillClrLst/>
+    <dgm:txEffectClrLst/>
+  </dgm:styleLbl>
+  <dgm:styleLbl name="alignNode1">
+    <dgm:fillClrLst meth="repeat">
+      <a:schemeClr val="accent1"/>
+    </dgm:fillClrLst>
+    <dgm:linClrLst meth="repeat">
+      <a:schemeClr val="accent1"/>
+    </dgm:linClrLst>
+    <dgm:effectClrLst/>
+    <dgm:txLinClrLst/>
+    <dgm:txFillClrLst/>
+    <dgm:txEffectClrLst/>
+  </dgm:styleLbl>
+  <dgm:styleLbl name="node1">
+    <dgm:fillClrLst meth="repeat">
+      <a:schemeClr val="accent1"/>
+    </dgm:fillClrLst>
+    <dgm:linClrLst meth="repeat">
+      <a:schemeClr val="lt1"/>
+    </dgm:linClrLst>
+    <dgm:effectClrLst/>
+    <dgm:txLinClrLst/>
+    <dgm:txFillClrLst/>
+    <dgm:txEffectClrLst/>
+  </dgm:styleLbl>
+  <dgm:styleLbl name="lnNode1">
+    <dgm:fillClrLst meth="repeat">
+      <a:schemeClr val="accent1"/>
+    </dgm:fillClrLst>
+    <dgm:linClrLst meth="repeat">
+      <a:schemeClr val="lt1"/>
+    </dgm:linClrLst>
+    <dgm:effectClrLst/>
+    <dgm:txLinClrLst/>
+    <dgm:txFillClrLst/>
+    <dgm:txEffectClrLst/>
+  </dgm:styleLbl>
+  <dgm:styleLbl name="vennNode1">
+    <dgm:fillClrLst meth="repeat">
+      <a:schemeClr val="accent1">
+        <a:alpha val="50000"/>
+      </a:schemeClr>
+    </dgm:fillClrLst>
+    <dgm:linClrLst meth="repeat">
+      <a:schemeClr val="lt1"/>
+    </dgm:linClrLst>
+    <dgm:effectClrLst/>
+    <dgm:txLinClrLst/>
+    <dgm:txFillClrLst/>
+    <dgm:txEffectClrLst/>
+  </dgm:styleLbl>
+  <dgm:styleLbl name="node2">
+    <dgm:fillClrLst meth="repeat">
+      <a:schemeClr val="accent1"/>
+    </dgm:fillClrLst>
+    <dgm:linClrLst meth="repeat">
+      <a:schemeClr val="lt1"/>
+    </dgm:linClrLst>
+    <dgm:effectClrLst/>
+    <dgm:txLinClrLst/>
+    <dgm:txFillClrLst/>
+    <dgm:txEffectClrLst/>
+  </dgm:styleLbl>
+  <dgm:styleLbl name="node3">
+    <dgm:fillClrLst meth="repeat">
+      <a:schemeClr val="accent1"/>
+    </dgm:fillClrLst>
+    <dgm:linClrLst meth="repeat">
+      <a:schemeClr val="lt1"/>
+    </dgm:linClrLst>
+    <dgm:effectClrLst/>
+    <dgm:txLinClrLst/>
+    <dgm:txFillClrLst/>
+    <dgm:txEffectClrLst/>
+  </dgm:styleLbl>
+  <dgm:styleLbl name="node4">
+    <dgm:fillClrLst meth="repeat">
+      <a:schemeClr val="accent1"/>
+    </dgm:fillClrLst>
+    <dgm:linClrLst meth="repeat">
+      <a:schemeClr val="lt1"/>
+    </dgm:linClrLst>
+    <dgm:effectClrLst/>
+    <dgm:txLinClrLst/>
+    <dgm:txFillClrLst/>
+    <dgm:txEffectClrLst/>
+  </dgm:styleLbl>
+  <dgm:styleLbl name="fgImgPlace1">
+    <dgm:fillClrLst meth="repeat">
+      <a:schemeClr val="accent1">
+        <a:tint val="50000"/>
+      </a:schemeClr>
+    </dgm:fillClrLst>
+    <dgm:linClrLst meth="repeat">
+      <a:schemeClr val="lt1"/>
+    </dgm:linClrLst>
+    <dgm:effectClrLst/>
+    <dgm:txLinClrLst/>
+    <dgm:txFillClrLst meth="repeat">
+      <a:schemeClr val="lt1"/>
+    </dgm:txFillClrLst>
+    <dgm:txEffectClrLst/>
+  </dgm:styleLbl>
+  <dgm:styleLbl name="alignImgPlace1">
+    <dgm:fillClrLst meth="repeat">
+      <a:schemeClr val="accent1">
+        <a:tint val="50000"/>
+      </a:schemeClr>
+    </dgm:fillClrLst>
+    <dgm:linClrLst meth="repeat">
+      <a:schemeClr val="lt1"/>
+    </dgm:linClrLst>
+    <dgm:effectClrLst/>
+    <dgm:txLinClrLst/>
+    <dgm:txFillClrLst meth="repeat">
+      <a:schemeClr val="lt1"/>
+    </dgm:txFillClrLst>
+    <dgm:txEffectClrLst/>
+  </dgm:styleLbl>
+  <dgm:styleLbl name="bgImgPlace1">
+    <dgm:fillClrLst meth="repeat">
+      <a:schemeClr val="accent1">
+        <a:tint val="50000"/>
+      </a:schemeClr>
+    </dgm:fillClrLst>
+    <dgm:linClrLst meth="repeat">
+      <a:schemeClr val="lt1"/>
+    </dgm:linClrLst>
+    <dgm:effectClrLst/>
+    <dgm:txLinClrLst/>
+    <dgm:txFillClrLst meth="repeat">
+      <a:schemeClr val="lt1"/>
+    </dgm:txFillClrLst>
+    <dgm:txEffectClrLst/>
+  </dgm:styleLbl>
+  <dgm:styleLbl name="sibTrans2D1">
+    <dgm:fillClrLst meth="repeat">
+      <a:schemeClr val="accent1">
+        <a:tint val="60000"/>
+      </a:schemeClr>
+    </dgm:fillClrLst>
+    <dgm:linClrLst meth="repeat">
+      <a:schemeClr val="accent1">
+        <a:tint val="60000"/>
+      </a:schemeClr>
+    </dgm:linClrLst>
+    <dgm:effectClrLst/>
+    <dgm:txLinClrLst/>
+    <dgm:txFillClrLst/>
+    <dgm:txEffectClrLst/>
+  </dgm:styleLbl>
+  <dgm:styleLbl name="fgSibTrans2D1">
+    <dgm:fillClrLst meth="repeat">
+      <a:schemeClr val="accent1">
+        <a:tint val="60000"/>
+      </a:schemeClr>
+    </dgm:fillClrLst>
+    <dgm:linClrLst meth="repeat">
+      <a:schemeClr val="accent1">
+        <a:tint val="60000"/>
+      </a:schemeClr>
+    </dgm:linClrLst>
+    <dgm:effectClrLst/>
+    <dgm:txLinClrLst/>
+    <dgm:txFillClrLst/>
+    <dgm:txEffectClrLst/>
+  </dgm:styleLbl>
+  <dgm:styleLbl name="bgSibTrans2D1">
+    <dgm:fillClrLst meth="repeat">
+      <a:schemeClr val="accent1">
+        <a:tint val="60000"/>
+      </a:schemeClr>
+    </dgm:fillClrLst>
+    <dgm:linClrLst meth="repeat">
+      <a:schemeClr val="accent1">
+        <a:tint val="60000"/>
+      </a:schemeClr>
+    </dgm:linClrLst>
+    <dgm:effectClrLst/>
+    <dgm:txLinClrLst/>
+    <dgm:txFillClrLst/>
+    <dgm:txEffectClrLst/>
+  </dgm:styleLbl>
+  <dgm:styleLbl name="sibTrans1D1">
+    <dgm:fillClrLst meth="repeat">
+      <a:schemeClr val="accent1"/>
+    </dgm:fillClrLst>
+    <dgm:linClrLst meth="repeat">
+      <a:schemeClr val="accent1"/>
+    </dgm:linClrLst>
+    <dgm:effectClrLst/>
+    <dgm:txLinClrLst/>
+    <dgm:txFillClrLst meth="repeat">
+      <a:schemeClr val="tx1"/>
+    </dgm:txFillClrLst>
+    <dgm:txEffectClrLst/>
+  </dgm:styleLbl>
+  <dgm:styleLbl name="callout">
+    <dgm:fillClrLst meth="repeat">
+      <a:schemeClr val="accent1"/>
+    </dgm:fillClrLst>
+    <dgm:linClrLst meth="repeat">
+      <a:schemeClr val="accent1">
+        <a:tint val="50000"/>
+      </a:schemeClr>
+    </dgm:linClrLst>
+    <dgm:effectClrLst/>
+    <dgm:txLinClrLst/>
+    <dgm:txFillClrLst meth="repeat">
+      <a:schemeClr val="tx1"/>
+    </dgm:txFillClrLst>
+    <dgm:txEffectClrLst/>
+  </dgm:styleLbl>
+  <dgm:styleLbl name="asst0">
+    <dgm:fillClrLst meth="repeat">
+      <a:schemeClr val="accent1"/>
+    </dgm:fillClrLst>
+    <dgm:linClrLst meth="repeat">
+      <a:schemeClr val="lt1"/>
+    </dgm:linClrLst>
+    <dgm:effectClrLst/>
+    <dgm:txLinClrLst/>
+    <dgm:txFillClrLst/>
+    <dgm:txEffectClrLst/>
+  </dgm:styleLbl>
+  <dgm:styleLbl name="asst1">
+    <dgm:fillClrLst meth="repeat">
+      <a:schemeClr val="accent1"/>
+    </dgm:fillClrLst>
+    <dgm:linClrLst meth="repeat">
+      <a:schemeClr val="lt1"/>
+    </dgm:linClrLst>
+    <dgm:effectClrLst/>
+    <dgm:txLinClrLst/>
+    <dgm:txFillClrLst/>
+    <dgm:txEffectClrLst/>
+  </dgm:styleLbl>
+  <dgm:styleLbl name="asst2">
+    <dgm:fillClrLst meth="repeat">
+      <a:schemeClr val="accent1"/>
+    </dgm:fillClrLst>
+    <dgm:linClrLst meth="repeat">
+      <a:schemeClr val="lt1"/>
+    </dgm:linClrLst>
+    <dgm:effectClrLst/>
+    <dgm:txLinClrLst/>
+    <dgm:txFillClrLst/>
+    <dgm:txEffectClrLst/>
+  </dgm:styleLbl>
+  <dgm:styleLbl name="asst3">
+    <dgm:fillClrLst meth="repeat">
+      <a:schemeClr val="accent1"/>
+    </dgm:fillClrLst>
+    <dgm:linClrLst meth="repeat">
+      <a:schemeClr val="lt1"/>
+    </dgm:linClrLst>
+    <dgm:effectClrLst/>
+    <dgm:txLinClrLst/>
+    <dgm:txFillClrLst/>
+    <dgm:txEffectClrLst/>
+  </dgm:styleLbl>
+  <dgm:styleLbl name="asst4">
+    <dgm:fillClrLst meth="repeat">
+      <a:schemeClr val="accent1"/>
+    </dgm:fillClrLst>
+    <dgm:linClrLst meth="repeat">
+      <a:schemeClr val="lt1"/>
+    </dgm:linClrLst>
+    <dgm:effectClrLst/>
+    <dgm:txLinClrLst/>
+    <dgm:txFillClrLst/>
+    <dgm:txEffectClrLst/>
+  </dgm:styleLbl>
+  <dgm:styleLbl name="parChTrans2D1">
+    <dgm:fillClrLst meth="repeat">
+      <a:schemeClr val="accent1">
+        <a:tint val="60000"/>
+      </a:schemeClr>
+    </dgm:fillClrLst>
+    <dgm:linClrLst meth="repeat">
+      <a:schemeClr val="accent1">
+        <a:tint val="60000"/>
+      </a:schemeClr>
+    </dgm:linClrLst>
+    <dgm:effectClrLst/>
+    <dgm:txLinClrLst/>
+    <dgm:txFillClrLst meth="repeat">
+      <a:schemeClr val="lt1"/>
+    </dgm:txFillClrLst>
+    <dgm:txEffectClrLst/>
+  </dgm:styleLbl>
+  <dgm:styleLbl name="parChTrans2D2">
+    <dgm:fillClrLst meth="repeat">
+      <a:schemeClr val="accent1"/>
+    </dgm:fillClrLst>
+    <dgm:linClrLst meth="repeat">
+      <a:schemeClr val="accent1"/>
+    </dgm:linClrLst>
+    <dgm:effectClrLst/>
+    <dgm:txLinClrLst/>
+    <dgm:txFillClrLst meth="repeat">
+      <a:schemeClr val="lt1"/>
+    </dgm:txFillClrLst>
+    <dgm:txEffectClrLst/>
+  </dgm:styleLbl>
+  <dgm:styleLbl name="parChTrans2D3">
+    <dgm:fillClrLst meth="repeat">
+      <a:schemeClr val="accent1"/>
+    </dgm:fillClrLst>
+    <dgm:linClrLst meth="repeat">
+      <a:schemeClr val="accent1"/>
+    </dgm:linClrLst>
+    <dgm:effectClrLst/>
+    <dgm:txLinClrLst/>
+    <dgm:txFillClrLst meth="repeat">
+      <a:schemeClr val="lt1"/>
+    </dgm:txFillClrLst>
+    <dgm:txEffectClrLst/>
+  </dgm:styleLbl>
+  <dgm:styleLbl name="parChTrans2D4">
+    <dgm:fillClrLst meth="repeat">
+      <a:schemeClr val="accent1"/>
+    </dgm:fillClrLst>
+    <dgm:linClrLst meth="repeat">
+      <a:schemeClr val="accent1"/>
+    </dgm:linClrLst>
+    <dgm:effectClrLst/>
+    <dgm:txLinClrLst/>
+    <dgm:txFillClrLst meth="repeat">
+      <a:schemeClr val="lt1"/>
+    </dgm:txFillClrLst>
+    <dgm:txEffectClrLst/>
+  </dgm:styleLbl>
+  <dgm:styleLbl name="parChTrans1D1">
+    <dgm:fillClrLst meth="repeat">
+      <a:schemeClr val="accent1"/>
+    </dgm:fillClrLst>
+    <dgm:linClrLst meth="repeat">
+      <a:schemeClr val="accent1">
+        <a:shade val="60000"/>
+      </a:schemeClr>
+    </dgm:linClrLst>
+    <dgm:effectClrLst/>
+    <dgm:txLinClrLst/>
+    <dgm:txFillClrLst meth="repeat">
+      <a:schemeClr val="tx1"/>
+    </dgm:txFillClrLst>
+    <dgm:txEffectClrLst/>
+  </dgm:styleLbl>
+  <dgm:styleLbl name="parChTrans1D2">
+    <dgm:fillClrLst meth="repeat">
+      <a:schemeClr val="accent1"/>
+    </dgm:fillClrLst>
+    <dgm:linClrLst meth="repeat">
+      <a:schemeClr val="accent1">
+        <a:shade val="60000"/>
+      </a:schemeClr>
+    </dgm:linClrLst>
+    <dgm:effectClrLst/>
+    <dgm:txLinClrLst/>
+    <dgm:txFillClrLst meth="repeat">
+      <a:schemeClr val="tx1"/>
+    </dgm:txFillClrLst>
+    <dgm:txEffectClrLst/>
+  </dgm:styleLbl>
+  <dgm:styleLbl name="parChTrans1D3">
+    <dgm:fillClrLst meth="repeat">
+      <a:schemeClr val="accent1"/>
+    </dgm:fillClrLst>
+    <dgm:linClrLst meth="repeat">
+      <a:schemeClr val="accent1">
+        <a:shade val="80000"/>
+      </a:schemeClr>
+    </dgm:linClrLst>
+    <dgm:effectClrLst/>
+    <dgm:txLinClrLst/>
+    <dgm:txFillClrLst meth="repeat">
+      <a:schemeClr val="tx1"/>
+    </dgm:txFillClrLst>
+    <dgm:txEffectClrLst/>
+  </dgm:styleLbl>
+  <dgm:styleLbl name="parChTrans1D4">
+    <dgm:fillClrLst meth="repeat">
+      <a:schemeClr val="accent1"/>
+    </dgm:fillClrLst>
+    <dgm:linClrLst meth="repeat">
+      <a:schemeClr val="accent1">
+        <a:shade val="80000"/>
+      </a:schemeClr>
+    </dgm:linClrLst>
+    <dgm:effectClrLst/>
+    <dgm:txLinClrLst/>
+    <dgm:txFillClrLst meth="repeat">
+      <a:schemeClr val="tx1"/>
+    </dgm:txFillClrLst>
+    <dgm:txEffectClrLst/>
+  </dgm:styleLbl>
+  <dgm:styleLbl name="fgAcc1">
+    <dgm:fillClrLst meth="repeat">
+      <a:schemeClr val="lt1">
+        <a:alpha val="90000"/>
+      </a:schemeClr>
+    </dgm:fillClrLst>
+    <dgm:linClrLst meth="repeat">
+      <a:schemeClr val="accent1"/>
+    </dgm:linClrLst>
+    <dgm:effectClrLst/>
+    <dgm:txLinClrLst/>
+    <dgm:txFillClrLst meth="repeat">
+      <a:schemeClr val="dk1"/>
+    </dgm:txFillClrLst>
+    <dgm:txEffectClrLst/>
+  </dgm:styleLbl>
+  <dgm:styleLbl name="conFgAcc1">
+    <dgm:fillClrLst meth="repeat">
+      <a:schemeClr val="lt1">
+        <a:alpha val="90000"/>
+      </a:schemeClr>
+    </dgm:fillClrLst>
+    <dgm:linClrLst meth="repeat">
+      <a:schemeClr val="accent1"/>
+    </dgm:linClrLst>
+    <dgm:effectClrLst/>
+    <dgm:txLinClrLst/>
+    <dgm:txFillClrLst meth="repeat">
+      <a:schemeClr val="dk1"/>
+    </dgm:txFillClrLst>
+    <dgm:txEffectClrLst/>
+  </dgm:styleLbl>
+  <dgm:styleLbl name="alignAcc1">
+    <dgm:fillClrLst meth="repeat">
+      <a:schemeClr val="lt1">
+        <a:alpha val="90000"/>
+      </a:schemeClr>
+    </dgm:fillClrLst>
+    <dgm:linClrLst meth="repeat">
+      <a:schemeClr val="accent1"/>
+    </dgm:linClrLst>
+    <dgm:effectClrLst/>
+    <dgm:txLinClrLst/>
+    <dgm:txFillClrLst meth="repeat">
+      <a:schemeClr val="dk1"/>
+    </dgm:txFillClrLst>
+    <dgm:txEffectClrLst/>
+  </dgm:styleLbl>
+  <dgm:styleLbl name="trAlignAcc1">
+    <dgm:fillClrLst meth="repeat">
+      <a:schemeClr val="lt1">
+        <a:alpha val="40000"/>
+      </a:schemeClr>
+    </dgm:fillClrLst>
+    <dgm:linClrLst meth="repeat">
+      <a:schemeClr val="accent1"/>
+    </dgm:linClrLst>
+    <dgm:effectClrLst/>
+    <dgm:txLinClrLst/>
+    <dgm:txFillClrLst meth="repeat">
+      <a:schemeClr val="dk1"/>
+    </dgm:txFillClrLst>
+    <dgm:txEffectClrLst/>
+  </dgm:styleLbl>
+  <dgm:styleLbl name="bgAcc1">
+    <dgm:fillClrLst meth="repeat">
+      <a:schemeClr val="lt1">
+        <a:alpha val="90000"/>
+      </a:schemeClr>
+    </dgm:fillClrLst>
+    <dgm:linClrLst meth="repeat">
+      <a:schemeClr val="accent1"/>
+    </dgm:linClrLst>
+    <dgm:effectClrLst/>
+    <dgm:txLinClrLst/>
+    <dgm:txFillClrLst meth="repeat">
+      <a:schemeClr val="dk1"/>
+    </dgm:txFillClrLst>
+    <dgm:txEffectClrLst/>
+  </dgm:styleLbl>
+  <dgm:styleLbl name="solidFgAcc1">
+    <dgm:fillClrLst meth="repeat">
+      <a:schemeClr val="lt1"/>
+    </dgm:fillClrLst>
+    <dgm:linClrLst meth="repeat">
+      <a:schemeClr val="accent1"/>
+    </dgm:linClrLst>
+    <dgm:effectClrLst/>
+    <dgm:txLinClrLst/>
+    <dgm:txFillClrLst meth="repeat">
+      <a:schemeClr val="dk1"/>
+    </dgm:txFillClrLst>
+    <dgm:txEffectClrLst/>
+  </dgm:styleLbl>
+  <dgm:styleLbl name="solidAlignAcc1">
+    <dgm:fillClrLst meth="repeat">
+      <a:schemeClr val="lt1"/>
+    </dgm:fillClrLst>
+    <dgm:linClrLst meth="repeat">
+      <a:schemeClr val="accent1"/>
+    </dgm:linClrLst>
+    <dgm:effectClrLst/>
+    <dgm:txLinClrLst/>
+    <dgm:txFillClrLst meth="repeat">
+      <a:schemeClr val="dk1"/>
+    </dgm:txFillClrLst>
+    <dgm:txEffectClrLst/>
+  </dgm:styleLbl>
+  <dgm:styleLbl name="solidBgAcc1">
+    <dgm:fillClrLst meth="repeat">
+      <a:schemeClr val="lt1"/>
+    </dgm:fillClrLst>
+    <dgm:linClrLst meth="repeat">
+      <a:schemeClr val="accent1"/>
+    </dgm:linClrLst>
+    <dgm:effectClrLst/>
+    <dgm:txLinClrLst/>
+    <dgm:txFillClrLst meth="repeat">
+      <a:schemeClr val="dk1"/>
+    </dgm:txFillClrLst>
+    <dgm:txEffectClrLst/>
+  </dgm:styleLbl>
+  <dgm:styleLbl name="fgAccFollowNode1">
+    <dgm:fillClrLst meth="repeat">
+      <a:schemeClr val="accent1">
+        <a:alpha val="90000"/>
+        <a:tint val="40000"/>
+      </a:schemeClr>
+    </dgm:fillClrLst>
+    <dgm:linClrLst meth="repeat">
+      <a:schemeClr val="accent1">
+        <a:alpha val="90000"/>
+        <a:tint val="40000"/>
+      </a:schemeClr>
+    </dgm:linClrLst>
+    <dgm:effectClrLst/>
+    <dgm:txLinClrLst/>
+    <dgm:txFillClrLst meth="repeat">
+      <a:schemeClr val="dk1"/>
+    </dgm:txFillClrLst>
+    <dgm:txEffectClrLst/>
+  </dgm:styleLbl>
+  <dgm:styleLbl name="alignAccFollowNode1">
+    <dgm:fillClrLst meth="repeat">
+      <a:schemeClr val="accent1">
+        <a:alpha val="90000"/>
+        <a:tint val="40000"/>
+      </a:schemeClr>
+    </dgm:fillClrLst>
+    <dgm:linClrLst meth="repeat">
+      <a:schemeClr val="accent1">
+        <a:alpha val="90000"/>
+        <a:tint val="40000"/>
+      </a:schemeClr>
+    </dgm:linClrLst>
+    <dgm:effectClrLst/>
+    <dgm:txLinClrLst/>
+    <dgm:txFillClrLst meth="repeat">
+      <a:schemeClr val="dk1"/>
+    </dgm:txFillClrLst>
+    <dgm:txEffectClrLst/>
+  </dgm:styleLbl>
+  <dgm:styleLbl name="bgAccFollowNode1">
+    <dgm:fillClrLst meth="repeat">
+      <a:schemeClr val="accent1">
+        <a:alpha val="90000"/>
+        <a:tint val="40000"/>
+      </a:schemeClr>
+    </dgm:fillClrLst>
+    <dgm:linClrLst meth="repeat">
+      <a:schemeClr val="accent1">
+        <a:alpha val="90000"/>
+        <a:tint val="40000"/>
+      </a:schemeClr>
+    </dgm:linClrLst>
+    <dgm:effectClrLst/>
+    <dgm:txLinClrLst/>
+    <dgm:txFillClrLst meth="repeat">
+      <a:schemeClr val="dk1"/>
+    </dgm:txFillClrLst>
+    <dgm:txEffectClrLst/>
+  </dgm:styleLbl>
+  <dgm:styleLbl name="fgAcc0">
+    <dgm:fillClrLst meth="repeat">
+      <a:schemeClr val="lt1">
+        <a:alpha val="90000"/>
+      </a:schemeClr>
+    </dgm:fillClrLst>
+    <dgm:linClrLst meth="repeat">
+      <a:schemeClr val="accent1"/>
+    </dgm:linClrLst>
+    <dgm:effectClrLst/>
+    <dgm:txLinClrLst/>
+    <dgm:txFillClrLst meth="repeat">
+      <a:schemeClr val="dk1"/>
+    </dgm:txFillClrLst>
+    <dgm:txEffectClrLst/>
+  </dgm:styleLbl>
+  <dgm:styleLbl name="fgAcc2">
+    <dgm:fillClrLst meth="repeat">
+      <a:schemeClr val="lt1">
+        <a:alpha val="90000"/>
+      </a:schemeClr>
+    </dgm:fillClrLst>
+    <dgm:linClrLst meth="repeat">
+      <a:schemeClr val="accent1"/>
+    </dgm:linClrLst>
+    <dgm:effectClrLst/>
+    <dgm:txLinClrLst/>
+    <dgm:txFillClrLst meth="repeat">
+      <a:schemeClr val="dk1"/>
+    </dgm:txFillClrLst>
+    <dgm:txEffectClrLst/>
+  </dgm:styleLbl>
+  <dgm:styleLbl name="fgAcc3">
+    <dgm:fillClrLst meth="repeat">
+      <a:schemeClr val="lt1">
+        <a:alpha val="90000"/>
+      </a:schemeClr>
+    </dgm:fillClrLst>
+    <dgm:linClrLst meth="repeat">
+      <a:schemeClr val="accent1"/>
+    </dgm:linClrLst>
+    <dgm:effectClrLst/>
+    <dgm:txLinClrLst/>
+    <dgm:txFillClrLst meth="repeat">
+      <a:schemeClr val="dk1"/>
+    </dgm:txFillClrLst>
+    <dgm:txEffectClrLst/>
+  </dgm:styleLbl>
+  <dgm:styleLbl name="fgAcc4">
+    <dgm:fillClrLst meth="repeat">
+      <a:schemeClr val="lt1">
+        <a:alpha val="90000"/>
+      </a:schemeClr>
+    </dgm:fillClrLst>
+    <dgm:linClrLst meth="repeat">
+      <a:schemeClr val="accent1"/>
+    </dgm:linClrLst>
+    <dgm:effectClrLst/>
+    <dgm:txLinClrLst/>
+    <dgm:txFillClrLst meth="repeat">
+      <a:schemeClr val="dk1"/>
+    </dgm:txFillClrLst>
+    <dgm:txEffectClrLst/>
+  </dgm:styleLbl>
+  <dgm:styleLbl name="bgShp">
+    <dgm:fillClrLst meth="repeat">
+      <a:schemeClr val="accent1">
+        <a:tint val="40000"/>
+      </a:schemeClr>
+    </dgm:fillClrLst>
+    <dgm:linClrLst meth="repeat">
+      <a:schemeClr val="accent1"/>
+    </dgm:linClrLst>
+    <dgm:effectClrLst/>
+    <dgm:txLinClrLst/>
+    <dgm:txFillClrLst meth="repeat">
+      <a:schemeClr val="dk1"/>
+    </dgm:txFillClrLst>
+    <dgm:txEffectClrLst/>
+  </dgm:styleLbl>
+  <dgm:styleLbl name="dkBgShp">
+    <dgm:fillClrLst meth="repeat">
+      <a:schemeClr val="accent1">
+        <a:shade val="80000"/>
+      </a:schemeClr>
+    </dgm:fillClrLst>
+    <dgm:linClrLst meth="repeat">
+      <a:schemeClr val="accent1"/>
+    </dgm:linClrLst>
+    <dgm:effectClrLst/>
+    <dgm:txLinClrLst/>
+    <dgm:txFillClrLst meth="repeat">
+      <a:schemeClr val="lt1"/>
+    </dgm:txFillClrLst>
+    <dgm:txEffectClrLst/>
+  </dgm:styleLbl>
+  <dgm:styleLbl name="trBgShp">
+    <dgm:fillClrLst meth="repeat">
+      <a:schemeClr val="accent1">
+        <a:tint val="50000"/>
+        <a:alpha val="40000"/>
+      </a:schemeClr>
+    </dgm:fillClrLst>
+    <dgm:linClrLst meth="repeat">
+      <a:schemeClr val="accent1"/>
+    </dgm:linClrLst>
+    <dgm:effectClrLst/>
+    <dgm:txLinClrLst/>
+    <dgm:txFillClrLst meth="repeat">
+      <a:schemeClr val="lt1"/>
+    </dgm:txFillClrLst>
+    <dgm:txEffectClrLst/>
+  </dgm:styleLbl>
+  <dgm:styleLbl name="fgShp">
+    <dgm:fillClrLst meth="repeat">
+      <a:schemeClr val="accent1">
+        <a:tint val="60000"/>
+      </a:schemeClr>
+    </dgm:fillClrLst>
+    <dgm:linClrLst meth="repeat">
+      <a:schemeClr val="lt1"/>
+    </dgm:linClrLst>
+    <dgm:effectClrLst/>
+    <dgm:txLinClrLst/>
+    <dgm:txFillClrLst meth="repeat">
+      <a:schemeClr val="dk1"/>
+    </dgm:txFillClrLst>
+    <dgm:txEffectClrLst/>
+  </dgm:styleLbl>
+  <dgm:styleLbl name="revTx">
+    <dgm:fillClrLst meth="repeat">
+      <a:schemeClr val="lt1">
+        <a:alpha val="0"/>
+      </a:schemeClr>
+    </dgm:fillClrLst>
+    <dgm:linClrLst meth="repeat">
+      <a:schemeClr val="dk1">
+        <a:alpha val="0"/>
+      </a:schemeClr>
+    </dgm:linClrLst>
+    <dgm:effectClrLst/>
+    <dgm:txLinClrLst/>
+    <dgm:txFillClrLst meth="repeat">
+      <a:schemeClr val="tx1"/>
+    </dgm:txFillClrLst>
+    <dgm:txEffectClrLst/>
+  </dgm:styleLbl>
+</dgm:colorsDef>
+</file>
+
+<file path=ppt/diagrams/colors4.xml><?xml version="1.0" encoding="utf-8"?>
 <dgm:colorsDef xmlns:dgm="http://schemas.openxmlformats.org/drawingml/2006/diagram" xmlns:a="http://schemas.openxmlformats.org/drawingml/2006/main" uniqueId="urn:microsoft.com/office/officeart/2005/8/colors/accent1_2">
   <dgm:title val=""/>
   <dgm:desc val=""/>
@@ -2838,6 +3586,99 @@
 </file>
 
 <file path=ppt/diagrams/data3.xml><?xml version="1.0" encoding="utf-8"?>
+<dgm:dataModel xmlns:dgm="http://schemas.openxmlformats.org/drawingml/2006/diagram" xmlns:a="http://schemas.openxmlformats.org/drawingml/2006/main">
+  <dgm:ptLst>
+    <dgm:pt modelId="{2FE58475-A90B-4C88-AD57-C93CA5A6F786}" type="doc">
+      <dgm:prSet loTypeId="urn:microsoft.com/office/officeart/2005/8/layout/vProcess5" loCatId="process" qsTypeId="urn:microsoft.com/office/officeart/2005/8/quickstyle/simple1" qsCatId="simple" csTypeId="urn:microsoft.com/office/officeart/2005/8/colors/accent1_2" csCatId="accent1" phldr="1"/>
+      <dgm:spPr/>
+      <dgm:t>
+        <a:bodyPr/>
+        <a:lstStyle/>
+        <a:p>
+          <a:endParaRPr lang="LID4096"/>
+        </a:p>
+      </dgm:t>
+    </dgm:pt>
+    <dgm:pt modelId="{52854045-A3DA-43B3-B593-3F91D08C2E76}">
+      <dgm:prSet phldrT="[Text]"/>
+      <dgm:spPr/>
+      <dgm:t>
+        <a:bodyPr/>
+        <a:lstStyle/>
+        <a:p>
+          <a:r>
+            <a:rPr lang="en-US" dirty="0"/>
+            <a:t>Your instructors and helpers</a:t>
+          </a:r>
+          <a:endParaRPr lang="LID4096" dirty="0"/>
+        </a:p>
+      </dgm:t>
+    </dgm:pt>
+    <dgm:pt modelId="{66D58F49-23C5-4FBD-B508-81B6E3E8B680}" type="parTrans" cxnId="{4A235660-E5ED-4CEF-AA99-FB877D1BB7D4}">
+      <dgm:prSet/>
+      <dgm:spPr/>
+      <dgm:t>
+        <a:bodyPr/>
+        <a:lstStyle/>
+        <a:p>
+          <a:endParaRPr lang="LID4096"/>
+        </a:p>
+      </dgm:t>
+    </dgm:pt>
+    <dgm:pt modelId="{3EA3C719-E9FA-44C1-AE7D-23BD34867BDD}" type="sibTrans" cxnId="{4A235660-E5ED-4CEF-AA99-FB877D1BB7D4}">
+      <dgm:prSet/>
+      <dgm:spPr/>
+      <dgm:t>
+        <a:bodyPr/>
+        <a:lstStyle/>
+        <a:p>
+          <a:endParaRPr lang="LID4096"/>
+        </a:p>
+      </dgm:t>
+    </dgm:pt>
+    <dgm:pt modelId="{961E697F-754C-486F-9184-E5C420952927}" type="pres">
+      <dgm:prSet presAssocID="{2FE58475-A90B-4C88-AD57-C93CA5A6F786}" presName="outerComposite" presStyleCnt="0">
+        <dgm:presLayoutVars>
+          <dgm:chMax val="5"/>
+          <dgm:dir/>
+          <dgm:resizeHandles val="exact"/>
+        </dgm:presLayoutVars>
+      </dgm:prSet>
+      <dgm:spPr/>
+    </dgm:pt>
+    <dgm:pt modelId="{8BC6A90B-D22F-481D-B672-607D7F03C5B8}" type="pres">
+      <dgm:prSet presAssocID="{2FE58475-A90B-4C88-AD57-C93CA5A6F786}" presName="dummyMaxCanvas" presStyleCnt="0">
+        <dgm:presLayoutVars/>
+      </dgm:prSet>
+      <dgm:spPr/>
+    </dgm:pt>
+    <dgm:pt modelId="{6FD9AFBC-C04F-463E-830A-F63F03528E72}" type="pres">
+      <dgm:prSet presAssocID="{2FE58475-A90B-4C88-AD57-C93CA5A6F786}" presName="OneNode_1" presStyleLbl="node1" presStyleIdx="0" presStyleCnt="1">
+        <dgm:presLayoutVars>
+          <dgm:bulletEnabled val="1"/>
+        </dgm:presLayoutVars>
+      </dgm:prSet>
+      <dgm:spPr/>
+    </dgm:pt>
+  </dgm:ptLst>
+  <dgm:cxnLst>
+    <dgm:cxn modelId="{4A235660-E5ED-4CEF-AA99-FB877D1BB7D4}" srcId="{2FE58475-A90B-4C88-AD57-C93CA5A6F786}" destId="{52854045-A3DA-43B3-B593-3F91D08C2E76}" srcOrd="0" destOrd="0" parTransId="{66D58F49-23C5-4FBD-B508-81B6E3E8B680}" sibTransId="{3EA3C719-E9FA-44C1-AE7D-23BD34867BDD}"/>
+    <dgm:cxn modelId="{32E10E4D-6859-44A2-B04D-610378E01567}" type="presOf" srcId="{2FE58475-A90B-4C88-AD57-C93CA5A6F786}" destId="{961E697F-754C-486F-9184-E5C420952927}" srcOrd="0" destOrd="0" presId="urn:microsoft.com/office/officeart/2005/8/layout/vProcess5"/>
+    <dgm:cxn modelId="{EE76BBB1-47F9-4B7E-82BD-AE03078641C4}" type="presOf" srcId="{52854045-A3DA-43B3-B593-3F91D08C2E76}" destId="{6FD9AFBC-C04F-463E-830A-F63F03528E72}" srcOrd="0" destOrd="0" presId="urn:microsoft.com/office/officeart/2005/8/layout/vProcess5"/>
+    <dgm:cxn modelId="{07B6E26A-E6BC-4F73-8DCF-5FBFF33DD1C4}" type="presParOf" srcId="{961E697F-754C-486F-9184-E5C420952927}" destId="{8BC6A90B-D22F-481D-B672-607D7F03C5B8}" srcOrd="0" destOrd="0" presId="urn:microsoft.com/office/officeart/2005/8/layout/vProcess5"/>
+    <dgm:cxn modelId="{D2946658-5EE7-4A2C-91A7-6F0B5E15EA34}" type="presParOf" srcId="{961E697F-754C-486F-9184-E5C420952927}" destId="{6FD9AFBC-C04F-463E-830A-F63F03528E72}" srcOrd="1" destOrd="0" presId="urn:microsoft.com/office/officeart/2005/8/layout/vProcess5"/>
+  </dgm:cxnLst>
+  <dgm:bg/>
+  <dgm:whole/>
+  <dgm:extLst>
+    <a:ext uri="http://schemas.microsoft.com/office/drawing/2008/diagram">
+      <dsp:dataModelExt xmlns:dsp="http://schemas.microsoft.com/office/drawing/2008/diagram" relId="rId6" minVer="http://schemas.openxmlformats.org/drawingml/2006/diagram"/>
+    </a:ext>
+  </dgm:extLst>
+</dgm:dataModel>
+</file>
+
+<file path=ppt/diagrams/data4.xml><?xml version="1.0" encoding="utf-8"?>
 <dgm:dataModel xmlns:dgm="http://schemas.openxmlformats.org/drawingml/2006/diagram" xmlns:a="http://schemas.openxmlformats.org/drawingml/2006/main">
   <dgm:ptLst>
     <dgm:pt modelId="{2FE58475-A90B-4C88-AD57-C93CA5A6F786}" type="doc">
@@ -3761,6 +4602,99 @@
 </file>
 
 <file path=ppt/diagrams/drawing3.xml><?xml version="1.0" encoding="utf-8"?>
+<dsp:drawing xmlns:dgm="http://schemas.openxmlformats.org/drawingml/2006/diagram" xmlns:dsp="http://schemas.microsoft.com/office/drawing/2008/diagram" xmlns:a="http://schemas.openxmlformats.org/drawingml/2006/main">
+  <dsp:spTree>
+    <dsp:nvGrpSpPr>
+      <dsp:cNvPr id="0" name=""/>
+      <dsp:cNvGrpSpPr/>
+    </dsp:nvGrpSpPr>
+    <dsp:grpSpPr/>
+    <dsp:sp modelId="{6FD9AFBC-C04F-463E-830A-F63F03528E72}">
+      <dsp:nvSpPr>
+        <dsp:cNvPr id="0" name=""/>
+        <dsp:cNvSpPr/>
+      </dsp:nvSpPr>
+      <dsp:spPr>
+        <a:xfrm>
+          <a:off x="0" y="300082"/>
+          <a:ext cx="7432360" cy="600164"/>
+        </a:xfrm>
+        <a:prstGeom prst="roundRect">
+          <a:avLst>
+            <a:gd name="adj" fmla="val 10000"/>
+          </a:avLst>
+        </a:prstGeom>
+        <a:solidFill>
+          <a:schemeClr val="accent1">
+            <a:hueOff val="0"/>
+            <a:satOff val="0"/>
+            <a:lumOff val="0"/>
+            <a:alphaOff val="0"/>
+          </a:schemeClr>
+        </a:solidFill>
+        <a:ln w="25400" cap="flat" cmpd="sng" algn="ctr">
+          <a:solidFill>
+            <a:schemeClr val="lt1">
+              <a:hueOff val="0"/>
+              <a:satOff val="0"/>
+              <a:lumOff val="0"/>
+              <a:alphaOff val="0"/>
+            </a:schemeClr>
+          </a:solidFill>
+          <a:prstDash val="solid"/>
+          <a:miter/>
+        </a:ln>
+        <a:effectLst/>
+      </dsp:spPr>
+      <dsp:style>
+        <a:lnRef idx="2">
+          <a:scrgbClr r="0" g="0" b="0"/>
+        </a:lnRef>
+        <a:fillRef idx="1">
+          <a:scrgbClr r="0" g="0" b="0"/>
+        </a:fillRef>
+        <a:effectRef idx="0">
+          <a:scrgbClr r="0" g="0" b="0"/>
+        </a:effectRef>
+        <a:fontRef idx="minor">
+          <a:schemeClr val="lt1"/>
+        </a:fontRef>
+      </dsp:style>
+      <dsp:txBody>
+        <a:bodyPr spcFirstLastPara="0" vert="horz" wrap="square" lIns="102870" tIns="102870" rIns="102870" bIns="102870" numCol="1" spcCol="1270" anchor="ctr" anchorCtr="0">
+          <a:noAutofit/>
+        </a:bodyPr>
+        <a:lstStyle/>
+        <a:p>
+          <a:pPr marL="0" lvl="0" indent="0" algn="ctr" defTabSz="1200150">
+            <a:lnSpc>
+              <a:spcPct val="90000"/>
+            </a:lnSpc>
+            <a:spcBef>
+              <a:spcPct val="0"/>
+            </a:spcBef>
+            <a:spcAft>
+              <a:spcPct val="35000"/>
+            </a:spcAft>
+            <a:buNone/>
+          </a:pPr>
+          <a:r>
+            <a:rPr lang="en-US" sz="2700" kern="1200" dirty="0"/>
+            <a:t>Your instructors and helpers</a:t>
+          </a:r>
+          <a:endParaRPr lang="LID4096" sz="2700" kern="1200" dirty="0"/>
+        </a:p>
+      </dsp:txBody>
+      <dsp:txXfrm>
+        <a:off x="17578" y="317660"/>
+        <a:ext cx="7397204" cy="565008"/>
+      </dsp:txXfrm>
+    </dsp:sp>
+  </dsp:spTree>
+</dsp:drawing>
+</file>
+
+<file path=ppt/diagrams/drawing4.xml><?xml version="1.0" encoding="utf-8"?>
 <dsp:drawing xmlns:dgm="http://schemas.openxmlformats.org/drawingml/2006/diagram" xmlns:dsp="http://schemas.microsoft.com/office/drawing/2008/diagram" xmlns:a="http://schemas.openxmlformats.org/drawingml/2006/main">
   <dsp:spTree>
     <dsp:nvGrpSpPr>
@@ -7531,6 +8465,1232 @@
 </dgm:layoutDef>
 </file>
 
+<file path=ppt/diagrams/layout4.xml><?xml version="1.0" encoding="utf-8"?>
+<dgm:layoutDef xmlns:dgm="http://schemas.openxmlformats.org/drawingml/2006/diagram" xmlns:a="http://schemas.openxmlformats.org/drawingml/2006/main" uniqueId="urn:microsoft.com/office/officeart/2005/8/layout/vProcess5">
+  <dgm:title val=""/>
+  <dgm:desc val=""/>
+  <dgm:catLst>
+    <dgm:cat type="process" pri="14000"/>
+  </dgm:catLst>
+  <dgm:sampData>
+    <dgm:dataModel>
+      <dgm:ptLst>
+        <dgm:pt modelId="0" type="doc"/>
+        <dgm:pt modelId="1">
+          <dgm:prSet phldr="1"/>
+        </dgm:pt>
+        <dgm:pt modelId="2">
+          <dgm:prSet phldr="1"/>
+        </dgm:pt>
+        <dgm:pt modelId="3">
+          <dgm:prSet phldr="1"/>
+        </dgm:pt>
+      </dgm:ptLst>
+      <dgm:cxnLst>
+        <dgm:cxn modelId="5" srcId="0" destId="1" srcOrd="0" destOrd="0"/>
+        <dgm:cxn modelId="6" srcId="0" destId="2" srcOrd="1" destOrd="0"/>
+        <dgm:cxn modelId="7" srcId="0" destId="3" srcOrd="2" destOrd="0"/>
+      </dgm:cxnLst>
+      <dgm:bg/>
+      <dgm:whole/>
+    </dgm:dataModel>
+  </dgm:sampData>
+  <dgm:styleData>
+    <dgm:dataModel>
+      <dgm:ptLst>
+        <dgm:pt modelId="0" type="doc"/>
+        <dgm:pt modelId="1"/>
+        <dgm:pt modelId="2"/>
+      </dgm:ptLst>
+      <dgm:cxnLst>
+        <dgm:cxn modelId="3" srcId="0" destId="1" srcOrd="0" destOrd="0"/>
+        <dgm:cxn modelId="4" srcId="0" destId="2" srcOrd="1" destOrd="0"/>
+      </dgm:cxnLst>
+      <dgm:bg/>
+      <dgm:whole/>
+    </dgm:dataModel>
+  </dgm:styleData>
+  <dgm:clrData>
+    <dgm:dataModel>
+      <dgm:ptLst>
+        <dgm:pt modelId="0" type="doc"/>
+        <dgm:pt modelId="1"/>
+        <dgm:pt modelId="2"/>
+        <dgm:pt modelId="3"/>
+        <dgm:pt modelId="4"/>
+      </dgm:ptLst>
+      <dgm:cxnLst>
+        <dgm:cxn modelId="6" srcId="0" destId="1" srcOrd="0" destOrd="0"/>
+        <dgm:cxn modelId="7" srcId="0" destId="2" srcOrd="1" destOrd="0"/>
+        <dgm:cxn modelId="8" srcId="0" destId="3" srcOrd="2" destOrd="0"/>
+        <dgm:cxn modelId="9" srcId="0" destId="4" srcOrd="3" destOrd="0"/>
+      </dgm:cxnLst>
+      <dgm:bg/>
+      <dgm:whole/>
+    </dgm:dataModel>
+  </dgm:clrData>
+  <dgm:layoutNode name="outerComposite">
+    <dgm:varLst>
+      <dgm:chMax val="5"/>
+      <dgm:dir/>
+      <dgm:resizeHandles val="exact"/>
+    </dgm:varLst>
+    <dgm:alg type="composite"/>
+    <dgm:shape xmlns:r="http://schemas.openxmlformats.org/officeDocument/2006/relationships" r:blip="">
+      <dgm:adjLst/>
+    </dgm:shape>
+    <dgm:presOf/>
+    <dgm:choose name="Name0">
+      <dgm:if name="Name1" func="var" arg="dir" op="equ" val="norm">
+        <dgm:constrLst>
+          <dgm:constr type="primFontSz" for="ch" ptType="node" op="equ" val="65"/>
+          <dgm:constr type="w" for="ch" forName="dummyMaxCanvas" refType="w"/>
+          <dgm:constr type="h" for="ch" forName="dummyMaxCanvas" refType="h"/>
+          <dgm:constr type="w" for="ch" forName="OneNode_1" refType="w"/>
+          <dgm:constr type="h" for="ch" forName="OneNode_1" refType="h" fact="0.5"/>
+          <dgm:constr type="ctrY" for="ch" forName="OneNode_1" refType="h" fact="0.5"/>
+          <dgm:constr type="w" for="ch" forName="TwoNodes_1" refType="w" fact="0.85"/>
+          <dgm:constr type="h" for="ch" forName="TwoNodes_1" refType="h" fact="0.45"/>
+          <dgm:constr type="t" for="ch" forName="TwoNodes_1"/>
+          <dgm:constr type="l" for="ch" forName="TwoNodes_1"/>
+          <dgm:constr type="w" for="ch" forName="TwoNodes_2" refType="w" fact="0.85"/>
+          <dgm:constr type="h" for="ch" forName="TwoNodes_2" refType="h" fact="0.45"/>
+          <dgm:constr type="b" for="ch" forName="TwoNodes_2" refType="h"/>
+          <dgm:constr type="r" for="ch" forName="TwoNodes_2" refType="w"/>
+          <dgm:constr type="w" for="ch" forName="TwoConn_1-2" refType="h" refFor="ch" refForName="TwoNodes_1" fact="0.65"/>
+          <dgm:constr type="h" for="ch" forName="TwoConn_1-2" refType="h" refFor="ch" refForName="TwoNodes_1" fact="0.65"/>
+          <dgm:constr type="ctrY" for="ch" forName="TwoConn_1-2" refType="h" fact="0.5"/>
+          <dgm:constr type="r" for="ch" forName="TwoConn_1-2" refType="r" refFor="ch" refForName="TwoNodes_1"/>
+          <dgm:constr type="r" for="ch" forName="TwoNodes_1_text" refType="l" refFor="ch" refForName="TwoConn_1-2"/>
+          <dgm:constr type="rOff" for="ch" forName="TwoNodes_1_text" refType="w" refFor="ch" refForName="TwoConn_1-2" fact="-0.5"/>
+          <dgm:constr type="t" for="ch" forName="TwoNodes_1_text" refType="t" refFor="ch" refForName="TwoNodes_1"/>
+          <dgm:constr type="b" for="ch" forName="TwoNodes_1_text" refType="b" refFor="ch" refForName="TwoNodes_1"/>
+          <dgm:constr type="l" for="ch" forName="TwoNodes_1_text" refType="l" refFor="ch" refForName="TwoNodes_1"/>
+          <dgm:constr type="r" for="ch" forName="TwoNodes_2_text" refType="l" refFor="ch" refForName="TwoConn_1-2"/>
+          <dgm:constr type="t" for="ch" forName="TwoNodes_2_text" refType="t" refFor="ch" refForName="TwoNodes_2"/>
+          <dgm:constr type="b" for="ch" forName="TwoNodes_2_text" refType="b" refFor="ch" refForName="TwoNodes_2"/>
+          <dgm:constr type="l" for="ch" forName="TwoNodes_2_text" refType="l" refFor="ch" refForName="TwoNodes_2"/>
+          <dgm:constr type="w" for="ch" forName="ThreeNodes_1" refType="w" fact="0.85"/>
+          <dgm:constr type="h" for="ch" forName="ThreeNodes_1" refType="h" fact="0.3"/>
+          <dgm:constr type="t" for="ch" forName="ThreeNodes_1"/>
+          <dgm:constr type="l" for="ch" forName="ThreeNodes_1"/>
+          <dgm:constr type="w" for="ch" forName="ThreeNodes_2" refType="w" fact="0.85"/>
+          <dgm:constr type="h" for="ch" forName="ThreeNodes_2" refType="h" fact="0.3"/>
+          <dgm:constr type="ctrY" for="ch" forName="ThreeNodes_2" refType="h" fact="0.5"/>
+          <dgm:constr type="ctrX" for="ch" forName="ThreeNodes_2" refType="w" fact="0.5"/>
+          <dgm:constr type="w" for="ch" forName="ThreeNodes_3" refType="w" fact="0.85"/>
+          <dgm:constr type="h" for="ch" forName="ThreeNodes_3" refType="h" fact="0.3"/>
+          <dgm:constr type="b" for="ch" forName="ThreeNodes_3" refType="h"/>
+          <dgm:constr type="r" for="ch" forName="ThreeNodes_3" refType="w"/>
+          <dgm:constr type="w" for="ch" forName="ThreeConn_1-2" refType="h" refFor="ch" refForName="ThreeNodes_1" fact="0.65"/>
+          <dgm:constr type="h" for="ch" forName="ThreeConn_1-2" refType="h" refFor="ch" refForName="ThreeNodes_1" fact="0.65"/>
+          <dgm:constr type="ctrY" for="ch" forName="ThreeConn_1-2" refType="h" fact="0.325"/>
+          <dgm:constr type="r" for="ch" forName="ThreeConn_1-2" refType="r" refFor="ch" refForName="ThreeNodes_1"/>
+          <dgm:constr type="w" for="ch" forName="ThreeConn_2-3" refType="h" refFor="ch" refForName="ThreeNodes_2" fact="0.65"/>
+          <dgm:constr type="h" for="ch" forName="ThreeConn_2-3" refType="h" refFor="ch" refForName="ThreeNodes_2" fact="0.65"/>
+          <dgm:constr type="ctrY" for="ch" forName="ThreeConn_2-3" refType="h" fact="0.673"/>
+          <dgm:constr type="r" for="ch" forName="ThreeConn_2-3" refType="r" refFor="ch" refForName="ThreeNodes_2"/>
+          <dgm:constr type="r" for="ch" forName="ThreeNodes_1_text" refType="l" refFor="ch" refForName="ThreeConn_1-2"/>
+          <dgm:constr type="rOff" for="ch" forName="ThreeNodes_1_text" refType="w" refFor="ch" refForName="ThreeConn_1-2" fact="-0.57"/>
+          <dgm:constr type="t" for="ch" forName="ThreeNodes_1_text" refType="t" refFor="ch" refForName="ThreeNodes_1"/>
+          <dgm:constr type="b" for="ch" forName="ThreeNodes_1_text" refType="b" refFor="ch" refForName="ThreeNodes_1"/>
+          <dgm:constr type="l" for="ch" forName="ThreeNodes_1_text" refType="l" refFor="ch" refForName="ThreeNodes_1"/>
+          <dgm:constr type="r" for="ch" forName="ThreeNodes_2_text" refType="l" refFor="ch" refForName="ThreeConn_1-2"/>
+          <dgm:constr type="t" for="ch" forName="ThreeNodes_2_text" refType="t" refFor="ch" refForName="ThreeNodes_2"/>
+          <dgm:constr type="b" for="ch" forName="ThreeNodes_2_text" refType="b" refFor="ch" refForName="ThreeNodes_2"/>
+          <dgm:constr type="l" for="ch" forName="ThreeNodes_2_text" refType="l" refFor="ch" refForName="ThreeNodes_2"/>
+          <dgm:constr type="r" for="ch" forName="ThreeNodes_3_text" refType="l" refFor="ch" refForName="ThreeConn_2-3"/>
+          <dgm:constr type="t" for="ch" forName="ThreeNodes_3_text" refType="t" refFor="ch" refForName="ThreeNodes_3"/>
+          <dgm:constr type="b" for="ch" forName="ThreeNodes_3_text" refType="b" refFor="ch" refForName="ThreeNodes_3"/>
+          <dgm:constr type="l" for="ch" forName="ThreeNodes_3_text" refType="l" refFor="ch" refForName="ThreeNodes_3"/>
+          <dgm:constr type="w" for="ch" forName="FourNodes_1" refType="w" fact="0.8"/>
+          <dgm:constr type="h" for="ch" forName="FourNodes_1" refType="h" fact="0.22"/>
+          <dgm:constr type="t" for="ch" forName="FourNodes_1"/>
+          <dgm:constr type="l" for="ch" forName="FourNodes_1"/>
+          <dgm:constr type="w" for="ch" forName="FourNodes_2" refType="w" fact="0.8"/>
+          <dgm:constr type="h" for="ch" forName="FourNodes_2" refType="h" fact="0.22"/>
+          <dgm:constr type="ctrY" for="ch" forName="FourNodes_2" refType="h" fact="0.37"/>
+          <dgm:constr type="ctrX" for="ch" forName="FourNodes_2" refType="w" fact="0.467"/>
+          <dgm:constr type="w" for="ch" forName="FourNodes_3" refType="w" fact="0.8"/>
+          <dgm:constr type="h" for="ch" forName="FourNodes_3" refType="h" fact="0.22"/>
+          <dgm:constr type="ctrY" for="ch" forName="FourNodes_3" refType="h" fact="0.63"/>
+          <dgm:constr type="ctrX" for="ch" forName="FourNodes_3" refType="w" fact="0.533"/>
+          <dgm:constr type="w" for="ch" forName="FourNodes_4" refType="w" fact="0.8"/>
+          <dgm:constr type="h" for="ch" forName="FourNodes_4" refType="h" fact="0.22"/>
+          <dgm:constr type="b" for="ch" forName="FourNodes_4" refType="h"/>
+          <dgm:constr type="r" for="ch" forName="FourNodes_4" refType="w"/>
+          <dgm:constr type="w" for="ch" forName="FourConn_1-2" refType="h" refFor="ch" refForName="FourNodes_1" fact="0.65"/>
+          <dgm:constr type="h" for="ch" forName="FourConn_1-2" refType="h" refFor="ch" refForName="FourNodes_1" fact="0.65"/>
+          <dgm:constr type="ctrY" for="ch" forName="FourConn_1-2" refType="h" fact="0.24"/>
+          <dgm:constr type="r" for="ch" forName="FourConn_1-2" refType="r" refFor="ch" refForName="FourNodes_1"/>
+          <dgm:constr type="w" for="ch" forName="FourConn_2-3" refType="h" refFor="ch" refForName="FourNodes_2" fact="0.65"/>
+          <dgm:constr type="h" for="ch" forName="FourConn_2-3" refType="h" refFor="ch" refForName="FourNodes_2" fact="0.65"/>
+          <dgm:constr type="ctrY" for="ch" forName="FourConn_2-3" refType="h" fact="0.5"/>
+          <dgm:constr type="r" for="ch" forName="FourConn_2-3" refType="r" refFor="ch" refForName="FourNodes_2"/>
+          <dgm:constr type="w" for="ch" forName="FourConn_3-4" refType="h" refFor="ch" refForName="FourNodes_3" fact="0.65"/>
+          <dgm:constr type="h" for="ch" forName="FourConn_3-4" refType="h" refFor="ch" refForName="FourNodes_3" fact="0.65"/>
+          <dgm:constr type="ctrY" for="ch" forName="FourConn_3-4" refType="h" fact="0.76"/>
+          <dgm:constr type="r" for="ch" forName="FourConn_3-4" refType="r" refFor="ch" refForName="FourNodes_3"/>
+          <dgm:constr type="r" for="ch" forName="FourNodes_1_text" refType="l" refFor="ch" refForName="FourConn_1-2"/>
+          <dgm:constr type="rOff" for="ch" forName="FourNodes_1_text" refType="w" refFor="ch" refForName="FourConn_1-2" fact="-0.7"/>
+          <dgm:constr type="t" for="ch" forName="FourNodes_1_text" refType="t" refFor="ch" refForName="FourNodes_1"/>
+          <dgm:constr type="b" for="ch" forName="FourNodes_1_text" refType="b" refFor="ch" refForName="FourNodes_1"/>
+          <dgm:constr type="l" for="ch" forName="FourNodes_1_text" refType="l" refFor="ch" refForName="FourNodes_1"/>
+          <dgm:constr type="r" for="ch" forName="FourNodes_2_text" refType="l" refFor="ch" refForName="FourConn_1-2"/>
+          <dgm:constr type="t" for="ch" forName="FourNodes_2_text" refType="t" refFor="ch" refForName="FourNodes_2"/>
+          <dgm:constr type="b" for="ch" forName="FourNodes_2_text" refType="b" refFor="ch" refForName="FourNodes_2"/>
+          <dgm:constr type="l" for="ch" forName="FourNodes_2_text" refType="l" refFor="ch" refForName="FourNodes_2"/>
+          <dgm:constr type="r" for="ch" forName="FourNodes_3_text" refType="l" refFor="ch" refForName="FourConn_2-3"/>
+          <dgm:constr type="t" for="ch" forName="FourNodes_3_text" refType="t" refFor="ch" refForName="FourNodes_3"/>
+          <dgm:constr type="b" for="ch" forName="FourNodes_3_text" refType="b" refFor="ch" refForName="FourNodes_3"/>
+          <dgm:constr type="l" for="ch" forName="FourNodes_3_text" refType="l" refFor="ch" refForName="FourNodes_3"/>
+          <dgm:constr type="r" for="ch" forName="FourNodes_4_text" refType="l" refFor="ch" refForName="FourConn_3-4"/>
+          <dgm:constr type="t" for="ch" forName="FourNodes_4_text" refType="t" refFor="ch" refForName="FourNodes_4"/>
+          <dgm:constr type="b" for="ch" forName="FourNodes_4_text" refType="b" refFor="ch" refForName="FourNodes_4"/>
+          <dgm:constr type="l" for="ch" forName="FourNodes_4_text" refType="l" refFor="ch" refForName="FourNodes_4"/>
+          <dgm:constr type="w" for="ch" forName="FiveNodes_1" refType="w" fact="0.77"/>
+          <dgm:constr type="h" for="ch" forName="FiveNodes_1" refType="h" fact="0.18"/>
+          <dgm:constr type="t" for="ch" forName="FiveNodes_1"/>
+          <dgm:constr type="l" for="ch" forName="FiveNodes_1"/>
+          <dgm:constr type="w" for="ch" forName="FiveNodes_2" refType="w" fact="0.77"/>
+          <dgm:constr type="h" for="ch" forName="FiveNodes_2" refType="h" fact="0.18"/>
+          <dgm:constr type="ctrY" for="ch" forName="FiveNodes_2" refType="h" fact="0.295"/>
+          <dgm:constr type="ctrX" for="ch" forName="FiveNodes_2" refType="w" fact="0.4425"/>
+          <dgm:constr type="w" for="ch" forName="FiveNodes_3" refType="w" fact="0.77"/>
+          <dgm:constr type="h" for="ch" forName="FiveNodes_3" refType="h" fact="0.18"/>
+          <dgm:constr type="ctrY" for="ch" forName="FiveNodes_3" refType="h" fact="0.5"/>
+          <dgm:constr type="ctrX" for="ch" forName="FiveNodes_3" refType="w" fact="0.5"/>
+          <dgm:constr type="w" for="ch" forName="FiveNodes_4" refType="w" fact="0.77"/>
+          <dgm:constr type="h" for="ch" forName="FiveNodes_4" refType="h" fact="0.18"/>
+          <dgm:constr type="ctrY" for="ch" forName="FiveNodes_4" refType="h" fact="0.705"/>
+          <dgm:constr type="ctrX" for="ch" forName="FiveNodes_4" refType="w" fact="0.5575"/>
+          <dgm:constr type="w" for="ch" forName="FiveNodes_5" refType="w" fact="0.77"/>
+          <dgm:constr type="h" for="ch" forName="FiveNodes_5" refType="h" fact="0.18"/>
+          <dgm:constr type="b" for="ch" forName="FiveNodes_5" refType="h"/>
+          <dgm:constr type="r" for="ch" forName="FiveNodes_5" refType="w"/>
+          <dgm:constr type="w" for="ch" forName="FiveConn_1-2" refType="h" refFor="ch" refForName="FiveNodes_1" fact="0.65"/>
+          <dgm:constr type="h" for="ch" forName="FiveConn_1-2" refType="h" refFor="ch" refForName="FiveNodes_1" fact="0.65"/>
+          <dgm:constr type="ctrY" for="ch" forName="FiveConn_1-2" refType="h" fact="0.19"/>
+          <dgm:constr type="r" for="ch" forName="FiveConn_1-2" refType="r" refFor="ch" refForName="FiveNodes_1"/>
+          <dgm:constr type="w" for="ch" forName="FiveConn_2-3" refType="h" refFor="ch" refForName="FiveNodes_2" fact="0.65"/>
+          <dgm:constr type="h" for="ch" forName="FiveConn_2-3" refType="h" refFor="ch" refForName="FiveNodes_2" fact="0.65"/>
+          <dgm:constr type="ctrY" for="ch" forName="FiveConn_2-3" refType="h" fact="0.395"/>
+          <dgm:constr type="r" for="ch" forName="FiveConn_2-3" refType="r" refFor="ch" refForName="FiveNodes_2"/>
+          <dgm:constr type="w" for="ch" forName="FiveConn_3-4" refType="h" refFor="ch" refForName="FiveNodes_3" fact="0.65"/>
+          <dgm:constr type="h" for="ch" forName="FiveConn_3-4" refType="h" refFor="ch" refForName="FiveNodes_3" fact="0.65"/>
+          <dgm:constr type="ctrY" for="ch" forName="FiveConn_3-4" refType="h" fact="0.597"/>
+          <dgm:constr type="r" for="ch" forName="FiveConn_3-4" refType="r" refFor="ch" refForName="FiveNodes_3"/>
+          <dgm:constr type="w" for="ch" forName="FiveConn_4-5" refType="h" refFor="ch" refForName="FiveNodes_4" fact="0.65"/>
+          <dgm:constr type="h" for="ch" forName="FiveConn_4-5" refType="h" refFor="ch" refForName="FiveNodes_4" fact="0.65"/>
+          <dgm:constr type="ctrY" for="ch" forName="FiveConn_4-5" refType="h" fact="0.804"/>
+          <dgm:constr type="r" for="ch" forName="FiveConn_4-5" refType="r" refFor="ch" refForName="FiveNodes_4"/>
+          <dgm:constr type="r" for="ch" forName="FiveNodes_1_text" refType="l" refFor="ch" refForName="FiveConn_1-2"/>
+          <dgm:constr type="rOff" for="ch" forName="FiveNodes_1_text" refType="w" refFor="ch" refForName="FiveConn_1-2" fact="-0.75"/>
+          <dgm:constr type="t" for="ch" forName="FiveNodes_1_text" refType="t" refFor="ch" refForName="FiveNodes_1"/>
+          <dgm:constr type="b" for="ch" forName="FiveNodes_1_text" refType="b" refFor="ch" refForName="FiveNodes_1"/>
+          <dgm:constr type="l" for="ch" forName="FiveNodes_1_text" refType="l" refFor="ch" refForName="FiveNodes_1"/>
+          <dgm:constr type="r" for="ch" forName="FiveNodes_2_text" refType="l" refFor="ch" refForName="FiveConn_1-2"/>
+          <dgm:constr type="t" for="ch" forName="FiveNodes_2_text" refType="t" refFor="ch" refForName="FiveNodes_2"/>
+          <dgm:constr type="b" for="ch" forName="FiveNodes_2_text" refType="b" refFor="ch" refForName="FiveNodes_2"/>
+          <dgm:constr type="l" for="ch" forName="FiveNodes_2_text" refType="l" refFor="ch" refForName="FiveNodes_2"/>
+          <dgm:constr type="r" for="ch" forName="FiveNodes_3_text" refType="l" refFor="ch" refForName="FiveConn_2-3"/>
+          <dgm:constr type="t" for="ch" forName="FiveNodes_3_text" refType="t" refFor="ch" refForName="FiveNodes_3"/>
+          <dgm:constr type="b" for="ch" forName="FiveNodes_3_text" refType="b" refFor="ch" refForName="FiveNodes_3"/>
+          <dgm:constr type="l" for="ch" forName="FiveNodes_3_text" refType="l" refFor="ch" refForName="FiveNodes_3"/>
+          <dgm:constr type="r" for="ch" forName="FiveNodes_4_text" refType="l" refFor="ch" refForName="FiveConn_3-4"/>
+          <dgm:constr type="t" for="ch" forName="FiveNodes_4_text" refType="t" refFor="ch" refForName="FiveNodes_4"/>
+          <dgm:constr type="b" for="ch" forName="FiveNodes_4_text" refType="b" refFor="ch" refForName="FiveNodes_4"/>
+          <dgm:constr type="l" for="ch" forName="FiveNodes_4_text" refType="l" refFor="ch" refForName="FiveNodes_4"/>
+          <dgm:constr type="r" for="ch" forName="FiveNodes_5_text" refType="l" refFor="ch" refForName="FiveConn_4-5"/>
+          <dgm:constr type="t" for="ch" forName="FiveNodes_5_text" refType="t" refFor="ch" refForName="FiveNodes_5"/>
+          <dgm:constr type="b" for="ch" forName="FiveNodes_5_text" refType="b" refFor="ch" refForName="FiveNodes_5"/>
+          <dgm:constr type="l" for="ch" forName="FiveNodes_5_text" refType="l" refFor="ch" refForName="FiveNodes_5"/>
+        </dgm:constrLst>
+      </dgm:if>
+      <dgm:else name="Name2">
+        <dgm:constrLst>
+          <dgm:constr type="primFontSz" for="ch" ptType="node" op="equ" val="65"/>
+          <dgm:constr type="w" for="ch" forName="dummyMaxCanvas" refType="w"/>
+          <dgm:constr type="h" for="ch" forName="dummyMaxCanvas" refType="h"/>
+          <dgm:constr type="w" for="ch" forName="OneNode_1" refType="w"/>
+          <dgm:constr type="h" for="ch" forName="OneNode_1" refType="h" fact="0.5"/>
+          <dgm:constr type="ctrY" for="ch" forName="OneNode_1" refType="h" fact="0.5"/>
+          <dgm:constr type="w" for="ch" forName="TwoNodes_1" refType="w" fact="0.85"/>
+          <dgm:constr type="h" for="ch" forName="TwoNodes_1" refType="h" fact="0.45"/>
+          <dgm:constr type="t" for="ch" forName="TwoNodes_1"/>
+          <dgm:constr type="r" for="ch" forName="TwoNodes_1" refType="w"/>
+          <dgm:constr type="w" for="ch" forName="TwoNodes_2" refType="w" fact="0.85"/>
+          <dgm:constr type="h" for="ch" forName="TwoNodes_2" refType="h" fact="0.45"/>
+          <dgm:constr type="b" for="ch" forName="TwoNodes_2" refType="h"/>
+          <dgm:constr type="l" for="ch" forName="TwoNodes_2"/>
+          <dgm:constr type="w" for="ch" forName="TwoConn_1-2" refType="h" refFor="ch" refForName="TwoNodes_1" fact="0.65"/>
+          <dgm:constr type="h" for="ch" forName="TwoConn_1-2" refType="h" refFor="ch" refForName="TwoNodes_1" fact="0.65"/>
+          <dgm:constr type="ctrY" for="ch" forName="TwoConn_1-2" refType="h" fact="0.5"/>
+          <dgm:constr type="l" for="ch" forName="TwoConn_1-2" refType="l" refFor="ch" refForName="TwoNodes_1"/>
+          <dgm:constr type="l" for="ch" forName="TwoNodes_1_text" refType="r" refFor="ch" refForName="TwoConn_1-2"/>
+          <dgm:constr type="lOff" for="ch" forName="TwoNodes_1_text" refType="w" refFor="ch" refForName="TwoConn_1-2" fact="0.5"/>
+          <dgm:constr type="t" for="ch" forName="TwoNodes_1_text" refType="t" refFor="ch" refForName="TwoNodes_1"/>
+          <dgm:constr type="b" for="ch" forName="TwoNodes_1_text" refType="b" refFor="ch" refForName="TwoNodes_1"/>
+          <dgm:constr type="r" for="ch" forName="TwoNodes_1_text" refType="r" refFor="ch" refForName="TwoNodes_1"/>
+          <dgm:constr type="l" for="ch" forName="TwoNodes_2_text" refType="r" refFor="ch" refForName="TwoConn_1-2"/>
+          <dgm:constr type="t" for="ch" forName="TwoNodes_2_text" refType="t" refFor="ch" refForName="TwoNodes_2"/>
+          <dgm:constr type="b" for="ch" forName="TwoNodes_2_text" refType="b" refFor="ch" refForName="TwoNodes_2"/>
+          <dgm:constr type="r" for="ch" forName="TwoNodes_2_text" refType="r" refFor="ch" refForName="TwoNodes_2"/>
+          <dgm:constr type="w" for="ch" forName="ThreeNodes_1" refType="w" fact="0.85"/>
+          <dgm:constr type="h" for="ch" forName="ThreeNodes_1" refType="h" fact="0.3"/>
+          <dgm:constr type="t" for="ch" forName="ThreeNodes_1"/>
+          <dgm:constr type="r" for="ch" forName="ThreeNodes_1" refType="w"/>
+          <dgm:constr type="w" for="ch" forName="ThreeNodes_2" refType="w" fact="0.85"/>
+          <dgm:constr type="h" for="ch" forName="ThreeNodes_2" refType="h" fact="0.3"/>
+          <dgm:constr type="ctrY" for="ch" forName="ThreeNodes_2" refType="h" fact="0.5"/>
+          <dgm:constr type="ctrX" for="ch" forName="ThreeNodes_2" refType="w" fact="0.5"/>
+          <dgm:constr type="w" for="ch" forName="ThreeNodes_3" refType="w" fact="0.85"/>
+          <dgm:constr type="h" for="ch" forName="ThreeNodes_3" refType="h" fact="0.3"/>
+          <dgm:constr type="b" for="ch" forName="ThreeNodes_3" refType="h"/>
+          <dgm:constr type="l" for="ch" forName="ThreeNodes_3"/>
+          <dgm:constr type="w" for="ch" forName="ThreeConn_1-2" refType="h" refFor="ch" refForName="ThreeNodes_1" fact="0.65"/>
+          <dgm:constr type="h" for="ch" forName="ThreeConn_1-2" refType="h" refFor="ch" refForName="ThreeNodes_1" fact="0.65"/>
+          <dgm:constr type="ctrY" for="ch" forName="ThreeConn_1-2" refType="h" fact="0.325"/>
+          <dgm:constr type="l" for="ch" forName="ThreeConn_1-2" refType="l" refFor="ch" refForName="ThreeNodes_1"/>
+          <dgm:constr type="w" for="ch" forName="ThreeConn_2-3" refType="h" refFor="ch" refForName="ThreeNodes_2" fact="0.65"/>
+          <dgm:constr type="h" for="ch" forName="ThreeConn_2-3" refType="h" refFor="ch" refForName="ThreeNodes_2" fact="0.65"/>
+          <dgm:constr type="ctrY" for="ch" forName="ThreeConn_2-3" refType="h" fact="0.673"/>
+          <dgm:constr type="l" for="ch" forName="ThreeConn_2-3" refType="l" refFor="ch" refForName="ThreeNodes_2"/>
+          <dgm:constr type="l" for="ch" forName="ThreeNodes_1_text" refType="r" refFor="ch" refForName="ThreeConn_1-2"/>
+          <dgm:constr type="lOff" for="ch" forName="ThreeNodes_1_text" refType="w" refFor="ch" refForName="ThreeConn_1-2" fact="0.55"/>
+          <dgm:constr type="t" for="ch" forName="ThreeNodes_1_text" refType="t" refFor="ch" refForName="ThreeNodes_1"/>
+          <dgm:constr type="b" for="ch" forName="ThreeNodes_1_text" refType="b" refFor="ch" refForName="ThreeNodes_1"/>
+          <dgm:constr type="r" for="ch" forName="ThreeNodes_1_text" refType="r" refFor="ch" refForName="ThreeNodes_1"/>
+          <dgm:constr type="l" for="ch" forName="ThreeNodes_2_text" refType="r" refFor="ch" refForName="ThreeConn_1-2"/>
+          <dgm:constr type="t" for="ch" forName="ThreeNodes_2_text" refType="t" refFor="ch" refForName="ThreeNodes_2"/>
+          <dgm:constr type="b" for="ch" forName="ThreeNodes_2_text" refType="b" refFor="ch" refForName="ThreeNodes_2"/>
+          <dgm:constr type="r" for="ch" forName="ThreeNodes_2_text" refType="r" refFor="ch" refForName="ThreeNodes_2"/>
+          <dgm:constr type="l" for="ch" forName="ThreeNodes_3_text" refType="r" refFor="ch" refForName="ThreeConn_2-3"/>
+          <dgm:constr type="t" for="ch" forName="ThreeNodes_3_text" refType="t" refFor="ch" refForName="ThreeNodes_3"/>
+          <dgm:constr type="b" for="ch" forName="ThreeNodes_3_text" refType="b" refFor="ch" refForName="ThreeNodes_3"/>
+          <dgm:constr type="r" for="ch" forName="ThreeNodes_3_text" refType="r" refFor="ch" refForName="ThreeNodes_3"/>
+          <dgm:constr type="w" for="ch" forName="FourNodes_1" refType="w" fact="0.8"/>
+          <dgm:constr type="h" for="ch" forName="FourNodes_1" refType="h" fact="0.22"/>
+          <dgm:constr type="t" for="ch" forName="FourNodes_1"/>
+          <dgm:constr type="r" for="ch" forName="FourNodes_1" refType="w"/>
+          <dgm:constr type="w" for="ch" forName="FourNodes_2" refType="w" fact="0.8"/>
+          <dgm:constr type="h" for="ch" forName="FourNodes_2" refType="h" fact="0.22"/>
+          <dgm:constr type="ctrY" for="ch" forName="FourNodes_2" refType="h" fact="0.37"/>
+          <dgm:constr type="ctrX" for="ch" forName="FourNodes_2" refType="w" fact="0.533"/>
+          <dgm:constr type="w" for="ch" forName="FourNodes_3" refType="w" fact="0.8"/>
+          <dgm:constr type="h" for="ch" forName="FourNodes_3" refType="h" fact="0.22"/>
+          <dgm:constr type="ctrY" for="ch" forName="FourNodes_3" refType="h" fact="0.63"/>
+          <dgm:constr type="ctrX" for="ch" forName="FourNodes_3" refType="w" fact="0.467"/>
+          <dgm:constr type="w" for="ch" forName="FourNodes_4" refType="w" fact="0.8"/>
+          <dgm:constr type="h" for="ch" forName="FourNodes_4" refType="h" fact="0.22"/>
+          <dgm:constr type="b" for="ch" forName="FourNodes_4" refType="h"/>
+          <dgm:constr type="l" for="ch" forName="FourNodes_4"/>
+          <dgm:constr type="w" for="ch" forName="FourConn_1-2" refType="h" refFor="ch" refForName="FourNodes_1" fact="0.65"/>
+          <dgm:constr type="h" for="ch" forName="FourConn_1-2" refType="h" refFor="ch" refForName="FourNodes_1" fact="0.65"/>
+          <dgm:constr type="ctrY" for="ch" forName="FourConn_1-2" refType="h" fact="0.24"/>
+          <dgm:constr type="l" for="ch" forName="FourConn_1-2" refType="l" refFor="ch" refForName="FourNodes_1"/>
+          <dgm:constr type="w" for="ch" forName="FourConn_2-3" refType="h" refFor="ch" refForName="FourNodes_2" fact="0.65"/>
+          <dgm:constr type="h" for="ch" forName="FourConn_2-3" refType="h" refFor="ch" refForName="FourNodes_2" fact="0.65"/>
+          <dgm:constr type="ctrY" for="ch" forName="FourConn_2-3" refType="h" fact="0.5"/>
+          <dgm:constr type="l" for="ch" forName="FourConn_2-3" refType="l" refFor="ch" refForName="FourNodes_2"/>
+          <dgm:constr type="w" for="ch" forName="FourConn_3-4" refType="h" refFor="ch" refForName="FourNodes_3" fact="0.65"/>
+          <dgm:constr type="h" for="ch" forName="FourConn_3-4" refType="h" refFor="ch" refForName="FourNodes_3" fact="0.65"/>
+          <dgm:constr type="ctrY" for="ch" forName="FourConn_3-4" refType="h" fact="0.76"/>
+          <dgm:constr type="l" for="ch" forName="FourConn_3-4" refType="l" refFor="ch" refForName="FourNodes_3"/>
+          <dgm:constr type="l" for="ch" forName="FourNodes_1_text" refType="r" refFor="ch" refForName="FourConn_1-2"/>
+          <dgm:constr type="lOff" for="ch" forName="FourNodes_1_text" refType="w" refFor="ch" refForName="FourConn_1-2" fact="0.69"/>
+          <dgm:constr type="t" for="ch" forName="FourNodes_1_text" refType="t" refFor="ch" refForName="FourNodes_1"/>
+          <dgm:constr type="b" for="ch" forName="FourNodes_1_text" refType="b" refFor="ch" refForName="FourNodes_1"/>
+          <dgm:constr type="r" for="ch" forName="FourNodes_1_text" refType="r" refFor="ch" refForName="FourNodes_1"/>
+          <dgm:constr type="l" for="ch" forName="FourNodes_2_text" refType="r" refFor="ch" refForName="FourConn_1-2"/>
+          <dgm:constr type="t" for="ch" forName="FourNodes_2_text" refType="t" refFor="ch" refForName="FourNodes_2"/>
+          <dgm:constr type="b" for="ch" forName="FourNodes_2_text" refType="b" refFor="ch" refForName="FourNodes_2"/>
+          <dgm:constr type="r" for="ch" forName="FourNodes_2_text" refType="r" refFor="ch" refForName="FourNodes_2"/>
+          <dgm:constr type="l" for="ch" forName="FourNodes_3_text" refType="r" refFor="ch" refForName="FourConn_2-3"/>
+          <dgm:constr type="t" for="ch" forName="FourNodes_3_text" refType="t" refFor="ch" refForName="FourNodes_3"/>
+          <dgm:constr type="b" for="ch" forName="FourNodes_3_text" refType="b" refFor="ch" refForName="FourNodes_3"/>
+          <dgm:constr type="r" for="ch" forName="FourNodes_3_text" refType="r" refFor="ch" refForName="FourNodes_3"/>
+          <dgm:constr type="l" for="ch" forName="FourNodes_4_text" refType="r" refFor="ch" refForName="FourConn_3-4"/>
+          <dgm:constr type="t" for="ch" forName="FourNodes_4_text" refType="t" refFor="ch" refForName="FourNodes_4"/>
+          <dgm:constr type="b" for="ch" forName="FourNodes_4_text" refType="b" refFor="ch" refForName="FourNodes_4"/>
+          <dgm:constr type="r" for="ch" forName="FourNodes_4_text" refType="r" refFor="ch" refForName="FourNodes_4"/>
+          <dgm:constr type="w" for="ch" forName="FiveNodes_1" refType="w" fact="0.77"/>
+          <dgm:constr type="h" for="ch" forName="FiveNodes_1" refType="h" fact="0.18"/>
+          <dgm:constr type="t" for="ch" forName="FiveNodes_1"/>
+          <dgm:constr type="r" for="ch" forName="FiveNodes_1" refType="w"/>
+          <dgm:constr type="w" for="ch" forName="FiveNodes_2" refType="w" fact="0.77"/>
+          <dgm:constr type="h" for="ch" forName="FiveNodes_2" refType="h" fact="0.18"/>
+          <dgm:constr type="ctrY" for="ch" forName="FiveNodes_2" refType="h" fact="0.295"/>
+          <dgm:constr type="ctrX" for="ch" forName="FiveNodes_2" refType="w" fact="0.5575"/>
+          <dgm:constr type="w" for="ch" forName="FiveNodes_3" refType="w" fact="0.77"/>
+          <dgm:constr type="h" for="ch" forName="FiveNodes_3" refType="h" fact="0.18"/>
+          <dgm:constr type="ctrY" for="ch" forName="FiveNodes_3" refType="h" fact="0.5"/>
+          <dgm:constr type="ctrX" for="ch" forName="FiveNodes_3" refType="w" fact="0.5"/>
+          <dgm:constr type="w" for="ch" forName="FiveNodes_4" refType="w" fact="0.77"/>
+          <dgm:constr type="h" for="ch" forName="FiveNodes_4" refType="h" fact="0.18"/>
+          <dgm:constr type="ctrY" for="ch" forName="FiveNodes_4" refType="h" fact="0.705"/>
+          <dgm:constr type="ctrX" for="ch" forName="FiveNodes_4" refType="w" fact="0.4425"/>
+          <dgm:constr type="w" for="ch" forName="FiveNodes_5" refType="w" fact="0.77"/>
+          <dgm:constr type="h" for="ch" forName="FiveNodes_5" refType="h" fact="0.18"/>
+          <dgm:constr type="b" for="ch" forName="FiveNodes_5" refType="h"/>
+          <dgm:constr type="l" for="ch" forName="FiveNodes_5"/>
+          <dgm:constr type="w" for="ch" forName="FiveConn_1-2" refType="h" refFor="ch" refForName="FiveNodes_1" fact="0.65"/>
+          <dgm:constr type="h" for="ch" forName="FiveConn_1-2" refType="h" refFor="ch" refForName="FiveNodes_1" fact="0.65"/>
+          <dgm:constr type="ctrY" for="ch" forName="FiveConn_1-2" refType="h" fact="0.19"/>
+          <dgm:constr type="l" for="ch" forName="FiveConn_1-2" refType="l" refFor="ch" refForName="FiveNodes_1"/>
+          <dgm:constr type="w" for="ch" forName="FiveConn_2-3" refType="h" refFor="ch" refForName="FiveNodes_2" fact="0.65"/>
+          <dgm:constr type="h" for="ch" forName="FiveConn_2-3" refType="h" refFor="ch" refForName="FiveNodes_2" fact="0.65"/>
+          <dgm:constr type="ctrY" for="ch" forName="FiveConn_2-3" refType="h" fact="0.395"/>
+          <dgm:constr type="l" for="ch" forName="FiveConn_2-3" refType="l" refFor="ch" refForName="FiveNodes_2"/>
+          <dgm:constr type="w" for="ch" forName="FiveConn_3-4" refType="h" refFor="ch" refForName="FiveNodes_3" fact="0.65"/>
+          <dgm:constr type="h" for="ch" forName="FiveConn_3-4" refType="h" refFor="ch" refForName="FiveNodes_3" fact="0.65"/>
+          <dgm:constr type="ctrY" for="ch" forName="FiveConn_3-4" refType="h" fact="0.597"/>
+          <dgm:constr type="l" for="ch" forName="FiveConn_3-4" refType="l" refFor="ch" refForName="FiveNodes_3"/>
+          <dgm:constr type="w" for="ch" forName="FiveConn_4-5" refType="h" refFor="ch" refForName="FiveNodes_4" fact="0.65"/>
+          <dgm:constr type="h" for="ch" forName="FiveConn_4-5" refType="h" refFor="ch" refForName="FiveNodes_4" fact="0.65"/>
+          <dgm:constr type="ctrY" for="ch" forName="FiveConn_4-5" refType="h" fact="0.804"/>
+          <dgm:constr type="l" for="ch" forName="FiveConn_4-5" refType="l" refFor="ch" refForName="FiveNodes_4"/>
+          <dgm:constr type="l" for="ch" forName="FiveNodes_1_text" refType="r" refFor="ch" refForName="FiveConn_1-2"/>
+          <dgm:constr type="lOff" for="ch" forName="FiveNodes_1_text" refType="w" refFor="ch" refForName="FiveConn_1-2" fact="0.73"/>
+          <dgm:constr type="t" for="ch" forName="FiveNodes_1_text" refType="t" refFor="ch" refForName="FiveNodes_1"/>
+          <dgm:constr type="b" for="ch" forName="FiveNodes_1_text" refType="b" refFor="ch" refForName="FiveNodes_1"/>
+          <dgm:constr type="r" for="ch" forName="FiveNodes_1_text" refType="r" refFor="ch" refForName="FiveNodes_1"/>
+          <dgm:constr type="l" for="ch" forName="FiveNodes_2_text" refType="r" refFor="ch" refForName="FiveConn_1-2"/>
+          <dgm:constr type="t" for="ch" forName="FiveNodes_2_text" refType="t" refFor="ch" refForName="FiveNodes_2"/>
+          <dgm:constr type="b" for="ch" forName="FiveNodes_2_text" refType="b" refFor="ch" refForName="FiveNodes_2"/>
+          <dgm:constr type="r" for="ch" forName="FiveNodes_2_text" refType="r" refFor="ch" refForName="FiveNodes_2"/>
+          <dgm:constr type="l" for="ch" forName="FiveNodes_3_text" refType="r" refFor="ch" refForName="FiveConn_2-3"/>
+          <dgm:constr type="t" for="ch" forName="FiveNodes_3_text" refType="t" refFor="ch" refForName="FiveNodes_3"/>
+          <dgm:constr type="b" for="ch" forName="FiveNodes_3_text" refType="b" refFor="ch" refForName="FiveNodes_3"/>
+          <dgm:constr type="r" for="ch" forName="FiveNodes_3_text" refType="r" refFor="ch" refForName="FiveNodes_3"/>
+          <dgm:constr type="l" for="ch" forName="FiveNodes_4_text" refType="r" refFor="ch" refForName="FiveConn_3-4"/>
+          <dgm:constr type="t" for="ch" forName="FiveNodes_4_text" refType="t" refFor="ch" refForName="FiveNodes_4"/>
+          <dgm:constr type="b" for="ch" forName="FiveNodes_4_text" refType="b" refFor="ch" refForName="FiveNodes_4"/>
+          <dgm:constr type="r" for="ch" forName="FiveNodes_4_text" refType="r" refFor="ch" refForName="FiveNodes_4"/>
+          <dgm:constr type="l" for="ch" forName="FiveNodes_5_text" refType="r" refFor="ch" refForName="FiveConn_4-5"/>
+          <dgm:constr type="t" for="ch" forName="FiveNodes_5_text" refType="t" refFor="ch" refForName="FiveNodes_5"/>
+          <dgm:constr type="b" for="ch" forName="FiveNodes_5_text" refType="b" refFor="ch" refForName="FiveNodes_5"/>
+          <dgm:constr type="r" for="ch" forName="FiveNodes_5_text" refType="r" refFor="ch" refForName="FiveNodes_5"/>
+        </dgm:constrLst>
+      </dgm:else>
+    </dgm:choose>
+    <dgm:ruleLst/>
+    <dgm:layoutNode name="dummyMaxCanvas">
+      <dgm:varLst/>
+      <dgm:alg type="sp"/>
+      <dgm:shape xmlns:r="http://schemas.openxmlformats.org/officeDocument/2006/relationships" r:blip="">
+        <dgm:adjLst/>
+      </dgm:shape>
+      <dgm:presOf/>
+      <dgm:constrLst/>
+      <dgm:ruleLst/>
+    </dgm:layoutNode>
+    <dgm:choose name="Name3">
+      <dgm:if name="Name4" axis="ch" ptType="node" func="cnt" op="equ" val="1">
+        <dgm:layoutNode name="OneNode_1">
+          <dgm:varLst>
+            <dgm:bulletEnabled val="1"/>
+          </dgm:varLst>
+          <dgm:alg type="tx"/>
+          <dgm:shape xmlns:r="http://schemas.openxmlformats.org/officeDocument/2006/relationships" type="roundRect" r:blip="">
+            <dgm:adjLst>
+              <dgm:adj idx="1" val="0.1"/>
+            </dgm:adjLst>
+          </dgm:shape>
+          <dgm:presOf axis="ch desOrSelf" ptType="node node" st="1 1" cnt="1 0"/>
+          <dgm:constrLst>
+            <dgm:constr type="lMarg" refType="primFontSz" fact="0.3"/>
+            <dgm:constr type="rMarg" refType="primFontSz" fact="0.3"/>
+            <dgm:constr type="tMarg" refType="primFontSz" fact="0.3"/>
+            <dgm:constr type="bMarg" refType="primFontSz" fact="0.3"/>
+          </dgm:constrLst>
+          <dgm:ruleLst>
+            <dgm:rule type="primFontSz" val="5" fact="NaN" max="NaN"/>
+          </dgm:ruleLst>
+        </dgm:layoutNode>
+      </dgm:if>
+      <dgm:else name="Name5">
+        <dgm:choose name="Name6">
+          <dgm:if name="Name7" axis="ch" ptType="node" func="cnt" op="equ" val="2">
+            <dgm:layoutNode name="TwoNodes_1">
+              <dgm:varLst>
+                <dgm:bulletEnabled val="1"/>
+              </dgm:varLst>
+              <dgm:alg type="sp"/>
+              <dgm:shape xmlns:r="http://schemas.openxmlformats.org/officeDocument/2006/relationships" type="roundRect" r:blip="">
+                <dgm:adjLst>
+                  <dgm:adj idx="1" val="0.1"/>
+                </dgm:adjLst>
+              </dgm:shape>
+              <dgm:presOf axis="ch desOrSelf" ptType="node node" st="1 1" cnt="1 0"/>
+              <dgm:constrLst/>
+              <dgm:ruleLst/>
+            </dgm:layoutNode>
+            <dgm:layoutNode name="TwoNodes_2">
+              <dgm:varLst>
+                <dgm:bulletEnabled val="1"/>
+              </dgm:varLst>
+              <dgm:alg type="sp"/>
+              <dgm:shape xmlns:r="http://schemas.openxmlformats.org/officeDocument/2006/relationships" type="roundRect" r:blip="">
+                <dgm:adjLst>
+                  <dgm:adj idx="1" val="0.1"/>
+                </dgm:adjLst>
+              </dgm:shape>
+              <dgm:presOf axis="ch desOrSelf" ptType="node node" st="2 1" cnt="1 0"/>
+              <dgm:constrLst/>
+              <dgm:ruleLst/>
+            </dgm:layoutNode>
+            <dgm:layoutNode name="TwoConn_1-2" styleLbl="fgAccFollowNode1">
+              <dgm:varLst>
+                <dgm:bulletEnabled val="1"/>
+              </dgm:varLst>
+              <dgm:alg type="tx"/>
+              <dgm:shape xmlns:r="http://schemas.openxmlformats.org/officeDocument/2006/relationships" type="downArrow" r:blip="">
+                <dgm:adjLst>
+                  <dgm:adj idx="1" val="0.55"/>
+                  <dgm:adj idx="2" val="0.45"/>
+                </dgm:adjLst>
+              </dgm:shape>
+              <dgm:presOf axis="ch" ptType="sibTrans" cnt="1"/>
+              <dgm:constrLst>
+                <dgm:constr type="lMarg" refType="primFontSz" fact="0.1"/>
+                <dgm:constr type="rMarg" refType="primFontSz" fact="0.1"/>
+                <dgm:constr type="tMarg" refType="primFontSz" fact="0.1"/>
+                <dgm:constr type="bMarg" refType="primFontSz" fact="0.1"/>
+              </dgm:constrLst>
+              <dgm:ruleLst>
+                <dgm:rule type="primFontSz" val="5" fact="NaN" max="NaN"/>
+              </dgm:ruleLst>
+            </dgm:layoutNode>
+            <dgm:layoutNode name="TwoNodes_1_text">
+              <dgm:varLst>
+                <dgm:bulletEnabled val="1"/>
+              </dgm:varLst>
+              <dgm:alg type="tx">
+                <dgm:param type="parTxLTRAlign" val="l"/>
+                <dgm:param type="txAnchorVertCh" val="mid"/>
+              </dgm:alg>
+              <dgm:shape xmlns:r="http://schemas.openxmlformats.org/officeDocument/2006/relationships" type="roundRect" r:blip="" hideGeom="1">
+                <dgm:adjLst>
+                  <dgm:adj idx="1" val="0.1"/>
+                </dgm:adjLst>
+              </dgm:shape>
+              <dgm:presOf axis="ch desOrSelf" ptType="node node" st="1 1" cnt="1 0"/>
+              <dgm:constrLst>
+                <dgm:constr type="lMarg" refType="primFontSz" fact="0.3"/>
+                <dgm:constr type="rMarg" refType="primFontSz" fact="0.3"/>
+                <dgm:constr type="tMarg" refType="primFontSz" fact="0.3"/>
+                <dgm:constr type="bMarg" refType="primFontSz" fact="0.3"/>
+              </dgm:constrLst>
+              <dgm:ruleLst>
+                <dgm:rule type="primFontSz" val="5" fact="NaN" max="NaN"/>
+              </dgm:ruleLst>
+            </dgm:layoutNode>
+            <dgm:layoutNode name="TwoNodes_2_text">
+              <dgm:varLst>
+                <dgm:bulletEnabled val="1"/>
+              </dgm:varLst>
+              <dgm:alg type="tx">
+                <dgm:param type="parTxLTRAlign" val="l"/>
+                <dgm:param type="txAnchorVertCh" val="mid"/>
+              </dgm:alg>
+              <dgm:shape xmlns:r="http://schemas.openxmlformats.org/officeDocument/2006/relationships" type="roundRect" r:blip="" hideGeom="1">
+                <dgm:adjLst>
+                  <dgm:adj idx="1" val="0.1"/>
+                </dgm:adjLst>
+              </dgm:shape>
+              <dgm:presOf axis="ch desOrSelf" ptType="node node" st="2 1" cnt="1 0"/>
+              <dgm:constrLst>
+                <dgm:constr type="lMarg" refType="primFontSz" fact="0.3"/>
+                <dgm:constr type="rMarg" refType="primFontSz" fact="0.3"/>
+                <dgm:constr type="tMarg" refType="primFontSz" fact="0.3"/>
+                <dgm:constr type="bMarg" refType="primFontSz" fact="0.3"/>
+              </dgm:constrLst>
+              <dgm:ruleLst>
+                <dgm:rule type="primFontSz" val="5" fact="NaN" max="NaN"/>
+              </dgm:ruleLst>
+            </dgm:layoutNode>
+          </dgm:if>
+          <dgm:else name="Name8">
+            <dgm:choose name="Name9">
+              <dgm:if name="Name10" axis="ch" ptType="node" func="cnt" op="equ" val="3">
+                <dgm:layoutNode name="ThreeNodes_1">
+                  <dgm:varLst>
+                    <dgm:bulletEnabled val="1"/>
+                  </dgm:varLst>
+                  <dgm:alg type="sp"/>
+                  <dgm:shape xmlns:r="http://schemas.openxmlformats.org/officeDocument/2006/relationships" type="roundRect" r:blip="">
+                    <dgm:adjLst>
+                      <dgm:adj idx="1" val="0.1"/>
+                    </dgm:adjLst>
+                  </dgm:shape>
+                  <dgm:presOf axis="ch desOrSelf" ptType="node node" st="1 1" cnt="1 0"/>
+                  <dgm:constrLst/>
+                  <dgm:ruleLst/>
+                </dgm:layoutNode>
+                <dgm:layoutNode name="ThreeNodes_2">
+                  <dgm:varLst>
+                    <dgm:bulletEnabled val="1"/>
+                  </dgm:varLst>
+                  <dgm:alg type="sp"/>
+                  <dgm:shape xmlns:r="http://schemas.openxmlformats.org/officeDocument/2006/relationships" type="roundRect" r:blip="">
+                    <dgm:adjLst>
+                      <dgm:adj idx="1" val="0.1"/>
+                    </dgm:adjLst>
+                  </dgm:shape>
+                  <dgm:presOf axis="ch desOrSelf" ptType="node node" st="2 1" cnt="1 0"/>
+                  <dgm:constrLst/>
+                  <dgm:ruleLst/>
+                </dgm:layoutNode>
+                <dgm:layoutNode name="ThreeNodes_3">
+                  <dgm:varLst>
+                    <dgm:bulletEnabled val="1"/>
+                  </dgm:varLst>
+                  <dgm:alg type="sp"/>
+                  <dgm:shape xmlns:r="http://schemas.openxmlformats.org/officeDocument/2006/relationships" type="roundRect" r:blip="">
+                    <dgm:adjLst>
+                      <dgm:adj idx="1" val="0.1"/>
+                    </dgm:adjLst>
+                  </dgm:shape>
+                  <dgm:presOf axis="ch desOrSelf" ptType="node node" st="3 1" cnt="1 0"/>
+                  <dgm:constrLst/>
+                  <dgm:ruleLst/>
+                </dgm:layoutNode>
+                <dgm:layoutNode name="ThreeConn_1-2" styleLbl="fgAccFollowNode1">
+                  <dgm:varLst>
+                    <dgm:bulletEnabled val="1"/>
+                  </dgm:varLst>
+                  <dgm:alg type="tx"/>
+                  <dgm:shape xmlns:r="http://schemas.openxmlformats.org/officeDocument/2006/relationships" type="downArrow" r:blip="">
+                    <dgm:adjLst>
+                      <dgm:adj idx="1" val="0.55"/>
+                      <dgm:adj idx="2" val="0.45"/>
+                    </dgm:adjLst>
+                  </dgm:shape>
+                  <dgm:presOf axis="ch" ptType="sibTrans" cnt="1"/>
+                  <dgm:constrLst>
+                    <dgm:constr type="lMarg" refType="primFontSz" fact="0.1"/>
+                    <dgm:constr type="rMarg" refType="primFontSz" fact="0.1"/>
+                    <dgm:constr type="tMarg" refType="primFontSz" fact="0.1"/>
+                    <dgm:constr type="bMarg" refType="primFontSz" fact="0.1"/>
+                  </dgm:constrLst>
+                  <dgm:ruleLst>
+                    <dgm:rule type="primFontSz" val="5" fact="NaN" max="NaN"/>
+                  </dgm:ruleLst>
+                </dgm:layoutNode>
+                <dgm:layoutNode name="ThreeConn_2-3" styleLbl="fgAccFollowNode1">
+                  <dgm:varLst>
+                    <dgm:bulletEnabled val="1"/>
+                  </dgm:varLst>
+                  <dgm:alg type="tx"/>
+                  <dgm:shape xmlns:r="http://schemas.openxmlformats.org/officeDocument/2006/relationships" type="downArrow" r:blip="">
+                    <dgm:adjLst>
+                      <dgm:adj idx="1" val="0.55"/>
+                      <dgm:adj idx="2" val="0.45"/>
+                    </dgm:adjLst>
+                  </dgm:shape>
+                  <dgm:presOf axis="ch" ptType="sibTrans" st="2" cnt="1"/>
+                  <dgm:constrLst>
+                    <dgm:constr type="lMarg" refType="primFontSz" fact="0.1"/>
+                    <dgm:constr type="rMarg" refType="primFontSz" fact="0.1"/>
+                    <dgm:constr type="tMarg" refType="primFontSz" fact="0.1"/>
+                    <dgm:constr type="bMarg" refType="primFontSz" fact="0.1"/>
+                  </dgm:constrLst>
+                  <dgm:ruleLst>
+                    <dgm:rule type="primFontSz" val="5" fact="NaN" max="NaN"/>
+                  </dgm:ruleLst>
+                </dgm:layoutNode>
+                <dgm:layoutNode name="ThreeNodes_1_text">
+                  <dgm:varLst>
+                    <dgm:bulletEnabled val="1"/>
+                  </dgm:varLst>
+                  <dgm:alg type="tx">
+                    <dgm:param type="parTxLTRAlign" val="l"/>
+                    <dgm:param type="txAnchorVertCh" val="mid"/>
+                  </dgm:alg>
+                  <dgm:shape xmlns:r="http://schemas.openxmlformats.org/officeDocument/2006/relationships" type="roundRect" r:blip="" hideGeom="1">
+                    <dgm:adjLst>
+                      <dgm:adj idx="1" val="0.1"/>
+                    </dgm:adjLst>
+                  </dgm:shape>
+                  <dgm:presOf axis="ch desOrSelf" ptType="node node" st="1 1" cnt="1 0"/>
+                  <dgm:constrLst>
+                    <dgm:constr type="lMarg" refType="primFontSz" fact="0.3"/>
+                    <dgm:constr type="rMarg" refType="primFontSz" fact="0.3"/>
+                    <dgm:constr type="tMarg" refType="primFontSz" fact="0.3"/>
+                    <dgm:constr type="bMarg" refType="primFontSz" fact="0.3"/>
+                  </dgm:constrLst>
+                  <dgm:ruleLst>
+                    <dgm:rule type="primFontSz" val="5" fact="NaN" max="NaN"/>
+                  </dgm:ruleLst>
+                </dgm:layoutNode>
+                <dgm:layoutNode name="ThreeNodes_2_text">
+                  <dgm:varLst>
+                    <dgm:bulletEnabled val="1"/>
+                  </dgm:varLst>
+                  <dgm:alg type="tx">
+                    <dgm:param type="parTxLTRAlign" val="l"/>
+                    <dgm:param type="txAnchorVertCh" val="mid"/>
+                  </dgm:alg>
+                  <dgm:shape xmlns:r="http://schemas.openxmlformats.org/officeDocument/2006/relationships" type="roundRect" r:blip="" hideGeom="1">
+                    <dgm:adjLst>
+                      <dgm:adj idx="1" val="0.1"/>
+                    </dgm:adjLst>
+                  </dgm:shape>
+                  <dgm:presOf axis="ch desOrSelf" ptType="node node" st="2 1" cnt="1 0"/>
+                  <dgm:constrLst>
+                    <dgm:constr type="lMarg" refType="primFontSz" fact="0.3"/>
+                    <dgm:constr type="rMarg" refType="primFontSz" fact="0.3"/>
+                    <dgm:constr type="tMarg" refType="primFontSz" fact="0.3"/>
+                    <dgm:constr type="bMarg" refType="primFontSz" fact="0.3"/>
+                  </dgm:constrLst>
+                  <dgm:ruleLst>
+                    <dgm:rule type="primFontSz" val="5" fact="NaN" max="NaN"/>
+                  </dgm:ruleLst>
+                </dgm:layoutNode>
+                <dgm:layoutNode name="ThreeNodes_3_text">
+                  <dgm:varLst>
+                    <dgm:bulletEnabled val="1"/>
+                  </dgm:varLst>
+                  <dgm:alg type="tx">
+                    <dgm:param type="parTxLTRAlign" val="l"/>
+                    <dgm:param type="txAnchorVertCh" val="mid"/>
+                  </dgm:alg>
+                  <dgm:shape xmlns:r="http://schemas.openxmlformats.org/officeDocument/2006/relationships" type="roundRect" r:blip="" hideGeom="1">
+                    <dgm:adjLst>
+                      <dgm:adj idx="1" val="0.1"/>
+                    </dgm:adjLst>
+                  </dgm:shape>
+                  <dgm:presOf axis="ch desOrSelf" ptType="node node" st="3 1" cnt="1 0"/>
+                  <dgm:constrLst>
+                    <dgm:constr type="lMarg" refType="primFontSz" fact="0.3"/>
+                    <dgm:constr type="rMarg" refType="primFontSz" fact="0.3"/>
+                    <dgm:constr type="tMarg" refType="primFontSz" fact="0.3"/>
+                    <dgm:constr type="bMarg" refType="primFontSz" fact="0.3"/>
+                  </dgm:constrLst>
+                  <dgm:ruleLst>
+                    <dgm:rule type="primFontSz" val="5" fact="NaN" max="NaN"/>
+                  </dgm:ruleLst>
+                </dgm:layoutNode>
+              </dgm:if>
+              <dgm:else name="Name11">
+                <dgm:choose name="Name12">
+                  <dgm:if name="Name13" axis="ch" ptType="node" func="cnt" op="equ" val="4">
+                    <dgm:layoutNode name="FourNodes_1">
+                      <dgm:varLst>
+                        <dgm:bulletEnabled val="1"/>
+                      </dgm:varLst>
+                      <dgm:alg type="sp"/>
+                      <dgm:shape xmlns:r="http://schemas.openxmlformats.org/officeDocument/2006/relationships" type="roundRect" r:blip="">
+                        <dgm:adjLst>
+                          <dgm:adj idx="1" val="0.1"/>
+                        </dgm:adjLst>
+                      </dgm:shape>
+                      <dgm:presOf axis="ch desOrSelf" ptType="node node" st="1 1" cnt="1 0"/>
+                      <dgm:constrLst/>
+                      <dgm:ruleLst/>
+                    </dgm:layoutNode>
+                    <dgm:layoutNode name="FourNodes_2">
+                      <dgm:varLst>
+                        <dgm:bulletEnabled val="1"/>
+                      </dgm:varLst>
+                      <dgm:alg type="sp"/>
+                      <dgm:shape xmlns:r="http://schemas.openxmlformats.org/officeDocument/2006/relationships" type="roundRect" r:blip="">
+                        <dgm:adjLst>
+                          <dgm:adj idx="1" val="0.1"/>
+                        </dgm:adjLst>
+                      </dgm:shape>
+                      <dgm:presOf axis="ch desOrSelf" ptType="node node" st="2 1" cnt="1 0"/>
+                      <dgm:constrLst/>
+                      <dgm:ruleLst/>
+                    </dgm:layoutNode>
+                    <dgm:layoutNode name="FourNodes_3">
+                      <dgm:varLst>
+                        <dgm:bulletEnabled val="1"/>
+                      </dgm:varLst>
+                      <dgm:alg type="sp"/>
+                      <dgm:shape xmlns:r="http://schemas.openxmlformats.org/officeDocument/2006/relationships" type="roundRect" r:blip="">
+                        <dgm:adjLst>
+                          <dgm:adj idx="1" val="0.1"/>
+                        </dgm:adjLst>
+                      </dgm:shape>
+                      <dgm:presOf axis="ch desOrSelf" ptType="node node" st="3 1" cnt="1 0"/>
+                      <dgm:constrLst/>
+                      <dgm:ruleLst/>
+                    </dgm:layoutNode>
+                    <dgm:layoutNode name="FourNodes_4">
+                      <dgm:varLst>
+                        <dgm:bulletEnabled val="1"/>
+                      </dgm:varLst>
+                      <dgm:alg type="sp"/>
+                      <dgm:shape xmlns:r="http://schemas.openxmlformats.org/officeDocument/2006/relationships" type="roundRect" r:blip="">
+                        <dgm:adjLst>
+                          <dgm:adj idx="1" val="0.1"/>
+                        </dgm:adjLst>
+                      </dgm:shape>
+                      <dgm:presOf axis="ch desOrSelf" ptType="node node" st="4 1" cnt="1 0"/>
+                      <dgm:constrLst/>
+                      <dgm:ruleLst/>
+                    </dgm:layoutNode>
+                    <dgm:layoutNode name="FourConn_1-2" styleLbl="fgAccFollowNode1">
+                      <dgm:varLst>
+                        <dgm:bulletEnabled val="1"/>
+                      </dgm:varLst>
+                      <dgm:alg type="tx"/>
+                      <dgm:shape xmlns:r="http://schemas.openxmlformats.org/officeDocument/2006/relationships" type="downArrow" r:blip="">
+                        <dgm:adjLst>
+                          <dgm:adj idx="1" val="0.55"/>
+                          <dgm:adj idx="2" val="0.45"/>
+                        </dgm:adjLst>
+                      </dgm:shape>
+                      <dgm:presOf axis="ch" ptType="sibTrans" cnt="1"/>
+                      <dgm:constrLst>
+                        <dgm:constr type="lMarg" refType="primFontSz" fact="0.1"/>
+                        <dgm:constr type="rMarg" refType="primFontSz" fact="0.1"/>
+                        <dgm:constr type="tMarg" refType="primFontSz" fact="0.1"/>
+                        <dgm:constr type="bMarg" refType="primFontSz" fact="0.1"/>
+                      </dgm:constrLst>
+                      <dgm:ruleLst>
+                        <dgm:rule type="primFontSz" val="5" fact="NaN" max="NaN"/>
+                      </dgm:ruleLst>
+                    </dgm:layoutNode>
+                    <dgm:layoutNode name="FourConn_2-3" styleLbl="fgAccFollowNode1">
+                      <dgm:varLst>
+                        <dgm:bulletEnabled val="1"/>
+                      </dgm:varLst>
+                      <dgm:alg type="tx"/>
+                      <dgm:shape xmlns:r="http://schemas.openxmlformats.org/officeDocument/2006/relationships" type="downArrow" r:blip="">
+                        <dgm:adjLst>
+                          <dgm:adj idx="1" val="0.55"/>
+                          <dgm:adj idx="2" val="0.45"/>
+                        </dgm:adjLst>
+                      </dgm:shape>
+                      <dgm:presOf axis="ch" ptType="sibTrans" st="2" cnt="1"/>
+                      <dgm:constrLst>
+                        <dgm:constr type="lMarg" refType="primFontSz" fact="0.1"/>
+                        <dgm:constr type="rMarg" refType="primFontSz" fact="0.1"/>
+                        <dgm:constr type="tMarg" refType="primFontSz" fact="0.1"/>
+                        <dgm:constr type="bMarg" refType="primFontSz" fact="0.1"/>
+                      </dgm:constrLst>
+                      <dgm:ruleLst>
+                        <dgm:rule type="primFontSz" val="5" fact="NaN" max="NaN"/>
+                      </dgm:ruleLst>
+                    </dgm:layoutNode>
+                    <dgm:layoutNode name="FourConn_3-4" styleLbl="fgAccFollowNode1">
+                      <dgm:varLst>
+                        <dgm:bulletEnabled val="1"/>
+                      </dgm:varLst>
+                      <dgm:alg type="tx"/>
+                      <dgm:shape xmlns:r="http://schemas.openxmlformats.org/officeDocument/2006/relationships" type="downArrow" r:blip="">
+                        <dgm:adjLst>
+                          <dgm:adj idx="1" val="0.55"/>
+                          <dgm:adj idx="2" val="0.45"/>
+                        </dgm:adjLst>
+                      </dgm:shape>
+                      <dgm:presOf axis="ch" ptType="sibTrans" st="3" cnt="1"/>
+                      <dgm:constrLst>
+                        <dgm:constr type="lMarg" refType="primFontSz" fact="0.1"/>
+                        <dgm:constr type="rMarg" refType="primFontSz" fact="0.1"/>
+                        <dgm:constr type="tMarg" refType="primFontSz" fact="0.1"/>
+                        <dgm:constr type="bMarg" refType="primFontSz" fact="0.1"/>
+                      </dgm:constrLst>
+                      <dgm:ruleLst>
+                        <dgm:rule type="primFontSz" val="5" fact="NaN" max="NaN"/>
+                      </dgm:ruleLst>
+                    </dgm:layoutNode>
+                    <dgm:layoutNode name="FourNodes_1_text">
+                      <dgm:varLst>
+                        <dgm:bulletEnabled val="1"/>
+                      </dgm:varLst>
+                      <dgm:alg type="tx">
+                        <dgm:param type="parTxLTRAlign" val="l"/>
+                        <dgm:param type="txAnchorVertCh" val="mid"/>
+                      </dgm:alg>
+                      <dgm:shape xmlns:r="http://schemas.openxmlformats.org/officeDocument/2006/relationships" type="roundRect" r:blip="" hideGeom="1">
+                        <dgm:adjLst>
+                          <dgm:adj idx="1" val="0.1"/>
+                        </dgm:adjLst>
+                      </dgm:shape>
+                      <dgm:presOf axis="ch desOrSelf" ptType="node node" st="1 1" cnt="1 0"/>
+                      <dgm:constrLst>
+                        <dgm:constr type="lMarg" refType="primFontSz" fact="0.3"/>
+                        <dgm:constr type="rMarg" refType="primFontSz" fact="0.3"/>
+                        <dgm:constr type="tMarg" refType="primFontSz" fact="0.3"/>
+                        <dgm:constr type="bMarg" refType="primFontSz" fact="0.3"/>
+                      </dgm:constrLst>
+                      <dgm:ruleLst>
+                        <dgm:rule type="primFontSz" val="5" fact="NaN" max="NaN"/>
+                      </dgm:ruleLst>
+                    </dgm:layoutNode>
+                    <dgm:layoutNode name="FourNodes_2_text">
+                      <dgm:varLst>
+                        <dgm:bulletEnabled val="1"/>
+                      </dgm:varLst>
+                      <dgm:alg type="tx">
+                        <dgm:param type="parTxLTRAlign" val="l"/>
+                        <dgm:param type="txAnchorVertCh" val="mid"/>
+                      </dgm:alg>
+                      <dgm:shape xmlns:r="http://schemas.openxmlformats.org/officeDocument/2006/relationships" type="roundRect" r:blip="" hideGeom="1">
+                        <dgm:adjLst>
+                          <dgm:adj idx="1" val="0.1"/>
+                        </dgm:adjLst>
+                      </dgm:shape>
+                      <dgm:presOf axis="ch desOrSelf" ptType="node node" st="2 1" cnt="1 0"/>
+                      <dgm:constrLst>
+                        <dgm:constr type="lMarg" refType="primFontSz" fact="0.3"/>
+                        <dgm:constr type="rMarg" refType="primFontSz" fact="0.3"/>
+                        <dgm:constr type="tMarg" refType="primFontSz" fact="0.3"/>
+                        <dgm:constr type="bMarg" refType="primFontSz" fact="0.3"/>
+                      </dgm:constrLst>
+                      <dgm:ruleLst>
+                        <dgm:rule type="primFontSz" val="5" fact="NaN" max="NaN"/>
+                      </dgm:ruleLst>
+                    </dgm:layoutNode>
+                    <dgm:layoutNode name="FourNodes_3_text">
+                      <dgm:varLst>
+                        <dgm:bulletEnabled val="1"/>
+                      </dgm:varLst>
+                      <dgm:alg type="tx">
+                        <dgm:param type="parTxLTRAlign" val="l"/>
+                        <dgm:param type="txAnchorVertCh" val="mid"/>
+                      </dgm:alg>
+                      <dgm:shape xmlns:r="http://schemas.openxmlformats.org/officeDocument/2006/relationships" type="roundRect" r:blip="" hideGeom="1">
+                        <dgm:adjLst>
+                          <dgm:adj idx="1" val="0.1"/>
+                        </dgm:adjLst>
+                      </dgm:shape>
+                      <dgm:presOf axis="ch desOrSelf" ptType="node node" st="3 1" cnt="1 0"/>
+                      <dgm:constrLst>
+                        <dgm:constr type="lMarg" refType="primFontSz" fact="0.3"/>
+                        <dgm:constr type="rMarg" refType="primFontSz" fact="0.3"/>
+                        <dgm:constr type="tMarg" refType="primFontSz" fact="0.3"/>
+                        <dgm:constr type="bMarg" refType="primFontSz" fact="0.3"/>
+                      </dgm:constrLst>
+                      <dgm:ruleLst>
+                        <dgm:rule type="primFontSz" val="5" fact="NaN" max="NaN"/>
+                      </dgm:ruleLst>
+                    </dgm:layoutNode>
+                    <dgm:layoutNode name="FourNodes_4_text">
+                      <dgm:varLst>
+                        <dgm:bulletEnabled val="1"/>
+                      </dgm:varLst>
+                      <dgm:alg type="tx">
+                        <dgm:param type="parTxLTRAlign" val="l"/>
+                        <dgm:param type="txAnchorVertCh" val="mid"/>
+                      </dgm:alg>
+                      <dgm:shape xmlns:r="http://schemas.openxmlformats.org/officeDocument/2006/relationships" type="roundRect" r:blip="" hideGeom="1">
+                        <dgm:adjLst>
+                          <dgm:adj idx="1" val="0.1"/>
+                        </dgm:adjLst>
+                      </dgm:shape>
+                      <dgm:presOf axis="ch desOrSelf" ptType="node node" st="4 1" cnt="1 0"/>
+                      <dgm:constrLst>
+                        <dgm:constr type="lMarg" refType="primFontSz" fact="0.3"/>
+                        <dgm:constr type="rMarg" refType="primFontSz" fact="0.3"/>
+                        <dgm:constr type="tMarg" refType="primFontSz" fact="0.3"/>
+                        <dgm:constr type="bMarg" refType="primFontSz" fact="0.3"/>
+                      </dgm:constrLst>
+                      <dgm:ruleLst>
+                        <dgm:rule type="primFontSz" val="5" fact="NaN" max="NaN"/>
+                      </dgm:ruleLst>
+                    </dgm:layoutNode>
+                  </dgm:if>
+                  <dgm:else name="Name14">
+                    <dgm:choose name="Name15">
+                      <dgm:if name="Name16" axis="ch" ptType="node" func="cnt" op="gte" val="5">
+                        <dgm:layoutNode name="FiveNodes_1">
+                          <dgm:varLst>
+                            <dgm:bulletEnabled val="1"/>
+                          </dgm:varLst>
+                          <dgm:alg type="sp"/>
+                          <dgm:shape xmlns:r="http://schemas.openxmlformats.org/officeDocument/2006/relationships" type="roundRect" r:blip="">
+                            <dgm:adjLst>
+                              <dgm:adj idx="1" val="0.1"/>
+                            </dgm:adjLst>
+                          </dgm:shape>
+                          <dgm:presOf axis="ch desOrSelf" ptType="node node" st="1 1" cnt="1 0"/>
+                          <dgm:constrLst/>
+                          <dgm:ruleLst/>
+                        </dgm:layoutNode>
+                        <dgm:layoutNode name="FiveNodes_2">
+                          <dgm:varLst>
+                            <dgm:bulletEnabled val="1"/>
+                          </dgm:varLst>
+                          <dgm:alg type="sp"/>
+                          <dgm:shape xmlns:r="http://schemas.openxmlformats.org/officeDocument/2006/relationships" type="roundRect" r:blip="">
+                            <dgm:adjLst>
+                              <dgm:adj idx="1" val="0.1"/>
+                            </dgm:adjLst>
+                          </dgm:shape>
+                          <dgm:presOf axis="ch desOrSelf" ptType="node node" st="2 1" cnt="1 0"/>
+                          <dgm:constrLst/>
+                          <dgm:ruleLst/>
+                        </dgm:layoutNode>
+                        <dgm:layoutNode name="FiveNodes_3">
+                          <dgm:varLst>
+                            <dgm:bulletEnabled val="1"/>
+                          </dgm:varLst>
+                          <dgm:alg type="sp"/>
+                          <dgm:shape xmlns:r="http://schemas.openxmlformats.org/officeDocument/2006/relationships" type="roundRect" r:blip="">
+                            <dgm:adjLst>
+                              <dgm:adj idx="1" val="0.1"/>
+                            </dgm:adjLst>
+                          </dgm:shape>
+                          <dgm:presOf axis="ch desOrSelf" ptType="node node" st="3 1" cnt="1 0"/>
+                          <dgm:constrLst/>
+                          <dgm:ruleLst/>
+                        </dgm:layoutNode>
+                        <dgm:layoutNode name="FiveNodes_4">
+                          <dgm:varLst>
+                            <dgm:bulletEnabled val="1"/>
+                          </dgm:varLst>
+                          <dgm:alg type="sp"/>
+                          <dgm:shape xmlns:r="http://schemas.openxmlformats.org/officeDocument/2006/relationships" type="roundRect" r:blip="">
+                            <dgm:adjLst>
+                              <dgm:adj idx="1" val="0.1"/>
+                            </dgm:adjLst>
+                          </dgm:shape>
+                          <dgm:presOf axis="ch desOrSelf" ptType="node node" st="4 1" cnt="1 0"/>
+                          <dgm:constrLst/>
+                          <dgm:ruleLst/>
+                        </dgm:layoutNode>
+                        <dgm:layoutNode name="FiveNodes_5">
+                          <dgm:varLst>
+                            <dgm:bulletEnabled val="1"/>
+                          </dgm:varLst>
+                          <dgm:alg type="sp"/>
+                          <dgm:shape xmlns:r="http://schemas.openxmlformats.org/officeDocument/2006/relationships" type="roundRect" r:blip="">
+                            <dgm:adjLst>
+                              <dgm:adj idx="1" val="0.1"/>
+                            </dgm:adjLst>
+                          </dgm:shape>
+                          <dgm:presOf axis="ch desOrSelf" ptType="node node" st="5 1" cnt="1 0"/>
+                          <dgm:constrLst/>
+                          <dgm:ruleLst/>
+                        </dgm:layoutNode>
+                        <dgm:layoutNode name="FiveConn_1-2" styleLbl="fgAccFollowNode1">
+                          <dgm:varLst>
+                            <dgm:bulletEnabled val="1"/>
+                          </dgm:varLst>
+                          <dgm:alg type="tx"/>
+                          <dgm:shape xmlns:r="http://schemas.openxmlformats.org/officeDocument/2006/relationships" type="downArrow" r:blip="">
+                            <dgm:adjLst>
+                              <dgm:adj idx="1" val="0.55"/>
+                              <dgm:adj idx="2" val="0.45"/>
+                            </dgm:adjLst>
+                          </dgm:shape>
+                          <dgm:presOf axis="ch" ptType="sibTrans" cnt="1"/>
+                          <dgm:constrLst>
+                            <dgm:constr type="lMarg" refType="primFontSz" fact="0.1"/>
+                            <dgm:constr type="rMarg" refType="primFontSz" fact="0.1"/>
+                            <dgm:constr type="tMarg" refType="primFontSz" fact="0.1"/>
+                            <dgm:constr type="bMarg" refType="primFontSz" fact="0.1"/>
+                          </dgm:constrLst>
+                          <dgm:ruleLst>
+                            <dgm:rule type="primFontSz" val="5" fact="NaN" max="NaN"/>
+                          </dgm:ruleLst>
+                        </dgm:layoutNode>
+                        <dgm:layoutNode name="FiveConn_2-3" styleLbl="fgAccFollowNode1">
+                          <dgm:varLst>
+                            <dgm:bulletEnabled val="1"/>
+                          </dgm:varLst>
+                          <dgm:alg type="tx"/>
+                          <dgm:shape xmlns:r="http://schemas.openxmlformats.org/officeDocument/2006/relationships" type="downArrow" r:blip="">
+                            <dgm:adjLst>
+                              <dgm:adj idx="1" val="0.55"/>
+                              <dgm:adj idx="2" val="0.45"/>
+                            </dgm:adjLst>
+                          </dgm:shape>
+                          <dgm:presOf axis="ch" ptType="sibTrans" st="2" cnt="1"/>
+                          <dgm:constrLst>
+                            <dgm:constr type="lMarg" refType="primFontSz" fact="0.1"/>
+                            <dgm:constr type="rMarg" refType="primFontSz" fact="0.1"/>
+                            <dgm:constr type="tMarg" refType="primFontSz" fact="0.1"/>
+                            <dgm:constr type="bMarg" refType="primFontSz" fact="0.1"/>
+                          </dgm:constrLst>
+                          <dgm:ruleLst>
+                            <dgm:rule type="primFontSz" val="5" fact="NaN" max="NaN"/>
+                          </dgm:ruleLst>
+                        </dgm:layoutNode>
+                        <dgm:layoutNode name="FiveConn_3-4" styleLbl="fgAccFollowNode1">
+                          <dgm:varLst>
+                            <dgm:bulletEnabled val="1"/>
+                          </dgm:varLst>
+                          <dgm:alg type="tx"/>
+                          <dgm:shape xmlns:r="http://schemas.openxmlformats.org/officeDocument/2006/relationships" type="downArrow" r:blip="">
+                            <dgm:adjLst>
+                              <dgm:adj idx="1" val="0.55"/>
+                              <dgm:adj idx="2" val="0.45"/>
+                            </dgm:adjLst>
+                          </dgm:shape>
+                          <dgm:presOf axis="ch" ptType="sibTrans" st="3" cnt="1"/>
+                          <dgm:constrLst>
+                            <dgm:constr type="lMarg" refType="primFontSz" fact="0.1"/>
+                            <dgm:constr type="rMarg" refType="primFontSz" fact="0.1"/>
+                            <dgm:constr type="tMarg" refType="primFontSz" fact="0.1"/>
+                            <dgm:constr type="bMarg" refType="primFontSz" fact="0.1"/>
+                          </dgm:constrLst>
+                          <dgm:ruleLst>
+                            <dgm:rule type="primFontSz" val="5" fact="NaN" max="NaN"/>
+                          </dgm:ruleLst>
+                        </dgm:layoutNode>
+                        <dgm:layoutNode name="FiveConn_4-5" styleLbl="fgAccFollowNode1">
+                          <dgm:varLst>
+                            <dgm:bulletEnabled val="1"/>
+                          </dgm:varLst>
+                          <dgm:alg type="tx"/>
+                          <dgm:shape xmlns:r="http://schemas.openxmlformats.org/officeDocument/2006/relationships" type="downArrow" r:blip="">
+                            <dgm:adjLst>
+                              <dgm:adj idx="1" val="0.55"/>
+                              <dgm:adj idx="2" val="0.45"/>
+                            </dgm:adjLst>
+                          </dgm:shape>
+                          <dgm:presOf axis="ch" ptType="sibTrans" st="4" cnt="1"/>
+                          <dgm:constrLst>
+                            <dgm:constr type="lMarg" refType="primFontSz" fact="0.1"/>
+                            <dgm:constr type="rMarg" refType="primFontSz" fact="0.1"/>
+                            <dgm:constr type="tMarg" refType="primFontSz" fact="0.1"/>
+                            <dgm:constr type="bMarg" refType="primFontSz" fact="0.1"/>
+                          </dgm:constrLst>
+                          <dgm:ruleLst>
+                            <dgm:rule type="primFontSz" val="5" fact="NaN" max="NaN"/>
+                          </dgm:ruleLst>
+                        </dgm:layoutNode>
+                        <dgm:layoutNode name="FiveNodes_1_text">
+                          <dgm:varLst>
+                            <dgm:bulletEnabled val="1"/>
+                          </dgm:varLst>
+                          <dgm:alg type="tx">
+                            <dgm:param type="parTxLTRAlign" val="l"/>
+                            <dgm:param type="txAnchorVertCh" val="mid"/>
+                          </dgm:alg>
+                          <dgm:shape xmlns:r="http://schemas.openxmlformats.org/officeDocument/2006/relationships" type="roundRect" r:blip="" hideGeom="1">
+                            <dgm:adjLst>
+                              <dgm:adj idx="1" val="0.1"/>
+                            </dgm:adjLst>
+                          </dgm:shape>
+                          <dgm:presOf axis="ch desOrSelf" ptType="node node" st="1 1" cnt="1 0"/>
+                          <dgm:constrLst>
+                            <dgm:constr type="lMarg" refType="primFontSz" fact="0.3"/>
+                            <dgm:constr type="rMarg" refType="primFontSz" fact="0.3"/>
+                            <dgm:constr type="tMarg" refType="primFontSz" fact="0.3"/>
+                            <dgm:constr type="bMarg" refType="primFontSz" fact="0.3"/>
+                          </dgm:constrLst>
+                          <dgm:ruleLst>
+                            <dgm:rule type="primFontSz" val="5" fact="NaN" max="NaN"/>
+                          </dgm:ruleLst>
+                        </dgm:layoutNode>
+                        <dgm:layoutNode name="FiveNodes_2_text">
+                          <dgm:varLst>
+                            <dgm:bulletEnabled val="1"/>
+                          </dgm:varLst>
+                          <dgm:alg type="tx">
+                            <dgm:param type="parTxLTRAlign" val="l"/>
+                            <dgm:param type="txAnchorVertCh" val="mid"/>
+                          </dgm:alg>
+                          <dgm:shape xmlns:r="http://schemas.openxmlformats.org/officeDocument/2006/relationships" type="roundRect" r:blip="" hideGeom="1">
+                            <dgm:adjLst>
+                              <dgm:adj idx="1" val="0.1"/>
+                            </dgm:adjLst>
+                          </dgm:shape>
+                          <dgm:presOf axis="ch desOrSelf" ptType="node node" st="2 1" cnt="1 0"/>
+                          <dgm:constrLst>
+                            <dgm:constr type="lMarg" refType="primFontSz" fact="0.3"/>
+                            <dgm:constr type="rMarg" refType="primFontSz" fact="0.3"/>
+                            <dgm:constr type="tMarg" refType="primFontSz" fact="0.3"/>
+                            <dgm:constr type="bMarg" refType="primFontSz" fact="0.3"/>
+                          </dgm:constrLst>
+                          <dgm:ruleLst>
+                            <dgm:rule type="primFontSz" val="5" fact="NaN" max="NaN"/>
+                          </dgm:ruleLst>
+                        </dgm:layoutNode>
+                        <dgm:layoutNode name="FiveNodes_3_text">
+                          <dgm:varLst>
+                            <dgm:bulletEnabled val="1"/>
+                          </dgm:varLst>
+                          <dgm:alg type="tx">
+                            <dgm:param type="parTxLTRAlign" val="l"/>
+                            <dgm:param type="txAnchorVertCh" val="mid"/>
+                          </dgm:alg>
+                          <dgm:shape xmlns:r="http://schemas.openxmlformats.org/officeDocument/2006/relationships" type="roundRect" r:blip="" hideGeom="1">
+                            <dgm:adjLst>
+                              <dgm:adj idx="1" val="0.1"/>
+                            </dgm:adjLst>
+                          </dgm:shape>
+                          <dgm:presOf axis="ch desOrSelf" ptType="node node" st="3 1" cnt="1 0"/>
+                          <dgm:constrLst>
+                            <dgm:constr type="lMarg" refType="primFontSz" fact="0.3"/>
+                            <dgm:constr type="rMarg" refType="primFontSz" fact="0.3"/>
+                            <dgm:constr type="tMarg" refType="primFontSz" fact="0.3"/>
+                            <dgm:constr type="bMarg" refType="primFontSz" fact="0.3"/>
+                          </dgm:constrLst>
+                          <dgm:ruleLst>
+                            <dgm:rule type="primFontSz" val="5" fact="NaN" max="NaN"/>
+                          </dgm:ruleLst>
+                        </dgm:layoutNode>
+                        <dgm:layoutNode name="FiveNodes_4_text">
+                          <dgm:varLst>
+                            <dgm:bulletEnabled val="1"/>
+                          </dgm:varLst>
+                          <dgm:alg type="tx">
+                            <dgm:param type="parTxLTRAlign" val="l"/>
+                            <dgm:param type="txAnchorVertCh" val="mid"/>
+                          </dgm:alg>
+                          <dgm:shape xmlns:r="http://schemas.openxmlformats.org/officeDocument/2006/relationships" type="roundRect" r:blip="" hideGeom="1">
+                            <dgm:adjLst>
+                              <dgm:adj idx="1" val="0.1"/>
+                            </dgm:adjLst>
+                          </dgm:shape>
+                          <dgm:presOf axis="ch desOrSelf" ptType="node node" st="4 1" cnt="1 0"/>
+                          <dgm:constrLst>
+                            <dgm:constr type="lMarg" refType="primFontSz" fact="0.3"/>
+                            <dgm:constr type="rMarg" refType="primFontSz" fact="0.3"/>
+                            <dgm:constr type="tMarg" refType="primFontSz" fact="0.3"/>
+                            <dgm:constr type="bMarg" refType="primFontSz" fact="0.3"/>
+                          </dgm:constrLst>
+                          <dgm:ruleLst>
+                            <dgm:rule type="primFontSz" val="5" fact="NaN" max="NaN"/>
+                          </dgm:ruleLst>
+                        </dgm:layoutNode>
+                        <dgm:layoutNode name="FiveNodes_5_text">
+                          <dgm:varLst>
+                            <dgm:bulletEnabled val="1"/>
+                          </dgm:varLst>
+                          <dgm:alg type="tx">
+                            <dgm:param type="parTxLTRAlign" val="l"/>
+                            <dgm:param type="txAnchorVertCh" val="mid"/>
+                          </dgm:alg>
+                          <dgm:shape xmlns:r="http://schemas.openxmlformats.org/officeDocument/2006/relationships" type="roundRect" r:blip="" hideGeom="1">
+                            <dgm:adjLst>
+                              <dgm:adj idx="1" val="0.1"/>
+                            </dgm:adjLst>
+                          </dgm:shape>
+                          <dgm:presOf axis="ch desOrSelf" ptType="node node" st="5 1" cnt="1 0"/>
+                          <dgm:constrLst>
+                            <dgm:constr type="lMarg" refType="primFontSz" fact="0.3"/>
+                            <dgm:constr type="rMarg" refType="primFontSz" fact="0.3"/>
+                            <dgm:constr type="tMarg" refType="primFontSz" fact="0.3"/>
+                            <dgm:constr type="bMarg" refType="primFontSz" fact="0.3"/>
+                          </dgm:constrLst>
+                          <dgm:ruleLst>
+                            <dgm:rule type="primFontSz" val="5" fact="NaN" max="NaN"/>
+                          </dgm:ruleLst>
+                        </dgm:layoutNode>
+                      </dgm:if>
+                      <dgm:else name="Name17"/>
+                    </dgm:choose>
+                  </dgm:else>
+                </dgm:choose>
+              </dgm:else>
+            </dgm:choose>
+          </dgm:else>
+        </dgm:choose>
+      </dgm:else>
+    </dgm:choose>
+  </dgm:layoutNode>
+</dgm:layoutDef>
+</file>
+
 <file path=ppt/diagrams/quickStyle1.xml><?xml version="1.0" encoding="utf-8"?>
 <dgm:styleDef xmlns:dgm="http://schemas.openxmlformats.org/drawingml/2006/diagram" xmlns:a="http://schemas.openxmlformats.org/drawingml/2006/main" uniqueId="urn:microsoft.com/office/officeart/2005/8/quickstyle/simple1">
   <dgm:title val=""/>
@@ -9600,6 +11760,1040 @@
 </file>
 
 <file path=ppt/diagrams/quickStyle3.xml><?xml version="1.0" encoding="utf-8"?>
+<dgm:styleDef xmlns:dgm="http://schemas.openxmlformats.org/drawingml/2006/diagram" xmlns:a="http://schemas.openxmlformats.org/drawingml/2006/main" uniqueId="urn:microsoft.com/office/officeart/2005/8/quickstyle/simple1">
+  <dgm:title val=""/>
+  <dgm:desc val=""/>
+  <dgm:catLst>
+    <dgm:cat type="simple" pri="10100"/>
+  </dgm:catLst>
+  <dgm:scene3d>
+    <a:camera prst="orthographicFront"/>
+    <a:lightRig rig="threePt" dir="t"/>
+  </dgm:scene3d>
+  <dgm:styleLbl name="node0">
+    <dgm:scene3d>
+      <a:camera prst="orthographicFront"/>
+      <a:lightRig rig="threePt" dir="t"/>
+    </dgm:scene3d>
+    <dgm:sp3d/>
+    <dgm:txPr/>
+    <dgm:style>
+      <a:lnRef idx="2">
+        <a:scrgbClr r="0" g="0" b="0"/>
+      </a:lnRef>
+      <a:fillRef idx="1">
+        <a:scrgbClr r="0" g="0" b="0"/>
+      </a:fillRef>
+      <a:effectRef idx="0">
+        <a:scrgbClr r="0" g="0" b="0"/>
+      </a:effectRef>
+      <a:fontRef idx="minor">
+        <a:schemeClr val="lt1"/>
+      </a:fontRef>
+    </dgm:style>
+  </dgm:styleLbl>
+  <dgm:styleLbl name="lnNode1">
+    <dgm:scene3d>
+      <a:camera prst="orthographicFront"/>
+      <a:lightRig rig="threePt" dir="t"/>
+    </dgm:scene3d>
+    <dgm:sp3d/>
+    <dgm:txPr/>
+    <dgm:style>
+      <a:lnRef idx="2">
+        <a:scrgbClr r="0" g="0" b="0"/>
+      </a:lnRef>
+      <a:fillRef idx="1">
+        <a:scrgbClr r="0" g="0" b="0"/>
+      </a:fillRef>
+      <a:effectRef idx="0">
+        <a:scrgbClr r="0" g="0" b="0"/>
+      </a:effectRef>
+      <a:fontRef idx="minor">
+        <a:schemeClr val="lt1"/>
+      </a:fontRef>
+    </dgm:style>
+  </dgm:styleLbl>
+  <dgm:styleLbl name="vennNode1">
+    <dgm:scene3d>
+      <a:camera prst="orthographicFront"/>
+      <a:lightRig rig="threePt" dir="t"/>
+    </dgm:scene3d>
+    <dgm:sp3d/>
+    <dgm:txPr/>
+    <dgm:style>
+      <a:lnRef idx="2">
+        <a:scrgbClr r="0" g="0" b="0"/>
+      </a:lnRef>
+      <a:fillRef idx="1">
+        <a:scrgbClr r="0" g="0" b="0"/>
+      </a:fillRef>
+      <a:effectRef idx="0">
+        <a:scrgbClr r="0" g="0" b="0"/>
+      </a:effectRef>
+      <a:fontRef idx="minor">
+        <a:schemeClr val="tx1"/>
+      </a:fontRef>
+    </dgm:style>
+  </dgm:styleLbl>
+  <dgm:styleLbl name="alignNode1">
+    <dgm:scene3d>
+      <a:camera prst="orthographicFront"/>
+      <a:lightRig rig="threePt" dir="t"/>
+    </dgm:scene3d>
+    <dgm:sp3d/>
+    <dgm:txPr/>
+    <dgm:style>
+      <a:lnRef idx="2">
+        <a:scrgbClr r="0" g="0" b="0"/>
+      </a:lnRef>
+      <a:fillRef idx="1">
+        <a:scrgbClr r="0" g="0" b="0"/>
+      </a:fillRef>
+      <a:effectRef idx="0">
+        <a:scrgbClr r="0" g="0" b="0"/>
+      </a:effectRef>
+      <a:fontRef idx="minor">
+        <a:schemeClr val="lt1"/>
+      </a:fontRef>
+    </dgm:style>
+  </dgm:styleLbl>
+  <dgm:styleLbl name="node1">
+    <dgm:scene3d>
+      <a:camera prst="orthographicFront"/>
+      <a:lightRig rig="threePt" dir="t"/>
+    </dgm:scene3d>
+    <dgm:sp3d/>
+    <dgm:txPr/>
+    <dgm:style>
+      <a:lnRef idx="2">
+        <a:scrgbClr r="0" g="0" b="0"/>
+      </a:lnRef>
+      <a:fillRef idx="1">
+        <a:scrgbClr r="0" g="0" b="0"/>
+      </a:fillRef>
+      <a:effectRef idx="0">
+        <a:scrgbClr r="0" g="0" b="0"/>
+      </a:effectRef>
+      <a:fontRef idx="minor">
+        <a:schemeClr val="lt1"/>
+      </a:fontRef>
+    </dgm:style>
+  </dgm:styleLbl>
+  <dgm:styleLbl name="node2">
+    <dgm:scene3d>
+      <a:camera prst="orthographicFront"/>
+      <a:lightRig rig="threePt" dir="t"/>
+    </dgm:scene3d>
+    <dgm:sp3d/>
+    <dgm:txPr/>
+    <dgm:style>
+      <a:lnRef idx="2">
+        <a:scrgbClr r="0" g="0" b="0"/>
+      </a:lnRef>
+      <a:fillRef idx="1">
+        <a:scrgbClr r="0" g="0" b="0"/>
+      </a:fillRef>
+      <a:effectRef idx="0">
+        <a:scrgbClr r="0" g="0" b="0"/>
+      </a:effectRef>
+      <a:fontRef idx="minor">
+        <a:schemeClr val="lt1"/>
+      </a:fontRef>
+    </dgm:style>
+  </dgm:styleLbl>
+  <dgm:styleLbl name="node3">
+    <dgm:scene3d>
+      <a:camera prst="orthographicFront"/>
+      <a:lightRig rig="threePt" dir="t"/>
+    </dgm:scene3d>
+    <dgm:sp3d/>
+    <dgm:txPr/>
+    <dgm:style>
+      <a:lnRef idx="2">
+        <a:scrgbClr r="0" g="0" b="0"/>
+      </a:lnRef>
+      <a:fillRef idx="1">
+        <a:scrgbClr r="0" g="0" b="0"/>
+      </a:fillRef>
+      <a:effectRef idx="0">
+        <a:scrgbClr r="0" g="0" b="0"/>
+      </a:effectRef>
+      <a:fontRef idx="minor">
+        <a:schemeClr val="lt1"/>
+      </a:fontRef>
+    </dgm:style>
+  </dgm:styleLbl>
+  <dgm:styleLbl name="node4">
+    <dgm:scene3d>
+      <a:camera prst="orthographicFront"/>
+      <a:lightRig rig="threePt" dir="t"/>
+    </dgm:scene3d>
+    <dgm:sp3d/>
+    <dgm:txPr/>
+    <dgm:style>
+      <a:lnRef idx="2">
+        <a:scrgbClr r="0" g="0" b="0"/>
+      </a:lnRef>
+      <a:fillRef idx="1">
+        <a:scrgbClr r="0" g="0" b="0"/>
+      </a:fillRef>
+      <a:effectRef idx="0">
+        <a:scrgbClr r="0" g="0" b="0"/>
+      </a:effectRef>
+      <a:fontRef idx="minor">
+        <a:schemeClr val="lt1"/>
+      </a:fontRef>
+    </dgm:style>
+  </dgm:styleLbl>
+  <dgm:styleLbl name="fgImgPlace1">
+    <dgm:scene3d>
+      <a:camera prst="orthographicFront"/>
+      <a:lightRig rig="threePt" dir="t"/>
+    </dgm:scene3d>
+    <dgm:sp3d/>
+    <dgm:txPr/>
+    <dgm:style>
+      <a:lnRef idx="2">
+        <a:scrgbClr r="0" g="0" b="0"/>
+      </a:lnRef>
+      <a:fillRef idx="1">
+        <a:scrgbClr r="0" g="0" b="0"/>
+      </a:fillRef>
+      <a:effectRef idx="0">
+        <a:scrgbClr r="0" g="0" b="0"/>
+      </a:effectRef>
+      <a:fontRef idx="minor"/>
+    </dgm:style>
+  </dgm:styleLbl>
+  <dgm:styleLbl name="alignImgPlace1">
+    <dgm:scene3d>
+      <a:camera prst="orthographicFront"/>
+      <a:lightRig rig="threePt" dir="t"/>
+    </dgm:scene3d>
+    <dgm:sp3d/>
+    <dgm:txPr/>
+    <dgm:style>
+      <a:lnRef idx="2">
+        <a:scrgbClr r="0" g="0" b="0"/>
+      </a:lnRef>
+      <a:fillRef idx="1">
+        <a:scrgbClr r="0" g="0" b="0"/>
+      </a:fillRef>
+      <a:effectRef idx="0">
+        <a:scrgbClr r="0" g="0" b="0"/>
+      </a:effectRef>
+      <a:fontRef idx="minor"/>
+    </dgm:style>
+  </dgm:styleLbl>
+  <dgm:styleLbl name="bgImgPlace1">
+    <dgm:scene3d>
+      <a:camera prst="orthographicFront"/>
+      <a:lightRig rig="threePt" dir="t"/>
+    </dgm:scene3d>
+    <dgm:sp3d/>
+    <dgm:txPr/>
+    <dgm:style>
+      <a:lnRef idx="2">
+        <a:scrgbClr r="0" g="0" b="0"/>
+      </a:lnRef>
+      <a:fillRef idx="1">
+        <a:scrgbClr r="0" g="0" b="0"/>
+      </a:fillRef>
+      <a:effectRef idx="0">
+        <a:scrgbClr r="0" g="0" b="0"/>
+      </a:effectRef>
+      <a:fontRef idx="minor"/>
+    </dgm:style>
+  </dgm:styleLbl>
+  <dgm:styleLbl name="sibTrans2D1">
+    <dgm:scene3d>
+      <a:camera prst="orthographicFront"/>
+      <a:lightRig rig="threePt" dir="t"/>
+    </dgm:scene3d>
+    <dgm:sp3d/>
+    <dgm:txPr/>
+    <dgm:style>
+      <a:lnRef idx="0">
+        <a:scrgbClr r="0" g="0" b="0"/>
+      </a:lnRef>
+      <a:fillRef idx="1">
+        <a:scrgbClr r="0" g="0" b="0"/>
+      </a:fillRef>
+      <a:effectRef idx="0">
+        <a:scrgbClr r="0" g="0" b="0"/>
+      </a:effectRef>
+      <a:fontRef idx="minor">
+        <a:schemeClr val="lt1"/>
+      </a:fontRef>
+    </dgm:style>
+  </dgm:styleLbl>
+  <dgm:styleLbl name="fgSibTrans2D1">
+    <dgm:scene3d>
+      <a:camera prst="orthographicFront"/>
+      <a:lightRig rig="threePt" dir="t"/>
+    </dgm:scene3d>
+    <dgm:sp3d/>
+    <dgm:txPr/>
+    <dgm:style>
+      <a:lnRef idx="0">
+        <a:scrgbClr r="0" g="0" b="0"/>
+      </a:lnRef>
+      <a:fillRef idx="1">
+        <a:scrgbClr r="0" g="0" b="0"/>
+      </a:fillRef>
+      <a:effectRef idx="0">
+        <a:scrgbClr r="0" g="0" b="0"/>
+      </a:effectRef>
+      <a:fontRef idx="minor">
+        <a:schemeClr val="lt1"/>
+      </a:fontRef>
+    </dgm:style>
+  </dgm:styleLbl>
+  <dgm:styleLbl name="bgSibTrans2D1">
+    <dgm:scene3d>
+      <a:camera prst="orthographicFront"/>
+      <a:lightRig rig="threePt" dir="t"/>
+    </dgm:scene3d>
+    <dgm:sp3d/>
+    <dgm:txPr/>
+    <dgm:style>
+      <a:lnRef idx="0">
+        <a:scrgbClr r="0" g="0" b="0"/>
+      </a:lnRef>
+      <a:fillRef idx="1">
+        <a:scrgbClr r="0" g="0" b="0"/>
+      </a:fillRef>
+      <a:effectRef idx="0">
+        <a:scrgbClr r="0" g="0" b="0"/>
+      </a:effectRef>
+      <a:fontRef idx="minor">
+        <a:schemeClr val="lt1"/>
+      </a:fontRef>
+    </dgm:style>
+  </dgm:styleLbl>
+  <dgm:styleLbl name="sibTrans1D1">
+    <dgm:scene3d>
+      <a:camera prst="orthographicFront"/>
+      <a:lightRig rig="threePt" dir="t"/>
+    </dgm:scene3d>
+    <dgm:sp3d/>
+    <dgm:txPr/>
+    <dgm:style>
+      <a:lnRef idx="1">
+        <a:scrgbClr r="0" g="0" b="0"/>
+      </a:lnRef>
+      <a:fillRef idx="0">
+        <a:scrgbClr r="0" g="0" b="0"/>
+      </a:fillRef>
+      <a:effectRef idx="0">
+        <a:scrgbClr r="0" g="0" b="0"/>
+      </a:effectRef>
+      <a:fontRef idx="minor"/>
+    </dgm:style>
+  </dgm:styleLbl>
+  <dgm:styleLbl name="callout">
+    <dgm:scene3d>
+      <a:camera prst="orthographicFront"/>
+      <a:lightRig rig="threePt" dir="t"/>
+    </dgm:scene3d>
+    <dgm:sp3d/>
+    <dgm:txPr/>
+    <dgm:style>
+      <a:lnRef idx="2">
+        <a:scrgbClr r="0" g="0" b="0"/>
+      </a:lnRef>
+      <a:fillRef idx="1">
+        <a:scrgbClr r="0" g="0" b="0"/>
+      </a:fillRef>
+      <a:effectRef idx="0">
+        <a:scrgbClr r="0" g="0" b="0"/>
+      </a:effectRef>
+      <a:fontRef idx="minor"/>
+    </dgm:style>
+  </dgm:styleLbl>
+  <dgm:styleLbl name="asst0">
+    <dgm:scene3d>
+      <a:camera prst="orthographicFront"/>
+      <a:lightRig rig="threePt" dir="t"/>
+    </dgm:scene3d>
+    <dgm:sp3d/>
+    <dgm:txPr/>
+    <dgm:style>
+      <a:lnRef idx="2">
+        <a:scrgbClr r="0" g="0" b="0"/>
+      </a:lnRef>
+      <a:fillRef idx="1">
+        <a:scrgbClr r="0" g="0" b="0"/>
+      </a:fillRef>
+      <a:effectRef idx="0">
+        <a:scrgbClr r="0" g="0" b="0"/>
+      </a:effectRef>
+      <a:fontRef idx="minor">
+        <a:schemeClr val="lt1"/>
+      </a:fontRef>
+    </dgm:style>
+  </dgm:styleLbl>
+  <dgm:styleLbl name="asst1">
+    <dgm:scene3d>
+      <a:camera prst="orthographicFront"/>
+      <a:lightRig rig="threePt" dir="t"/>
+    </dgm:scene3d>
+    <dgm:sp3d/>
+    <dgm:txPr/>
+    <dgm:style>
+      <a:lnRef idx="2">
+        <a:scrgbClr r="0" g="0" b="0"/>
+      </a:lnRef>
+      <a:fillRef idx="1">
+        <a:scrgbClr r="0" g="0" b="0"/>
+      </a:fillRef>
+      <a:effectRef idx="0">
+        <a:scrgbClr r="0" g="0" b="0"/>
+      </a:effectRef>
+      <a:fontRef idx="minor">
+        <a:schemeClr val="lt1"/>
+      </a:fontRef>
+    </dgm:style>
+  </dgm:styleLbl>
+  <dgm:styleLbl name="asst2">
+    <dgm:scene3d>
+      <a:camera prst="orthographicFront"/>
+      <a:lightRig rig="threePt" dir="t"/>
+    </dgm:scene3d>
+    <dgm:sp3d/>
+    <dgm:txPr/>
+    <dgm:style>
+      <a:lnRef idx="2">
+        <a:scrgbClr r="0" g="0" b="0"/>
+      </a:lnRef>
+      <a:fillRef idx="1">
+        <a:scrgbClr r="0" g="0" b="0"/>
+      </a:fillRef>
+      <a:effectRef idx="0">
+        <a:scrgbClr r="0" g="0" b="0"/>
+      </a:effectRef>
+      <a:fontRef idx="minor">
+        <a:schemeClr val="lt1"/>
+      </a:fontRef>
+    </dgm:style>
+  </dgm:styleLbl>
+  <dgm:styleLbl name="asst3">
+    <dgm:scene3d>
+      <a:camera prst="orthographicFront"/>
+      <a:lightRig rig="threePt" dir="t"/>
+    </dgm:scene3d>
+    <dgm:sp3d/>
+    <dgm:txPr/>
+    <dgm:style>
+      <a:lnRef idx="2">
+        <a:scrgbClr r="0" g="0" b="0"/>
+      </a:lnRef>
+      <a:fillRef idx="1">
+        <a:scrgbClr r="0" g="0" b="0"/>
+      </a:fillRef>
+      <a:effectRef idx="0">
+        <a:scrgbClr r="0" g="0" b="0"/>
+      </a:effectRef>
+      <a:fontRef idx="minor">
+        <a:schemeClr val="lt1"/>
+      </a:fontRef>
+    </dgm:style>
+  </dgm:styleLbl>
+  <dgm:styleLbl name="asst4">
+    <dgm:scene3d>
+      <a:camera prst="orthographicFront"/>
+      <a:lightRig rig="threePt" dir="t"/>
+    </dgm:scene3d>
+    <dgm:sp3d/>
+    <dgm:txPr/>
+    <dgm:style>
+      <a:lnRef idx="2">
+        <a:scrgbClr r="0" g="0" b="0"/>
+      </a:lnRef>
+      <a:fillRef idx="1">
+        <a:scrgbClr r="0" g="0" b="0"/>
+      </a:fillRef>
+      <a:effectRef idx="0">
+        <a:scrgbClr r="0" g="0" b="0"/>
+      </a:effectRef>
+      <a:fontRef idx="minor">
+        <a:schemeClr val="lt1"/>
+      </a:fontRef>
+    </dgm:style>
+  </dgm:styleLbl>
+  <dgm:styleLbl name="parChTrans2D1">
+    <dgm:scene3d>
+      <a:camera prst="orthographicFront"/>
+      <a:lightRig rig="threePt" dir="t"/>
+    </dgm:scene3d>
+    <dgm:sp3d/>
+    <dgm:txPr/>
+    <dgm:style>
+      <a:lnRef idx="2">
+        <a:scrgbClr r="0" g="0" b="0"/>
+      </a:lnRef>
+      <a:fillRef idx="1">
+        <a:scrgbClr r="0" g="0" b="0"/>
+      </a:fillRef>
+      <a:effectRef idx="0">
+        <a:scrgbClr r="0" g="0" b="0"/>
+      </a:effectRef>
+      <a:fontRef idx="minor">
+        <a:schemeClr val="lt1"/>
+      </a:fontRef>
+    </dgm:style>
+  </dgm:styleLbl>
+  <dgm:styleLbl name="parChTrans2D2">
+    <dgm:scene3d>
+      <a:camera prst="orthographicFront"/>
+      <a:lightRig rig="threePt" dir="t"/>
+    </dgm:scene3d>
+    <dgm:sp3d/>
+    <dgm:txPr/>
+    <dgm:style>
+      <a:lnRef idx="2">
+        <a:scrgbClr r="0" g="0" b="0"/>
+      </a:lnRef>
+      <a:fillRef idx="1">
+        <a:scrgbClr r="0" g="0" b="0"/>
+      </a:fillRef>
+      <a:effectRef idx="0">
+        <a:scrgbClr r="0" g="0" b="0"/>
+      </a:effectRef>
+      <a:fontRef idx="minor">
+        <a:schemeClr val="lt1"/>
+      </a:fontRef>
+    </dgm:style>
+  </dgm:styleLbl>
+  <dgm:styleLbl name="parChTrans2D3">
+    <dgm:scene3d>
+      <a:camera prst="orthographicFront"/>
+      <a:lightRig rig="threePt" dir="t"/>
+    </dgm:scene3d>
+    <dgm:sp3d/>
+    <dgm:txPr/>
+    <dgm:style>
+      <a:lnRef idx="2">
+        <a:scrgbClr r="0" g="0" b="0"/>
+      </a:lnRef>
+      <a:fillRef idx="1">
+        <a:scrgbClr r="0" g="0" b="0"/>
+      </a:fillRef>
+      <a:effectRef idx="0">
+        <a:scrgbClr r="0" g="0" b="0"/>
+      </a:effectRef>
+      <a:fontRef idx="minor">
+        <a:schemeClr val="lt1"/>
+      </a:fontRef>
+    </dgm:style>
+  </dgm:styleLbl>
+  <dgm:styleLbl name="parChTrans2D4">
+    <dgm:scene3d>
+      <a:camera prst="orthographicFront"/>
+      <a:lightRig rig="threePt" dir="t"/>
+    </dgm:scene3d>
+    <dgm:sp3d/>
+    <dgm:txPr/>
+    <dgm:style>
+      <a:lnRef idx="2">
+        <a:scrgbClr r="0" g="0" b="0"/>
+      </a:lnRef>
+      <a:fillRef idx="1">
+        <a:scrgbClr r="0" g="0" b="0"/>
+      </a:fillRef>
+      <a:effectRef idx="0">
+        <a:scrgbClr r="0" g="0" b="0"/>
+      </a:effectRef>
+      <a:fontRef idx="minor">
+        <a:schemeClr val="lt1"/>
+      </a:fontRef>
+    </dgm:style>
+  </dgm:styleLbl>
+  <dgm:styleLbl name="parChTrans1D1">
+    <dgm:scene3d>
+      <a:camera prst="orthographicFront"/>
+      <a:lightRig rig="threePt" dir="t"/>
+    </dgm:scene3d>
+    <dgm:sp3d/>
+    <dgm:txPr/>
+    <dgm:style>
+      <a:lnRef idx="2">
+        <a:scrgbClr r="0" g="0" b="0"/>
+      </a:lnRef>
+      <a:fillRef idx="0">
+        <a:scrgbClr r="0" g="0" b="0"/>
+      </a:fillRef>
+      <a:effectRef idx="0">
+        <a:scrgbClr r="0" g="0" b="0"/>
+      </a:effectRef>
+      <a:fontRef idx="minor"/>
+    </dgm:style>
+  </dgm:styleLbl>
+  <dgm:styleLbl name="parChTrans1D2">
+    <dgm:scene3d>
+      <a:camera prst="orthographicFront"/>
+      <a:lightRig rig="threePt" dir="t"/>
+    </dgm:scene3d>
+    <dgm:sp3d/>
+    <dgm:txPr/>
+    <dgm:style>
+      <a:lnRef idx="2">
+        <a:scrgbClr r="0" g="0" b="0"/>
+      </a:lnRef>
+      <a:fillRef idx="0">
+        <a:scrgbClr r="0" g="0" b="0"/>
+      </a:fillRef>
+      <a:effectRef idx="0">
+        <a:scrgbClr r="0" g="0" b="0"/>
+      </a:effectRef>
+      <a:fontRef idx="minor"/>
+    </dgm:style>
+  </dgm:styleLbl>
+  <dgm:styleLbl name="parChTrans1D3">
+    <dgm:scene3d>
+      <a:camera prst="orthographicFront"/>
+      <a:lightRig rig="threePt" dir="t"/>
+    </dgm:scene3d>
+    <dgm:sp3d/>
+    <dgm:txPr/>
+    <dgm:style>
+      <a:lnRef idx="2">
+        <a:scrgbClr r="0" g="0" b="0"/>
+      </a:lnRef>
+      <a:fillRef idx="0">
+        <a:scrgbClr r="0" g="0" b="0"/>
+      </a:fillRef>
+      <a:effectRef idx="0">
+        <a:scrgbClr r="0" g="0" b="0"/>
+      </a:effectRef>
+      <a:fontRef idx="minor"/>
+    </dgm:style>
+  </dgm:styleLbl>
+  <dgm:styleLbl name="parChTrans1D4">
+    <dgm:scene3d>
+      <a:camera prst="orthographicFront"/>
+      <a:lightRig rig="threePt" dir="t"/>
+    </dgm:scene3d>
+    <dgm:sp3d/>
+    <dgm:txPr/>
+    <dgm:style>
+      <a:lnRef idx="2">
+        <a:scrgbClr r="0" g="0" b="0"/>
+      </a:lnRef>
+      <a:fillRef idx="0">
+        <a:scrgbClr r="0" g="0" b="0"/>
+      </a:fillRef>
+      <a:effectRef idx="0">
+        <a:scrgbClr r="0" g="0" b="0"/>
+      </a:effectRef>
+      <a:fontRef idx="minor"/>
+    </dgm:style>
+  </dgm:styleLbl>
+  <dgm:styleLbl name="fgAcc1">
+    <dgm:scene3d>
+      <a:camera prst="orthographicFront"/>
+      <a:lightRig rig="threePt" dir="t"/>
+    </dgm:scene3d>
+    <dgm:sp3d/>
+    <dgm:txPr/>
+    <dgm:style>
+      <a:lnRef idx="2">
+        <a:scrgbClr r="0" g="0" b="0"/>
+      </a:lnRef>
+      <a:fillRef idx="1">
+        <a:scrgbClr r="0" g="0" b="0"/>
+      </a:fillRef>
+      <a:effectRef idx="0">
+        <a:scrgbClr r="0" g="0" b="0"/>
+      </a:effectRef>
+      <a:fontRef idx="minor"/>
+    </dgm:style>
+  </dgm:styleLbl>
+  <dgm:styleLbl name="conFgAcc1">
+    <dgm:scene3d>
+      <a:camera prst="orthographicFront"/>
+      <a:lightRig rig="threePt" dir="t"/>
+    </dgm:scene3d>
+    <dgm:sp3d/>
+    <dgm:txPr/>
+    <dgm:style>
+      <a:lnRef idx="2">
+        <a:scrgbClr r="0" g="0" b="0"/>
+      </a:lnRef>
+      <a:fillRef idx="1">
+        <a:scrgbClr r="0" g="0" b="0"/>
+      </a:fillRef>
+      <a:effectRef idx="0">
+        <a:scrgbClr r="0" g="0" b="0"/>
+      </a:effectRef>
+      <a:fontRef idx="minor"/>
+    </dgm:style>
+  </dgm:styleLbl>
+  <dgm:styleLbl name="alignAcc1">
+    <dgm:scene3d>
+      <a:camera prst="orthographicFront"/>
+      <a:lightRig rig="threePt" dir="t"/>
+    </dgm:scene3d>
+    <dgm:sp3d/>
+    <dgm:txPr/>
+    <dgm:style>
+      <a:lnRef idx="2">
+        <a:scrgbClr r="0" g="0" b="0"/>
+      </a:lnRef>
+      <a:fillRef idx="1">
+        <a:scrgbClr r="0" g="0" b="0"/>
+      </a:fillRef>
+      <a:effectRef idx="0">
+        <a:scrgbClr r="0" g="0" b="0"/>
+      </a:effectRef>
+      <a:fontRef idx="minor"/>
+    </dgm:style>
+  </dgm:styleLbl>
+  <dgm:styleLbl name="trAlignAcc1">
+    <dgm:scene3d>
+      <a:camera prst="orthographicFront"/>
+      <a:lightRig rig="threePt" dir="t"/>
+    </dgm:scene3d>
+    <dgm:sp3d/>
+    <dgm:txPr/>
+    <dgm:style>
+      <a:lnRef idx="1">
+        <a:scrgbClr r="0" g="0" b="0"/>
+      </a:lnRef>
+      <a:fillRef idx="1">
+        <a:scrgbClr r="0" g="0" b="0"/>
+      </a:fillRef>
+      <a:effectRef idx="0">
+        <a:scrgbClr r="0" g="0" b="0"/>
+      </a:effectRef>
+      <a:fontRef idx="minor"/>
+    </dgm:style>
+  </dgm:styleLbl>
+  <dgm:styleLbl name="bgAcc1">
+    <dgm:scene3d>
+      <a:camera prst="orthographicFront"/>
+      <a:lightRig rig="threePt" dir="t"/>
+    </dgm:scene3d>
+    <dgm:sp3d/>
+    <dgm:txPr/>
+    <dgm:style>
+      <a:lnRef idx="2">
+        <a:scrgbClr r="0" g="0" b="0"/>
+      </a:lnRef>
+      <a:fillRef idx="1">
+        <a:scrgbClr r="0" g="0" b="0"/>
+      </a:fillRef>
+      <a:effectRef idx="0">
+        <a:scrgbClr r="0" g="0" b="0"/>
+      </a:effectRef>
+      <a:fontRef idx="minor"/>
+    </dgm:style>
+  </dgm:styleLbl>
+  <dgm:styleLbl name="solidFgAcc1">
+    <dgm:scene3d>
+      <a:camera prst="orthographicFront"/>
+      <a:lightRig rig="threePt" dir="t"/>
+    </dgm:scene3d>
+    <dgm:sp3d/>
+    <dgm:txPr/>
+    <dgm:style>
+      <a:lnRef idx="2">
+        <a:scrgbClr r="0" g="0" b="0"/>
+      </a:lnRef>
+      <a:fillRef idx="1">
+        <a:scrgbClr r="0" g="0" b="0"/>
+      </a:fillRef>
+      <a:effectRef idx="0">
+        <a:scrgbClr r="0" g="0" b="0"/>
+      </a:effectRef>
+      <a:fontRef idx="minor"/>
+    </dgm:style>
+  </dgm:styleLbl>
+  <dgm:styleLbl name="solidAlignAcc1">
+    <dgm:scene3d>
+      <a:camera prst="orthographicFront"/>
+      <a:lightRig rig="threePt" dir="t"/>
+    </dgm:scene3d>
+    <dgm:sp3d/>
+    <dgm:txPr/>
+    <dgm:style>
+      <a:lnRef idx="2">
+        <a:scrgbClr r="0" g="0" b="0"/>
+      </a:lnRef>
+      <a:fillRef idx="1">
+        <a:scrgbClr r="0" g="0" b="0"/>
+      </a:fillRef>
+      <a:effectRef idx="0">
+        <a:scrgbClr r="0" g="0" b="0"/>
+      </a:effectRef>
+      <a:fontRef idx="minor"/>
+    </dgm:style>
+  </dgm:styleLbl>
+  <dgm:styleLbl name="solidBgAcc1">
+    <dgm:scene3d>
+      <a:camera prst="orthographicFront"/>
+      <a:lightRig rig="threePt" dir="t"/>
+    </dgm:scene3d>
+    <dgm:sp3d/>
+    <dgm:txPr/>
+    <dgm:style>
+      <a:lnRef idx="2">
+        <a:scrgbClr r="0" g="0" b="0"/>
+      </a:lnRef>
+      <a:fillRef idx="1">
+        <a:scrgbClr r="0" g="0" b="0"/>
+      </a:fillRef>
+      <a:effectRef idx="0">
+        <a:scrgbClr r="0" g="0" b="0"/>
+      </a:effectRef>
+      <a:fontRef idx="minor"/>
+    </dgm:style>
+  </dgm:styleLbl>
+  <dgm:styleLbl name="fgAccFollowNode1">
+    <dgm:scene3d>
+      <a:camera prst="orthographicFront"/>
+      <a:lightRig rig="threePt" dir="t"/>
+    </dgm:scene3d>
+    <dgm:sp3d/>
+    <dgm:txPr/>
+    <dgm:style>
+      <a:lnRef idx="2">
+        <a:scrgbClr r="0" g="0" b="0"/>
+      </a:lnRef>
+      <a:fillRef idx="1">
+        <a:scrgbClr r="0" g="0" b="0"/>
+      </a:fillRef>
+      <a:effectRef idx="0">
+        <a:scrgbClr r="0" g="0" b="0"/>
+      </a:effectRef>
+      <a:fontRef idx="minor"/>
+    </dgm:style>
+  </dgm:styleLbl>
+  <dgm:styleLbl name="alignAccFollowNode1">
+    <dgm:scene3d>
+      <a:camera prst="orthographicFront"/>
+      <a:lightRig rig="threePt" dir="t"/>
+    </dgm:scene3d>
+    <dgm:sp3d/>
+    <dgm:txPr/>
+    <dgm:style>
+      <a:lnRef idx="2">
+        <a:scrgbClr r="0" g="0" b="0"/>
+      </a:lnRef>
+      <a:fillRef idx="1">
+        <a:scrgbClr r="0" g="0" b="0"/>
+      </a:fillRef>
+      <a:effectRef idx="0">
+        <a:scrgbClr r="0" g="0" b="0"/>
+      </a:effectRef>
+      <a:fontRef idx="minor"/>
+    </dgm:style>
+  </dgm:styleLbl>
+  <dgm:styleLbl name="bgAccFollowNode1">
+    <dgm:scene3d>
+      <a:camera prst="orthographicFront"/>
+      <a:lightRig rig="threePt" dir="t"/>
+    </dgm:scene3d>
+    <dgm:sp3d/>
+    <dgm:txPr/>
+    <dgm:style>
+      <a:lnRef idx="2">
+        <a:scrgbClr r="0" g="0" b="0"/>
+      </a:lnRef>
+      <a:fillRef idx="1">
+        <a:scrgbClr r="0" g="0" b="0"/>
+      </a:fillRef>
+      <a:effectRef idx="0">
+        <a:scrgbClr r="0" g="0" b="0"/>
+      </a:effectRef>
+      <a:fontRef idx="minor"/>
+    </dgm:style>
+  </dgm:styleLbl>
+  <dgm:styleLbl name="fgAcc0">
+    <dgm:scene3d>
+      <a:camera prst="orthographicFront"/>
+      <a:lightRig rig="threePt" dir="t"/>
+    </dgm:scene3d>
+    <dgm:sp3d/>
+    <dgm:txPr/>
+    <dgm:style>
+      <a:lnRef idx="2">
+        <a:scrgbClr r="0" g="0" b="0"/>
+      </a:lnRef>
+      <a:fillRef idx="1">
+        <a:scrgbClr r="0" g="0" b="0"/>
+      </a:fillRef>
+      <a:effectRef idx="0">
+        <a:scrgbClr r="0" g="0" b="0"/>
+      </a:effectRef>
+      <a:fontRef idx="minor"/>
+    </dgm:style>
+  </dgm:styleLbl>
+  <dgm:styleLbl name="fgAcc2">
+    <dgm:scene3d>
+      <a:camera prst="orthographicFront"/>
+      <a:lightRig rig="threePt" dir="t"/>
+    </dgm:scene3d>
+    <dgm:sp3d/>
+    <dgm:txPr/>
+    <dgm:style>
+      <a:lnRef idx="2">
+        <a:scrgbClr r="0" g="0" b="0"/>
+      </a:lnRef>
+      <a:fillRef idx="1">
+        <a:scrgbClr r="0" g="0" b="0"/>
+      </a:fillRef>
+      <a:effectRef idx="0">
+        <a:scrgbClr r="0" g="0" b="0"/>
+      </a:effectRef>
+      <a:fontRef idx="minor"/>
+    </dgm:style>
+  </dgm:styleLbl>
+  <dgm:styleLbl name="fgAcc3">
+    <dgm:scene3d>
+      <a:camera prst="orthographicFront"/>
+      <a:lightRig rig="threePt" dir="t"/>
+    </dgm:scene3d>
+    <dgm:sp3d/>
+    <dgm:txPr/>
+    <dgm:style>
+      <a:lnRef idx="2">
+        <a:scrgbClr r="0" g="0" b="0"/>
+      </a:lnRef>
+      <a:fillRef idx="1">
+        <a:scrgbClr r="0" g="0" b="0"/>
+      </a:fillRef>
+      <a:effectRef idx="0">
+        <a:scrgbClr r="0" g="0" b="0"/>
+      </a:effectRef>
+      <a:fontRef idx="minor"/>
+    </dgm:style>
+  </dgm:styleLbl>
+  <dgm:styleLbl name="fgAcc4">
+    <dgm:scene3d>
+      <a:camera prst="orthographicFront"/>
+      <a:lightRig rig="threePt" dir="t"/>
+    </dgm:scene3d>
+    <dgm:sp3d/>
+    <dgm:txPr/>
+    <dgm:style>
+      <a:lnRef idx="2">
+        <a:scrgbClr r="0" g="0" b="0"/>
+      </a:lnRef>
+      <a:fillRef idx="1">
+        <a:scrgbClr r="0" g="0" b="0"/>
+      </a:fillRef>
+      <a:effectRef idx="0">
+        <a:scrgbClr r="0" g="0" b="0"/>
+      </a:effectRef>
+      <a:fontRef idx="minor"/>
+    </dgm:style>
+  </dgm:styleLbl>
+  <dgm:styleLbl name="bgShp">
+    <dgm:scene3d>
+      <a:camera prst="orthographicFront"/>
+      <a:lightRig rig="threePt" dir="t"/>
+    </dgm:scene3d>
+    <dgm:sp3d/>
+    <dgm:txPr/>
+    <dgm:style>
+      <a:lnRef idx="0">
+        <a:scrgbClr r="0" g="0" b="0"/>
+      </a:lnRef>
+      <a:fillRef idx="1">
+        <a:scrgbClr r="0" g="0" b="0"/>
+      </a:fillRef>
+      <a:effectRef idx="0">
+        <a:scrgbClr r="0" g="0" b="0"/>
+      </a:effectRef>
+      <a:fontRef idx="minor"/>
+    </dgm:style>
+  </dgm:styleLbl>
+  <dgm:styleLbl name="dkBgShp">
+    <dgm:scene3d>
+      <a:camera prst="orthographicFront"/>
+      <a:lightRig rig="threePt" dir="t"/>
+    </dgm:scene3d>
+    <dgm:sp3d/>
+    <dgm:txPr/>
+    <dgm:style>
+      <a:lnRef idx="0">
+        <a:scrgbClr r="0" g="0" b="0"/>
+      </a:lnRef>
+      <a:fillRef idx="1">
+        <a:scrgbClr r="0" g="0" b="0"/>
+      </a:fillRef>
+      <a:effectRef idx="0">
+        <a:scrgbClr r="0" g="0" b="0"/>
+      </a:effectRef>
+      <a:fontRef idx="minor"/>
+    </dgm:style>
+  </dgm:styleLbl>
+  <dgm:styleLbl name="trBgShp">
+    <dgm:scene3d>
+      <a:camera prst="orthographicFront"/>
+      <a:lightRig rig="threePt" dir="t"/>
+    </dgm:scene3d>
+    <dgm:sp3d/>
+    <dgm:txPr/>
+    <dgm:style>
+      <a:lnRef idx="0">
+        <a:scrgbClr r="0" g="0" b="0"/>
+      </a:lnRef>
+      <a:fillRef idx="1">
+        <a:scrgbClr r="0" g="0" b="0"/>
+      </a:fillRef>
+      <a:effectRef idx="0">
+        <a:scrgbClr r="0" g="0" b="0"/>
+      </a:effectRef>
+      <a:fontRef idx="minor"/>
+    </dgm:style>
+  </dgm:styleLbl>
+  <dgm:styleLbl name="fgShp">
+    <dgm:scene3d>
+      <a:camera prst="orthographicFront"/>
+      <a:lightRig rig="threePt" dir="t"/>
+    </dgm:scene3d>
+    <dgm:sp3d/>
+    <dgm:txPr/>
+    <dgm:style>
+      <a:lnRef idx="2">
+        <a:scrgbClr r="0" g="0" b="0"/>
+      </a:lnRef>
+      <a:fillRef idx="1">
+        <a:scrgbClr r="0" g="0" b="0"/>
+      </a:fillRef>
+      <a:effectRef idx="0">
+        <a:scrgbClr r="0" g="0" b="0"/>
+      </a:effectRef>
+      <a:fontRef idx="minor"/>
+    </dgm:style>
+  </dgm:styleLbl>
+  <dgm:styleLbl name="revTx">
+    <dgm:scene3d>
+      <a:camera prst="orthographicFront"/>
+      <a:lightRig rig="threePt" dir="t"/>
+    </dgm:scene3d>
+    <dgm:sp3d/>
+    <dgm:txPr/>
+    <dgm:style>
+      <a:lnRef idx="0">
+        <a:scrgbClr r="0" g="0" b="0"/>
+      </a:lnRef>
+      <a:fillRef idx="0">
+        <a:scrgbClr r="0" g="0" b="0"/>
+      </a:fillRef>
+      <a:effectRef idx="0">
+        <a:scrgbClr r="0" g="0" b="0"/>
+      </a:effectRef>
+      <a:fontRef idx="minor"/>
+    </dgm:style>
+  </dgm:styleLbl>
+</dgm:styleDef>
+</file>
+
+<file path=ppt/diagrams/quickStyle4.xml><?xml version="1.0" encoding="utf-8"?>
 <dgm:styleDef xmlns:dgm="http://schemas.openxmlformats.org/drawingml/2006/diagram" xmlns:a="http://schemas.openxmlformats.org/drawingml/2006/main" uniqueId="urn:microsoft.com/office/officeart/2005/8/quickstyle/simple1">
   <dgm:title val=""/>
   <dgm:desc val=""/>
@@ -10714,7 +13908,7 @@
           </a:lstStyle>
           <a:p>
             <a:fld id="{69732D9D-C667-489A-831F-0E01110209EA}" type="datetimeFigureOut">
-              <a:t>09/10/2024</a:t>
+              <a:t>09/12/2024</a:t>
             </a:fld>
             <a:endParaRPr lang="en-US"/>
           </a:p>
@@ -11315,7 +14509,7 @@
           <a:p>
             <a:fld id="{846CE7D5-CF57-46EF-B807-FDD0502418D4}" type="datetimeFigureOut">
               <a:rPr lang="en-US" smtClean="0"/>
-              <a:t>9/10/2024</a:t>
+              <a:t>9/12/2024</a:t>
             </a:fld>
             <a:endParaRPr lang="en-US"/>
           </a:p>
@@ -11485,7 +14679,7 @@
           <a:p>
             <a:fld id="{846CE7D5-CF57-46EF-B807-FDD0502418D4}" type="datetimeFigureOut">
               <a:rPr lang="en-US" smtClean="0"/>
-              <a:t>9/10/2024</a:t>
+              <a:t>9/12/2024</a:t>
             </a:fld>
             <a:endParaRPr lang="en-US"/>
           </a:p>
@@ -11665,7 +14859,7 @@
           <a:p>
             <a:fld id="{846CE7D5-CF57-46EF-B807-FDD0502418D4}" type="datetimeFigureOut">
               <a:rPr lang="en-US" smtClean="0"/>
-              <a:t>9/10/2024</a:t>
+              <a:t>9/12/2024</a:t>
             </a:fld>
             <a:endParaRPr lang="en-US"/>
           </a:p>
@@ -13150,7 +16344,7 @@
           <a:p>
             <a:fld id="{846CE7D5-CF57-46EF-B807-FDD0502418D4}" type="datetimeFigureOut">
               <a:rPr lang="en-US" smtClean="0"/>
-              <a:t>9/10/2024</a:t>
+              <a:t>9/12/2024</a:t>
             </a:fld>
             <a:endParaRPr lang="en-US"/>
           </a:p>
@@ -15276,7 +18470,7 @@
           <a:p>
             <a:fld id="{846CE7D5-CF57-46EF-B807-FDD0502418D4}" type="datetimeFigureOut">
               <a:rPr lang="en-US" smtClean="0"/>
-              <a:t>9/10/2024</a:t>
+              <a:t>9/12/2024</a:t>
             </a:fld>
             <a:endParaRPr lang="en-US"/>
           </a:p>
@@ -16987,7 +20181,7 @@
           <a:p>
             <a:fld id="{EA730EFB-AB28-4A68-9CF2-24FEA7CF3D98}" type="datetimeFigureOut">
               <a:rPr lang="en-US" smtClean="0"/>
-              <a:t>9/10/2024</a:t>
+              <a:t>9/12/2024</a:t>
             </a:fld>
             <a:endParaRPr lang="en-US"/>
           </a:p>
@@ -17225,7 +20419,7 @@
           <a:p>
             <a:fld id="{EA730EFB-AB28-4A68-9CF2-24FEA7CF3D98}" type="datetimeFigureOut">
               <a:rPr lang="en-US" smtClean="0"/>
-              <a:t>9/10/2024</a:t>
+              <a:t>9/12/2024</a:t>
             </a:fld>
             <a:endParaRPr lang="en-US"/>
           </a:p>
@@ -17420,7 +20614,7 @@
           <a:p>
             <a:fld id="{EA730EFB-AB28-4A68-9CF2-24FEA7CF3D98}" type="datetimeFigureOut">
               <a:rPr lang="en-US" smtClean="0"/>
-              <a:t>9/10/2024</a:t>
+              <a:t>9/12/2024</a:t>
             </a:fld>
             <a:endParaRPr lang="en-US"/>
           </a:p>
@@ -17620,7 +20814,7 @@
           <a:p>
             <a:fld id="{EA730EFB-AB28-4A68-9CF2-24FEA7CF3D98}" type="datetimeFigureOut">
               <a:rPr lang="en-US" smtClean="0"/>
-              <a:t>9/10/2024</a:t>
+              <a:t>9/12/2024</a:t>
             </a:fld>
             <a:endParaRPr lang="en-US"/>
           </a:p>
@@ -18096,7 +21290,7 @@
           <a:p>
             <a:fld id="{846CE7D5-CF57-46EF-B807-FDD0502418D4}" type="datetimeFigureOut">
               <a:rPr lang="en-US" smtClean="0"/>
-              <a:t>9/10/2024</a:t>
+              <a:t>9/12/2024</a:t>
             </a:fld>
             <a:endParaRPr lang="en-US"/>
           </a:p>
@@ -18463,7 +21657,7 @@
           <a:p>
             <a:fld id="{846CE7D5-CF57-46EF-B807-FDD0502418D4}" type="datetimeFigureOut">
               <a:rPr lang="en-US" smtClean="0"/>
-              <a:t>9/10/2024</a:t>
+              <a:t>9/12/2024</a:t>
             </a:fld>
             <a:endParaRPr lang="en-US"/>
           </a:p>
@@ -18581,7 +21775,7 @@
           <a:p>
             <a:fld id="{846CE7D5-CF57-46EF-B807-FDD0502418D4}" type="datetimeFigureOut">
               <a:rPr lang="en-US" smtClean="0"/>
-              <a:t>9/10/2024</a:t>
+              <a:t>9/12/2024</a:t>
             </a:fld>
             <a:endParaRPr lang="en-US"/>
           </a:p>
@@ -18676,7 +21870,7 @@
           <a:p>
             <a:fld id="{846CE7D5-CF57-46EF-B807-FDD0502418D4}" type="datetimeFigureOut">
               <a:rPr lang="en-US" smtClean="0"/>
-              <a:t>9/10/2024</a:t>
+              <a:t>9/12/2024</a:t>
             </a:fld>
             <a:endParaRPr lang="en-US"/>
           </a:p>
@@ -18953,7 +22147,7 @@
           <a:p>
             <a:fld id="{846CE7D5-CF57-46EF-B807-FDD0502418D4}" type="datetimeFigureOut">
               <a:rPr lang="en-US" smtClean="0"/>
-              <a:t>9/10/2024</a:t>
+              <a:t>9/12/2024</a:t>
             </a:fld>
             <a:endParaRPr lang="en-US"/>
           </a:p>
@@ -19210,7 +22404,7 @@
           <a:p>
             <a:fld id="{846CE7D5-CF57-46EF-B807-FDD0502418D4}" type="datetimeFigureOut">
               <a:rPr lang="en-US" smtClean="0"/>
-              <a:t>9/10/2024</a:t>
+              <a:t>9/12/2024</a:t>
             </a:fld>
             <a:endParaRPr lang="en-US"/>
           </a:p>
@@ -19423,7 +22617,7 @@
           <a:p>
             <a:fld id="{846CE7D5-CF57-46EF-B807-FDD0502418D4}" type="datetimeFigureOut">
               <a:rPr lang="en-US" smtClean="0"/>
-              <a:t>9/10/2024</a:t>
+              <a:t>9/12/2024</a:t>
             </a:fld>
             <a:endParaRPr lang="en-US"/>
           </a:p>
@@ -23378,6 +26572,484 @@
 </file>
 
 <file path=ppt/slides/slide12.xml><?xml version="1.0" encoding="utf-8"?>
+<p:sld xmlns:a="http://schemas.openxmlformats.org/drawingml/2006/main" xmlns:r="http://schemas.openxmlformats.org/officeDocument/2006/relationships" xmlns:p="http://schemas.openxmlformats.org/presentationml/2006/main">
+  <p:cSld>
+    <p:spTree>
+      <p:nvGrpSpPr>
+        <p:cNvPr id="1" name=""/>
+        <p:cNvGrpSpPr/>
+        <p:nvPr/>
+      </p:nvGrpSpPr>
+      <p:grpSpPr>
+        <a:xfrm>
+          <a:off x="0" y="0"/>
+          <a:ext cx="0" cy="0"/>
+          <a:chOff x="0" y="0"/>
+          <a:chExt cx="0" cy="0"/>
+        </a:xfrm>
+      </p:grpSpPr>
+      <p:sp>
+        <p:nvSpPr>
+          <p:cNvPr id="3" name="TextBox 1">
+            <a:extLst>
+              <a:ext uri="{FF2B5EF4-FFF2-40B4-BE49-F238E27FC236}">
+                <a16:creationId xmlns:a16="http://schemas.microsoft.com/office/drawing/2014/main" id="{B76E810A-7D89-CFF6-389E-860870EE3033}"/>
+              </a:ext>
+            </a:extLst>
+          </p:cNvPr>
+          <p:cNvSpPr txBox="1"/>
+          <p:nvPr/>
+        </p:nvSpPr>
+        <p:spPr>
+          <a:xfrm>
+            <a:off x="2404395" y="374369"/>
+            <a:ext cx="7751517" cy="523220"/>
+          </a:xfrm>
+          <a:prstGeom prst="rect">
+            <a:avLst/>
+          </a:prstGeom>
+          <a:noFill/>
+        </p:spPr>
+        <p:txBody>
+          <a:bodyPr wrap="square" lIns="91440" tIns="45720" rIns="91440" bIns="45720" rtlCol="0" anchor="t">
+            <a:spAutoFit/>
+          </a:bodyPr>
+          <a:lstStyle>
+            <a:defPPr>
+              <a:defRPr lang="en-US"/>
+            </a:defPPr>
+            <a:lvl1pPr marL="0" algn="l" defTabSz="914400" rtl="0" eaLnBrk="1" latinLnBrk="0" hangingPunct="1">
+              <a:defRPr sz="1800" kern="1200">
+                <a:solidFill>
+                  <a:schemeClr val="tx1"/>
+                </a:solidFill>
+                <a:latin typeface="+mn-lt"/>
+                <a:ea typeface="+mn-ea"/>
+                <a:cs typeface="+mn-cs"/>
+              </a:defRPr>
+            </a:lvl1pPr>
+            <a:lvl2pPr marL="457200" algn="l" defTabSz="914400" rtl="0" eaLnBrk="1" latinLnBrk="0" hangingPunct="1">
+              <a:defRPr sz="1800" kern="1200">
+                <a:solidFill>
+                  <a:schemeClr val="tx1"/>
+                </a:solidFill>
+                <a:latin typeface="+mn-lt"/>
+                <a:ea typeface="+mn-ea"/>
+                <a:cs typeface="+mn-cs"/>
+              </a:defRPr>
+            </a:lvl2pPr>
+            <a:lvl3pPr marL="914400" algn="l" defTabSz="914400" rtl="0" eaLnBrk="1" latinLnBrk="0" hangingPunct="1">
+              <a:defRPr sz="1800" kern="1200">
+                <a:solidFill>
+                  <a:schemeClr val="tx1"/>
+                </a:solidFill>
+                <a:latin typeface="+mn-lt"/>
+                <a:ea typeface="+mn-ea"/>
+                <a:cs typeface="+mn-cs"/>
+              </a:defRPr>
+            </a:lvl3pPr>
+            <a:lvl4pPr marL="1371600" algn="l" defTabSz="914400" rtl="0" eaLnBrk="1" latinLnBrk="0" hangingPunct="1">
+              <a:defRPr sz="1800" kern="1200">
+                <a:solidFill>
+                  <a:schemeClr val="tx1"/>
+                </a:solidFill>
+                <a:latin typeface="+mn-lt"/>
+                <a:ea typeface="+mn-ea"/>
+                <a:cs typeface="+mn-cs"/>
+              </a:defRPr>
+            </a:lvl4pPr>
+            <a:lvl5pPr marL="1828800" algn="l" defTabSz="914400" rtl="0" eaLnBrk="1" latinLnBrk="0" hangingPunct="1">
+              <a:defRPr sz="1800" kern="1200">
+                <a:solidFill>
+                  <a:schemeClr val="tx1"/>
+                </a:solidFill>
+                <a:latin typeface="+mn-lt"/>
+                <a:ea typeface="+mn-ea"/>
+                <a:cs typeface="+mn-cs"/>
+              </a:defRPr>
+            </a:lvl5pPr>
+            <a:lvl6pPr marL="2286000" algn="l" defTabSz="914400" rtl="0" eaLnBrk="1" latinLnBrk="0" hangingPunct="1">
+              <a:defRPr sz="1800" kern="1200">
+                <a:solidFill>
+                  <a:schemeClr val="tx1"/>
+                </a:solidFill>
+                <a:latin typeface="+mn-lt"/>
+                <a:ea typeface="+mn-ea"/>
+                <a:cs typeface="+mn-cs"/>
+              </a:defRPr>
+            </a:lvl6pPr>
+            <a:lvl7pPr marL="2743200" algn="l" defTabSz="914400" rtl="0" eaLnBrk="1" latinLnBrk="0" hangingPunct="1">
+              <a:defRPr sz="1800" kern="1200">
+                <a:solidFill>
+                  <a:schemeClr val="tx1"/>
+                </a:solidFill>
+                <a:latin typeface="+mn-lt"/>
+                <a:ea typeface="+mn-ea"/>
+                <a:cs typeface="+mn-cs"/>
+              </a:defRPr>
+            </a:lvl7pPr>
+            <a:lvl8pPr marL="3200400" algn="l" defTabSz="914400" rtl="0" eaLnBrk="1" latinLnBrk="0" hangingPunct="1">
+              <a:defRPr sz="1800" kern="1200">
+                <a:solidFill>
+                  <a:schemeClr val="tx1"/>
+                </a:solidFill>
+                <a:latin typeface="+mn-lt"/>
+                <a:ea typeface="+mn-ea"/>
+                <a:cs typeface="+mn-cs"/>
+              </a:defRPr>
+            </a:lvl8pPr>
+            <a:lvl9pPr marL="3657600" algn="l" defTabSz="914400" rtl="0" eaLnBrk="1" latinLnBrk="0" hangingPunct="1">
+              <a:defRPr sz="1800" kern="1200">
+                <a:solidFill>
+                  <a:schemeClr val="tx1"/>
+                </a:solidFill>
+                <a:latin typeface="+mn-lt"/>
+                <a:ea typeface="+mn-ea"/>
+                <a:cs typeface="+mn-cs"/>
+              </a:defRPr>
+            </a:lvl9pPr>
+          </a:lstStyle>
+          <a:p>
+            <a:r>
+              <a:rPr lang="en-US" sz="2800" b="1" dirty="0">
+                <a:solidFill>
+                  <a:srgbClr val="00A0E1"/>
+                </a:solidFill>
+              </a:rPr>
+              <a:t>   </a:t>
+            </a:r>
+          </a:p>
+        </p:txBody>
+      </p:sp>
+      <p:sp>
+        <p:nvSpPr>
+          <p:cNvPr id="6" name="TextBox 5">
+            <a:extLst>
+              <a:ext uri="{FF2B5EF4-FFF2-40B4-BE49-F238E27FC236}">
+                <a16:creationId xmlns:a16="http://schemas.microsoft.com/office/drawing/2014/main" id="{06A4B648-05BE-03EB-D1AD-5BD4B922EF2D}"/>
+              </a:ext>
+            </a:extLst>
+          </p:cNvPr>
+          <p:cNvSpPr txBox="1"/>
+          <p:nvPr/>
+        </p:nvSpPr>
+        <p:spPr>
+          <a:xfrm>
+            <a:off x="3443005" y="3309403"/>
+            <a:ext cx="7878363" cy="1200329"/>
+          </a:xfrm>
+          <a:prstGeom prst="rect">
+            <a:avLst/>
+          </a:prstGeom>
+          <a:noFill/>
+        </p:spPr>
+        <p:txBody>
+          <a:bodyPr rot="0" spcFirstLastPara="0" vertOverflow="overflow" horzOverflow="overflow" vert="horz" wrap="square" lIns="91440" tIns="45720" rIns="91440" bIns="45720" numCol="1" spcCol="0" rtlCol="0" fromWordArt="0" anchor="t" anchorCtr="0" forceAA="0" compatLnSpc="1">
+            <a:prstTxWarp prst="textNoShape">
+              <a:avLst/>
+            </a:prstTxWarp>
+            <a:spAutoFit/>
+          </a:bodyPr>
+          <a:lstStyle/>
+          <a:p>
+            <a:pPr lvl="0"/>
+            <a:r>
+              <a:rPr lang="en-US" sz="2400" dirty="0">
+                <a:highlight>
+                  <a:srgbClr val="008000"/>
+                </a:highlight>
+              </a:rPr>
+              <a:t>Ou Ku:</a:t>
+            </a:r>
+          </a:p>
+          <a:p>
+            <a:pPr lvl="0"/>
+            <a:r>
+              <a:rPr lang="en-US" sz="2400" dirty="0"/>
+              <a:t>Earth observation, skilled in data processing and analytics</a:t>
+            </a:r>
+            <a:endParaRPr lang="LID4096" sz="2400" dirty="0"/>
+          </a:p>
+        </p:txBody>
+      </p:sp>
+      <p:graphicFrame>
+        <p:nvGraphicFramePr>
+          <p:cNvPr id="13" name="Diagram 12">
+            <a:extLst>
+              <a:ext uri="{FF2B5EF4-FFF2-40B4-BE49-F238E27FC236}">
+                <a16:creationId xmlns:a16="http://schemas.microsoft.com/office/drawing/2014/main" id="{C14D2827-AC4A-F206-869A-64A290EE86F0}"/>
+              </a:ext>
+            </a:extLst>
+          </p:cNvPr>
+          <p:cNvGraphicFramePr/>
+          <p:nvPr>
+            <p:extLst>
+              <p:ext uri="{D42A27DB-BD31-4B8C-83A1-F6EECF244321}">
+                <p14:modId xmlns:p14="http://schemas.microsoft.com/office/powerpoint/2010/main" val="3136444039"/>
+              </p:ext>
+            </p:extLst>
+          </p:nvPr>
+        </p:nvGraphicFramePr>
+        <p:xfrm>
+          <a:off x="2281134" y="172220"/>
+          <a:ext cx="7432360" cy="1200329"/>
+        </p:xfrm>
+        <a:graphic>
+          <a:graphicData uri="http://schemas.openxmlformats.org/drawingml/2006/diagram">
+            <dgm:relIds xmlns:dgm="http://schemas.openxmlformats.org/drawingml/2006/diagram" xmlns:r="http://schemas.openxmlformats.org/officeDocument/2006/relationships" r:dm="rId2" r:lo="rId3" r:qs="rId4" r:cs="rId5"/>
+          </a:graphicData>
+        </a:graphic>
+      </p:graphicFrame>
+      <p:sp>
+        <p:nvSpPr>
+          <p:cNvPr id="2" name="TextBox 1">
+            <a:extLst>
+              <a:ext uri="{FF2B5EF4-FFF2-40B4-BE49-F238E27FC236}">
+                <a16:creationId xmlns:a16="http://schemas.microsoft.com/office/drawing/2014/main" id="{2F42F429-F6D1-1550-8711-ACFF34FA943B}"/>
+              </a:ext>
+            </a:extLst>
+          </p:cNvPr>
+          <p:cNvSpPr txBox="1"/>
+          <p:nvPr/>
+        </p:nvSpPr>
+        <p:spPr>
+          <a:xfrm>
+            <a:off x="1540042" y="1372549"/>
+            <a:ext cx="6430305" cy="2677656"/>
+          </a:xfrm>
+          <a:prstGeom prst="rect">
+            <a:avLst/>
+          </a:prstGeom>
+          <a:noFill/>
+        </p:spPr>
+        <p:txBody>
+          <a:bodyPr wrap="square" rtlCol="0">
+            <a:spAutoFit/>
+          </a:bodyPr>
+          <a:lstStyle/>
+          <a:p>
+            <a:r>
+              <a:rPr lang="en-US" sz="2400" dirty="0"/>
+              <a:t>                          </a:t>
+            </a:r>
+          </a:p>
+          <a:p>
+            <a:r>
+              <a:rPr lang="en-US" sz="2400" dirty="0">
+                <a:highlight>
+                  <a:srgbClr val="008000"/>
+                </a:highlight>
+              </a:rPr>
+              <a:t>Giulia </a:t>
+            </a:r>
+            <a:r>
+              <a:rPr lang="en-US" sz="2400" dirty="0" err="1">
+                <a:highlight>
+                  <a:srgbClr val="008000"/>
+                </a:highlight>
+              </a:rPr>
+              <a:t>Crocioni</a:t>
+            </a:r>
+            <a:r>
+              <a:rPr lang="en-US" sz="2400" dirty="0">
+                <a:highlight>
+                  <a:srgbClr val="008000"/>
+                </a:highlight>
+              </a:rPr>
+              <a:t>:</a:t>
+            </a:r>
+          </a:p>
+          <a:p>
+            <a:r>
+              <a:rPr lang="en-US" sz="2400" dirty="0"/>
+              <a:t>Bio-medial engineer, developed </a:t>
+            </a:r>
+            <a:r>
+              <a:rPr lang="en-US" sz="2400"/>
+              <a:t>complex curriculum</a:t>
+            </a:r>
+            <a:endParaRPr lang="LID4096" sz="2400" dirty="0"/>
+          </a:p>
+          <a:p>
+            <a:endParaRPr lang="en-US" sz="2400" dirty="0"/>
+          </a:p>
+          <a:p>
+            <a:endParaRPr lang="en-US" sz="2400" dirty="0">
+              <a:sym typeface="Wingdings" panose="05000000000000000000" pitchFamily="2" charset="2"/>
+            </a:endParaRPr>
+          </a:p>
+          <a:p>
+            <a:endParaRPr lang="LID4096" sz="2400" dirty="0"/>
+          </a:p>
+        </p:txBody>
+      </p:sp>
+      <p:sp>
+        <p:nvSpPr>
+          <p:cNvPr id="4" name="TextBox 3">
+            <a:extLst>
+              <a:ext uri="{FF2B5EF4-FFF2-40B4-BE49-F238E27FC236}">
+                <a16:creationId xmlns:a16="http://schemas.microsoft.com/office/drawing/2014/main" id="{F59139FA-E56C-F5E3-596B-426B2145FCBC}"/>
+              </a:ext>
+            </a:extLst>
+          </p:cNvPr>
+          <p:cNvSpPr txBox="1"/>
+          <p:nvPr/>
+        </p:nvSpPr>
+        <p:spPr>
+          <a:xfrm>
+            <a:off x="1750563" y="4307496"/>
+            <a:ext cx="9840194" cy="2308324"/>
+          </a:xfrm>
+          <a:prstGeom prst="rect">
+            <a:avLst/>
+          </a:prstGeom>
+          <a:noFill/>
+        </p:spPr>
+        <p:txBody>
+          <a:bodyPr wrap="none" rtlCol="0">
+            <a:spAutoFit/>
+          </a:bodyPr>
+          <a:lstStyle/>
+          <a:p>
+            <a:r>
+              <a:rPr lang="en-US" sz="2400" dirty="0"/>
+              <a:t>                          </a:t>
+            </a:r>
+          </a:p>
+          <a:p>
+            <a:r>
+              <a:rPr lang="en-US" sz="2400" dirty="0">
+                <a:highlight>
+                  <a:srgbClr val="008000"/>
+                </a:highlight>
+              </a:rPr>
+              <a:t>Candace Makeda Moore:</a:t>
+            </a:r>
+          </a:p>
+          <a:p>
+            <a:r>
+              <a:rPr lang="en-US" sz="2400" dirty="0"/>
+              <a:t>Started work as a photographer and programmer, became a researcher</a:t>
+            </a:r>
+          </a:p>
+          <a:p>
+            <a:r>
+              <a:rPr lang="en-US" sz="2400" dirty="0"/>
+              <a:t>To go to medical school</a:t>
+            </a:r>
+            <a:r>
+              <a:rPr lang="en-US" sz="2400" dirty="0">
+                <a:solidFill>
+                  <a:schemeClr val="accent1">
+                    <a:lumMod val="75000"/>
+                  </a:schemeClr>
+                </a:solidFill>
+              </a:rPr>
+              <a:t>, ended up with a fascination with imaging</a:t>
+            </a:r>
+          </a:p>
+          <a:p>
+            <a:endParaRPr lang="en-US" sz="2400" dirty="0">
+              <a:sym typeface="Wingdings" panose="05000000000000000000" pitchFamily="2" charset="2"/>
+            </a:endParaRPr>
+          </a:p>
+          <a:p>
+            <a:endParaRPr lang="LID4096" sz="2400" dirty="0"/>
+          </a:p>
+        </p:txBody>
+      </p:sp>
+    </p:spTree>
+    <p:extLst>
+      <p:ext uri="{BB962C8B-B14F-4D97-AF65-F5344CB8AC3E}">
+        <p14:creationId xmlns:p14="http://schemas.microsoft.com/office/powerpoint/2010/main" val="2275122526"/>
+      </p:ext>
+    </p:extLst>
+  </p:cSld>
+  <p:clrMapOvr>
+    <a:masterClrMapping/>
+  </p:clrMapOvr>
+  <p:timing>
+    <p:tnLst>
+      <p:par>
+        <p:cTn id="1" dur="indefinite" restart="never" nodeType="tmRoot">
+          <p:childTnLst>
+            <p:seq concurrent="1" nextAc="seek">
+              <p:cTn id="2" dur="indefinite" nodeType="mainSeq">
+                <p:childTnLst>
+                  <p:par>
+                    <p:cTn id="3" fill="hold">
+                      <p:stCondLst>
+                        <p:cond delay="indefinite"/>
+                      </p:stCondLst>
+                      <p:childTnLst>
+                        <p:par>
+                          <p:cTn id="4" fill="hold">
+                            <p:stCondLst>
+                              <p:cond delay="0"/>
+                            </p:stCondLst>
+                            <p:childTnLst>
+                              <p:par>
+                                <p:cTn id="5" presetID="1" presetClass="entr" presetSubtype="0" fill="hold" grpId="0" nodeType="clickEffect">
+                                  <p:stCondLst>
+                                    <p:cond delay="0"/>
+                                  </p:stCondLst>
+                                  <p:childTnLst>
+                                    <p:set>
+                                      <p:cBhvr>
+                                        <p:cTn id="6" dur="1" fill="hold">
+                                          <p:stCondLst>
+                                            <p:cond delay="0"/>
+                                          </p:stCondLst>
+                                        </p:cTn>
+                                        <p:tgtEl>
+                                          <p:spTgt spid="6"/>
+                                        </p:tgtEl>
+                                        <p:attrNameLst>
+                                          <p:attrName>style.visibility</p:attrName>
+                                        </p:attrNameLst>
+                                      </p:cBhvr>
+                                      <p:to>
+                                        <p:strVal val="visible"/>
+                                      </p:to>
+                                    </p:set>
+                                  </p:childTnLst>
+                                </p:cTn>
+                              </p:par>
+                            </p:childTnLst>
+                          </p:cTn>
+                        </p:par>
+                      </p:childTnLst>
+                    </p:cTn>
+                  </p:par>
+                </p:childTnLst>
+              </p:cTn>
+              <p:prevCondLst>
+                <p:cond evt="onPrev" delay="0">
+                  <p:tgtEl>
+                    <p:sldTgt/>
+                  </p:tgtEl>
+                </p:cond>
+              </p:prevCondLst>
+              <p:nextCondLst>
+                <p:cond evt="onNext" delay="0">
+                  <p:tgtEl>
+                    <p:sldTgt/>
+                  </p:tgtEl>
+                </p:cond>
+              </p:nextCondLst>
+            </p:seq>
+          </p:childTnLst>
+        </p:cTn>
+      </p:par>
+    </p:tnLst>
+    <p:bldLst>
+      <p:bldP spid="6" grpId="0"/>
+    </p:bldLst>
+  </p:timing>
+</p:sld>
+</file>
+
+<file path=ppt/slides/slide13.xml><?xml version="1.0" encoding="utf-8"?>
 <p:sld xmlns:a="http://schemas.openxmlformats.org/drawingml/2006/main" xmlns:r="http://schemas.openxmlformats.org/officeDocument/2006/relationships" xmlns:p="http://schemas.openxmlformats.org/presentationml/2006/main">
   <p:cSld>
     <p:spTree>

--- a/presentations/first_intro_1.pptx
+++ b/presentations/first_intro_1.pptx
@@ -13908,7 +13908,7 @@
           </a:lstStyle>
           <a:p>
             <a:fld id="{69732D9D-C667-489A-831F-0E01110209EA}" type="datetimeFigureOut">
-              <a:t>09/12/2024</a:t>
+              <a:t>09/14/2024</a:t>
             </a:fld>
             <a:endParaRPr lang="en-US"/>
           </a:p>
@@ -14509,7 +14509,7 @@
           <a:p>
             <a:fld id="{846CE7D5-CF57-46EF-B807-FDD0502418D4}" type="datetimeFigureOut">
               <a:rPr lang="en-US" smtClean="0"/>
-              <a:t>9/12/2024</a:t>
+              <a:t>9/14/2024</a:t>
             </a:fld>
             <a:endParaRPr lang="en-US"/>
           </a:p>
@@ -14679,7 +14679,7 @@
           <a:p>
             <a:fld id="{846CE7D5-CF57-46EF-B807-FDD0502418D4}" type="datetimeFigureOut">
               <a:rPr lang="en-US" smtClean="0"/>
-              <a:t>9/12/2024</a:t>
+              <a:t>9/14/2024</a:t>
             </a:fld>
             <a:endParaRPr lang="en-US"/>
           </a:p>
@@ -14859,7 +14859,7 @@
           <a:p>
             <a:fld id="{846CE7D5-CF57-46EF-B807-FDD0502418D4}" type="datetimeFigureOut">
               <a:rPr lang="en-US" smtClean="0"/>
-              <a:t>9/12/2024</a:t>
+              <a:t>9/14/2024</a:t>
             </a:fld>
             <a:endParaRPr lang="en-US"/>
           </a:p>
@@ -16344,7 +16344,7 @@
           <a:p>
             <a:fld id="{846CE7D5-CF57-46EF-B807-FDD0502418D4}" type="datetimeFigureOut">
               <a:rPr lang="en-US" smtClean="0"/>
-              <a:t>9/12/2024</a:t>
+              <a:t>9/14/2024</a:t>
             </a:fld>
             <a:endParaRPr lang="en-US"/>
           </a:p>
@@ -18470,7 +18470,7 @@
           <a:p>
             <a:fld id="{846CE7D5-CF57-46EF-B807-FDD0502418D4}" type="datetimeFigureOut">
               <a:rPr lang="en-US" smtClean="0"/>
-              <a:t>9/12/2024</a:t>
+              <a:t>9/14/2024</a:t>
             </a:fld>
             <a:endParaRPr lang="en-US"/>
           </a:p>
@@ -20181,7 +20181,7 @@
           <a:p>
             <a:fld id="{EA730EFB-AB28-4A68-9CF2-24FEA7CF3D98}" type="datetimeFigureOut">
               <a:rPr lang="en-US" smtClean="0"/>
-              <a:t>9/12/2024</a:t>
+              <a:t>9/14/2024</a:t>
             </a:fld>
             <a:endParaRPr lang="en-US"/>
           </a:p>
@@ -20419,7 +20419,7 @@
           <a:p>
             <a:fld id="{EA730EFB-AB28-4A68-9CF2-24FEA7CF3D98}" type="datetimeFigureOut">
               <a:rPr lang="en-US" smtClean="0"/>
-              <a:t>9/12/2024</a:t>
+              <a:t>9/14/2024</a:t>
             </a:fld>
             <a:endParaRPr lang="en-US"/>
           </a:p>
@@ -20614,7 +20614,7 @@
           <a:p>
             <a:fld id="{EA730EFB-AB28-4A68-9CF2-24FEA7CF3D98}" type="datetimeFigureOut">
               <a:rPr lang="en-US" smtClean="0"/>
-              <a:t>9/12/2024</a:t>
+              <a:t>9/14/2024</a:t>
             </a:fld>
             <a:endParaRPr lang="en-US"/>
           </a:p>
@@ -20814,7 +20814,7 @@
           <a:p>
             <a:fld id="{EA730EFB-AB28-4A68-9CF2-24FEA7CF3D98}" type="datetimeFigureOut">
               <a:rPr lang="en-US" smtClean="0"/>
-              <a:t>9/12/2024</a:t>
+              <a:t>9/14/2024</a:t>
             </a:fld>
             <a:endParaRPr lang="en-US"/>
           </a:p>
@@ -21290,7 +21290,7 @@
           <a:p>
             <a:fld id="{846CE7D5-CF57-46EF-B807-FDD0502418D4}" type="datetimeFigureOut">
               <a:rPr lang="en-US" smtClean="0"/>
-              <a:t>9/12/2024</a:t>
+              <a:t>9/14/2024</a:t>
             </a:fld>
             <a:endParaRPr lang="en-US"/>
           </a:p>
@@ -21657,7 +21657,7 @@
           <a:p>
             <a:fld id="{846CE7D5-CF57-46EF-B807-FDD0502418D4}" type="datetimeFigureOut">
               <a:rPr lang="en-US" smtClean="0"/>
-              <a:t>9/12/2024</a:t>
+              <a:t>9/14/2024</a:t>
             </a:fld>
             <a:endParaRPr lang="en-US"/>
           </a:p>
@@ -21775,7 +21775,7 @@
           <a:p>
             <a:fld id="{846CE7D5-CF57-46EF-B807-FDD0502418D4}" type="datetimeFigureOut">
               <a:rPr lang="en-US" smtClean="0"/>
-              <a:t>9/12/2024</a:t>
+              <a:t>9/14/2024</a:t>
             </a:fld>
             <a:endParaRPr lang="en-US"/>
           </a:p>
@@ -21870,7 +21870,7 @@
           <a:p>
             <a:fld id="{846CE7D5-CF57-46EF-B807-FDD0502418D4}" type="datetimeFigureOut">
               <a:rPr lang="en-US" smtClean="0"/>
-              <a:t>9/12/2024</a:t>
+              <a:t>9/14/2024</a:t>
             </a:fld>
             <a:endParaRPr lang="en-US"/>
           </a:p>
@@ -22147,7 +22147,7 @@
           <a:p>
             <a:fld id="{846CE7D5-CF57-46EF-B807-FDD0502418D4}" type="datetimeFigureOut">
               <a:rPr lang="en-US" smtClean="0"/>
-              <a:t>9/12/2024</a:t>
+              <a:t>9/14/2024</a:t>
             </a:fld>
             <a:endParaRPr lang="en-US"/>
           </a:p>
@@ -22404,7 +22404,7 @@
           <a:p>
             <a:fld id="{846CE7D5-CF57-46EF-B807-FDD0502418D4}" type="datetimeFigureOut">
               <a:rPr lang="en-US" smtClean="0"/>
-              <a:t>9/12/2024</a:t>
+              <a:t>9/14/2024</a:t>
             </a:fld>
             <a:endParaRPr lang="en-US"/>
           </a:p>
@@ -22617,7 +22617,7 @@
           <a:p>
             <a:fld id="{846CE7D5-CF57-46EF-B807-FDD0502418D4}" type="datetimeFigureOut">
               <a:rPr lang="en-US" smtClean="0"/>
-              <a:t>9/12/2024</a:t>
+              <a:t>9/14/2024</a:t>
             </a:fld>
             <a:endParaRPr lang="en-US"/>
           </a:p>
@@ -26735,8 +26735,8 @@
         </p:nvSpPr>
         <p:spPr>
           <a:xfrm>
-            <a:off x="3443005" y="3309403"/>
-            <a:ext cx="7878363" cy="1200329"/>
+            <a:off x="3528570" y="3232371"/>
+            <a:ext cx="6430306" cy="1200329"/>
           </a:xfrm>
           <a:prstGeom prst="rect">
             <a:avLst/>
@@ -26814,7 +26814,7 @@
         </p:nvSpPr>
         <p:spPr>
           <a:xfrm>
-            <a:off x="1540042" y="1372549"/>
+            <a:off x="3065000" y="1494476"/>
             <a:ext cx="6430305" cy="2677656"/>
           </a:xfrm>
           <a:prstGeom prst="rect">
@@ -26862,11 +26862,7 @@
           <a:p>
             <a:r>
               <a:rPr lang="en-US" sz="2400" dirty="0"/>
-              <a:t>Bio-medial engineer, developed </a:t>
-            </a:r>
-            <a:r>
-              <a:rPr lang="en-US" sz="2400"/>
-              <a:t>complex curriculum</a:t>
+              <a:t>Bio-medial engineer, developed complex curriculum</a:t>
             </a:r>
             <a:endParaRPr lang="LID4096" sz="2400" dirty="0"/>
           </a:p>
@@ -26897,8 +26893,8 @@
         </p:nvSpPr>
         <p:spPr>
           <a:xfrm>
-            <a:off x="1750563" y="4307496"/>
-            <a:ext cx="9840194" cy="2308324"/>
+            <a:off x="3967566" y="4307496"/>
+            <a:ext cx="5230678" cy="3046988"/>
           </a:xfrm>
           <a:prstGeom prst="rect">
             <a:avLst/>
@@ -26906,7 +26902,7 @@
           <a:noFill/>
         </p:spPr>
         <p:txBody>
-          <a:bodyPr wrap="none" rtlCol="0">
+          <a:bodyPr wrap="square" rtlCol="0">
             <a:spAutoFit/>
           </a:bodyPr>
           <a:lstStyle/>
@@ -26935,7 +26931,7 @@
           <a:p>
             <a:r>
               <a:rPr lang="en-US" sz="2400" dirty="0"/>
-              <a:t>To go to medical school</a:t>
+              <a:t>to go to medical school</a:t>
             </a:r>
             <a:r>
               <a:rPr lang="en-US" sz="2400" dirty="0">
@@ -26958,6 +26954,96 @@
           </a:p>
         </p:txBody>
       </p:sp>
+      <p:pic>
+        <p:nvPicPr>
+          <p:cNvPr id="7" name="Picture 6">
+            <a:extLst>
+              <a:ext uri="{FF2B5EF4-FFF2-40B4-BE49-F238E27FC236}">
+                <a16:creationId xmlns:a16="http://schemas.microsoft.com/office/drawing/2014/main" id="{2261FB79-B1B4-DD1B-1217-920338CC000E}"/>
+              </a:ext>
+            </a:extLst>
+          </p:cNvPr>
+          <p:cNvPicPr>
+            <a:picLocks noChangeAspect="1"/>
+          </p:cNvPicPr>
+          <p:nvPr/>
+        </p:nvPicPr>
+        <p:blipFill>
+          <a:blip r:embed="rId7"/>
+          <a:stretch>
+            <a:fillRect/>
+          </a:stretch>
+        </p:blipFill>
+        <p:spPr>
+          <a:xfrm>
+            <a:off x="1853586" y="3056774"/>
+            <a:ext cx="1486396" cy="1503351"/>
+          </a:xfrm>
+          <a:prstGeom prst="rect">
+            <a:avLst/>
+          </a:prstGeom>
+        </p:spPr>
+      </p:pic>
+      <p:pic>
+        <p:nvPicPr>
+          <p:cNvPr id="9" name="Picture 8">
+            <a:extLst>
+              <a:ext uri="{FF2B5EF4-FFF2-40B4-BE49-F238E27FC236}">
+                <a16:creationId xmlns:a16="http://schemas.microsoft.com/office/drawing/2014/main" id="{2C89B795-9AE2-6490-927D-B1FEAA449919}"/>
+              </a:ext>
+            </a:extLst>
+          </p:cNvPr>
+          <p:cNvPicPr>
+            <a:picLocks noChangeAspect="1"/>
+          </p:cNvPicPr>
+          <p:nvPr/>
+        </p:nvPicPr>
+        <p:blipFill>
+          <a:blip r:embed="rId8"/>
+          <a:stretch>
+            <a:fillRect/>
+          </a:stretch>
+        </p:blipFill>
+        <p:spPr>
+          <a:xfrm>
+            <a:off x="1153385" y="1574698"/>
+            <a:ext cx="1584994" cy="1530548"/>
+          </a:xfrm>
+          <a:prstGeom prst="rect">
+            <a:avLst/>
+          </a:prstGeom>
+        </p:spPr>
+      </p:pic>
+      <p:pic>
+        <p:nvPicPr>
+          <p:cNvPr id="11" name="Picture 10">
+            <a:extLst>
+              <a:ext uri="{FF2B5EF4-FFF2-40B4-BE49-F238E27FC236}">
+                <a16:creationId xmlns:a16="http://schemas.microsoft.com/office/drawing/2014/main" id="{8B36A34F-32BA-2BA9-609E-D33F9EF0A67C}"/>
+              </a:ext>
+            </a:extLst>
+          </p:cNvPr>
+          <p:cNvPicPr>
+            <a:picLocks noChangeAspect="1"/>
+          </p:cNvPicPr>
+          <p:nvPr/>
+        </p:nvPicPr>
+        <p:blipFill>
+          <a:blip r:embed="rId9"/>
+          <a:stretch>
+            <a:fillRect/>
+          </a:stretch>
+        </p:blipFill>
+        <p:spPr>
+          <a:xfrm>
+            <a:off x="2204348" y="4726356"/>
+            <a:ext cx="1578816" cy="1427343"/>
+          </a:xfrm>
+          <a:prstGeom prst="rect">
+            <a:avLst/>
+          </a:prstGeom>
+        </p:spPr>
+      </p:pic>
     </p:spTree>
     <p:extLst>
       <p:ext uri="{BB962C8B-B14F-4D97-AF65-F5344CB8AC3E}">

--- a/presentations/first_intro_1.pptx
+++ b/presentations/first_intro_1.pptx
@@ -13908,7 +13908,7 @@
           </a:lstStyle>
           <a:p>
             <a:fld id="{69732D9D-C667-489A-831F-0E01110209EA}" type="datetimeFigureOut">
-              <a:t>09/14/2024</a:t>
+              <a:t>09/16/2024</a:t>
             </a:fld>
             <a:endParaRPr lang="en-US"/>
           </a:p>
@@ -14509,7 +14509,7 @@
           <a:p>
             <a:fld id="{846CE7D5-CF57-46EF-B807-FDD0502418D4}" type="datetimeFigureOut">
               <a:rPr lang="en-US" smtClean="0"/>
-              <a:t>9/14/2024</a:t>
+              <a:t>9/16/2024</a:t>
             </a:fld>
             <a:endParaRPr lang="en-US"/>
           </a:p>
@@ -14679,7 +14679,7 @@
           <a:p>
             <a:fld id="{846CE7D5-CF57-46EF-B807-FDD0502418D4}" type="datetimeFigureOut">
               <a:rPr lang="en-US" smtClean="0"/>
-              <a:t>9/14/2024</a:t>
+              <a:t>9/16/2024</a:t>
             </a:fld>
             <a:endParaRPr lang="en-US"/>
           </a:p>
@@ -14859,7 +14859,7 @@
           <a:p>
             <a:fld id="{846CE7D5-CF57-46EF-B807-FDD0502418D4}" type="datetimeFigureOut">
               <a:rPr lang="en-US" smtClean="0"/>
-              <a:t>9/14/2024</a:t>
+              <a:t>9/16/2024</a:t>
             </a:fld>
             <a:endParaRPr lang="en-US"/>
           </a:p>
@@ -16344,7 +16344,7 @@
           <a:p>
             <a:fld id="{846CE7D5-CF57-46EF-B807-FDD0502418D4}" type="datetimeFigureOut">
               <a:rPr lang="en-US" smtClean="0"/>
-              <a:t>9/14/2024</a:t>
+              <a:t>9/16/2024</a:t>
             </a:fld>
             <a:endParaRPr lang="en-US"/>
           </a:p>
@@ -18470,7 +18470,7 @@
           <a:p>
             <a:fld id="{846CE7D5-CF57-46EF-B807-FDD0502418D4}" type="datetimeFigureOut">
               <a:rPr lang="en-US" smtClean="0"/>
-              <a:t>9/14/2024</a:t>
+              <a:t>9/16/2024</a:t>
             </a:fld>
             <a:endParaRPr lang="en-US"/>
           </a:p>
@@ -20181,7 +20181,7 @@
           <a:p>
             <a:fld id="{EA730EFB-AB28-4A68-9CF2-24FEA7CF3D98}" type="datetimeFigureOut">
               <a:rPr lang="en-US" smtClean="0"/>
-              <a:t>9/14/2024</a:t>
+              <a:t>9/16/2024</a:t>
             </a:fld>
             <a:endParaRPr lang="en-US"/>
           </a:p>
@@ -20419,7 +20419,7 @@
           <a:p>
             <a:fld id="{EA730EFB-AB28-4A68-9CF2-24FEA7CF3D98}" type="datetimeFigureOut">
               <a:rPr lang="en-US" smtClean="0"/>
-              <a:t>9/14/2024</a:t>
+              <a:t>9/16/2024</a:t>
             </a:fld>
             <a:endParaRPr lang="en-US"/>
           </a:p>
@@ -20614,7 +20614,7 @@
           <a:p>
             <a:fld id="{EA730EFB-AB28-4A68-9CF2-24FEA7CF3D98}" type="datetimeFigureOut">
               <a:rPr lang="en-US" smtClean="0"/>
-              <a:t>9/14/2024</a:t>
+              <a:t>9/16/2024</a:t>
             </a:fld>
             <a:endParaRPr lang="en-US"/>
           </a:p>
@@ -20814,7 +20814,7 @@
           <a:p>
             <a:fld id="{EA730EFB-AB28-4A68-9CF2-24FEA7CF3D98}" type="datetimeFigureOut">
               <a:rPr lang="en-US" smtClean="0"/>
-              <a:t>9/14/2024</a:t>
+              <a:t>9/16/2024</a:t>
             </a:fld>
             <a:endParaRPr lang="en-US"/>
           </a:p>
@@ -21290,7 +21290,7 @@
           <a:p>
             <a:fld id="{846CE7D5-CF57-46EF-B807-FDD0502418D4}" type="datetimeFigureOut">
               <a:rPr lang="en-US" smtClean="0"/>
-              <a:t>9/14/2024</a:t>
+              <a:t>9/16/2024</a:t>
             </a:fld>
             <a:endParaRPr lang="en-US"/>
           </a:p>
@@ -21657,7 +21657,7 @@
           <a:p>
             <a:fld id="{846CE7D5-CF57-46EF-B807-FDD0502418D4}" type="datetimeFigureOut">
               <a:rPr lang="en-US" smtClean="0"/>
-              <a:t>9/14/2024</a:t>
+              <a:t>9/16/2024</a:t>
             </a:fld>
             <a:endParaRPr lang="en-US"/>
           </a:p>
@@ -21775,7 +21775,7 @@
           <a:p>
             <a:fld id="{846CE7D5-CF57-46EF-B807-FDD0502418D4}" type="datetimeFigureOut">
               <a:rPr lang="en-US" smtClean="0"/>
-              <a:t>9/14/2024</a:t>
+              <a:t>9/16/2024</a:t>
             </a:fld>
             <a:endParaRPr lang="en-US"/>
           </a:p>
@@ -21870,7 +21870,7 @@
           <a:p>
             <a:fld id="{846CE7D5-CF57-46EF-B807-FDD0502418D4}" type="datetimeFigureOut">
               <a:rPr lang="en-US" smtClean="0"/>
-              <a:t>9/14/2024</a:t>
+              <a:t>9/16/2024</a:t>
             </a:fld>
             <a:endParaRPr lang="en-US"/>
           </a:p>
@@ -22147,7 +22147,7 @@
           <a:p>
             <a:fld id="{846CE7D5-CF57-46EF-B807-FDD0502418D4}" type="datetimeFigureOut">
               <a:rPr lang="en-US" smtClean="0"/>
-              <a:t>9/14/2024</a:t>
+              <a:t>9/16/2024</a:t>
             </a:fld>
             <a:endParaRPr lang="en-US"/>
           </a:p>
@@ -22404,7 +22404,7 @@
           <a:p>
             <a:fld id="{846CE7D5-CF57-46EF-B807-FDD0502418D4}" type="datetimeFigureOut">
               <a:rPr lang="en-US" smtClean="0"/>
-              <a:t>9/14/2024</a:t>
+              <a:t>9/16/2024</a:t>
             </a:fld>
             <a:endParaRPr lang="en-US"/>
           </a:p>
@@ -22617,7 +22617,7 @@
           <a:p>
             <a:fld id="{846CE7D5-CF57-46EF-B807-FDD0502418D4}" type="datetimeFigureOut">
               <a:rPr lang="en-US" smtClean="0"/>
-              <a:t>9/14/2024</a:t>
+              <a:t>9/16/2024</a:t>
             </a:fld>
             <a:endParaRPr lang="en-US"/>
           </a:p>
@@ -27376,7 +27376,7 @@
           <p:nvPr>
             <p:extLst>
               <p:ext uri="{D42A27DB-BD31-4B8C-83A1-F6EECF244321}">
-                <p14:modId xmlns:p14="http://schemas.microsoft.com/office/powerpoint/2010/main" val="534942811"/>
+                <p14:modId xmlns:p14="http://schemas.microsoft.com/office/powerpoint/2010/main" val="890350112"/>
               </p:ext>
             </p:extLst>
           </p:nvPr>
@@ -28049,8 +28049,8 @@
                     <a:lstStyle/>
                     <a:p>
                       <a:r>
-                        <a:rPr lang="en-US" sz="1400"/>
-                        <a:t>Anonmymization</a:t>
+                        <a:rPr lang="en-US" sz="1400" dirty="0"/>
+                        <a:t>Anonymization</a:t>
                       </a:r>
                     </a:p>
                   </a:txBody>

--- a/presentations/first_intro_1.pptx
+++ b/presentations/first_intro_1.pptx
@@ -7,7 +7,7 @@
     <p:sldMasterId id="2147483776" r:id="rId3"/>
   </p:sldMasterIdLst>
   <p:notesMasterIdLst>
-    <p:notesMasterId r:id="rId17"/>
+    <p:notesMasterId r:id="rId18"/>
   </p:notesMasterIdLst>
   <p:sldIdLst>
     <p:sldId id="257" r:id="rId4"/>
@@ -22,7 +22,8 @@
     <p:sldId id="256" r:id="rId13"/>
     <p:sldId id="304" r:id="rId14"/>
     <p:sldId id="305" r:id="rId15"/>
-    <p:sldId id="302" r:id="rId16"/>
+    <p:sldId id="306" r:id="rId16"/>
+    <p:sldId id="302" r:id="rId17"/>
   </p:sldIdLst>
   <p:sldSz cx="12192000" cy="6858000"/>
   <p:notesSz cx="6858000" cy="9144000"/>
@@ -2371,6 +2372,753 @@
 </file>
 
 <file path=ppt/diagrams/colors4.xml><?xml version="1.0" encoding="utf-8"?>
+<dgm:colorsDef xmlns:dgm="http://schemas.openxmlformats.org/drawingml/2006/diagram" xmlns:a="http://schemas.openxmlformats.org/drawingml/2006/main" uniqueId="urn:microsoft.com/office/officeart/2005/8/colors/accent1_2">
+  <dgm:title val=""/>
+  <dgm:desc val=""/>
+  <dgm:catLst>
+    <dgm:cat type="accent1" pri="11200"/>
+  </dgm:catLst>
+  <dgm:styleLbl name="node0">
+    <dgm:fillClrLst meth="repeat">
+      <a:schemeClr val="accent1"/>
+    </dgm:fillClrLst>
+    <dgm:linClrLst meth="repeat">
+      <a:schemeClr val="lt1"/>
+    </dgm:linClrLst>
+    <dgm:effectClrLst/>
+    <dgm:txLinClrLst/>
+    <dgm:txFillClrLst/>
+    <dgm:txEffectClrLst/>
+  </dgm:styleLbl>
+  <dgm:styleLbl name="alignNode1">
+    <dgm:fillClrLst meth="repeat">
+      <a:schemeClr val="accent1"/>
+    </dgm:fillClrLst>
+    <dgm:linClrLst meth="repeat">
+      <a:schemeClr val="accent1"/>
+    </dgm:linClrLst>
+    <dgm:effectClrLst/>
+    <dgm:txLinClrLst/>
+    <dgm:txFillClrLst/>
+    <dgm:txEffectClrLst/>
+  </dgm:styleLbl>
+  <dgm:styleLbl name="node1">
+    <dgm:fillClrLst meth="repeat">
+      <a:schemeClr val="accent1"/>
+    </dgm:fillClrLst>
+    <dgm:linClrLst meth="repeat">
+      <a:schemeClr val="lt1"/>
+    </dgm:linClrLst>
+    <dgm:effectClrLst/>
+    <dgm:txLinClrLst/>
+    <dgm:txFillClrLst/>
+    <dgm:txEffectClrLst/>
+  </dgm:styleLbl>
+  <dgm:styleLbl name="lnNode1">
+    <dgm:fillClrLst meth="repeat">
+      <a:schemeClr val="accent1"/>
+    </dgm:fillClrLst>
+    <dgm:linClrLst meth="repeat">
+      <a:schemeClr val="lt1"/>
+    </dgm:linClrLst>
+    <dgm:effectClrLst/>
+    <dgm:txLinClrLst/>
+    <dgm:txFillClrLst/>
+    <dgm:txEffectClrLst/>
+  </dgm:styleLbl>
+  <dgm:styleLbl name="vennNode1">
+    <dgm:fillClrLst meth="repeat">
+      <a:schemeClr val="accent1">
+        <a:alpha val="50000"/>
+      </a:schemeClr>
+    </dgm:fillClrLst>
+    <dgm:linClrLst meth="repeat">
+      <a:schemeClr val="lt1"/>
+    </dgm:linClrLst>
+    <dgm:effectClrLst/>
+    <dgm:txLinClrLst/>
+    <dgm:txFillClrLst/>
+    <dgm:txEffectClrLst/>
+  </dgm:styleLbl>
+  <dgm:styleLbl name="node2">
+    <dgm:fillClrLst meth="repeat">
+      <a:schemeClr val="accent1"/>
+    </dgm:fillClrLst>
+    <dgm:linClrLst meth="repeat">
+      <a:schemeClr val="lt1"/>
+    </dgm:linClrLst>
+    <dgm:effectClrLst/>
+    <dgm:txLinClrLst/>
+    <dgm:txFillClrLst/>
+    <dgm:txEffectClrLst/>
+  </dgm:styleLbl>
+  <dgm:styleLbl name="node3">
+    <dgm:fillClrLst meth="repeat">
+      <a:schemeClr val="accent1"/>
+    </dgm:fillClrLst>
+    <dgm:linClrLst meth="repeat">
+      <a:schemeClr val="lt1"/>
+    </dgm:linClrLst>
+    <dgm:effectClrLst/>
+    <dgm:txLinClrLst/>
+    <dgm:txFillClrLst/>
+    <dgm:txEffectClrLst/>
+  </dgm:styleLbl>
+  <dgm:styleLbl name="node4">
+    <dgm:fillClrLst meth="repeat">
+      <a:schemeClr val="accent1"/>
+    </dgm:fillClrLst>
+    <dgm:linClrLst meth="repeat">
+      <a:schemeClr val="lt1"/>
+    </dgm:linClrLst>
+    <dgm:effectClrLst/>
+    <dgm:txLinClrLst/>
+    <dgm:txFillClrLst/>
+    <dgm:txEffectClrLst/>
+  </dgm:styleLbl>
+  <dgm:styleLbl name="fgImgPlace1">
+    <dgm:fillClrLst meth="repeat">
+      <a:schemeClr val="accent1">
+        <a:tint val="50000"/>
+      </a:schemeClr>
+    </dgm:fillClrLst>
+    <dgm:linClrLst meth="repeat">
+      <a:schemeClr val="lt1"/>
+    </dgm:linClrLst>
+    <dgm:effectClrLst/>
+    <dgm:txLinClrLst/>
+    <dgm:txFillClrLst meth="repeat">
+      <a:schemeClr val="lt1"/>
+    </dgm:txFillClrLst>
+    <dgm:txEffectClrLst/>
+  </dgm:styleLbl>
+  <dgm:styleLbl name="alignImgPlace1">
+    <dgm:fillClrLst meth="repeat">
+      <a:schemeClr val="accent1">
+        <a:tint val="50000"/>
+      </a:schemeClr>
+    </dgm:fillClrLst>
+    <dgm:linClrLst meth="repeat">
+      <a:schemeClr val="lt1"/>
+    </dgm:linClrLst>
+    <dgm:effectClrLst/>
+    <dgm:txLinClrLst/>
+    <dgm:txFillClrLst meth="repeat">
+      <a:schemeClr val="lt1"/>
+    </dgm:txFillClrLst>
+    <dgm:txEffectClrLst/>
+  </dgm:styleLbl>
+  <dgm:styleLbl name="bgImgPlace1">
+    <dgm:fillClrLst meth="repeat">
+      <a:schemeClr val="accent1">
+        <a:tint val="50000"/>
+      </a:schemeClr>
+    </dgm:fillClrLst>
+    <dgm:linClrLst meth="repeat">
+      <a:schemeClr val="lt1"/>
+    </dgm:linClrLst>
+    <dgm:effectClrLst/>
+    <dgm:txLinClrLst/>
+    <dgm:txFillClrLst meth="repeat">
+      <a:schemeClr val="lt1"/>
+    </dgm:txFillClrLst>
+    <dgm:txEffectClrLst/>
+  </dgm:styleLbl>
+  <dgm:styleLbl name="sibTrans2D1">
+    <dgm:fillClrLst meth="repeat">
+      <a:schemeClr val="accent1">
+        <a:tint val="60000"/>
+      </a:schemeClr>
+    </dgm:fillClrLst>
+    <dgm:linClrLst meth="repeat">
+      <a:schemeClr val="accent1">
+        <a:tint val="60000"/>
+      </a:schemeClr>
+    </dgm:linClrLst>
+    <dgm:effectClrLst/>
+    <dgm:txLinClrLst/>
+    <dgm:txFillClrLst/>
+    <dgm:txEffectClrLst/>
+  </dgm:styleLbl>
+  <dgm:styleLbl name="fgSibTrans2D1">
+    <dgm:fillClrLst meth="repeat">
+      <a:schemeClr val="accent1">
+        <a:tint val="60000"/>
+      </a:schemeClr>
+    </dgm:fillClrLst>
+    <dgm:linClrLst meth="repeat">
+      <a:schemeClr val="accent1">
+        <a:tint val="60000"/>
+      </a:schemeClr>
+    </dgm:linClrLst>
+    <dgm:effectClrLst/>
+    <dgm:txLinClrLst/>
+    <dgm:txFillClrLst/>
+    <dgm:txEffectClrLst/>
+  </dgm:styleLbl>
+  <dgm:styleLbl name="bgSibTrans2D1">
+    <dgm:fillClrLst meth="repeat">
+      <a:schemeClr val="accent1">
+        <a:tint val="60000"/>
+      </a:schemeClr>
+    </dgm:fillClrLst>
+    <dgm:linClrLst meth="repeat">
+      <a:schemeClr val="accent1">
+        <a:tint val="60000"/>
+      </a:schemeClr>
+    </dgm:linClrLst>
+    <dgm:effectClrLst/>
+    <dgm:txLinClrLst/>
+    <dgm:txFillClrLst/>
+    <dgm:txEffectClrLst/>
+  </dgm:styleLbl>
+  <dgm:styleLbl name="sibTrans1D1">
+    <dgm:fillClrLst meth="repeat">
+      <a:schemeClr val="accent1"/>
+    </dgm:fillClrLst>
+    <dgm:linClrLst meth="repeat">
+      <a:schemeClr val="accent1"/>
+    </dgm:linClrLst>
+    <dgm:effectClrLst/>
+    <dgm:txLinClrLst/>
+    <dgm:txFillClrLst meth="repeat">
+      <a:schemeClr val="tx1"/>
+    </dgm:txFillClrLst>
+    <dgm:txEffectClrLst/>
+  </dgm:styleLbl>
+  <dgm:styleLbl name="callout">
+    <dgm:fillClrLst meth="repeat">
+      <a:schemeClr val="accent1"/>
+    </dgm:fillClrLst>
+    <dgm:linClrLst meth="repeat">
+      <a:schemeClr val="accent1">
+        <a:tint val="50000"/>
+      </a:schemeClr>
+    </dgm:linClrLst>
+    <dgm:effectClrLst/>
+    <dgm:txLinClrLst/>
+    <dgm:txFillClrLst meth="repeat">
+      <a:schemeClr val="tx1"/>
+    </dgm:txFillClrLst>
+    <dgm:txEffectClrLst/>
+  </dgm:styleLbl>
+  <dgm:styleLbl name="asst0">
+    <dgm:fillClrLst meth="repeat">
+      <a:schemeClr val="accent1"/>
+    </dgm:fillClrLst>
+    <dgm:linClrLst meth="repeat">
+      <a:schemeClr val="lt1"/>
+    </dgm:linClrLst>
+    <dgm:effectClrLst/>
+    <dgm:txLinClrLst/>
+    <dgm:txFillClrLst/>
+    <dgm:txEffectClrLst/>
+  </dgm:styleLbl>
+  <dgm:styleLbl name="asst1">
+    <dgm:fillClrLst meth="repeat">
+      <a:schemeClr val="accent1"/>
+    </dgm:fillClrLst>
+    <dgm:linClrLst meth="repeat">
+      <a:schemeClr val="lt1"/>
+    </dgm:linClrLst>
+    <dgm:effectClrLst/>
+    <dgm:txLinClrLst/>
+    <dgm:txFillClrLst/>
+    <dgm:txEffectClrLst/>
+  </dgm:styleLbl>
+  <dgm:styleLbl name="asst2">
+    <dgm:fillClrLst meth="repeat">
+      <a:schemeClr val="accent1"/>
+    </dgm:fillClrLst>
+    <dgm:linClrLst meth="repeat">
+      <a:schemeClr val="lt1"/>
+    </dgm:linClrLst>
+    <dgm:effectClrLst/>
+    <dgm:txLinClrLst/>
+    <dgm:txFillClrLst/>
+    <dgm:txEffectClrLst/>
+  </dgm:styleLbl>
+  <dgm:styleLbl name="asst3">
+    <dgm:fillClrLst meth="repeat">
+      <a:schemeClr val="accent1"/>
+    </dgm:fillClrLst>
+    <dgm:linClrLst meth="repeat">
+      <a:schemeClr val="lt1"/>
+    </dgm:linClrLst>
+    <dgm:effectClrLst/>
+    <dgm:txLinClrLst/>
+    <dgm:txFillClrLst/>
+    <dgm:txEffectClrLst/>
+  </dgm:styleLbl>
+  <dgm:styleLbl name="asst4">
+    <dgm:fillClrLst meth="repeat">
+      <a:schemeClr val="accent1"/>
+    </dgm:fillClrLst>
+    <dgm:linClrLst meth="repeat">
+      <a:schemeClr val="lt1"/>
+    </dgm:linClrLst>
+    <dgm:effectClrLst/>
+    <dgm:txLinClrLst/>
+    <dgm:txFillClrLst/>
+    <dgm:txEffectClrLst/>
+  </dgm:styleLbl>
+  <dgm:styleLbl name="parChTrans2D1">
+    <dgm:fillClrLst meth="repeat">
+      <a:schemeClr val="accent1">
+        <a:tint val="60000"/>
+      </a:schemeClr>
+    </dgm:fillClrLst>
+    <dgm:linClrLst meth="repeat">
+      <a:schemeClr val="accent1">
+        <a:tint val="60000"/>
+      </a:schemeClr>
+    </dgm:linClrLst>
+    <dgm:effectClrLst/>
+    <dgm:txLinClrLst/>
+    <dgm:txFillClrLst meth="repeat">
+      <a:schemeClr val="lt1"/>
+    </dgm:txFillClrLst>
+    <dgm:txEffectClrLst/>
+  </dgm:styleLbl>
+  <dgm:styleLbl name="parChTrans2D2">
+    <dgm:fillClrLst meth="repeat">
+      <a:schemeClr val="accent1"/>
+    </dgm:fillClrLst>
+    <dgm:linClrLst meth="repeat">
+      <a:schemeClr val="accent1"/>
+    </dgm:linClrLst>
+    <dgm:effectClrLst/>
+    <dgm:txLinClrLst/>
+    <dgm:txFillClrLst meth="repeat">
+      <a:schemeClr val="lt1"/>
+    </dgm:txFillClrLst>
+    <dgm:txEffectClrLst/>
+  </dgm:styleLbl>
+  <dgm:styleLbl name="parChTrans2D3">
+    <dgm:fillClrLst meth="repeat">
+      <a:schemeClr val="accent1"/>
+    </dgm:fillClrLst>
+    <dgm:linClrLst meth="repeat">
+      <a:schemeClr val="accent1"/>
+    </dgm:linClrLst>
+    <dgm:effectClrLst/>
+    <dgm:txLinClrLst/>
+    <dgm:txFillClrLst meth="repeat">
+      <a:schemeClr val="lt1"/>
+    </dgm:txFillClrLst>
+    <dgm:txEffectClrLst/>
+  </dgm:styleLbl>
+  <dgm:styleLbl name="parChTrans2D4">
+    <dgm:fillClrLst meth="repeat">
+      <a:schemeClr val="accent1"/>
+    </dgm:fillClrLst>
+    <dgm:linClrLst meth="repeat">
+      <a:schemeClr val="accent1"/>
+    </dgm:linClrLst>
+    <dgm:effectClrLst/>
+    <dgm:txLinClrLst/>
+    <dgm:txFillClrLst meth="repeat">
+      <a:schemeClr val="lt1"/>
+    </dgm:txFillClrLst>
+    <dgm:txEffectClrLst/>
+  </dgm:styleLbl>
+  <dgm:styleLbl name="parChTrans1D1">
+    <dgm:fillClrLst meth="repeat">
+      <a:schemeClr val="accent1"/>
+    </dgm:fillClrLst>
+    <dgm:linClrLst meth="repeat">
+      <a:schemeClr val="accent1">
+        <a:shade val="60000"/>
+      </a:schemeClr>
+    </dgm:linClrLst>
+    <dgm:effectClrLst/>
+    <dgm:txLinClrLst/>
+    <dgm:txFillClrLst meth="repeat">
+      <a:schemeClr val="tx1"/>
+    </dgm:txFillClrLst>
+    <dgm:txEffectClrLst/>
+  </dgm:styleLbl>
+  <dgm:styleLbl name="parChTrans1D2">
+    <dgm:fillClrLst meth="repeat">
+      <a:schemeClr val="accent1"/>
+    </dgm:fillClrLst>
+    <dgm:linClrLst meth="repeat">
+      <a:schemeClr val="accent1">
+        <a:shade val="60000"/>
+      </a:schemeClr>
+    </dgm:linClrLst>
+    <dgm:effectClrLst/>
+    <dgm:txLinClrLst/>
+    <dgm:txFillClrLst meth="repeat">
+      <a:schemeClr val="tx1"/>
+    </dgm:txFillClrLst>
+    <dgm:txEffectClrLst/>
+  </dgm:styleLbl>
+  <dgm:styleLbl name="parChTrans1D3">
+    <dgm:fillClrLst meth="repeat">
+      <a:schemeClr val="accent1"/>
+    </dgm:fillClrLst>
+    <dgm:linClrLst meth="repeat">
+      <a:schemeClr val="accent1">
+        <a:shade val="80000"/>
+      </a:schemeClr>
+    </dgm:linClrLst>
+    <dgm:effectClrLst/>
+    <dgm:txLinClrLst/>
+    <dgm:txFillClrLst meth="repeat">
+      <a:schemeClr val="tx1"/>
+    </dgm:txFillClrLst>
+    <dgm:txEffectClrLst/>
+  </dgm:styleLbl>
+  <dgm:styleLbl name="parChTrans1D4">
+    <dgm:fillClrLst meth="repeat">
+      <a:schemeClr val="accent1"/>
+    </dgm:fillClrLst>
+    <dgm:linClrLst meth="repeat">
+      <a:schemeClr val="accent1">
+        <a:shade val="80000"/>
+      </a:schemeClr>
+    </dgm:linClrLst>
+    <dgm:effectClrLst/>
+    <dgm:txLinClrLst/>
+    <dgm:txFillClrLst meth="repeat">
+      <a:schemeClr val="tx1"/>
+    </dgm:txFillClrLst>
+    <dgm:txEffectClrLst/>
+  </dgm:styleLbl>
+  <dgm:styleLbl name="fgAcc1">
+    <dgm:fillClrLst meth="repeat">
+      <a:schemeClr val="lt1">
+        <a:alpha val="90000"/>
+      </a:schemeClr>
+    </dgm:fillClrLst>
+    <dgm:linClrLst meth="repeat">
+      <a:schemeClr val="accent1"/>
+    </dgm:linClrLst>
+    <dgm:effectClrLst/>
+    <dgm:txLinClrLst/>
+    <dgm:txFillClrLst meth="repeat">
+      <a:schemeClr val="dk1"/>
+    </dgm:txFillClrLst>
+    <dgm:txEffectClrLst/>
+  </dgm:styleLbl>
+  <dgm:styleLbl name="conFgAcc1">
+    <dgm:fillClrLst meth="repeat">
+      <a:schemeClr val="lt1">
+        <a:alpha val="90000"/>
+      </a:schemeClr>
+    </dgm:fillClrLst>
+    <dgm:linClrLst meth="repeat">
+      <a:schemeClr val="accent1"/>
+    </dgm:linClrLst>
+    <dgm:effectClrLst/>
+    <dgm:txLinClrLst/>
+    <dgm:txFillClrLst meth="repeat">
+      <a:schemeClr val="dk1"/>
+    </dgm:txFillClrLst>
+    <dgm:txEffectClrLst/>
+  </dgm:styleLbl>
+  <dgm:styleLbl name="alignAcc1">
+    <dgm:fillClrLst meth="repeat">
+      <a:schemeClr val="lt1">
+        <a:alpha val="90000"/>
+      </a:schemeClr>
+    </dgm:fillClrLst>
+    <dgm:linClrLst meth="repeat">
+      <a:schemeClr val="accent1"/>
+    </dgm:linClrLst>
+    <dgm:effectClrLst/>
+    <dgm:txLinClrLst/>
+    <dgm:txFillClrLst meth="repeat">
+      <a:schemeClr val="dk1"/>
+    </dgm:txFillClrLst>
+    <dgm:txEffectClrLst/>
+  </dgm:styleLbl>
+  <dgm:styleLbl name="trAlignAcc1">
+    <dgm:fillClrLst meth="repeat">
+      <a:schemeClr val="lt1">
+        <a:alpha val="40000"/>
+      </a:schemeClr>
+    </dgm:fillClrLst>
+    <dgm:linClrLst meth="repeat">
+      <a:schemeClr val="accent1"/>
+    </dgm:linClrLst>
+    <dgm:effectClrLst/>
+    <dgm:txLinClrLst/>
+    <dgm:txFillClrLst meth="repeat">
+      <a:schemeClr val="dk1"/>
+    </dgm:txFillClrLst>
+    <dgm:txEffectClrLst/>
+  </dgm:styleLbl>
+  <dgm:styleLbl name="bgAcc1">
+    <dgm:fillClrLst meth="repeat">
+      <a:schemeClr val="lt1">
+        <a:alpha val="90000"/>
+      </a:schemeClr>
+    </dgm:fillClrLst>
+    <dgm:linClrLst meth="repeat">
+      <a:schemeClr val="accent1"/>
+    </dgm:linClrLst>
+    <dgm:effectClrLst/>
+    <dgm:txLinClrLst/>
+    <dgm:txFillClrLst meth="repeat">
+      <a:schemeClr val="dk1"/>
+    </dgm:txFillClrLst>
+    <dgm:txEffectClrLst/>
+  </dgm:styleLbl>
+  <dgm:styleLbl name="solidFgAcc1">
+    <dgm:fillClrLst meth="repeat">
+      <a:schemeClr val="lt1"/>
+    </dgm:fillClrLst>
+    <dgm:linClrLst meth="repeat">
+      <a:schemeClr val="accent1"/>
+    </dgm:linClrLst>
+    <dgm:effectClrLst/>
+    <dgm:txLinClrLst/>
+    <dgm:txFillClrLst meth="repeat">
+      <a:schemeClr val="dk1"/>
+    </dgm:txFillClrLst>
+    <dgm:txEffectClrLst/>
+  </dgm:styleLbl>
+  <dgm:styleLbl name="solidAlignAcc1">
+    <dgm:fillClrLst meth="repeat">
+      <a:schemeClr val="lt1"/>
+    </dgm:fillClrLst>
+    <dgm:linClrLst meth="repeat">
+      <a:schemeClr val="accent1"/>
+    </dgm:linClrLst>
+    <dgm:effectClrLst/>
+    <dgm:txLinClrLst/>
+    <dgm:txFillClrLst meth="repeat">
+      <a:schemeClr val="dk1"/>
+    </dgm:txFillClrLst>
+    <dgm:txEffectClrLst/>
+  </dgm:styleLbl>
+  <dgm:styleLbl name="solidBgAcc1">
+    <dgm:fillClrLst meth="repeat">
+      <a:schemeClr val="lt1"/>
+    </dgm:fillClrLst>
+    <dgm:linClrLst meth="repeat">
+      <a:schemeClr val="accent1"/>
+    </dgm:linClrLst>
+    <dgm:effectClrLst/>
+    <dgm:txLinClrLst/>
+    <dgm:txFillClrLst meth="repeat">
+      <a:schemeClr val="dk1"/>
+    </dgm:txFillClrLst>
+    <dgm:txEffectClrLst/>
+  </dgm:styleLbl>
+  <dgm:styleLbl name="fgAccFollowNode1">
+    <dgm:fillClrLst meth="repeat">
+      <a:schemeClr val="accent1">
+        <a:alpha val="90000"/>
+        <a:tint val="40000"/>
+      </a:schemeClr>
+    </dgm:fillClrLst>
+    <dgm:linClrLst meth="repeat">
+      <a:schemeClr val="accent1">
+        <a:alpha val="90000"/>
+        <a:tint val="40000"/>
+      </a:schemeClr>
+    </dgm:linClrLst>
+    <dgm:effectClrLst/>
+    <dgm:txLinClrLst/>
+    <dgm:txFillClrLst meth="repeat">
+      <a:schemeClr val="dk1"/>
+    </dgm:txFillClrLst>
+    <dgm:txEffectClrLst/>
+  </dgm:styleLbl>
+  <dgm:styleLbl name="alignAccFollowNode1">
+    <dgm:fillClrLst meth="repeat">
+      <a:schemeClr val="accent1">
+        <a:alpha val="90000"/>
+        <a:tint val="40000"/>
+      </a:schemeClr>
+    </dgm:fillClrLst>
+    <dgm:linClrLst meth="repeat">
+      <a:schemeClr val="accent1">
+        <a:alpha val="90000"/>
+        <a:tint val="40000"/>
+      </a:schemeClr>
+    </dgm:linClrLst>
+    <dgm:effectClrLst/>
+    <dgm:txLinClrLst/>
+    <dgm:txFillClrLst meth="repeat">
+      <a:schemeClr val="dk1"/>
+    </dgm:txFillClrLst>
+    <dgm:txEffectClrLst/>
+  </dgm:styleLbl>
+  <dgm:styleLbl name="bgAccFollowNode1">
+    <dgm:fillClrLst meth="repeat">
+      <a:schemeClr val="accent1">
+        <a:alpha val="90000"/>
+        <a:tint val="40000"/>
+      </a:schemeClr>
+    </dgm:fillClrLst>
+    <dgm:linClrLst meth="repeat">
+      <a:schemeClr val="accent1">
+        <a:alpha val="90000"/>
+        <a:tint val="40000"/>
+      </a:schemeClr>
+    </dgm:linClrLst>
+    <dgm:effectClrLst/>
+    <dgm:txLinClrLst/>
+    <dgm:txFillClrLst meth="repeat">
+      <a:schemeClr val="dk1"/>
+    </dgm:txFillClrLst>
+    <dgm:txEffectClrLst/>
+  </dgm:styleLbl>
+  <dgm:styleLbl name="fgAcc0">
+    <dgm:fillClrLst meth="repeat">
+      <a:schemeClr val="lt1">
+        <a:alpha val="90000"/>
+      </a:schemeClr>
+    </dgm:fillClrLst>
+    <dgm:linClrLst meth="repeat">
+      <a:schemeClr val="accent1"/>
+    </dgm:linClrLst>
+    <dgm:effectClrLst/>
+    <dgm:txLinClrLst/>
+    <dgm:txFillClrLst meth="repeat">
+      <a:schemeClr val="dk1"/>
+    </dgm:txFillClrLst>
+    <dgm:txEffectClrLst/>
+  </dgm:styleLbl>
+  <dgm:styleLbl name="fgAcc2">
+    <dgm:fillClrLst meth="repeat">
+      <a:schemeClr val="lt1">
+        <a:alpha val="90000"/>
+      </a:schemeClr>
+    </dgm:fillClrLst>
+    <dgm:linClrLst meth="repeat">
+      <a:schemeClr val="accent1"/>
+    </dgm:linClrLst>
+    <dgm:effectClrLst/>
+    <dgm:txLinClrLst/>
+    <dgm:txFillClrLst meth="repeat">
+      <a:schemeClr val="dk1"/>
+    </dgm:txFillClrLst>
+    <dgm:txEffectClrLst/>
+  </dgm:styleLbl>
+  <dgm:styleLbl name="fgAcc3">
+    <dgm:fillClrLst meth="repeat">
+      <a:schemeClr val="lt1">
+        <a:alpha val="90000"/>
+      </a:schemeClr>
+    </dgm:fillClrLst>
+    <dgm:linClrLst meth="repeat">
+      <a:schemeClr val="accent1"/>
+    </dgm:linClrLst>
+    <dgm:effectClrLst/>
+    <dgm:txLinClrLst/>
+    <dgm:txFillClrLst meth="repeat">
+      <a:schemeClr val="dk1"/>
+    </dgm:txFillClrLst>
+    <dgm:txEffectClrLst/>
+  </dgm:styleLbl>
+  <dgm:styleLbl name="fgAcc4">
+    <dgm:fillClrLst meth="repeat">
+      <a:schemeClr val="lt1">
+        <a:alpha val="90000"/>
+      </a:schemeClr>
+    </dgm:fillClrLst>
+    <dgm:linClrLst meth="repeat">
+      <a:schemeClr val="accent1"/>
+    </dgm:linClrLst>
+    <dgm:effectClrLst/>
+    <dgm:txLinClrLst/>
+    <dgm:txFillClrLst meth="repeat">
+      <a:schemeClr val="dk1"/>
+    </dgm:txFillClrLst>
+    <dgm:txEffectClrLst/>
+  </dgm:styleLbl>
+  <dgm:styleLbl name="bgShp">
+    <dgm:fillClrLst meth="repeat">
+      <a:schemeClr val="accent1">
+        <a:tint val="40000"/>
+      </a:schemeClr>
+    </dgm:fillClrLst>
+    <dgm:linClrLst meth="repeat">
+      <a:schemeClr val="accent1"/>
+    </dgm:linClrLst>
+    <dgm:effectClrLst/>
+    <dgm:txLinClrLst/>
+    <dgm:txFillClrLst meth="repeat">
+      <a:schemeClr val="dk1"/>
+    </dgm:txFillClrLst>
+    <dgm:txEffectClrLst/>
+  </dgm:styleLbl>
+  <dgm:styleLbl name="dkBgShp">
+    <dgm:fillClrLst meth="repeat">
+      <a:schemeClr val="accent1">
+        <a:shade val="80000"/>
+      </a:schemeClr>
+    </dgm:fillClrLst>
+    <dgm:linClrLst meth="repeat">
+      <a:schemeClr val="accent1"/>
+    </dgm:linClrLst>
+    <dgm:effectClrLst/>
+    <dgm:txLinClrLst/>
+    <dgm:txFillClrLst meth="repeat">
+      <a:schemeClr val="lt1"/>
+    </dgm:txFillClrLst>
+    <dgm:txEffectClrLst/>
+  </dgm:styleLbl>
+  <dgm:styleLbl name="trBgShp">
+    <dgm:fillClrLst meth="repeat">
+      <a:schemeClr val="accent1">
+        <a:tint val="50000"/>
+        <a:alpha val="40000"/>
+      </a:schemeClr>
+    </dgm:fillClrLst>
+    <dgm:linClrLst meth="repeat">
+      <a:schemeClr val="accent1"/>
+    </dgm:linClrLst>
+    <dgm:effectClrLst/>
+    <dgm:txLinClrLst/>
+    <dgm:txFillClrLst meth="repeat">
+      <a:schemeClr val="lt1"/>
+    </dgm:txFillClrLst>
+    <dgm:txEffectClrLst/>
+  </dgm:styleLbl>
+  <dgm:styleLbl name="fgShp">
+    <dgm:fillClrLst meth="repeat">
+      <a:schemeClr val="accent1">
+        <a:tint val="60000"/>
+      </a:schemeClr>
+    </dgm:fillClrLst>
+    <dgm:linClrLst meth="repeat">
+      <a:schemeClr val="lt1"/>
+    </dgm:linClrLst>
+    <dgm:effectClrLst/>
+    <dgm:txLinClrLst/>
+    <dgm:txFillClrLst meth="repeat">
+      <a:schemeClr val="dk1"/>
+    </dgm:txFillClrLst>
+    <dgm:txEffectClrLst/>
+  </dgm:styleLbl>
+  <dgm:styleLbl name="revTx">
+    <dgm:fillClrLst meth="repeat">
+      <a:schemeClr val="lt1">
+        <a:alpha val="0"/>
+      </a:schemeClr>
+    </dgm:fillClrLst>
+    <dgm:linClrLst meth="repeat">
+      <a:schemeClr val="dk1">
+        <a:alpha val="0"/>
+      </a:schemeClr>
+    </dgm:linClrLst>
+    <dgm:effectClrLst/>
+    <dgm:txLinClrLst/>
+    <dgm:txFillClrLst meth="repeat">
+      <a:schemeClr val="tx1"/>
+    </dgm:txFillClrLst>
+    <dgm:txEffectClrLst/>
+  </dgm:styleLbl>
+</dgm:colorsDef>
+</file>
+
+<file path=ppt/diagrams/colors5.xml><?xml version="1.0" encoding="utf-8"?>
 <dgm:colorsDef xmlns:dgm="http://schemas.openxmlformats.org/drawingml/2006/diagram" xmlns:a="http://schemas.openxmlformats.org/drawingml/2006/main" uniqueId="urn:microsoft.com/office/officeart/2005/8/colors/accent1_2">
   <dgm:title val=""/>
   <dgm:desc val=""/>
@@ -3679,6 +4427,103 @@
 </file>
 
 <file path=ppt/diagrams/data4.xml><?xml version="1.0" encoding="utf-8"?>
+<dgm:dataModel xmlns:dgm="http://schemas.openxmlformats.org/drawingml/2006/diagram" xmlns:a="http://schemas.openxmlformats.org/drawingml/2006/main">
+  <dgm:ptLst>
+    <dgm:pt modelId="{2FE58475-A90B-4C88-AD57-C93CA5A6F786}" type="doc">
+      <dgm:prSet loTypeId="urn:microsoft.com/office/officeart/2005/8/layout/vProcess5" loCatId="process" qsTypeId="urn:microsoft.com/office/officeart/2005/8/quickstyle/simple1" qsCatId="simple" csTypeId="urn:microsoft.com/office/officeart/2005/8/colors/accent1_2" csCatId="accent1" phldr="1"/>
+      <dgm:spPr/>
+      <dgm:t>
+        <a:bodyPr/>
+        <a:lstStyle/>
+        <a:p>
+          <a:endParaRPr lang="LID4096"/>
+        </a:p>
+      </dgm:t>
+    </dgm:pt>
+    <dgm:pt modelId="{52854045-A3DA-43B3-B593-3F91D08C2E76}">
+      <dgm:prSet phldrT="[Text]"/>
+      <dgm:spPr/>
+      <dgm:t>
+        <a:bodyPr/>
+        <a:lstStyle/>
+        <a:p>
+          <a:r>
+            <a:rPr lang="en-US" dirty="0"/>
+            <a:t>The people who make </a:t>
+          </a:r>
+          <a:r>
+            <a:rPr lang="en-US"/>
+            <a:t>this possible</a:t>
+          </a:r>
+          <a:endParaRPr lang="LID4096" dirty="0"/>
+        </a:p>
+      </dgm:t>
+    </dgm:pt>
+    <dgm:pt modelId="{66D58F49-23C5-4FBD-B508-81B6E3E8B680}" type="parTrans" cxnId="{4A235660-E5ED-4CEF-AA99-FB877D1BB7D4}">
+      <dgm:prSet/>
+      <dgm:spPr/>
+      <dgm:t>
+        <a:bodyPr/>
+        <a:lstStyle/>
+        <a:p>
+          <a:endParaRPr lang="LID4096"/>
+        </a:p>
+      </dgm:t>
+    </dgm:pt>
+    <dgm:pt modelId="{3EA3C719-E9FA-44C1-AE7D-23BD34867BDD}" type="sibTrans" cxnId="{4A235660-E5ED-4CEF-AA99-FB877D1BB7D4}">
+      <dgm:prSet/>
+      <dgm:spPr/>
+      <dgm:t>
+        <a:bodyPr/>
+        <a:lstStyle/>
+        <a:p>
+          <a:endParaRPr lang="LID4096"/>
+        </a:p>
+      </dgm:t>
+    </dgm:pt>
+    <dgm:pt modelId="{961E697F-754C-486F-9184-E5C420952927}" type="pres">
+      <dgm:prSet presAssocID="{2FE58475-A90B-4C88-AD57-C93CA5A6F786}" presName="outerComposite" presStyleCnt="0">
+        <dgm:presLayoutVars>
+          <dgm:chMax val="5"/>
+          <dgm:dir/>
+          <dgm:resizeHandles val="exact"/>
+        </dgm:presLayoutVars>
+      </dgm:prSet>
+      <dgm:spPr/>
+    </dgm:pt>
+    <dgm:pt modelId="{8BC6A90B-D22F-481D-B672-607D7F03C5B8}" type="pres">
+      <dgm:prSet presAssocID="{2FE58475-A90B-4C88-AD57-C93CA5A6F786}" presName="dummyMaxCanvas" presStyleCnt="0">
+        <dgm:presLayoutVars/>
+      </dgm:prSet>
+      <dgm:spPr/>
+    </dgm:pt>
+    <dgm:pt modelId="{6FD9AFBC-C04F-463E-830A-F63F03528E72}" type="pres">
+      <dgm:prSet presAssocID="{2FE58475-A90B-4C88-AD57-C93CA5A6F786}" presName="OneNode_1" presStyleLbl="node1" presStyleIdx="0" presStyleCnt="1">
+        <dgm:presLayoutVars>
+          <dgm:bulletEnabled val="1"/>
+        </dgm:presLayoutVars>
+      </dgm:prSet>
+      <dgm:spPr/>
+    </dgm:pt>
+  </dgm:ptLst>
+  <dgm:cxnLst>
+    <dgm:cxn modelId="{4A235660-E5ED-4CEF-AA99-FB877D1BB7D4}" srcId="{2FE58475-A90B-4C88-AD57-C93CA5A6F786}" destId="{52854045-A3DA-43B3-B593-3F91D08C2E76}" srcOrd="0" destOrd="0" parTransId="{66D58F49-23C5-4FBD-B508-81B6E3E8B680}" sibTransId="{3EA3C719-E9FA-44C1-AE7D-23BD34867BDD}"/>
+    <dgm:cxn modelId="{32E10E4D-6859-44A2-B04D-610378E01567}" type="presOf" srcId="{2FE58475-A90B-4C88-AD57-C93CA5A6F786}" destId="{961E697F-754C-486F-9184-E5C420952927}" srcOrd="0" destOrd="0" presId="urn:microsoft.com/office/officeart/2005/8/layout/vProcess5"/>
+    <dgm:cxn modelId="{EE76BBB1-47F9-4B7E-82BD-AE03078641C4}" type="presOf" srcId="{52854045-A3DA-43B3-B593-3F91D08C2E76}" destId="{6FD9AFBC-C04F-463E-830A-F63F03528E72}" srcOrd="0" destOrd="0" presId="urn:microsoft.com/office/officeart/2005/8/layout/vProcess5"/>
+    <dgm:cxn modelId="{07B6E26A-E6BC-4F73-8DCF-5FBFF33DD1C4}" type="presParOf" srcId="{961E697F-754C-486F-9184-E5C420952927}" destId="{8BC6A90B-D22F-481D-B672-607D7F03C5B8}" srcOrd="0" destOrd="0" presId="urn:microsoft.com/office/officeart/2005/8/layout/vProcess5"/>
+    <dgm:cxn modelId="{D2946658-5EE7-4A2C-91A7-6F0B5E15EA34}" type="presParOf" srcId="{961E697F-754C-486F-9184-E5C420952927}" destId="{6FD9AFBC-C04F-463E-830A-F63F03528E72}" srcOrd="1" destOrd="0" presId="urn:microsoft.com/office/officeart/2005/8/layout/vProcess5"/>
+  </dgm:cxnLst>
+  <dgm:bg/>
+  <dgm:whole/>
+  <dgm:extLst>
+    <a:ext uri="http://schemas.microsoft.com/office/drawing/2008/diagram">
+      <dsp:dataModelExt xmlns:dsp="http://schemas.microsoft.com/office/drawing/2008/diagram" relId="rId6" minVer="http://schemas.openxmlformats.org/drawingml/2006/diagram"/>
+    </a:ext>
+  </dgm:extLst>
+</dgm:dataModel>
+</file>
+
+<file path=ppt/diagrams/data5.xml><?xml version="1.0" encoding="utf-8"?>
 <dgm:dataModel xmlns:dgm="http://schemas.openxmlformats.org/drawingml/2006/diagram" xmlns:a="http://schemas.openxmlformats.org/drawingml/2006/main">
   <dgm:ptLst>
     <dgm:pt modelId="{2FE58475-A90B-4C88-AD57-C93CA5A6F786}" type="doc">
@@ -4695,6 +5540,103 @@
 </file>
 
 <file path=ppt/diagrams/drawing4.xml><?xml version="1.0" encoding="utf-8"?>
+<dsp:drawing xmlns:dgm="http://schemas.openxmlformats.org/drawingml/2006/diagram" xmlns:dsp="http://schemas.microsoft.com/office/drawing/2008/diagram" xmlns:a="http://schemas.openxmlformats.org/drawingml/2006/main">
+  <dsp:spTree>
+    <dsp:nvGrpSpPr>
+      <dsp:cNvPr id="0" name=""/>
+      <dsp:cNvGrpSpPr/>
+    </dsp:nvGrpSpPr>
+    <dsp:grpSpPr/>
+    <dsp:sp modelId="{6FD9AFBC-C04F-463E-830A-F63F03528E72}">
+      <dsp:nvSpPr>
+        <dsp:cNvPr id="0" name=""/>
+        <dsp:cNvSpPr/>
+      </dsp:nvSpPr>
+      <dsp:spPr>
+        <a:xfrm>
+          <a:off x="0" y="300082"/>
+          <a:ext cx="7432360" cy="600164"/>
+        </a:xfrm>
+        <a:prstGeom prst="roundRect">
+          <a:avLst>
+            <a:gd name="adj" fmla="val 10000"/>
+          </a:avLst>
+        </a:prstGeom>
+        <a:solidFill>
+          <a:schemeClr val="accent1">
+            <a:hueOff val="0"/>
+            <a:satOff val="0"/>
+            <a:lumOff val="0"/>
+            <a:alphaOff val="0"/>
+          </a:schemeClr>
+        </a:solidFill>
+        <a:ln w="25400" cap="flat" cmpd="sng" algn="ctr">
+          <a:solidFill>
+            <a:schemeClr val="lt1">
+              <a:hueOff val="0"/>
+              <a:satOff val="0"/>
+              <a:lumOff val="0"/>
+              <a:alphaOff val="0"/>
+            </a:schemeClr>
+          </a:solidFill>
+          <a:prstDash val="solid"/>
+          <a:miter/>
+        </a:ln>
+        <a:effectLst/>
+      </dsp:spPr>
+      <dsp:style>
+        <a:lnRef idx="2">
+          <a:scrgbClr r="0" g="0" b="0"/>
+        </a:lnRef>
+        <a:fillRef idx="1">
+          <a:scrgbClr r="0" g="0" b="0"/>
+        </a:fillRef>
+        <a:effectRef idx="0">
+          <a:scrgbClr r="0" g="0" b="0"/>
+        </a:effectRef>
+        <a:fontRef idx="minor">
+          <a:schemeClr val="lt1"/>
+        </a:fontRef>
+      </dsp:style>
+      <dsp:txBody>
+        <a:bodyPr spcFirstLastPara="0" vert="horz" wrap="square" lIns="102870" tIns="102870" rIns="102870" bIns="102870" numCol="1" spcCol="1270" anchor="ctr" anchorCtr="0">
+          <a:noAutofit/>
+        </a:bodyPr>
+        <a:lstStyle/>
+        <a:p>
+          <a:pPr marL="0" lvl="0" indent="0" algn="ctr" defTabSz="1200150">
+            <a:lnSpc>
+              <a:spcPct val="90000"/>
+            </a:lnSpc>
+            <a:spcBef>
+              <a:spcPct val="0"/>
+            </a:spcBef>
+            <a:spcAft>
+              <a:spcPct val="35000"/>
+            </a:spcAft>
+            <a:buNone/>
+          </a:pPr>
+          <a:r>
+            <a:rPr lang="en-US" sz="2700" kern="1200" dirty="0"/>
+            <a:t>The people who make </a:t>
+          </a:r>
+          <a:r>
+            <a:rPr lang="en-US" sz="2700" kern="1200"/>
+            <a:t>this possible</a:t>
+          </a:r>
+          <a:endParaRPr lang="LID4096" sz="2700" kern="1200" dirty="0"/>
+        </a:p>
+      </dsp:txBody>
+      <dsp:txXfrm>
+        <a:off x="17578" y="317660"/>
+        <a:ext cx="7397204" cy="565008"/>
+      </dsp:txXfrm>
+    </dsp:sp>
+  </dsp:spTree>
+</dsp:drawing>
+</file>
+
+<file path=ppt/diagrams/drawing5.xml><?xml version="1.0" encoding="utf-8"?>
 <dsp:drawing xmlns:dgm="http://schemas.openxmlformats.org/drawingml/2006/diagram" xmlns:dsp="http://schemas.microsoft.com/office/drawing/2008/diagram" xmlns:a="http://schemas.openxmlformats.org/drawingml/2006/main">
   <dsp:spTree>
     <dsp:nvGrpSpPr>
@@ -9691,6 +10633,1232 @@
 </dgm:layoutDef>
 </file>
 
+<file path=ppt/diagrams/layout5.xml><?xml version="1.0" encoding="utf-8"?>
+<dgm:layoutDef xmlns:dgm="http://schemas.openxmlformats.org/drawingml/2006/diagram" xmlns:a="http://schemas.openxmlformats.org/drawingml/2006/main" uniqueId="urn:microsoft.com/office/officeart/2005/8/layout/vProcess5">
+  <dgm:title val=""/>
+  <dgm:desc val=""/>
+  <dgm:catLst>
+    <dgm:cat type="process" pri="14000"/>
+  </dgm:catLst>
+  <dgm:sampData>
+    <dgm:dataModel>
+      <dgm:ptLst>
+        <dgm:pt modelId="0" type="doc"/>
+        <dgm:pt modelId="1">
+          <dgm:prSet phldr="1"/>
+        </dgm:pt>
+        <dgm:pt modelId="2">
+          <dgm:prSet phldr="1"/>
+        </dgm:pt>
+        <dgm:pt modelId="3">
+          <dgm:prSet phldr="1"/>
+        </dgm:pt>
+      </dgm:ptLst>
+      <dgm:cxnLst>
+        <dgm:cxn modelId="5" srcId="0" destId="1" srcOrd="0" destOrd="0"/>
+        <dgm:cxn modelId="6" srcId="0" destId="2" srcOrd="1" destOrd="0"/>
+        <dgm:cxn modelId="7" srcId="0" destId="3" srcOrd="2" destOrd="0"/>
+      </dgm:cxnLst>
+      <dgm:bg/>
+      <dgm:whole/>
+    </dgm:dataModel>
+  </dgm:sampData>
+  <dgm:styleData>
+    <dgm:dataModel>
+      <dgm:ptLst>
+        <dgm:pt modelId="0" type="doc"/>
+        <dgm:pt modelId="1"/>
+        <dgm:pt modelId="2"/>
+      </dgm:ptLst>
+      <dgm:cxnLst>
+        <dgm:cxn modelId="3" srcId="0" destId="1" srcOrd="0" destOrd="0"/>
+        <dgm:cxn modelId="4" srcId="0" destId="2" srcOrd="1" destOrd="0"/>
+      </dgm:cxnLst>
+      <dgm:bg/>
+      <dgm:whole/>
+    </dgm:dataModel>
+  </dgm:styleData>
+  <dgm:clrData>
+    <dgm:dataModel>
+      <dgm:ptLst>
+        <dgm:pt modelId="0" type="doc"/>
+        <dgm:pt modelId="1"/>
+        <dgm:pt modelId="2"/>
+        <dgm:pt modelId="3"/>
+        <dgm:pt modelId="4"/>
+      </dgm:ptLst>
+      <dgm:cxnLst>
+        <dgm:cxn modelId="6" srcId="0" destId="1" srcOrd="0" destOrd="0"/>
+        <dgm:cxn modelId="7" srcId="0" destId="2" srcOrd="1" destOrd="0"/>
+        <dgm:cxn modelId="8" srcId="0" destId="3" srcOrd="2" destOrd="0"/>
+        <dgm:cxn modelId="9" srcId="0" destId="4" srcOrd="3" destOrd="0"/>
+      </dgm:cxnLst>
+      <dgm:bg/>
+      <dgm:whole/>
+    </dgm:dataModel>
+  </dgm:clrData>
+  <dgm:layoutNode name="outerComposite">
+    <dgm:varLst>
+      <dgm:chMax val="5"/>
+      <dgm:dir/>
+      <dgm:resizeHandles val="exact"/>
+    </dgm:varLst>
+    <dgm:alg type="composite"/>
+    <dgm:shape xmlns:r="http://schemas.openxmlformats.org/officeDocument/2006/relationships" r:blip="">
+      <dgm:adjLst/>
+    </dgm:shape>
+    <dgm:presOf/>
+    <dgm:choose name="Name0">
+      <dgm:if name="Name1" func="var" arg="dir" op="equ" val="norm">
+        <dgm:constrLst>
+          <dgm:constr type="primFontSz" for="ch" ptType="node" op="equ" val="65"/>
+          <dgm:constr type="w" for="ch" forName="dummyMaxCanvas" refType="w"/>
+          <dgm:constr type="h" for="ch" forName="dummyMaxCanvas" refType="h"/>
+          <dgm:constr type="w" for="ch" forName="OneNode_1" refType="w"/>
+          <dgm:constr type="h" for="ch" forName="OneNode_1" refType="h" fact="0.5"/>
+          <dgm:constr type="ctrY" for="ch" forName="OneNode_1" refType="h" fact="0.5"/>
+          <dgm:constr type="w" for="ch" forName="TwoNodes_1" refType="w" fact="0.85"/>
+          <dgm:constr type="h" for="ch" forName="TwoNodes_1" refType="h" fact="0.45"/>
+          <dgm:constr type="t" for="ch" forName="TwoNodes_1"/>
+          <dgm:constr type="l" for="ch" forName="TwoNodes_1"/>
+          <dgm:constr type="w" for="ch" forName="TwoNodes_2" refType="w" fact="0.85"/>
+          <dgm:constr type="h" for="ch" forName="TwoNodes_2" refType="h" fact="0.45"/>
+          <dgm:constr type="b" for="ch" forName="TwoNodes_2" refType="h"/>
+          <dgm:constr type="r" for="ch" forName="TwoNodes_2" refType="w"/>
+          <dgm:constr type="w" for="ch" forName="TwoConn_1-2" refType="h" refFor="ch" refForName="TwoNodes_1" fact="0.65"/>
+          <dgm:constr type="h" for="ch" forName="TwoConn_1-2" refType="h" refFor="ch" refForName="TwoNodes_1" fact="0.65"/>
+          <dgm:constr type="ctrY" for="ch" forName="TwoConn_1-2" refType="h" fact="0.5"/>
+          <dgm:constr type="r" for="ch" forName="TwoConn_1-2" refType="r" refFor="ch" refForName="TwoNodes_1"/>
+          <dgm:constr type="r" for="ch" forName="TwoNodes_1_text" refType="l" refFor="ch" refForName="TwoConn_1-2"/>
+          <dgm:constr type="rOff" for="ch" forName="TwoNodes_1_text" refType="w" refFor="ch" refForName="TwoConn_1-2" fact="-0.5"/>
+          <dgm:constr type="t" for="ch" forName="TwoNodes_1_text" refType="t" refFor="ch" refForName="TwoNodes_1"/>
+          <dgm:constr type="b" for="ch" forName="TwoNodes_1_text" refType="b" refFor="ch" refForName="TwoNodes_1"/>
+          <dgm:constr type="l" for="ch" forName="TwoNodes_1_text" refType="l" refFor="ch" refForName="TwoNodes_1"/>
+          <dgm:constr type="r" for="ch" forName="TwoNodes_2_text" refType="l" refFor="ch" refForName="TwoConn_1-2"/>
+          <dgm:constr type="t" for="ch" forName="TwoNodes_2_text" refType="t" refFor="ch" refForName="TwoNodes_2"/>
+          <dgm:constr type="b" for="ch" forName="TwoNodes_2_text" refType="b" refFor="ch" refForName="TwoNodes_2"/>
+          <dgm:constr type="l" for="ch" forName="TwoNodes_2_text" refType="l" refFor="ch" refForName="TwoNodes_2"/>
+          <dgm:constr type="w" for="ch" forName="ThreeNodes_1" refType="w" fact="0.85"/>
+          <dgm:constr type="h" for="ch" forName="ThreeNodes_1" refType="h" fact="0.3"/>
+          <dgm:constr type="t" for="ch" forName="ThreeNodes_1"/>
+          <dgm:constr type="l" for="ch" forName="ThreeNodes_1"/>
+          <dgm:constr type="w" for="ch" forName="ThreeNodes_2" refType="w" fact="0.85"/>
+          <dgm:constr type="h" for="ch" forName="ThreeNodes_2" refType="h" fact="0.3"/>
+          <dgm:constr type="ctrY" for="ch" forName="ThreeNodes_2" refType="h" fact="0.5"/>
+          <dgm:constr type="ctrX" for="ch" forName="ThreeNodes_2" refType="w" fact="0.5"/>
+          <dgm:constr type="w" for="ch" forName="ThreeNodes_3" refType="w" fact="0.85"/>
+          <dgm:constr type="h" for="ch" forName="ThreeNodes_3" refType="h" fact="0.3"/>
+          <dgm:constr type="b" for="ch" forName="ThreeNodes_3" refType="h"/>
+          <dgm:constr type="r" for="ch" forName="ThreeNodes_3" refType="w"/>
+          <dgm:constr type="w" for="ch" forName="ThreeConn_1-2" refType="h" refFor="ch" refForName="ThreeNodes_1" fact="0.65"/>
+          <dgm:constr type="h" for="ch" forName="ThreeConn_1-2" refType="h" refFor="ch" refForName="ThreeNodes_1" fact="0.65"/>
+          <dgm:constr type="ctrY" for="ch" forName="ThreeConn_1-2" refType="h" fact="0.325"/>
+          <dgm:constr type="r" for="ch" forName="ThreeConn_1-2" refType="r" refFor="ch" refForName="ThreeNodes_1"/>
+          <dgm:constr type="w" for="ch" forName="ThreeConn_2-3" refType="h" refFor="ch" refForName="ThreeNodes_2" fact="0.65"/>
+          <dgm:constr type="h" for="ch" forName="ThreeConn_2-3" refType="h" refFor="ch" refForName="ThreeNodes_2" fact="0.65"/>
+          <dgm:constr type="ctrY" for="ch" forName="ThreeConn_2-3" refType="h" fact="0.673"/>
+          <dgm:constr type="r" for="ch" forName="ThreeConn_2-3" refType="r" refFor="ch" refForName="ThreeNodes_2"/>
+          <dgm:constr type="r" for="ch" forName="ThreeNodes_1_text" refType="l" refFor="ch" refForName="ThreeConn_1-2"/>
+          <dgm:constr type="rOff" for="ch" forName="ThreeNodes_1_text" refType="w" refFor="ch" refForName="ThreeConn_1-2" fact="-0.57"/>
+          <dgm:constr type="t" for="ch" forName="ThreeNodes_1_text" refType="t" refFor="ch" refForName="ThreeNodes_1"/>
+          <dgm:constr type="b" for="ch" forName="ThreeNodes_1_text" refType="b" refFor="ch" refForName="ThreeNodes_1"/>
+          <dgm:constr type="l" for="ch" forName="ThreeNodes_1_text" refType="l" refFor="ch" refForName="ThreeNodes_1"/>
+          <dgm:constr type="r" for="ch" forName="ThreeNodes_2_text" refType="l" refFor="ch" refForName="ThreeConn_1-2"/>
+          <dgm:constr type="t" for="ch" forName="ThreeNodes_2_text" refType="t" refFor="ch" refForName="ThreeNodes_2"/>
+          <dgm:constr type="b" for="ch" forName="ThreeNodes_2_text" refType="b" refFor="ch" refForName="ThreeNodes_2"/>
+          <dgm:constr type="l" for="ch" forName="ThreeNodes_2_text" refType="l" refFor="ch" refForName="ThreeNodes_2"/>
+          <dgm:constr type="r" for="ch" forName="ThreeNodes_3_text" refType="l" refFor="ch" refForName="ThreeConn_2-3"/>
+          <dgm:constr type="t" for="ch" forName="ThreeNodes_3_text" refType="t" refFor="ch" refForName="ThreeNodes_3"/>
+          <dgm:constr type="b" for="ch" forName="ThreeNodes_3_text" refType="b" refFor="ch" refForName="ThreeNodes_3"/>
+          <dgm:constr type="l" for="ch" forName="ThreeNodes_3_text" refType="l" refFor="ch" refForName="ThreeNodes_3"/>
+          <dgm:constr type="w" for="ch" forName="FourNodes_1" refType="w" fact="0.8"/>
+          <dgm:constr type="h" for="ch" forName="FourNodes_1" refType="h" fact="0.22"/>
+          <dgm:constr type="t" for="ch" forName="FourNodes_1"/>
+          <dgm:constr type="l" for="ch" forName="FourNodes_1"/>
+          <dgm:constr type="w" for="ch" forName="FourNodes_2" refType="w" fact="0.8"/>
+          <dgm:constr type="h" for="ch" forName="FourNodes_2" refType="h" fact="0.22"/>
+          <dgm:constr type="ctrY" for="ch" forName="FourNodes_2" refType="h" fact="0.37"/>
+          <dgm:constr type="ctrX" for="ch" forName="FourNodes_2" refType="w" fact="0.467"/>
+          <dgm:constr type="w" for="ch" forName="FourNodes_3" refType="w" fact="0.8"/>
+          <dgm:constr type="h" for="ch" forName="FourNodes_3" refType="h" fact="0.22"/>
+          <dgm:constr type="ctrY" for="ch" forName="FourNodes_3" refType="h" fact="0.63"/>
+          <dgm:constr type="ctrX" for="ch" forName="FourNodes_3" refType="w" fact="0.533"/>
+          <dgm:constr type="w" for="ch" forName="FourNodes_4" refType="w" fact="0.8"/>
+          <dgm:constr type="h" for="ch" forName="FourNodes_4" refType="h" fact="0.22"/>
+          <dgm:constr type="b" for="ch" forName="FourNodes_4" refType="h"/>
+          <dgm:constr type="r" for="ch" forName="FourNodes_4" refType="w"/>
+          <dgm:constr type="w" for="ch" forName="FourConn_1-2" refType="h" refFor="ch" refForName="FourNodes_1" fact="0.65"/>
+          <dgm:constr type="h" for="ch" forName="FourConn_1-2" refType="h" refFor="ch" refForName="FourNodes_1" fact="0.65"/>
+          <dgm:constr type="ctrY" for="ch" forName="FourConn_1-2" refType="h" fact="0.24"/>
+          <dgm:constr type="r" for="ch" forName="FourConn_1-2" refType="r" refFor="ch" refForName="FourNodes_1"/>
+          <dgm:constr type="w" for="ch" forName="FourConn_2-3" refType="h" refFor="ch" refForName="FourNodes_2" fact="0.65"/>
+          <dgm:constr type="h" for="ch" forName="FourConn_2-3" refType="h" refFor="ch" refForName="FourNodes_2" fact="0.65"/>
+          <dgm:constr type="ctrY" for="ch" forName="FourConn_2-3" refType="h" fact="0.5"/>
+          <dgm:constr type="r" for="ch" forName="FourConn_2-3" refType="r" refFor="ch" refForName="FourNodes_2"/>
+          <dgm:constr type="w" for="ch" forName="FourConn_3-4" refType="h" refFor="ch" refForName="FourNodes_3" fact="0.65"/>
+          <dgm:constr type="h" for="ch" forName="FourConn_3-4" refType="h" refFor="ch" refForName="FourNodes_3" fact="0.65"/>
+          <dgm:constr type="ctrY" for="ch" forName="FourConn_3-4" refType="h" fact="0.76"/>
+          <dgm:constr type="r" for="ch" forName="FourConn_3-4" refType="r" refFor="ch" refForName="FourNodes_3"/>
+          <dgm:constr type="r" for="ch" forName="FourNodes_1_text" refType="l" refFor="ch" refForName="FourConn_1-2"/>
+          <dgm:constr type="rOff" for="ch" forName="FourNodes_1_text" refType="w" refFor="ch" refForName="FourConn_1-2" fact="-0.7"/>
+          <dgm:constr type="t" for="ch" forName="FourNodes_1_text" refType="t" refFor="ch" refForName="FourNodes_1"/>
+          <dgm:constr type="b" for="ch" forName="FourNodes_1_text" refType="b" refFor="ch" refForName="FourNodes_1"/>
+          <dgm:constr type="l" for="ch" forName="FourNodes_1_text" refType="l" refFor="ch" refForName="FourNodes_1"/>
+          <dgm:constr type="r" for="ch" forName="FourNodes_2_text" refType="l" refFor="ch" refForName="FourConn_1-2"/>
+          <dgm:constr type="t" for="ch" forName="FourNodes_2_text" refType="t" refFor="ch" refForName="FourNodes_2"/>
+          <dgm:constr type="b" for="ch" forName="FourNodes_2_text" refType="b" refFor="ch" refForName="FourNodes_2"/>
+          <dgm:constr type="l" for="ch" forName="FourNodes_2_text" refType="l" refFor="ch" refForName="FourNodes_2"/>
+          <dgm:constr type="r" for="ch" forName="FourNodes_3_text" refType="l" refFor="ch" refForName="FourConn_2-3"/>
+          <dgm:constr type="t" for="ch" forName="FourNodes_3_text" refType="t" refFor="ch" refForName="FourNodes_3"/>
+          <dgm:constr type="b" for="ch" forName="FourNodes_3_text" refType="b" refFor="ch" refForName="FourNodes_3"/>
+          <dgm:constr type="l" for="ch" forName="FourNodes_3_text" refType="l" refFor="ch" refForName="FourNodes_3"/>
+          <dgm:constr type="r" for="ch" forName="FourNodes_4_text" refType="l" refFor="ch" refForName="FourConn_3-4"/>
+          <dgm:constr type="t" for="ch" forName="FourNodes_4_text" refType="t" refFor="ch" refForName="FourNodes_4"/>
+          <dgm:constr type="b" for="ch" forName="FourNodes_4_text" refType="b" refFor="ch" refForName="FourNodes_4"/>
+          <dgm:constr type="l" for="ch" forName="FourNodes_4_text" refType="l" refFor="ch" refForName="FourNodes_4"/>
+          <dgm:constr type="w" for="ch" forName="FiveNodes_1" refType="w" fact="0.77"/>
+          <dgm:constr type="h" for="ch" forName="FiveNodes_1" refType="h" fact="0.18"/>
+          <dgm:constr type="t" for="ch" forName="FiveNodes_1"/>
+          <dgm:constr type="l" for="ch" forName="FiveNodes_1"/>
+          <dgm:constr type="w" for="ch" forName="FiveNodes_2" refType="w" fact="0.77"/>
+          <dgm:constr type="h" for="ch" forName="FiveNodes_2" refType="h" fact="0.18"/>
+          <dgm:constr type="ctrY" for="ch" forName="FiveNodes_2" refType="h" fact="0.295"/>
+          <dgm:constr type="ctrX" for="ch" forName="FiveNodes_2" refType="w" fact="0.4425"/>
+          <dgm:constr type="w" for="ch" forName="FiveNodes_3" refType="w" fact="0.77"/>
+          <dgm:constr type="h" for="ch" forName="FiveNodes_3" refType="h" fact="0.18"/>
+          <dgm:constr type="ctrY" for="ch" forName="FiveNodes_3" refType="h" fact="0.5"/>
+          <dgm:constr type="ctrX" for="ch" forName="FiveNodes_3" refType="w" fact="0.5"/>
+          <dgm:constr type="w" for="ch" forName="FiveNodes_4" refType="w" fact="0.77"/>
+          <dgm:constr type="h" for="ch" forName="FiveNodes_4" refType="h" fact="0.18"/>
+          <dgm:constr type="ctrY" for="ch" forName="FiveNodes_4" refType="h" fact="0.705"/>
+          <dgm:constr type="ctrX" for="ch" forName="FiveNodes_4" refType="w" fact="0.5575"/>
+          <dgm:constr type="w" for="ch" forName="FiveNodes_5" refType="w" fact="0.77"/>
+          <dgm:constr type="h" for="ch" forName="FiveNodes_5" refType="h" fact="0.18"/>
+          <dgm:constr type="b" for="ch" forName="FiveNodes_5" refType="h"/>
+          <dgm:constr type="r" for="ch" forName="FiveNodes_5" refType="w"/>
+          <dgm:constr type="w" for="ch" forName="FiveConn_1-2" refType="h" refFor="ch" refForName="FiveNodes_1" fact="0.65"/>
+          <dgm:constr type="h" for="ch" forName="FiveConn_1-2" refType="h" refFor="ch" refForName="FiveNodes_1" fact="0.65"/>
+          <dgm:constr type="ctrY" for="ch" forName="FiveConn_1-2" refType="h" fact="0.19"/>
+          <dgm:constr type="r" for="ch" forName="FiveConn_1-2" refType="r" refFor="ch" refForName="FiveNodes_1"/>
+          <dgm:constr type="w" for="ch" forName="FiveConn_2-3" refType="h" refFor="ch" refForName="FiveNodes_2" fact="0.65"/>
+          <dgm:constr type="h" for="ch" forName="FiveConn_2-3" refType="h" refFor="ch" refForName="FiveNodes_2" fact="0.65"/>
+          <dgm:constr type="ctrY" for="ch" forName="FiveConn_2-3" refType="h" fact="0.395"/>
+          <dgm:constr type="r" for="ch" forName="FiveConn_2-3" refType="r" refFor="ch" refForName="FiveNodes_2"/>
+          <dgm:constr type="w" for="ch" forName="FiveConn_3-4" refType="h" refFor="ch" refForName="FiveNodes_3" fact="0.65"/>
+          <dgm:constr type="h" for="ch" forName="FiveConn_3-4" refType="h" refFor="ch" refForName="FiveNodes_3" fact="0.65"/>
+          <dgm:constr type="ctrY" for="ch" forName="FiveConn_3-4" refType="h" fact="0.597"/>
+          <dgm:constr type="r" for="ch" forName="FiveConn_3-4" refType="r" refFor="ch" refForName="FiveNodes_3"/>
+          <dgm:constr type="w" for="ch" forName="FiveConn_4-5" refType="h" refFor="ch" refForName="FiveNodes_4" fact="0.65"/>
+          <dgm:constr type="h" for="ch" forName="FiveConn_4-5" refType="h" refFor="ch" refForName="FiveNodes_4" fact="0.65"/>
+          <dgm:constr type="ctrY" for="ch" forName="FiveConn_4-5" refType="h" fact="0.804"/>
+          <dgm:constr type="r" for="ch" forName="FiveConn_4-5" refType="r" refFor="ch" refForName="FiveNodes_4"/>
+          <dgm:constr type="r" for="ch" forName="FiveNodes_1_text" refType="l" refFor="ch" refForName="FiveConn_1-2"/>
+          <dgm:constr type="rOff" for="ch" forName="FiveNodes_1_text" refType="w" refFor="ch" refForName="FiveConn_1-2" fact="-0.75"/>
+          <dgm:constr type="t" for="ch" forName="FiveNodes_1_text" refType="t" refFor="ch" refForName="FiveNodes_1"/>
+          <dgm:constr type="b" for="ch" forName="FiveNodes_1_text" refType="b" refFor="ch" refForName="FiveNodes_1"/>
+          <dgm:constr type="l" for="ch" forName="FiveNodes_1_text" refType="l" refFor="ch" refForName="FiveNodes_1"/>
+          <dgm:constr type="r" for="ch" forName="FiveNodes_2_text" refType="l" refFor="ch" refForName="FiveConn_1-2"/>
+          <dgm:constr type="t" for="ch" forName="FiveNodes_2_text" refType="t" refFor="ch" refForName="FiveNodes_2"/>
+          <dgm:constr type="b" for="ch" forName="FiveNodes_2_text" refType="b" refFor="ch" refForName="FiveNodes_2"/>
+          <dgm:constr type="l" for="ch" forName="FiveNodes_2_text" refType="l" refFor="ch" refForName="FiveNodes_2"/>
+          <dgm:constr type="r" for="ch" forName="FiveNodes_3_text" refType="l" refFor="ch" refForName="FiveConn_2-3"/>
+          <dgm:constr type="t" for="ch" forName="FiveNodes_3_text" refType="t" refFor="ch" refForName="FiveNodes_3"/>
+          <dgm:constr type="b" for="ch" forName="FiveNodes_3_text" refType="b" refFor="ch" refForName="FiveNodes_3"/>
+          <dgm:constr type="l" for="ch" forName="FiveNodes_3_text" refType="l" refFor="ch" refForName="FiveNodes_3"/>
+          <dgm:constr type="r" for="ch" forName="FiveNodes_4_text" refType="l" refFor="ch" refForName="FiveConn_3-4"/>
+          <dgm:constr type="t" for="ch" forName="FiveNodes_4_text" refType="t" refFor="ch" refForName="FiveNodes_4"/>
+          <dgm:constr type="b" for="ch" forName="FiveNodes_4_text" refType="b" refFor="ch" refForName="FiveNodes_4"/>
+          <dgm:constr type="l" for="ch" forName="FiveNodes_4_text" refType="l" refFor="ch" refForName="FiveNodes_4"/>
+          <dgm:constr type="r" for="ch" forName="FiveNodes_5_text" refType="l" refFor="ch" refForName="FiveConn_4-5"/>
+          <dgm:constr type="t" for="ch" forName="FiveNodes_5_text" refType="t" refFor="ch" refForName="FiveNodes_5"/>
+          <dgm:constr type="b" for="ch" forName="FiveNodes_5_text" refType="b" refFor="ch" refForName="FiveNodes_5"/>
+          <dgm:constr type="l" for="ch" forName="FiveNodes_5_text" refType="l" refFor="ch" refForName="FiveNodes_5"/>
+        </dgm:constrLst>
+      </dgm:if>
+      <dgm:else name="Name2">
+        <dgm:constrLst>
+          <dgm:constr type="primFontSz" for="ch" ptType="node" op="equ" val="65"/>
+          <dgm:constr type="w" for="ch" forName="dummyMaxCanvas" refType="w"/>
+          <dgm:constr type="h" for="ch" forName="dummyMaxCanvas" refType="h"/>
+          <dgm:constr type="w" for="ch" forName="OneNode_1" refType="w"/>
+          <dgm:constr type="h" for="ch" forName="OneNode_1" refType="h" fact="0.5"/>
+          <dgm:constr type="ctrY" for="ch" forName="OneNode_1" refType="h" fact="0.5"/>
+          <dgm:constr type="w" for="ch" forName="TwoNodes_1" refType="w" fact="0.85"/>
+          <dgm:constr type="h" for="ch" forName="TwoNodes_1" refType="h" fact="0.45"/>
+          <dgm:constr type="t" for="ch" forName="TwoNodes_1"/>
+          <dgm:constr type="r" for="ch" forName="TwoNodes_1" refType="w"/>
+          <dgm:constr type="w" for="ch" forName="TwoNodes_2" refType="w" fact="0.85"/>
+          <dgm:constr type="h" for="ch" forName="TwoNodes_2" refType="h" fact="0.45"/>
+          <dgm:constr type="b" for="ch" forName="TwoNodes_2" refType="h"/>
+          <dgm:constr type="l" for="ch" forName="TwoNodes_2"/>
+          <dgm:constr type="w" for="ch" forName="TwoConn_1-2" refType="h" refFor="ch" refForName="TwoNodes_1" fact="0.65"/>
+          <dgm:constr type="h" for="ch" forName="TwoConn_1-2" refType="h" refFor="ch" refForName="TwoNodes_1" fact="0.65"/>
+          <dgm:constr type="ctrY" for="ch" forName="TwoConn_1-2" refType="h" fact="0.5"/>
+          <dgm:constr type="l" for="ch" forName="TwoConn_1-2" refType="l" refFor="ch" refForName="TwoNodes_1"/>
+          <dgm:constr type="l" for="ch" forName="TwoNodes_1_text" refType="r" refFor="ch" refForName="TwoConn_1-2"/>
+          <dgm:constr type="lOff" for="ch" forName="TwoNodes_1_text" refType="w" refFor="ch" refForName="TwoConn_1-2" fact="0.5"/>
+          <dgm:constr type="t" for="ch" forName="TwoNodes_1_text" refType="t" refFor="ch" refForName="TwoNodes_1"/>
+          <dgm:constr type="b" for="ch" forName="TwoNodes_1_text" refType="b" refFor="ch" refForName="TwoNodes_1"/>
+          <dgm:constr type="r" for="ch" forName="TwoNodes_1_text" refType="r" refFor="ch" refForName="TwoNodes_1"/>
+          <dgm:constr type="l" for="ch" forName="TwoNodes_2_text" refType="r" refFor="ch" refForName="TwoConn_1-2"/>
+          <dgm:constr type="t" for="ch" forName="TwoNodes_2_text" refType="t" refFor="ch" refForName="TwoNodes_2"/>
+          <dgm:constr type="b" for="ch" forName="TwoNodes_2_text" refType="b" refFor="ch" refForName="TwoNodes_2"/>
+          <dgm:constr type="r" for="ch" forName="TwoNodes_2_text" refType="r" refFor="ch" refForName="TwoNodes_2"/>
+          <dgm:constr type="w" for="ch" forName="ThreeNodes_1" refType="w" fact="0.85"/>
+          <dgm:constr type="h" for="ch" forName="ThreeNodes_1" refType="h" fact="0.3"/>
+          <dgm:constr type="t" for="ch" forName="ThreeNodes_1"/>
+          <dgm:constr type="r" for="ch" forName="ThreeNodes_1" refType="w"/>
+          <dgm:constr type="w" for="ch" forName="ThreeNodes_2" refType="w" fact="0.85"/>
+          <dgm:constr type="h" for="ch" forName="ThreeNodes_2" refType="h" fact="0.3"/>
+          <dgm:constr type="ctrY" for="ch" forName="ThreeNodes_2" refType="h" fact="0.5"/>
+          <dgm:constr type="ctrX" for="ch" forName="ThreeNodes_2" refType="w" fact="0.5"/>
+          <dgm:constr type="w" for="ch" forName="ThreeNodes_3" refType="w" fact="0.85"/>
+          <dgm:constr type="h" for="ch" forName="ThreeNodes_3" refType="h" fact="0.3"/>
+          <dgm:constr type="b" for="ch" forName="ThreeNodes_3" refType="h"/>
+          <dgm:constr type="l" for="ch" forName="ThreeNodes_3"/>
+          <dgm:constr type="w" for="ch" forName="ThreeConn_1-2" refType="h" refFor="ch" refForName="ThreeNodes_1" fact="0.65"/>
+          <dgm:constr type="h" for="ch" forName="ThreeConn_1-2" refType="h" refFor="ch" refForName="ThreeNodes_1" fact="0.65"/>
+          <dgm:constr type="ctrY" for="ch" forName="ThreeConn_1-2" refType="h" fact="0.325"/>
+          <dgm:constr type="l" for="ch" forName="ThreeConn_1-2" refType="l" refFor="ch" refForName="ThreeNodes_1"/>
+          <dgm:constr type="w" for="ch" forName="ThreeConn_2-3" refType="h" refFor="ch" refForName="ThreeNodes_2" fact="0.65"/>
+          <dgm:constr type="h" for="ch" forName="ThreeConn_2-3" refType="h" refFor="ch" refForName="ThreeNodes_2" fact="0.65"/>
+          <dgm:constr type="ctrY" for="ch" forName="ThreeConn_2-3" refType="h" fact="0.673"/>
+          <dgm:constr type="l" for="ch" forName="ThreeConn_2-3" refType="l" refFor="ch" refForName="ThreeNodes_2"/>
+          <dgm:constr type="l" for="ch" forName="ThreeNodes_1_text" refType="r" refFor="ch" refForName="ThreeConn_1-2"/>
+          <dgm:constr type="lOff" for="ch" forName="ThreeNodes_1_text" refType="w" refFor="ch" refForName="ThreeConn_1-2" fact="0.55"/>
+          <dgm:constr type="t" for="ch" forName="ThreeNodes_1_text" refType="t" refFor="ch" refForName="ThreeNodes_1"/>
+          <dgm:constr type="b" for="ch" forName="ThreeNodes_1_text" refType="b" refFor="ch" refForName="ThreeNodes_1"/>
+          <dgm:constr type="r" for="ch" forName="ThreeNodes_1_text" refType="r" refFor="ch" refForName="ThreeNodes_1"/>
+          <dgm:constr type="l" for="ch" forName="ThreeNodes_2_text" refType="r" refFor="ch" refForName="ThreeConn_1-2"/>
+          <dgm:constr type="t" for="ch" forName="ThreeNodes_2_text" refType="t" refFor="ch" refForName="ThreeNodes_2"/>
+          <dgm:constr type="b" for="ch" forName="ThreeNodes_2_text" refType="b" refFor="ch" refForName="ThreeNodes_2"/>
+          <dgm:constr type="r" for="ch" forName="ThreeNodes_2_text" refType="r" refFor="ch" refForName="ThreeNodes_2"/>
+          <dgm:constr type="l" for="ch" forName="ThreeNodes_3_text" refType="r" refFor="ch" refForName="ThreeConn_2-3"/>
+          <dgm:constr type="t" for="ch" forName="ThreeNodes_3_text" refType="t" refFor="ch" refForName="ThreeNodes_3"/>
+          <dgm:constr type="b" for="ch" forName="ThreeNodes_3_text" refType="b" refFor="ch" refForName="ThreeNodes_3"/>
+          <dgm:constr type="r" for="ch" forName="ThreeNodes_3_text" refType="r" refFor="ch" refForName="ThreeNodes_3"/>
+          <dgm:constr type="w" for="ch" forName="FourNodes_1" refType="w" fact="0.8"/>
+          <dgm:constr type="h" for="ch" forName="FourNodes_1" refType="h" fact="0.22"/>
+          <dgm:constr type="t" for="ch" forName="FourNodes_1"/>
+          <dgm:constr type="r" for="ch" forName="FourNodes_1" refType="w"/>
+          <dgm:constr type="w" for="ch" forName="FourNodes_2" refType="w" fact="0.8"/>
+          <dgm:constr type="h" for="ch" forName="FourNodes_2" refType="h" fact="0.22"/>
+          <dgm:constr type="ctrY" for="ch" forName="FourNodes_2" refType="h" fact="0.37"/>
+          <dgm:constr type="ctrX" for="ch" forName="FourNodes_2" refType="w" fact="0.533"/>
+          <dgm:constr type="w" for="ch" forName="FourNodes_3" refType="w" fact="0.8"/>
+          <dgm:constr type="h" for="ch" forName="FourNodes_3" refType="h" fact="0.22"/>
+          <dgm:constr type="ctrY" for="ch" forName="FourNodes_3" refType="h" fact="0.63"/>
+          <dgm:constr type="ctrX" for="ch" forName="FourNodes_3" refType="w" fact="0.467"/>
+          <dgm:constr type="w" for="ch" forName="FourNodes_4" refType="w" fact="0.8"/>
+          <dgm:constr type="h" for="ch" forName="FourNodes_4" refType="h" fact="0.22"/>
+          <dgm:constr type="b" for="ch" forName="FourNodes_4" refType="h"/>
+          <dgm:constr type="l" for="ch" forName="FourNodes_4"/>
+          <dgm:constr type="w" for="ch" forName="FourConn_1-2" refType="h" refFor="ch" refForName="FourNodes_1" fact="0.65"/>
+          <dgm:constr type="h" for="ch" forName="FourConn_1-2" refType="h" refFor="ch" refForName="FourNodes_1" fact="0.65"/>
+          <dgm:constr type="ctrY" for="ch" forName="FourConn_1-2" refType="h" fact="0.24"/>
+          <dgm:constr type="l" for="ch" forName="FourConn_1-2" refType="l" refFor="ch" refForName="FourNodes_1"/>
+          <dgm:constr type="w" for="ch" forName="FourConn_2-3" refType="h" refFor="ch" refForName="FourNodes_2" fact="0.65"/>
+          <dgm:constr type="h" for="ch" forName="FourConn_2-3" refType="h" refFor="ch" refForName="FourNodes_2" fact="0.65"/>
+          <dgm:constr type="ctrY" for="ch" forName="FourConn_2-3" refType="h" fact="0.5"/>
+          <dgm:constr type="l" for="ch" forName="FourConn_2-3" refType="l" refFor="ch" refForName="FourNodes_2"/>
+          <dgm:constr type="w" for="ch" forName="FourConn_3-4" refType="h" refFor="ch" refForName="FourNodes_3" fact="0.65"/>
+          <dgm:constr type="h" for="ch" forName="FourConn_3-4" refType="h" refFor="ch" refForName="FourNodes_3" fact="0.65"/>
+          <dgm:constr type="ctrY" for="ch" forName="FourConn_3-4" refType="h" fact="0.76"/>
+          <dgm:constr type="l" for="ch" forName="FourConn_3-4" refType="l" refFor="ch" refForName="FourNodes_3"/>
+          <dgm:constr type="l" for="ch" forName="FourNodes_1_text" refType="r" refFor="ch" refForName="FourConn_1-2"/>
+          <dgm:constr type="lOff" for="ch" forName="FourNodes_1_text" refType="w" refFor="ch" refForName="FourConn_1-2" fact="0.69"/>
+          <dgm:constr type="t" for="ch" forName="FourNodes_1_text" refType="t" refFor="ch" refForName="FourNodes_1"/>
+          <dgm:constr type="b" for="ch" forName="FourNodes_1_text" refType="b" refFor="ch" refForName="FourNodes_1"/>
+          <dgm:constr type="r" for="ch" forName="FourNodes_1_text" refType="r" refFor="ch" refForName="FourNodes_1"/>
+          <dgm:constr type="l" for="ch" forName="FourNodes_2_text" refType="r" refFor="ch" refForName="FourConn_1-2"/>
+          <dgm:constr type="t" for="ch" forName="FourNodes_2_text" refType="t" refFor="ch" refForName="FourNodes_2"/>
+          <dgm:constr type="b" for="ch" forName="FourNodes_2_text" refType="b" refFor="ch" refForName="FourNodes_2"/>
+          <dgm:constr type="r" for="ch" forName="FourNodes_2_text" refType="r" refFor="ch" refForName="FourNodes_2"/>
+          <dgm:constr type="l" for="ch" forName="FourNodes_3_text" refType="r" refFor="ch" refForName="FourConn_2-3"/>
+          <dgm:constr type="t" for="ch" forName="FourNodes_3_text" refType="t" refFor="ch" refForName="FourNodes_3"/>
+          <dgm:constr type="b" for="ch" forName="FourNodes_3_text" refType="b" refFor="ch" refForName="FourNodes_3"/>
+          <dgm:constr type="r" for="ch" forName="FourNodes_3_text" refType="r" refFor="ch" refForName="FourNodes_3"/>
+          <dgm:constr type="l" for="ch" forName="FourNodes_4_text" refType="r" refFor="ch" refForName="FourConn_3-4"/>
+          <dgm:constr type="t" for="ch" forName="FourNodes_4_text" refType="t" refFor="ch" refForName="FourNodes_4"/>
+          <dgm:constr type="b" for="ch" forName="FourNodes_4_text" refType="b" refFor="ch" refForName="FourNodes_4"/>
+          <dgm:constr type="r" for="ch" forName="FourNodes_4_text" refType="r" refFor="ch" refForName="FourNodes_4"/>
+          <dgm:constr type="w" for="ch" forName="FiveNodes_1" refType="w" fact="0.77"/>
+          <dgm:constr type="h" for="ch" forName="FiveNodes_1" refType="h" fact="0.18"/>
+          <dgm:constr type="t" for="ch" forName="FiveNodes_1"/>
+          <dgm:constr type="r" for="ch" forName="FiveNodes_1" refType="w"/>
+          <dgm:constr type="w" for="ch" forName="FiveNodes_2" refType="w" fact="0.77"/>
+          <dgm:constr type="h" for="ch" forName="FiveNodes_2" refType="h" fact="0.18"/>
+          <dgm:constr type="ctrY" for="ch" forName="FiveNodes_2" refType="h" fact="0.295"/>
+          <dgm:constr type="ctrX" for="ch" forName="FiveNodes_2" refType="w" fact="0.5575"/>
+          <dgm:constr type="w" for="ch" forName="FiveNodes_3" refType="w" fact="0.77"/>
+          <dgm:constr type="h" for="ch" forName="FiveNodes_3" refType="h" fact="0.18"/>
+          <dgm:constr type="ctrY" for="ch" forName="FiveNodes_3" refType="h" fact="0.5"/>
+          <dgm:constr type="ctrX" for="ch" forName="FiveNodes_3" refType="w" fact="0.5"/>
+          <dgm:constr type="w" for="ch" forName="FiveNodes_4" refType="w" fact="0.77"/>
+          <dgm:constr type="h" for="ch" forName="FiveNodes_4" refType="h" fact="0.18"/>
+          <dgm:constr type="ctrY" for="ch" forName="FiveNodes_4" refType="h" fact="0.705"/>
+          <dgm:constr type="ctrX" for="ch" forName="FiveNodes_4" refType="w" fact="0.4425"/>
+          <dgm:constr type="w" for="ch" forName="FiveNodes_5" refType="w" fact="0.77"/>
+          <dgm:constr type="h" for="ch" forName="FiveNodes_5" refType="h" fact="0.18"/>
+          <dgm:constr type="b" for="ch" forName="FiveNodes_5" refType="h"/>
+          <dgm:constr type="l" for="ch" forName="FiveNodes_5"/>
+          <dgm:constr type="w" for="ch" forName="FiveConn_1-2" refType="h" refFor="ch" refForName="FiveNodes_1" fact="0.65"/>
+          <dgm:constr type="h" for="ch" forName="FiveConn_1-2" refType="h" refFor="ch" refForName="FiveNodes_1" fact="0.65"/>
+          <dgm:constr type="ctrY" for="ch" forName="FiveConn_1-2" refType="h" fact="0.19"/>
+          <dgm:constr type="l" for="ch" forName="FiveConn_1-2" refType="l" refFor="ch" refForName="FiveNodes_1"/>
+          <dgm:constr type="w" for="ch" forName="FiveConn_2-3" refType="h" refFor="ch" refForName="FiveNodes_2" fact="0.65"/>
+          <dgm:constr type="h" for="ch" forName="FiveConn_2-3" refType="h" refFor="ch" refForName="FiveNodes_2" fact="0.65"/>
+          <dgm:constr type="ctrY" for="ch" forName="FiveConn_2-3" refType="h" fact="0.395"/>
+          <dgm:constr type="l" for="ch" forName="FiveConn_2-3" refType="l" refFor="ch" refForName="FiveNodes_2"/>
+          <dgm:constr type="w" for="ch" forName="FiveConn_3-4" refType="h" refFor="ch" refForName="FiveNodes_3" fact="0.65"/>
+          <dgm:constr type="h" for="ch" forName="FiveConn_3-4" refType="h" refFor="ch" refForName="FiveNodes_3" fact="0.65"/>
+          <dgm:constr type="ctrY" for="ch" forName="FiveConn_3-4" refType="h" fact="0.597"/>
+          <dgm:constr type="l" for="ch" forName="FiveConn_3-4" refType="l" refFor="ch" refForName="FiveNodes_3"/>
+          <dgm:constr type="w" for="ch" forName="FiveConn_4-5" refType="h" refFor="ch" refForName="FiveNodes_4" fact="0.65"/>
+          <dgm:constr type="h" for="ch" forName="FiveConn_4-5" refType="h" refFor="ch" refForName="FiveNodes_4" fact="0.65"/>
+          <dgm:constr type="ctrY" for="ch" forName="FiveConn_4-5" refType="h" fact="0.804"/>
+          <dgm:constr type="l" for="ch" forName="FiveConn_4-5" refType="l" refFor="ch" refForName="FiveNodes_4"/>
+          <dgm:constr type="l" for="ch" forName="FiveNodes_1_text" refType="r" refFor="ch" refForName="FiveConn_1-2"/>
+          <dgm:constr type="lOff" for="ch" forName="FiveNodes_1_text" refType="w" refFor="ch" refForName="FiveConn_1-2" fact="0.73"/>
+          <dgm:constr type="t" for="ch" forName="FiveNodes_1_text" refType="t" refFor="ch" refForName="FiveNodes_1"/>
+          <dgm:constr type="b" for="ch" forName="FiveNodes_1_text" refType="b" refFor="ch" refForName="FiveNodes_1"/>
+          <dgm:constr type="r" for="ch" forName="FiveNodes_1_text" refType="r" refFor="ch" refForName="FiveNodes_1"/>
+          <dgm:constr type="l" for="ch" forName="FiveNodes_2_text" refType="r" refFor="ch" refForName="FiveConn_1-2"/>
+          <dgm:constr type="t" for="ch" forName="FiveNodes_2_text" refType="t" refFor="ch" refForName="FiveNodes_2"/>
+          <dgm:constr type="b" for="ch" forName="FiveNodes_2_text" refType="b" refFor="ch" refForName="FiveNodes_2"/>
+          <dgm:constr type="r" for="ch" forName="FiveNodes_2_text" refType="r" refFor="ch" refForName="FiveNodes_2"/>
+          <dgm:constr type="l" for="ch" forName="FiveNodes_3_text" refType="r" refFor="ch" refForName="FiveConn_2-3"/>
+          <dgm:constr type="t" for="ch" forName="FiveNodes_3_text" refType="t" refFor="ch" refForName="FiveNodes_3"/>
+          <dgm:constr type="b" for="ch" forName="FiveNodes_3_text" refType="b" refFor="ch" refForName="FiveNodes_3"/>
+          <dgm:constr type="r" for="ch" forName="FiveNodes_3_text" refType="r" refFor="ch" refForName="FiveNodes_3"/>
+          <dgm:constr type="l" for="ch" forName="FiveNodes_4_text" refType="r" refFor="ch" refForName="FiveConn_3-4"/>
+          <dgm:constr type="t" for="ch" forName="FiveNodes_4_text" refType="t" refFor="ch" refForName="FiveNodes_4"/>
+          <dgm:constr type="b" for="ch" forName="FiveNodes_4_text" refType="b" refFor="ch" refForName="FiveNodes_4"/>
+          <dgm:constr type="r" for="ch" forName="FiveNodes_4_text" refType="r" refFor="ch" refForName="FiveNodes_4"/>
+          <dgm:constr type="l" for="ch" forName="FiveNodes_5_text" refType="r" refFor="ch" refForName="FiveConn_4-5"/>
+          <dgm:constr type="t" for="ch" forName="FiveNodes_5_text" refType="t" refFor="ch" refForName="FiveNodes_5"/>
+          <dgm:constr type="b" for="ch" forName="FiveNodes_5_text" refType="b" refFor="ch" refForName="FiveNodes_5"/>
+          <dgm:constr type="r" for="ch" forName="FiveNodes_5_text" refType="r" refFor="ch" refForName="FiveNodes_5"/>
+        </dgm:constrLst>
+      </dgm:else>
+    </dgm:choose>
+    <dgm:ruleLst/>
+    <dgm:layoutNode name="dummyMaxCanvas">
+      <dgm:varLst/>
+      <dgm:alg type="sp"/>
+      <dgm:shape xmlns:r="http://schemas.openxmlformats.org/officeDocument/2006/relationships" r:blip="">
+        <dgm:adjLst/>
+      </dgm:shape>
+      <dgm:presOf/>
+      <dgm:constrLst/>
+      <dgm:ruleLst/>
+    </dgm:layoutNode>
+    <dgm:choose name="Name3">
+      <dgm:if name="Name4" axis="ch" ptType="node" func="cnt" op="equ" val="1">
+        <dgm:layoutNode name="OneNode_1">
+          <dgm:varLst>
+            <dgm:bulletEnabled val="1"/>
+          </dgm:varLst>
+          <dgm:alg type="tx"/>
+          <dgm:shape xmlns:r="http://schemas.openxmlformats.org/officeDocument/2006/relationships" type="roundRect" r:blip="">
+            <dgm:adjLst>
+              <dgm:adj idx="1" val="0.1"/>
+            </dgm:adjLst>
+          </dgm:shape>
+          <dgm:presOf axis="ch desOrSelf" ptType="node node" st="1 1" cnt="1 0"/>
+          <dgm:constrLst>
+            <dgm:constr type="lMarg" refType="primFontSz" fact="0.3"/>
+            <dgm:constr type="rMarg" refType="primFontSz" fact="0.3"/>
+            <dgm:constr type="tMarg" refType="primFontSz" fact="0.3"/>
+            <dgm:constr type="bMarg" refType="primFontSz" fact="0.3"/>
+          </dgm:constrLst>
+          <dgm:ruleLst>
+            <dgm:rule type="primFontSz" val="5" fact="NaN" max="NaN"/>
+          </dgm:ruleLst>
+        </dgm:layoutNode>
+      </dgm:if>
+      <dgm:else name="Name5">
+        <dgm:choose name="Name6">
+          <dgm:if name="Name7" axis="ch" ptType="node" func="cnt" op="equ" val="2">
+            <dgm:layoutNode name="TwoNodes_1">
+              <dgm:varLst>
+                <dgm:bulletEnabled val="1"/>
+              </dgm:varLst>
+              <dgm:alg type="sp"/>
+              <dgm:shape xmlns:r="http://schemas.openxmlformats.org/officeDocument/2006/relationships" type="roundRect" r:blip="">
+                <dgm:adjLst>
+                  <dgm:adj idx="1" val="0.1"/>
+                </dgm:adjLst>
+              </dgm:shape>
+              <dgm:presOf axis="ch desOrSelf" ptType="node node" st="1 1" cnt="1 0"/>
+              <dgm:constrLst/>
+              <dgm:ruleLst/>
+            </dgm:layoutNode>
+            <dgm:layoutNode name="TwoNodes_2">
+              <dgm:varLst>
+                <dgm:bulletEnabled val="1"/>
+              </dgm:varLst>
+              <dgm:alg type="sp"/>
+              <dgm:shape xmlns:r="http://schemas.openxmlformats.org/officeDocument/2006/relationships" type="roundRect" r:blip="">
+                <dgm:adjLst>
+                  <dgm:adj idx="1" val="0.1"/>
+                </dgm:adjLst>
+              </dgm:shape>
+              <dgm:presOf axis="ch desOrSelf" ptType="node node" st="2 1" cnt="1 0"/>
+              <dgm:constrLst/>
+              <dgm:ruleLst/>
+            </dgm:layoutNode>
+            <dgm:layoutNode name="TwoConn_1-2" styleLbl="fgAccFollowNode1">
+              <dgm:varLst>
+                <dgm:bulletEnabled val="1"/>
+              </dgm:varLst>
+              <dgm:alg type="tx"/>
+              <dgm:shape xmlns:r="http://schemas.openxmlformats.org/officeDocument/2006/relationships" type="downArrow" r:blip="">
+                <dgm:adjLst>
+                  <dgm:adj idx="1" val="0.55"/>
+                  <dgm:adj idx="2" val="0.45"/>
+                </dgm:adjLst>
+              </dgm:shape>
+              <dgm:presOf axis="ch" ptType="sibTrans" cnt="1"/>
+              <dgm:constrLst>
+                <dgm:constr type="lMarg" refType="primFontSz" fact="0.1"/>
+                <dgm:constr type="rMarg" refType="primFontSz" fact="0.1"/>
+                <dgm:constr type="tMarg" refType="primFontSz" fact="0.1"/>
+                <dgm:constr type="bMarg" refType="primFontSz" fact="0.1"/>
+              </dgm:constrLst>
+              <dgm:ruleLst>
+                <dgm:rule type="primFontSz" val="5" fact="NaN" max="NaN"/>
+              </dgm:ruleLst>
+            </dgm:layoutNode>
+            <dgm:layoutNode name="TwoNodes_1_text">
+              <dgm:varLst>
+                <dgm:bulletEnabled val="1"/>
+              </dgm:varLst>
+              <dgm:alg type="tx">
+                <dgm:param type="parTxLTRAlign" val="l"/>
+                <dgm:param type="txAnchorVertCh" val="mid"/>
+              </dgm:alg>
+              <dgm:shape xmlns:r="http://schemas.openxmlformats.org/officeDocument/2006/relationships" type="roundRect" r:blip="" hideGeom="1">
+                <dgm:adjLst>
+                  <dgm:adj idx="1" val="0.1"/>
+                </dgm:adjLst>
+              </dgm:shape>
+              <dgm:presOf axis="ch desOrSelf" ptType="node node" st="1 1" cnt="1 0"/>
+              <dgm:constrLst>
+                <dgm:constr type="lMarg" refType="primFontSz" fact="0.3"/>
+                <dgm:constr type="rMarg" refType="primFontSz" fact="0.3"/>
+                <dgm:constr type="tMarg" refType="primFontSz" fact="0.3"/>
+                <dgm:constr type="bMarg" refType="primFontSz" fact="0.3"/>
+              </dgm:constrLst>
+              <dgm:ruleLst>
+                <dgm:rule type="primFontSz" val="5" fact="NaN" max="NaN"/>
+              </dgm:ruleLst>
+            </dgm:layoutNode>
+            <dgm:layoutNode name="TwoNodes_2_text">
+              <dgm:varLst>
+                <dgm:bulletEnabled val="1"/>
+              </dgm:varLst>
+              <dgm:alg type="tx">
+                <dgm:param type="parTxLTRAlign" val="l"/>
+                <dgm:param type="txAnchorVertCh" val="mid"/>
+              </dgm:alg>
+              <dgm:shape xmlns:r="http://schemas.openxmlformats.org/officeDocument/2006/relationships" type="roundRect" r:blip="" hideGeom="1">
+                <dgm:adjLst>
+                  <dgm:adj idx="1" val="0.1"/>
+                </dgm:adjLst>
+              </dgm:shape>
+              <dgm:presOf axis="ch desOrSelf" ptType="node node" st="2 1" cnt="1 0"/>
+              <dgm:constrLst>
+                <dgm:constr type="lMarg" refType="primFontSz" fact="0.3"/>
+                <dgm:constr type="rMarg" refType="primFontSz" fact="0.3"/>
+                <dgm:constr type="tMarg" refType="primFontSz" fact="0.3"/>
+                <dgm:constr type="bMarg" refType="primFontSz" fact="0.3"/>
+              </dgm:constrLst>
+              <dgm:ruleLst>
+                <dgm:rule type="primFontSz" val="5" fact="NaN" max="NaN"/>
+              </dgm:ruleLst>
+            </dgm:layoutNode>
+          </dgm:if>
+          <dgm:else name="Name8">
+            <dgm:choose name="Name9">
+              <dgm:if name="Name10" axis="ch" ptType="node" func="cnt" op="equ" val="3">
+                <dgm:layoutNode name="ThreeNodes_1">
+                  <dgm:varLst>
+                    <dgm:bulletEnabled val="1"/>
+                  </dgm:varLst>
+                  <dgm:alg type="sp"/>
+                  <dgm:shape xmlns:r="http://schemas.openxmlformats.org/officeDocument/2006/relationships" type="roundRect" r:blip="">
+                    <dgm:adjLst>
+                      <dgm:adj idx="1" val="0.1"/>
+                    </dgm:adjLst>
+                  </dgm:shape>
+                  <dgm:presOf axis="ch desOrSelf" ptType="node node" st="1 1" cnt="1 0"/>
+                  <dgm:constrLst/>
+                  <dgm:ruleLst/>
+                </dgm:layoutNode>
+                <dgm:layoutNode name="ThreeNodes_2">
+                  <dgm:varLst>
+                    <dgm:bulletEnabled val="1"/>
+                  </dgm:varLst>
+                  <dgm:alg type="sp"/>
+                  <dgm:shape xmlns:r="http://schemas.openxmlformats.org/officeDocument/2006/relationships" type="roundRect" r:blip="">
+                    <dgm:adjLst>
+                      <dgm:adj idx="1" val="0.1"/>
+                    </dgm:adjLst>
+                  </dgm:shape>
+                  <dgm:presOf axis="ch desOrSelf" ptType="node node" st="2 1" cnt="1 0"/>
+                  <dgm:constrLst/>
+                  <dgm:ruleLst/>
+                </dgm:layoutNode>
+                <dgm:layoutNode name="ThreeNodes_3">
+                  <dgm:varLst>
+                    <dgm:bulletEnabled val="1"/>
+                  </dgm:varLst>
+                  <dgm:alg type="sp"/>
+                  <dgm:shape xmlns:r="http://schemas.openxmlformats.org/officeDocument/2006/relationships" type="roundRect" r:blip="">
+                    <dgm:adjLst>
+                      <dgm:adj idx="1" val="0.1"/>
+                    </dgm:adjLst>
+                  </dgm:shape>
+                  <dgm:presOf axis="ch desOrSelf" ptType="node node" st="3 1" cnt="1 0"/>
+                  <dgm:constrLst/>
+                  <dgm:ruleLst/>
+                </dgm:layoutNode>
+                <dgm:layoutNode name="ThreeConn_1-2" styleLbl="fgAccFollowNode1">
+                  <dgm:varLst>
+                    <dgm:bulletEnabled val="1"/>
+                  </dgm:varLst>
+                  <dgm:alg type="tx"/>
+                  <dgm:shape xmlns:r="http://schemas.openxmlformats.org/officeDocument/2006/relationships" type="downArrow" r:blip="">
+                    <dgm:adjLst>
+                      <dgm:adj idx="1" val="0.55"/>
+                      <dgm:adj idx="2" val="0.45"/>
+                    </dgm:adjLst>
+                  </dgm:shape>
+                  <dgm:presOf axis="ch" ptType="sibTrans" cnt="1"/>
+                  <dgm:constrLst>
+                    <dgm:constr type="lMarg" refType="primFontSz" fact="0.1"/>
+                    <dgm:constr type="rMarg" refType="primFontSz" fact="0.1"/>
+                    <dgm:constr type="tMarg" refType="primFontSz" fact="0.1"/>
+                    <dgm:constr type="bMarg" refType="primFontSz" fact="0.1"/>
+                  </dgm:constrLst>
+                  <dgm:ruleLst>
+                    <dgm:rule type="primFontSz" val="5" fact="NaN" max="NaN"/>
+                  </dgm:ruleLst>
+                </dgm:layoutNode>
+                <dgm:layoutNode name="ThreeConn_2-3" styleLbl="fgAccFollowNode1">
+                  <dgm:varLst>
+                    <dgm:bulletEnabled val="1"/>
+                  </dgm:varLst>
+                  <dgm:alg type="tx"/>
+                  <dgm:shape xmlns:r="http://schemas.openxmlformats.org/officeDocument/2006/relationships" type="downArrow" r:blip="">
+                    <dgm:adjLst>
+                      <dgm:adj idx="1" val="0.55"/>
+                      <dgm:adj idx="2" val="0.45"/>
+                    </dgm:adjLst>
+                  </dgm:shape>
+                  <dgm:presOf axis="ch" ptType="sibTrans" st="2" cnt="1"/>
+                  <dgm:constrLst>
+                    <dgm:constr type="lMarg" refType="primFontSz" fact="0.1"/>
+                    <dgm:constr type="rMarg" refType="primFontSz" fact="0.1"/>
+                    <dgm:constr type="tMarg" refType="primFontSz" fact="0.1"/>
+                    <dgm:constr type="bMarg" refType="primFontSz" fact="0.1"/>
+                  </dgm:constrLst>
+                  <dgm:ruleLst>
+                    <dgm:rule type="primFontSz" val="5" fact="NaN" max="NaN"/>
+                  </dgm:ruleLst>
+                </dgm:layoutNode>
+                <dgm:layoutNode name="ThreeNodes_1_text">
+                  <dgm:varLst>
+                    <dgm:bulletEnabled val="1"/>
+                  </dgm:varLst>
+                  <dgm:alg type="tx">
+                    <dgm:param type="parTxLTRAlign" val="l"/>
+                    <dgm:param type="txAnchorVertCh" val="mid"/>
+                  </dgm:alg>
+                  <dgm:shape xmlns:r="http://schemas.openxmlformats.org/officeDocument/2006/relationships" type="roundRect" r:blip="" hideGeom="1">
+                    <dgm:adjLst>
+                      <dgm:adj idx="1" val="0.1"/>
+                    </dgm:adjLst>
+                  </dgm:shape>
+                  <dgm:presOf axis="ch desOrSelf" ptType="node node" st="1 1" cnt="1 0"/>
+                  <dgm:constrLst>
+                    <dgm:constr type="lMarg" refType="primFontSz" fact="0.3"/>
+                    <dgm:constr type="rMarg" refType="primFontSz" fact="0.3"/>
+                    <dgm:constr type="tMarg" refType="primFontSz" fact="0.3"/>
+                    <dgm:constr type="bMarg" refType="primFontSz" fact="0.3"/>
+                  </dgm:constrLst>
+                  <dgm:ruleLst>
+                    <dgm:rule type="primFontSz" val="5" fact="NaN" max="NaN"/>
+                  </dgm:ruleLst>
+                </dgm:layoutNode>
+                <dgm:layoutNode name="ThreeNodes_2_text">
+                  <dgm:varLst>
+                    <dgm:bulletEnabled val="1"/>
+                  </dgm:varLst>
+                  <dgm:alg type="tx">
+                    <dgm:param type="parTxLTRAlign" val="l"/>
+                    <dgm:param type="txAnchorVertCh" val="mid"/>
+                  </dgm:alg>
+                  <dgm:shape xmlns:r="http://schemas.openxmlformats.org/officeDocument/2006/relationships" type="roundRect" r:blip="" hideGeom="1">
+                    <dgm:adjLst>
+                      <dgm:adj idx="1" val="0.1"/>
+                    </dgm:adjLst>
+                  </dgm:shape>
+                  <dgm:presOf axis="ch desOrSelf" ptType="node node" st="2 1" cnt="1 0"/>
+                  <dgm:constrLst>
+                    <dgm:constr type="lMarg" refType="primFontSz" fact="0.3"/>
+                    <dgm:constr type="rMarg" refType="primFontSz" fact="0.3"/>
+                    <dgm:constr type="tMarg" refType="primFontSz" fact="0.3"/>
+                    <dgm:constr type="bMarg" refType="primFontSz" fact="0.3"/>
+                  </dgm:constrLst>
+                  <dgm:ruleLst>
+                    <dgm:rule type="primFontSz" val="5" fact="NaN" max="NaN"/>
+                  </dgm:ruleLst>
+                </dgm:layoutNode>
+                <dgm:layoutNode name="ThreeNodes_3_text">
+                  <dgm:varLst>
+                    <dgm:bulletEnabled val="1"/>
+                  </dgm:varLst>
+                  <dgm:alg type="tx">
+                    <dgm:param type="parTxLTRAlign" val="l"/>
+                    <dgm:param type="txAnchorVertCh" val="mid"/>
+                  </dgm:alg>
+                  <dgm:shape xmlns:r="http://schemas.openxmlformats.org/officeDocument/2006/relationships" type="roundRect" r:blip="" hideGeom="1">
+                    <dgm:adjLst>
+                      <dgm:adj idx="1" val="0.1"/>
+                    </dgm:adjLst>
+                  </dgm:shape>
+                  <dgm:presOf axis="ch desOrSelf" ptType="node node" st="3 1" cnt="1 0"/>
+                  <dgm:constrLst>
+                    <dgm:constr type="lMarg" refType="primFontSz" fact="0.3"/>
+                    <dgm:constr type="rMarg" refType="primFontSz" fact="0.3"/>
+                    <dgm:constr type="tMarg" refType="primFontSz" fact="0.3"/>
+                    <dgm:constr type="bMarg" refType="primFontSz" fact="0.3"/>
+                  </dgm:constrLst>
+                  <dgm:ruleLst>
+                    <dgm:rule type="primFontSz" val="5" fact="NaN" max="NaN"/>
+                  </dgm:ruleLst>
+                </dgm:layoutNode>
+              </dgm:if>
+              <dgm:else name="Name11">
+                <dgm:choose name="Name12">
+                  <dgm:if name="Name13" axis="ch" ptType="node" func="cnt" op="equ" val="4">
+                    <dgm:layoutNode name="FourNodes_1">
+                      <dgm:varLst>
+                        <dgm:bulletEnabled val="1"/>
+                      </dgm:varLst>
+                      <dgm:alg type="sp"/>
+                      <dgm:shape xmlns:r="http://schemas.openxmlformats.org/officeDocument/2006/relationships" type="roundRect" r:blip="">
+                        <dgm:adjLst>
+                          <dgm:adj idx="1" val="0.1"/>
+                        </dgm:adjLst>
+                      </dgm:shape>
+                      <dgm:presOf axis="ch desOrSelf" ptType="node node" st="1 1" cnt="1 0"/>
+                      <dgm:constrLst/>
+                      <dgm:ruleLst/>
+                    </dgm:layoutNode>
+                    <dgm:layoutNode name="FourNodes_2">
+                      <dgm:varLst>
+                        <dgm:bulletEnabled val="1"/>
+                      </dgm:varLst>
+                      <dgm:alg type="sp"/>
+                      <dgm:shape xmlns:r="http://schemas.openxmlformats.org/officeDocument/2006/relationships" type="roundRect" r:blip="">
+                        <dgm:adjLst>
+                          <dgm:adj idx="1" val="0.1"/>
+                        </dgm:adjLst>
+                      </dgm:shape>
+                      <dgm:presOf axis="ch desOrSelf" ptType="node node" st="2 1" cnt="1 0"/>
+                      <dgm:constrLst/>
+                      <dgm:ruleLst/>
+                    </dgm:layoutNode>
+                    <dgm:layoutNode name="FourNodes_3">
+                      <dgm:varLst>
+                        <dgm:bulletEnabled val="1"/>
+                      </dgm:varLst>
+                      <dgm:alg type="sp"/>
+                      <dgm:shape xmlns:r="http://schemas.openxmlformats.org/officeDocument/2006/relationships" type="roundRect" r:blip="">
+                        <dgm:adjLst>
+                          <dgm:adj idx="1" val="0.1"/>
+                        </dgm:adjLst>
+                      </dgm:shape>
+                      <dgm:presOf axis="ch desOrSelf" ptType="node node" st="3 1" cnt="1 0"/>
+                      <dgm:constrLst/>
+                      <dgm:ruleLst/>
+                    </dgm:layoutNode>
+                    <dgm:layoutNode name="FourNodes_4">
+                      <dgm:varLst>
+                        <dgm:bulletEnabled val="1"/>
+                      </dgm:varLst>
+                      <dgm:alg type="sp"/>
+                      <dgm:shape xmlns:r="http://schemas.openxmlformats.org/officeDocument/2006/relationships" type="roundRect" r:blip="">
+                        <dgm:adjLst>
+                          <dgm:adj idx="1" val="0.1"/>
+                        </dgm:adjLst>
+                      </dgm:shape>
+                      <dgm:presOf axis="ch desOrSelf" ptType="node node" st="4 1" cnt="1 0"/>
+                      <dgm:constrLst/>
+                      <dgm:ruleLst/>
+                    </dgm:layoutNode>
+                    <dgm:layoutNode name="FourConn_1-2" styleLbl="fgAccFollowNode1">
+                      <dgm:varLst>
+                        <dgm:bulletEnabled val="1"/>
+                      </dgm:varLst>
+                      <dgm:alg type="tx"/>
+                      <dgm:shape xmlns:r="http://schemas.openxmlformats.org/officeDocument/2006/relationships" type="downArrow" r:blip="">
+                        <dgm:adjLst>
+                          <dgm:adj idx="1" val="0.55"/>
+                          <dgm:adj idx="2" val="0.45"/>
+                        </dgm:adjLst>
+                      </dgm:shape>
+                      <dgm:presOf axis="ch" ptType="sibTrans" cnt="1"/>
+                      <dgm:constrLst>
+                        <dgm:constr type="lMarg" refType="primFontSz" fact="0.1"/>
+                        <dgm:constr type="rMarg" refType="primFontSz" fact="0.1"/>
+                        <dgm:constr type="tMarg" refType="primFontSz" fact="0.1"/>
+                        <dgm:constr type="bMarg" refType="primFontSz" fact="0.1"/>
+                      </dgm:constrLst>
+                      <dgm:ruleLst>
+                        <dgm:rule type="primFontSz" val="5" fact="NaN" max="NaN"/>
+                      </dgm:ruleLst>
+                    </dgm:layoutNode>
+                    <dgm:layoutNode name="FourConn_2-3" styleLbl="fgAccFollowNode1">
+                      <dgm:varLst>
+                        <dgm:bulletEnabled val="1"/>
+                      </dgm:varLst>
+                      <dgm:alg type="tx"/>
+                      <dgm:shape xmlns:r="http://schemas.openxmlformats.org/officeDocument/2006/relationships" type="downArrow" r:blip="">
+                        <dgm:adjLst>
+                          <dgm:adj idx="1" val="0.55"/>
+                          <dgm:adj idx="2" val="0.45"/>
+                        </dgm:adjLst>
+                      </dgm:shape>
+                      <dgm:presOf axis="ch" ptType="sibTrans" st="2" cnt="1"/>
+                      <dgm:constrLst>
+                        <dgm:constr type="lMarg" refType="primFontSz" fact="0.1"/>
+                        <dgm:constr type="rMarg" refType="primFontSz" fact="0.1"/>
+                        <dgm:constr type="tMarg" refType="primFontSz" fact="0.1"/>
+                        <dgm:constr type="bMarg" refType="primFontSz" fact="0.1"/>
+                      </dgm:constrLst>
+                      <dgm:ruleLst>
+                        <dgm:rule type="primFontSz" val="5" fact="NaN" max="NaN"/>
+                      </dgm:ruleLst>
+                    </dgm:layoutNode>
+                    <dgm:layoutNode name="FourConn_3-4" styleLbl="fgAccFollowNode1">
+                      <dgm:varLst>
+                        <dgm:bulletEnabled val="1"/>
+                      </dgm:varLst>
+                      <dgm:alg type="tx"/>
+                      <dgm:shape xmlns:r="http://schemas.openxmlformats.org/officeDocument/2006/relationships" type="downArrow" r:blip="">
+                        <dgm:adjLst>
+                          <dgm:adj idx="1" val="0.55"/>
+                          <dgm:adj idx="2" val="0.45"/>
+                        </dgm:adjLst>
+                      </dgm:shape>
+                      <dgm:presOf axis="ch" ptType="sibTrans" st="3" cnt="1"/>
+                      <dgm:constrLst>
+                        <dgm:constr type="lMarg" refType="primFontSz" fact="0.1"/>
+                        <dgm:constr type="rMarg" refType="primFontSz" fact="0.1"/>
+                        <dgm:constr type="tMarg" refType="primFontSz" fact="0.1"/>
+                        <dgm:constr type="bMarg" refType="primFontSz" fact="0.1"/>
+                      </dgm:constrLst>
+                      <dgm:ruleLst>
+                        <dgm:rule type="primFontSz" val="5" fact="NaN" max="NaN"/>
+                      </dgm:ruleLst>
+                    </dgm:layoutNode>
+                    <dgm:layoutNode name="FourNodes_1_text">
+                      <dgm:varLst>
+                        <dgm:bulletEnabled val="1"/>
+                      </dgm:varLst>
+                      <dgm:alg type="tx">
+                        <dgm:param type="parTxLTRAlign" val="l"/>
+                        <dgm:param type="txAnchorVertCh" val="mid"/>
+                      </dgm:alg>
+                      <dgm:shape xmlns:r="http://schemas.openxmlformats.org/officeDocument/2006/relationships" type="roundRect" r:blip="" hideGeom="1">
+                        <dgm:adjLst>
+                          <dgm:adj idx="1" val="0.1"/>
+                        </dgm:adjLst>
+                      </dgm:shape>
+                      <dgm:presOf axis="ch desOrSelf" ptType="node node" st="1 1" cnt="1 0"/>
+                      <dgm:constrLst>
+                        <dgm:constr type="lMarg" refType="primFontSz" fact="0.3"/>
+                        <dgm:constr type="rMarg" refType="primFontSz" fact="0.3"/>
+                        <dgm:constr type="tMarg" refType="primFontSz" fact="0.3"/>
+                        <dgm:constr type="bMarg" refType="primFontSz" fact="0.3"/>
+                      </dgm:constrLst>
+                      <dgm:ruleLst>
+                        <dgm:rule type="primFontSz" val="5" fact="NaN" max="NaN"/>
+                      </dgm:ruleLst>
+                    </dgm:layoutNode>
+                    <dgm:layoutNode name="FourNodes_2_text">
+                      <dgm:varLst>
+                        <dgm:bulletEnabled val="1"/>
+                      </dgm:varLst>
+                      <dgm:alg type="tx">
+                        <dgm:param type="parTxLTRAlign" val="l"/>
+                        <dgm:param type="txAnchorVertCh" val="mid"/>
+                      </dgm:alg>
+                      <dgm:shape xmlns:r="http://schemas.openxmlformats.org/officeDocument/2006/relationships" type="roundRect" r:blip="" hideGeom="1">
+                        <dgm:adjLst>
+                          <dgm:adj idx="1" val="0.1"/>
+                        </dgm:adjLst>
+                      </dgm:shape>
+                      <dgm:presOf axis="ch desOrSelf" ptType="node node" st="2 1" cnt="1 0"/>
+                      <dgm:constrLst>
+                        <dgm:constr type="lMarg" refType="primFontSz" fact="0.3"/>
+                        <dgm:constr type="rMarg" refType="primFontSz" fact="0.3"/>
+                        <dgm:constr type="tMarg" refType="primFontSz" fact="0.3"/>
+                        <dgm:constr type="bMarg" refType="primFontSz" fact="0.3"/>
+                      </dgm:constrLst>
+                      <dgm:ruleLst>
+                        <dgm:rule type="primFontSz" val="5" fact="NaN" max="NaN"/>
+                      </dgm:ruleLst>
+                    </dgm:layoutNode>
+                    <dgm:layoutNode name="FourNodes_3_text">
+                      <dgm:varLst>
+                        <dgm:bulletEnabled val="1"/>
+                      </dgm:varLst>
+                      <dgm:alg type="tx">
+                        <dgm:param type="parTxLTRAlign" val="l"/>
+                        <dgm:param type="txAnchorVertCh" val="mid"/>
+                      </dgm:alg>
+                      <dgm:shape xmlns:r="http://schemas.openxmlformats.org/officeDocument/2006/relationships" type="roundRect" r:blip="" hideGeom="1">
+                        <dgm:adjLst>
+                          <dgm:adj idx="1" val="0.1"/>
+                        </dgm:adjLst>
+                      </dgm:shape>
+                      <dgm:presOf axis="ch desOrSelf" ptType="node node" st="3 1" cnt="1 0"/>
+                      <dgm:constrLst>
+                        <dgm:constr type="lMarg" refType="primFontSz" fact="0.3"/>
+                        <dgm:constr type="rMarg" refType="primFontSz" fact="0.3"/>
+                        <dgm:constr type="tMarg" refType="primFontSz" fact="0.3"/>
+                        <dgm:constr type="bMarg" refType="primFontSz" fact="0.3"/>
+                      </dgm:constrLst>
+                      <dgm:ruleLst>
+                        <dgm:rule type="primFontSz" val="5" fact="NaN" max="NaN"/>
+                      </dgm:ruleLst>
+                    </dgm:layoutNode>
+                    <dgm:layoutNode name="FourNodes_4_text">
+                      <dgm:varLst>
+                        <dgm:bulletEnabled val="1"/>
+                      </dgm:varLst>
+                      <dgm:alg type="tx">
+                        <dgm:param type="parTxLTRAlign" val="l"/>
+                        <dgm:param type="txAnchorVertCh" val="mid"/>
+                      </dgm:alg>
+                      <dgm:shape xmlns:r="http://schemas.openxmlformats.org/officeDocument/2006/relationships" type="roundRect" r:blip="" hideGeom="1">
+                        <dgm:adjLst>
+                          <dgm:adj idx="1" val="0.1"/>
+                        </dgm:adjLst>
+                      </dgm:shape>
+                      <dgm:presOf axis="ch desOrSelf" ptType="node node" st="4 1" cnt="1 0"/>
+                      <dgm:constrLst>
+                        <dgm:constr type="lMarg" refType="primFontSz" fact="0.3"/>
+                        <dgm:constr type="rMarg" refType="primFontSz" fact="0.3"/>
+                        <dgm:constr type="tMarg" refType="primFontSz" fact="0.3"/>
+                        <dgm:constr type="bMarg" refType="primFontSz" fact="0.3"/>
+                      </dgm:constrLst>
+                      <dgm:ruleLst>
+                        <dgm:rule type="primFontSz" val="5" fact="NaN" max="NaN"/>
+                      </dgm:ruleLst>
+                    </dgm:layoutNode>
+                  </dgm:if>
+                  <dgm:else name="Name14">
+                    <dgm:choose name="Name15">
+                      <dgm:if name="Name16" axis="ch" ptType="node" func="cnt" op="gte" val="5">
+                        <dgm:layoutNode name="FiveNodes_1">
+                          <dgm:varLst>
+                            <dgm:bulletEnabled val="1"/>
+                          </dgm:varLst>
+                          <dgm:alg type="sp"/>
+                          <dgm:shape xmlns:r="http://schemas.openxmlformats.org/officeDocument/2006/relationships" type="roundRect" r:blip="">
+                            <dgm:adjLst>
+                              <dgm:adj idx="1" val="0.1"/>
+                            </dgm:adjLst>
+                          </dgm:shape>
+                          <dgm:presOf axis="ch desOrSelf" ptType="node node" st="1 1" cnt="1 0"/>
+                          <dgm:constrLst/>
+                          <dgm:ruleLst/>
+                        </dgm:layoutNode>
+                        <dgm:layoutNode name="FiveNodes_2">
+                          <dgm:varLst>
+                            <dgm:bulletEnabled val="1"/>
+                          </dgm:varLst>
+                          <dgm:alg type="sp"/>
+                          <dgm:shape xmlns:r="http://schemas.openxmlformats.org/officeDocument/2006/relationships" type="roundRect" r:blip="">
+                            <dgm:adjLst>
+                              <dgm:adj idx="1" val="0.1"/>
+                            </dgm:adjLst>
+                          </dgm:shape>
+                          <dgm:presOf axis="ch desOrSelf" ptType="node node" st="2 1" cnt="1 0"/>
+                          <dgm:constrLst/>
+                          <dgm:ruleLst/>
+                        </dgm:layoutNode>
+                        <dgm:layoutNode name="FiveNodes_3">
+                          <dgm:varLst>
+                            <dgm:bulletEnabled val="1"/>
+                          </dgm:varLst>
+                          <dgm:alg type="sp"/>
+                          <dgm:shape xmlns:r="http://schemas.openxmlformats.org/officeDocument/2006/relationships" type="roundRect" r:blip="">
+                            <dgm:adjLst>
+                              <dgm:adj idx="1" val="0.1"/>
+                            </dgm:adjLst>
+                          </dgm:shape>
+                          <dgm:presOf axis="ch desOrSelf" ptType="node node" st="3 1" cnt="1 0"/>
+                          <dgm:constrLst/>
+                          <dgm:ruleLst/>
+                        </dgm:layoutNode>
+                        <dgm:layoutNode name="FiveNodes_4">
+                          <dgm:varLst>
+                            <dgm:bulletEnabled val="1"/>
+                          </dgm:varLst>
+                          <dgm:alg type="sp"/>
+                          <dgm:shape xmlns:r="http://schemas.openxmlformats.org/officeDocument/2006/relationships" type="roundRect" r:blip="">
+                            <dgm:adjLst>
+                              <dgm:adj idx="1" val="0.1"/>
+                            </dgm:adjLst>
+                          </dgm:shape>
+                          <dgm:presOf axis="ch desOrSelf" ptType="node node" st="4 1" cnt="1 0"/>
+                          <dgm:constrLst/>
+                          <dgm:ruleLst/>
+                        </dgm:layoutNode>
+                        <dgm:layoutNode name="FiveNodes_5">
+                          <dgm:varLst>
+                            <dgm:bulletEnabled val="1"/>
+                          </dgm:varLst>
+                          <dgm:alg type="sp"/>
+                          <dgm:shape xmlns:r="http://schemas.openxmlformats.org/officeDocument/2006/relationships" type="roundRect" r:blip="">
+                            <dgm:adjLst>
+                              <dgm:adj idx="1" val="0.1"/>
+                            </dgm:adjLst>
+                          </dgm:shape>
+                          <dgm:presOf axis="ch desOrSelf" ptType="node node" st="5 1" cnt="1 0"/>
+                          <dgm:constrLst/>
+                          <dgm:ruleLst/>
+                        </dgm:layoutNode>
+                        <dgm:layoutNode name="FiveConn_1-2" styleLbl="fgAccFollowNode1">
+                          <dgm:varLst>
+                            <dgm:bulletEnabled val="1"/>
+                          </dgm:varLst>
+                          <dgm:alg type="tx"/>
+                          <dgm:shape xmlns:r="http://schemas.openxmlformats.org/officeDocument/2006/relationships" type="downArrow" r:blip="">
+                            <dgm:adjLst>
+                              <dgm:adj idx="1" val="0.55"/>
+                              <dgm:adj idx="2" val="0.45"/>
+                            </dgm:adjLst>
+                          </dgm:shape>
+                          <dgm:presOf axis="ch" ptType="sibTrans" cnt="1"/>
+                          <dgm:constrLst>
+                            <dgm:constr type="lMarg" refType="primFontSz" fact="0.1"/>
+                            <dgm:constr type="rMarg" refType="primFontSz" fact="0.1"/>
+                            <dgm:constr type="tMarg" refType="primFontSz" fact="0.1"/>
+                            <dgm:constr type="bMarg" refType="primFontSz" fact="0.1"/>
+                          </dgm:constrLst>
+                          <dgm:ruleLst>
+                            <dgm:rule type="primFontSz" val="5" fact="NaN" max="NaN"/>
+                          </dgm:ruleLst>
+                        </dgm:layoutNode>
+                        <dgm:layoutNode name="FiveConn_2-3" styleLbl="fgAccFollowNode1">
+                          <dgm:varLst>
+                            <dgm:bulletEnabled val="1"/>
+                          </dgm:varLst>
+                          <dgm:alg type="tx"/>
+                          <dgm:shape xmlns:r="http://schemas.openxmlformats.org/officeDocument/2006/relationships" type="downArrow" r:blip="">
+                            <dgm:adjLst>
+                              <dgm:adj idx="1" val="0.55"/>
+                              <dgm:adj idx="2" val="0.45"/>
+                            </dgm:adjLst>
+                          </dgm:shape>
+                          <dgm:presOf axis="ch" ptType="sibTrans" st="2" cnt="1"/>
+                          <dgm:constrLst>
+                            <dgm:constr type="lMarg" refType="primFontSz" fact="0.1"/>
+                            <dgm:constr type="rMarg" refType="primFontSz" fact="0.1"/>
+                            <dgm:constr type="tMarg" refType="primFontSz" fact="0.1"/>
+                            <dgm:constr type="bMarg" refType="primFontSz" fact="0.1"/>
+                          </dgm:constrLst>
+                          <dgm:ruleLst>
+                            <dgm:rule type="primFontSz" val="5" fact="NaN" max="NaN"/>
+                          </dgm:ruleLst>
+                        </dgm:layoutNode>
+                        <dgm:layoutNode name="FiveConn_3-4" styleLbl="fgAccFollowNode1">
+                          <dgm:varLst>
+                            <dgm:bulletEnabled val="1"/>
+                          </dgm:varLst>
+                          <dgm:alg type="tx"/>
+                          <dgm:shape xmlns:r="http://schemas.openxmlformats.org/officeDocument/2006/relationships" type="downArrow" r:blip="">
+                            <dgm:adjLst>
+                              <dgm:adj idx="1" val="0.55"/>
+                              <dgm:adj idx="2" val="0.45"/>
+                            </dgm:adjLst>
+                          </dgm:shape>
+                          <dgm:presOf axis="ch" ptType="sibTrans" st="3" cnt="1"/>
+                          <dgm:constrLst>
+                            <dgm:constr type="lMarg" refType="primFontSz" fact="0.1"/>
+                            <dgm:constr type="rMarg" refType="primFontSz" fact="0.1"/>
+                            <dgm:constr type="tMarg" refType="primFontSz" fact="0.1"/>
+                            <dgm:constr type="bMarg" refType="primFontSz" fact="0.1"/>
+                          </dgm:constrLst>
+                          <dgm:ruleLst>
+                            <dgm:rule type="primFontSz" val="5" fact="NaN" max="NaN"/>
+                          </dgm:ruleLst>
+                        </dgm:layoutNode>
+                        <dgm:layoutNode name="FiveConn_4-5" styleLbl="fgAccFollowNode1">
+                          <dgm:varLst>
+                            <dgm:bulletEnabled val="1"/>
+                          </dgm:varLst>
+                          <dgm:alg type="tx"/>
+                          <dgm:shape xmlns:r="http://schemas.openxmlformats.org/officeDocument/2006/relationships" type="downArrow" r:blip="">
+                            <dgm:adjLst>
+                              <dgm:adj idx="1" val="0.55"/>
+                              <dgm:adj idx="2" val="0.45"/>
+                            </dgm:adjLst>
+                          </dgm:shape>
+                          <dgm:presOf axis="ch" ptType="sibTrans" st="4" cnt="1"/>
+                          <dgm:constrLst>
+                            <dgm:constr type="lMarg" refType="primFontSz" fact="0.1"/>
+                            <dgm:constr type="rMarg" refType="primFontSz" fact="0.1"/>
+                            <dgm:constr type="tMarg" refType="primFontSz" fact="0.1"/>
+                            <dgm:constr type="bMarg" refType="primFontSz" fact="0.1"/>
+                          </dgm:constrLst>
+                          <dgm:ruleLst>
+                            <dgm:rule type="primFontSz" val="5" fact="NaN" max="NaN"/>
+                          </dgm:ruleLst>
+                        </dgm:layoutNode>
+                        <dgm:layoutNode name="FiveNodes_1_text">
+                          <dgm:varLst>
+                            <dgm:bulletEnabled val="1"/>
+                          </dgm:varLst>
+                          <dgm:alg type="tx">
+                            <dgm:param type="parTxLTRAlign" val="l"/>
+                            <dgm:param type="txAnchorVertCh" val="mid"/>
+                          </dgm:alg>
+                          <dgm:shape xmlns:r="http://schemas.openxmlformats.org/officeDocument/2006/relationships" type="roundRect" r:blip="" hideGeom="1">
+                            <dgm:adjLst>
+                              <dgm:adj idx="1" val="0.1"/>
+                            </dgm:adjLst>
+                          </dgm:shape>
+                          <dgm:presOf axis="ch desOrSelf" ptType="node node" st="1 1" cnt="1 0"/>
+                          <dgm:constrLst>
+                            <dgm:constr type="lMarg" refType="primFontSz" fact="0.3"/>
+                            <dgm:constr type="rMarg" refType="primFontSz" fact="0.3"/>
+                            <dgm:constr type="tMarg" refType="primFontSz" fact="0.3"/>
+                            <dgm:constr type="bMarg" refType="primFontSz" fact="0.3"/>
+                          </dgm:constrLst>
+                          <dgm:ruleLst>
+                            <dgm:rule type="primFontSz" val="5" fact="NaN" max="NaN"/>
+                          </dgm:ruleLst>
+                        </dgm:layoutNode>
+                        <dgm:layoutNode name="FiveNodes_2_text">
+                          <dgm:varLst>
+                            <dgm:bulletEnabled val="1"/>
+                          </dgm:varLst>
+                          <dgm:alg type="tx">
+                            <dgm:param type="parTxLTRAlign" val="l"/>
+                            <dgm:param type="txAnchorVertCh" val="mid"/>
+                          </dgm:alg>
+                          <dgm:shape xmlns:r="http://schemas.openxmlformats.org/officeDocument/2006/relationships" type="roundRect" r:blip="" hideGeom="1">
+                            <dgm:adjLst>
+                              <dgm:adj idx="1" val="0.1"/>
+                            </dgm:adjLst>
+                          </dgm:shape>
+                          <dgm:presOf axis="ch desOrSelf" ptType="node node" st="2 1" cnt="1 0"/>
+                          <dgm:constrLst>
+                            <dgm:constr type="lMarg" refType="primFontSz" fact="0.3"/>
+                            <dgm:constr type="rMarg" refType="primFontSz" fact="0.3"/>
+                            <dgm:constr type="tMarg" refType="primFontSz" fact="0.3"/>
+                            <dgm:constr type="bMarg" refType="primFontSz" fact="0.3"/>
+                          </dgm:constrLst>
+                          <dgm:ruleLst>
+                            <dgm:rule type="primFontSz" val="5" fact="NaN" max="NaN"/>
+                          </dgm:ruleLst>
+                        </dgm:layoutNode>
+                        <dgm:layoutNode name="FiveNodes_3_text">
+                          <dgm:varLst>
+                            <dgm:bulletEnabled val="1"/>
+                          </dgm:varLst>
+                          <dgm:alg type="tx">
+                            <dgm:param type="parTxLTRAlign" val="l"/>
+                            <dgm:param type="txAnchorVertCh" val="mid"/>
+                          </dgm:alg>
+                          <dgm:shape xmlns:r="http://schemas.openxmlformats.org/officeDocument/2006/relationships" type="roundRect" r:blip="" hideGeom="1">
+                            <dgm:adjLst>
+                              <dgm:adj idx="1" val="0.1"/>
+                            </dgm:adjLst>
+                          </dgm:shape>
+                          <dgm:presOf axis="ch desOrSelf" ptType="node node" st="3 1" cnt="1 0"/>
+                          <dgm:constrLst>
+                            <dgm:constr type="lMarg" refType="primFontSz" fact="0.3"/>
+                            <dgm:constr type="rMarg" refType="primFontSz" fact="0.3"/>
+                            <dgm:constr type="tMarg" refType="primFontSz" fact="0.3"/>
+                            <dgm:constr type="bMarg" refType="primFontSz" fact="0.3"/>
+                          </dgm:constrLst>
+                          <dgm:ruleLst>
+                            <dgm:rule type="primFontSz" val="5" fact="NaN" max="NaN"/>
+                          </dgm:ruleLst>
+                        </dgm:layoutNode>
+                        <dgm:layoutNode name="FiveNodes_4_text">
+                          <dgm:varLst>
+                            <dgm:bulletEnabled val="1"/>
+                          </dgm:varLst>
+                          <dgm:alg type="tx">
+                            <dgm:param type="parTxLTRAlign" val="l"/>
+                            <dgm:param type="txAnchorVertCh" val="mid"/>
+                          </dgm:alg>
+                          <dgm:shape xmlns:r="http://schemas.openxmlformats.org/officeDocument/2006/relationships" type="roundRect" r:blip="" hideGeom="1">
+                            <dgm:adjLst>
+                              <dgm:adj idx="1" val="0.1"/>
+                            </dgm:adjLst>
+                          </dgm:shape>
+                          <dgm:presOf axis="ch desOrSelf" ptType="node node" st="4 1" cnt="1 0"/>
+                          <dgm:constrLst>
+                            <dgm:constr type="lMarg" refType="primFontSz" fact="0.3"/>
+                            <dgm:constr type="rMarg" refType="primFontSz" fact="0.3"/>
+                            <dgm:constr type="tMarg" refType="primFontSz" fact="0.3"/>
+                            <dgm:constr type="bMarg" refType="primFontSz" fact="0.3"/>
+                          </dgm:constrLst>
+                          <dgm:ruleLst>
+                            <dgm:rule type="primFontSz" val="5" fact="NaN" max="NaN"/>
+                          </dgm:ruleLst>
+                        </dgm:layoutNode>
+                        <dgm:layoutNode name="FiveNodes_5_text">
+                          <dgm:varLst>
+                            <dgm:bulletEnabled val="1"/>
+                          </dgm:varLst>
+                          <dgm:alg type="tx">
+                            <dgm:param type="parTxLTRAlign" val="l"/>
+                            <dgm:param type="txAnchorVertCh" val="mid"/>
+                          </dgm:alg>
+                          <dgm:shape xmlns:r="http://schemas.openxmlformats.org/officeDocument/2006/relationships" type="roundRect" r:blip="" hideGeom="1">
+                            <dgm:adjLst>
+                              <dgm:adj idx="1" val="0.1"/>
+                            </dgm:adjLst>
+                          </dgm:shape>
+                          <dgm:presOf axis="ch desOrSelf" ptType="node node" st="5 1" cnt="1 0"/>
+                          <dgm:constrLst>
+                            <dgm:constr type="lMarg" refType="primFontSz" fact="0.3"/>
+                            <dgm:constr type="rMarg" refType="primFontSz" fact="0.3"/>
+                            <dgm:constr type="tMarg" refType="primFontSz" fact="0.3"/>
+                            <dgm:constr type="bMarg" refType="primFontSz" fact="0.3"/>
+                          </dgm:constrLst>
+                          <dgm:ruleLst>
+                            <dgm:rule type="primFontSz" val="5" fact="NaN" max="NaN"/>
+                          </dgm:ruleLst>
+                        </dgm:layoutNode>
+                      </dgm:if>
+                      <dgm:else name="Name17"/>
+                    </dgm:choose>
+                  </dgm:else>
+                </dgm:choose>
+              </dgm:else>
+            </dgm:choose>
+          </dgm:else>
+        </dgm:choose>
+      </dgm:else>
+    </dgm:choose>
+  </dgm:layoutNode>
+</dgm:layoutDef>
+</file>
+
 <file path=ppt/diagrams/quickStyle1.xml><?xml version="1.0" encoding="utf-8"?>
 <dgm:styleDef xmlns:dgm="http://schemas.openxmlformats.org/drawingml/2006/diagram" xmlns:a="http://schemas.openxmlformats.org/drawingml/2006/main" uniqueId="urn:microsoft.com/office/officeart/2005/8/quickstyle/simple1">
   <dgm:title val=""/>
@@ -12794,6 +14962,1040 @@
 </file>
 
 <file path=ppt/diagrams/quickStyle4.xml><?xml version="1.0" encoding="utf-8"?>
+<dgm:styleDef xmlns:dgm="http://schemas.openxmlformats.org/drawingml/2006/diagram" xmlns:a="http://schemas.openxmlformats.org/drawingml/2006/main" uniqueId="urn:microsoft.com/office/officeart/2005/8/quickstyle/simple1">
+  <dgm:title val=""/>
+  <dgm:desc val=""/>
+  <dgm:catLst>
+    <dgm:cat type="simple" pri="10100"/>
+  </dgm:catLst>
+  <dgm:scene3d>
+    <a:camera prst="orthographicFront"/>
+    <a:lightRig rig="threePt" dir="t"/>
+  </dgm:scene3d>
+  <dgm:styleLbl name="node0">
+    <dgm:scene3d>
+      <a:camera prst="orthographicFront"/>
+      <a:lightRig rig="threePt" dir="t"/>
+    </dgm:scene3d>
+    <dgm:sp3d/>
+    <dgm:txPr/>
+    <dgm:style>
+      <a:lnRef idx="2">
+        <a:scrgbClr r="0" g="0" b="0"/>
+      </a:lnRef>
+      <a:fillRef idx="1">
+        <a:scrgbClr r="0" g="0" b="0"/>
+      </a:fillRef>
+      <a:effectRef idx="0">
+        <a:scrgbClr r="0" g="0" b="0"/>
+      </a:effectRef>
+      <a:fontRef idx="minor">
+        <a:schemeClr val="lt1"/>
+      </a:fontRef>
+    </dgm:style>
+  </dgm:styleLbl>
+  <dgm:styleLbl name="lnNode1">
+    <dgm:scene3d>
+      <a:camera prst="orthographicFront"/>
+      <a:lightRig rig="threePt" dir="t"/>
+    </dgm:scene3d>
+    <dgm:sp3d/>
+    <dgm:txPr/>
+    <dgm:style>
+      <a:lnRef idx="2">
+        <a:scrgbClr r="0" g="0" b="0"/>
+      </a:lnRef>
+      <a:fillRef idx="1">
+        <a:scrgbClr r="0" g="0" b="0"/>
+      </a:fillRef>
+      <a:effectRef idx="0">
+        <a:scrgbClr r="0" g="0" b="0"/>
+      </a:effectRef>
+      <a:fontRef idx="minor">
+        <a:schemeClr val="lt1"/>
+      </a:fontRef>
+    </dgm:style>
+  </dgm:styleLbl>
+  <dgm:styleLbl name="vennNode1">
+    <dgm:scene3d>
+      <a:camera prst="orthographicFront"/>
+      <a:lightRig rig="threePt" dir="t"/>
+    </dgm:scene3d>
+    <dgm:sp3d/>
+    <dgm:txPr/>
+    <dgm:style>
+      <a:lnRef idx="2">
+        <a:scrgbClr r="0" g="0" b="0"/>
+      </a:lnRef>
+      <a:fillRef idx="1">
+        <a:scrgbClr r="0" g="0" b="0"/>
+      </a:fillRef>
+      <a:effectRef idx="0">
+        <a:scrgbClr r="0" g="0" b="0"/>
+      </a:effectRef>
+      <a:fontRef idx="minor">
+        <a:schemeClr val="tx1"/>
+      </a:fontRef>
+    </dgm:style>
+  </dgm:styleLbl>
+  <dgm:styleLbl name="alignNode1">
+    <dgm:scene3d>
+      <a:camera prst="orthographicFront"/>
+      <a:lightRig rig="threePt" dir="t"/>
+    </dgm:scene3d>
+    <dgm:sp3d/>
+    <dgm:txPr/>
+    <dgm:style>
+      <a:lnRef idx="2">
+        <a:scrgbClr r="0" g="0" b="0"/>
+      </a:lnRef>
+      <a:fillRef idx="1">
+        <a:scrgbClr r="0" g="0" b="0"/>
+      </a:fillRef>
+      <a:effectRef idx="0">
+        <a:scrgbClr r="0" g="0" b="0"/>
+      </a:effectRef>
+      <a:fontRef idx="minor">
+        <a:schemeClr val="lt1"/>
+      </a:fontRef>
+    </dgm:style>
+  </dgm:styleLbl>
+  <dgm:styleLbl name="node1">
+    <dgm:scene3d>
+      <a:camera prst="orthographicFront"/>
+      <a:lightRig rig="threePt" dir="t"/>
+    </dgm:scene3d>
+    <dgm:sp3d/>
+    <dgm:txPr/>
+    <dgm:style>
+      <a:lnRef idx="2">
+        <a:scrgbClr r="0" g="0" b="0"/>
+      </a:lnRef>
+      <a:fillRef idx="1">
+        <a:scrgbClr r="0" g="0" b="0"/>
+      </a:fillRef>
+      <a:effectRef idx="0">
+        <a:scrgbClr r="0" g="0" b="0"/>
+      </a:effectRef>
+      <a:fontRef idx="minor">
+        <a:schemeClr val="lt1"/>
+      </a:fontRef>
+    </dgm:style>
+  </dgm:styleLbl>
+  <dgm:styleLbl name="node2">
+    <dgm:scene3d>
+      <a:camera prst="orthographicFront"/>
+      <a:lightRig rig="threePt" dir="t"/>
+    </dgm:scene3d>
+    <dgm:sp3d/>
+    <dgm:txPr/>
+    <dgm:style>
+      <a:lnRef idx="2">
+        <a:scrgbClr r="0" g="0" b="0"/>
+      </a:lnRef>
+      <a:fillRef idx="1">
+        <a:scrgbClr r="0" g="0" b="0"/>
+      </a:fillRef>
+      <a:effectRef idx="0">
+        <a:scrgbClr r="0" g="0" b="0"/>
+      </a:effectRef>
+      <a:fontRef idx="minor">
+        <a:schemeClr val="lt1"/>
+      </a:fontRef>
+    </dgm:style>
+  </dgm:styleLbl>
+  <dgm:styleLbl name="node3">
+    <dgm:scene3d>
+      <a:camera prst="orthographicFront"/>
+      <a:lightRig rig="threePt" dir="t"/>
+    </dgm:scene3d>
+    <dgm:sp3d/>
+    <dgm:txPr/>
+    <dgm:style>
+      <a:lnRef idx="2">
+        <a:scrgbClr r="0" g="0" b="0"/>
+      </a:lnRef>
+      <a:fillRef idx="1">
+        <a:scrgbClr r="0" g="0" b="0"/>
+      </a:fillRef>
+      <a:effectRef idx="0">
+        <a:scrgbClr r="0" g="0" b="0"/>
+      </a:effectRef>
+      <a:fontRef idx="minor">
+        <a:schemeClr val="lt1"/>
+      </a:fontRef>
+    </dgm:style>
+  </dgm:styleLbl>
+  <dgm:styleLbl name="node4">
+    <dgm:scene3d>
+      <a:camera prst="orthographicFront"/>
+      <a:lightRig rig="threePt" dir="t"/>
+    </dgm:scene3d>
+    <dgm:sp3d/>
+    <dgm:txPr/>
+    <dgm:style>
+      <a:lnRef idx="2">
+        <a:scrgbClr r="0" g="0" b="0"/>
+      </a:lnRef>
+      <a:fillRef idx="1">
+        <a:scrgbClr r="0" g="0" b="0"/>
+      </a:fillRef>
+      <a:effectRef idx="0">
+        <a:scrgbClr r="0" g="0" b="0"/>
+      </a:effectRef>
+      <a:fontRef idx="minor">
+        <a:schemeClr val="lt1"/>
+      </a:fontRef>
+    </dgm:style>
+  </dgm:styleLbl>
+  <dgm:styleLbl name="fgImgPlace1">
+    <dgm:scene3d>
+      <a:camera prst="orthographicFront"/>
+      <a:lightRig rig="threePt" dir="t"/>
+    </dgm:scene3d>
+    <dgm:sp3d/>
+    <dgm:txPr/>
+    <dgm:style>
+      <a:lnRef idx="2">
+        <a:scrgbClr r="0" g="0" b="0"/>
+      </a:lnRef>
+      <a:fillRef idx="1">
+        <a:scrgbClr r="0" g="0" b="0"/>
+      </a:fillRef>
+      <a:effectRef idx="0">
+        <a:scrgbClr r="0" g="0" b="0"/>
+      </a:effectRef>
+      <a:fontRef idx="minor"/>
+    </dgm:style>
+  </dgm:styleLbl>
+  <dgm:styleLbl name="alignImgPlace1">
+    <dgm:scene3d>
+      <a:camera prst="orthographicFront"/>
+      <a:lightRig rig="threePt" dir="t"/>
+    </dgm:scene3d>
+    <dgm:sp3d/>
+    <dgm:txPr/>
+    <dgm:style>
+      <a:lnRef idx="2">
+        <a:scrgbClr r="0" g="0" b="0"/>
+      </a:lnRef>
+      <a:fillRef idx="1">
+        <a:scrgbClr r="0" g="0" b="0"/>
+      </a:fillRef>
+      <a:effectRef idx="0">
+        <a:scrgbClr r="0" g="0" b="0"/>
+      </a:effectRef>
+      <a:fontRef idx="minor"/>
+    </dgm:style>
+  </dgm:styleLbl>
+  <dgm:styleLbl name="bgImgPlace1">
+    <dgm:scene3d>
+      <a:camera prst="orthographicFront"/>
+      <a:lightRig rig="threePt" dir="t"/>
+    </dgm:scene3d>
+    <dgm:sp3d/>
+    <dgm:txPr/>
+    <dgm:style>
+      <a:lnRef idx="2">
+        <a:scrgbClr r="0" g="0" b="0"/>
+      </a:lnRef>
+      <a:fillRef idx="1">
+        <a:scrgbClr r="0" g="0" b="0"/>
+      </a:fillRef>
+      <a:effectRef idx="0">
+        <a:scrgbClr r="0" g="0" b="0"/>
+      </a:effectRef>
+      <a:fontRef idx="minor"/>
+    </dgm:style>
+  </dgm:styleLbl>
+  <dgm:styleLbl name="sibTrans2D1">
+    <dgm:scene3d>
+      <a:camera prst="orthographicFront"/>
+      <a:lightRig rig="threePt" dir="t"/>
+    </dgm:scene3d>
+    <dgm:sp3d/>
+    <dgm:txPr/>
+    <dgm:style>
+      <a:lnRef idx="0">
+        <a:scrgbClr r="0" g="0" b="0"/>
+      </a:lnRef>
+      <a:fillRef idx="1">
+        <a:scrgbClr r="0" g="0" b="0"/>
+      </a:fillRef>
+      <a:effectRef idx="0">
+        <a:scrgbClr r="0" g="0" b="0"/>
+      </a:effectRef>
+      <a:fontRef idx="minor">
+        <a:schemeClr val="lt1"/>
+      </a:fontRef>
+    </dgm:style>
+  </dgm:styleLbl>
+  <dgm:styleLbl name="fgSibTrans2D1">
+    <dgm:scene3d>
+      <a:camera prst="orthographicFront"/>
+      <a:lightRig rig="threePt" dir="t"/>
+    </dgm:scene3d>
+    <dgm:sp3d/>
+    <dgm:txPr/>
+    <dgm:style>
+      <a:lnRef idx="0">
+        <a:scrgbClr r="0" g="0" b="0"/>
+      </a:lnRef>
+      <a:fillRef idx="1">
+        <a:scrgbClr r="0" g="0" b="0"/>
+      </a:fillRef>
+      <a:effectRef idx="0">
+        <a:scrgbClr r="0" g="0" b="0"/>
+      </a:effectRef>
+      <a:fontRef idx="minor">
+        <a:schemeClr val="lt1"/>
+      </a:fontRef>
+    </dgm:style>
+  </dgm:styleLbl>
+  <dgm:styleLbl name="bgSibTrans2D1">
+    <dgm:scene3d>
+      <a:camera prst="orthographicFront"/>
+      <a:lightRig rig="threePt" dir="t"/>
+    </dgm:scene3d>
+    <dgm:sp3d/>
+    <dgm:txPr/>
+    <dgm:style>
+      <a:lnRef idx="0">
+        <a:scrgbClr r="0" g="0" b="0"/>
+      </a:lnRef>
+      <a:fillRef idx="1">
+        <a:scrgbClr r="0" g="0" b="0"/>
+      </a:fillRef>
+      <a:effectRef idx="0">
+        <a:scrgbClr r="0" g="0" b="0"/>
+      </a:effectRef>
+      <a:fontRef idx="minor">
+        <a:schemeClr val="lt1"/>
+      </a:fontRef>
+    </dgm:style>
+  </dgm:styleLbl>
+  <dgm:styleLbl name="sibTrans1D1">
+    <dgm:scene3d>
+      <a:camera prst="orthographicFront"/>
+      <a:lightRig rig="threePt" dir="t"/>
+    </dgm:scene3d>
+    <dgm:sp3d/>
+    <dgm:txPr/>
+    <dgm:style>
+      <a:lnRef idx="1">
+        <a:scrgbClr r="0" g="0" b="0"/>
+      </a:lnRef>
+      <a:fillRef idx="0">
+        <a:scrgbClr r="0" g="0" b="0"/>
+      </a:fillRef>
+      <a:effectRef idx="0">
+        <a:scrgbClr r="0" g="0" b="0"/>
+      </a:effectRef>
+      <a:fontRef idx="minor"/>
+    </dgm:style>
+  </dgm:styleLbl>
+  <dgm:styleLbl name="callout">
+    <dgm:scene3d>
+      <a:camera prst="orthographicFront"/>
+      <a:lightRig rig="threePt" dir="t"/>
+    </dgm:scene3d>
+    <dgm:sp3d/>
+    <dgm:txPr/>
+    <dgm:style>
+      <a:lnRef idx="2">
+        <a:scrgbClr r="0" g="0" b="0"/>
+      </a:lnRef>
+      <a:fillRef idx="1">
+        <a:scrgbClr r="0" g="0" b="0"/>
+      </a:fillRef>
+      <a:effectRef idx="0">
+        <a:scrgbClr r="0" g="0" b="0"/>
+      </a:effectRef>
+      <a:fontRef idx="minor"/>
+    </dgm:style>
+  </dgm:styleLbl>
+  <dgm:styleLbl name="asst0">
+    <dgm:scene3d>
+      <a:camera prst="orthographicFront"/>
+      <a:lightRig rig="threePt" dir="t"/>
+    </dgm:scene3d>
+    <dgm:sp3d/>
+    <dgm:txPr/>
+    <dgm:style>
+      <a:lnRef idx="2">
+        <a:scrgbClr r="0" g="0" b="0"/>
+      </a:lnRef>
+      <a:fillRef idx="1">
+        <a:scrgbClr r="0" g="0" b="0"/>
+      </a:fillRef>
+      <a:effectRef idx="0">
+        <a:scrgbClr r="0" g="0" b="0"/>
+      </a:effectRef>
+      <a:fontRef idx="minor">
+        <a:schemeClr val="lt1"/>
+      </a:fontRef>
+    </dgm:style>
+  </dgm:styleLbl>
+  <dgm:styleLbl name="asst1">
+    <dgm:scene3d>
+      <a:camera prst="orthographicFront"/>
+      <a:lightRig rig="threePt" dir="t"/>
+    </dgm:scene3d>
+    <dgm:sp3d/>
+    <dgm:txPr/>
+    <dgm:style>
+      <a:lnRef idx="2">
+        <a:scrgbClr r="0" g="0" b="0"/>
+      </a:lnRef>
+      <a:fillRef idx="1">
+        <a:scrgbClr r="0" g="0" b="0"/>
+      </a:fillRef>
+      <a:effectRef idx="0">
+        <a:scrgbClr r="0" g="0" b="0"/>
+      </a:effectRef>
+      <a:fontRef idx="minor">
+        <a:schemeClr val="lt1"/>
+      </a:fontRef>
+    </dgm:style>
+  </dgm:styleLbl>
+  <dgm:styleLbl name="asst2">
+    <dgm:scene3d>
+      <a:camera prst="orthographicFront"/>
+      <a:lightRig rig="threePt" dir="t"/>
+    </dgm:scene3d>
+    <dgm:sp3d/>
+    <dgm:txPr/>
+    <dgm:style>
+      <a:lnRef idx="2">
+        <a:scrgbClr r="0" g="0" b="0"/>
+      </a:lnRef>
+      <a:fillRef idx="1">
+        <a:scrgbClr r="0" g="0" b="0"/>
+      </a:fillRef>
+      <a:effectRef idx="0">
+        <a:scrgbClr r="0" g="0" b="0"/>
+      </a:effectRef>
+      <a:fontRef idx="minor">
+        <a:schemeClr val="lt1"/>
+      </a:fontRef>
+    </dgm:style>
+  </dgm:styleLbl>
+  <dgm:styleLbl name="asst3">
+    <dgm:scene3d>
+      <a:camera prst="orthographicFront"/>
+      <a:lightRig rig="threePt" dir="t"/>
+    </dgm:scene3d>
+    <dgm:sp3d/>
+    <dgm:txPr/>
+    <dgm:style>
+      <a:lnRef idx="2">
+        <a:scrgbClr r="0" g="0" b="0"/>
+      </a:lnRef>
+      <a:fillRef idx="1">
+        <a:scrgbClr r="0" g="0" b="0"/>
+      </a:fillRef>
+      <a:effectRef idx="0">
+        <a:scrgbClr r="0" g="0" b="0"/>
+      </a:effectRef>
+      <a:fontRef idx="minor">
+        <a:schemeClr val="lt1"/>
+      </a:fontRef>
+    </dgm:style>
+  </dgm:styleLbl>
+  <dgm:styleLbl name="asst4">
+    <dgm:scene3d>
+      <a:camera prst="orthographicFront"/>
+      <a:lightRig rig="threePt" dir="t"/>
+    </dgm:scene3d>
+    <dgm:sp3d/>
+    <dgm:txPr/>
+    <dgm:style>
+      <a:lnRef idx="2">
+        <a:scrgbClr r="0" g="0" b="0"/>
+      </a:lnRef>
+      <a:fillRef idx="1">
+        <a:scrgbClr r="0" g="0" b="0"/>
+      </a:fillRef>
+      <a:effectRef idx="0">
+        <a:scrgbClr r="0" g="0" b="0"/>
+      </a:effectRef>
+      <a:fontRef idx="minor">
+        <a:schemeClr val="lt1"/>
+      </a:fontRef>
+    </dgm:style>
+  </dgm:styleLbl>
+  <dgm:styleLbl name="parChTrans2D1">
+    <dgm:scene3d>
+      <a:camera prst="orthographicFront"/>
+      <a:lightRig rig="threePt" dir="t"/>
+    </dgm:scene3d>
+    <dgm:sp3d/>
+    <dgm:txPr/>
+    <dgm:style>
+      <a:lnRef idx="2">
+        <a:scrgbClr r="0" g="0" b="0"/>
+      </a:lnRef>
+      <a:fillRef idx="1">
+        <a:scrgbClr r="0" g="0" b="0"/>
+      </a:fillRef>
+      <a:effectRef idx="0">
+        <a:scrgbClr r="0" g="0" b="0"/>
+      </a:effectRef>
+      <a:fontRef idx="minor">
+        <a:schemeClr val="lt1"/>
+      </a:fontRef>
+    </dgm:style>
+  </dgm:styleLbl>
+  <dgm:styleLbl name="parChTrans2D2">
+    <dgm:scene3d>
+      <a:camera prst="orthographicFront"/>
+      <a:lightRig rig="threePt" dir="t"/>
+    </dgm:scene3d>
+    <dgm:sp3d/>
+    <dgm:txPr/>
+    <dgm:style>
+      <a:lnRef idx="2">
+        <a:scrgbClr r="0" g="0" b="0"/>
+      </a:lnRef>
+      <a:fillRef idx="1">
+        <a:scrgbClr r="0" g="0" b="0"/>
+      </a:fillRef>
+      <a:effectRef idx="0">
+        <a:scrgbClr r="0" g="0" b="0"/>
+      </a:effectRef>
+      <a:fontRef idx="minor">
+        <a:schemeClr val="lt1"/>
+      </a:fontRef>
+    </dgm:style>
+  </dgm:styleLbl>
+  <dgm:styleLbl name="parChTrans2D3">
+    <dgm:scene3d>
+      <a:camera prst="orthographicFront"/>
+      <a:lightRig rig="threePt" dir="t"/>
+    </dgm:scene3d>
+    <dgm:sp3d/>
+    <dgm:txPr/>
+    <dgm:style>
+      <a:lnRef idx="2">
+        <a:scrgbClr r="0" g="0" b="0"/>
+      </a:lnRef>
+      <a:fillRef idx="1">
+        <a:scrgbClr r="0" g="0" b="0"/>
+      </a:fillRef>
+      <a:effectRef idx="0">
+        <a:scrgbClr r="0" g="0" b="0"/>
+      </a:effectRef>
+      <a:fontRef idx="minor">
+        <a:schemeClr val="lt1"/>
+      </a:fontRef>
+    </dgm:style>
+  </dgm:styleLbl>
+  <dgm:styleLbl name="parChTrans2D4">
+    <dgm:scene3d>
+      <a:camera prst="orthographicFront"/>
+      <a:lightRig rig="threePt" dir="t"/>
+    </dgm:scene3d>
+    <dgm:sp3d/>
+    <dgm:txPr/>
+    <dgm:style>
+      <a:lnRef idx="2">
+        <a:scrgbClr r="0" g="0" b="0"/>
+      </a:lnRef>
+      <a:fillRef idx="1">
+        <a:scrgbClr r="0" g="0" b="0"/>
+      </a:fillRef>
+      <a:effectRef idx="0">
+        <a:scrgbClr r="0" g="0" b="0"/>
+      </a:effectRef>
+      <a:fontRef idx="minor">
+        <a:schemeClr val="lt1"/>
+      </a:fontRef>
+    </dgm:style>
+  </dgm:styleLbl>
+  <dgm:styleLbl name="parChTrans1D1">
+    <dgm:scene3d>
+      <a:camera prst="orthographicFront"/>
+      <a:lightRig rig="threePt" dir="t"/>
+    </dgm:scene3d>
+    <dgm:sp3d/>
+    <dgm:txPr/>
+    <dgm:style>
+      <a:lnRef idx="2">
+        <a:scrgbClr r="0" g="0" b="0"/>
+      </a:lnRef>
+      <a:fillRef idx="0">
+        <a:scrgbClr r="0" g="0" b="0"/>
+      </a:fillRef>
+      <a:effectRef idx="0">
+        <a:scrgbClr r="0" g="0" b="0"/>
+      </a:effectRef>
+      <a:fontRef idx="minor"/>
+    </dgm:style>
+  </dgm:styleLbl>
+  <dgm:styleLbl name="parChTrans1D2">
+    <dgm:scene3d>
+      <a:camera prst="orthographicFront"/>
+      <a:lightRig rig="threePt" dir="t"/>
+    </dgm:scene3d>
+    <dgm:sp3d/>
+    <dgm:txPr/>
+    <dgm:style>
+      <a:lnRef idx="2">
+        <a:scrgbClr r="0" g="0" b="0"/>
+      </a:lnRef>
+      <a:fillRef idx="0">
+        <a:scrgbClr r="0" g="0" b="0"/>
+      </a:fillRef>
+      <a:effectRef idx="0">
+        <a:scrgbClr r="0" g="0" b="0"/>
+      </a:effectRef>
+      <a:fontRef idx="minor"/>
+    </dgm:style>
+  </dgm:styleLbl>
+  <dgm:styleLbl name="parChTrans1D3">
+    <dgm:scene3d>
+      <a:camera prst="orthographicFront"/>
+      <a:lightRig rig="threePt" dir="t"/>
+    </dgm:scene3d>
+    <dgm:sp3d/>
+    <dgm:txPr/>
+    <dgm:style>
+      <a:lnRef idx="2">
+        <a:scrgbClr r="0" g="0" b="0"/>
+      </a:lnRef>
+      <a:fillRef idx="0">
+        <a:scrgbClr r="0" g="0" b="0"/>
+      </a:fillRef>
+      <a:effectRef idx="0">
+        <a:scrgbClr r="0" g="0" b="0"/>
+      </a:effectRef>
+      <a:fontRef idx="minor"/>
+    </dgm:style>
+  </dgm:styleLbl>
+  <dgm:styleLbl name="parChTrans1D4">
+    <dgm:scene3d>
+      <a:camera prst="orthographicFront"/>
+      <a:lightRig rig="threePt" dir="t"/>
+    </dgm:scene3d>
+    <dgm:sp3d/>
+    <dgm:txPr/>
+    <dgm:style>
+      <a:lnRef idx="2">
+        <a:scrgbClr r="0" g="0" b="0"/>
+      </a:lnRef>
+      <a:fillRef idx="0">
+        <a:scrgbClr r="0" g="0" b="0"/>
+      </a:fillRef>
+      <a:effectRef idx="0">
+        <a:scrgbClr r="0" g="0" b="0"/>
+      </a:effectRef>
+      <a:fontRef idx="minor"/>
+    </dgm:style>
+  </dgm:styleLbl>
+  <dgm:styleLbl name="fgAcc1">
+    <dgm:scene3d>
+      <a:camera prst="orthographicFront"/>
+      <a:lightRig rig="threePt" dir="t"/>
+    </dgm:scene3d>
+    <dgm:sp3d/>
+    <dgm:txPr/>
+    <dgm:style>
+      <a:lnRef idx="2">
+        <a:scrgbClr r="0" g="0" b="0"/>
+      </a:lnRef>
+      <a:fillRef idx="1">
+        <a:scrgbClr r="0" g="0" b="0"/>
+      </a:fillRef>
+      <a:effectRef idx="0">
+        <a:scrgbClr r="0" g="0" b="0"/>
+      </a:effectRef>
+      <a:fontRef idx="minor"/>
+    </dgm:style>
+  </dgm:styleLbl>
+  <dgm:styleLbl name="conFgAcc1">
+    <dgm:scene3d>
+      <a:camera prst="orthographicFront"/>
+      <a:lightRig rig="threePt" dir="t"/>
+    </dgm:scene3d>
+    <dgm:sp3d/>
+    <dgm:txPr/>
+    <dgm:style>
+      <a:lnRef idx="2">
+        <a:scrgbClr r="0" g="0" b="0"/>
+      </a:lnRef>
+      <a:fillRef idx="1">
+        <a:scrgbClr r="0" g="0" b="0"/>
+      </a:fillRef>
+      <a:effectRef idx="0">
+        <a:scrgbClr r="0" g="0" b="0"/>
+      </a:effectRef>
+      <a:fontRef idx="minor"/>
+    </dgm:style>
+  </dgm:styleLbl>
+  <dgm:styleLbl name="alignAcc1">
+    <dgm:scene3d>
+      <a:camera prst="orthographicFront"/>
+      <a:lightRig rig="threePt" dir="t"/>
+    </dgm:scene3d>
+    <dgm:sp3d/>
+    <dgm:txPr/>
+    <dgm:style>
+      <a:lnRef idx="2">
+        <a:scrgbClr r="0" g="0" b="0"/>
+      </a:lnRef>
+      <a:fillRef idx="1">
+        <a:scrgbClr r="0" g="0" b="0"/>
+      </a:fillRef>
+      <a:effectRef idx="0">
+        <a:scrgbClr r="0" g="0" b="0"/>
+      </a:effectRef>
+      <a:fontRef idx="minor"/>
+    </dgm:style>
+  </dgm:styleLbl>
+  <dgm:styleLbl name="trAlignAcc1">
+    <dgm:scene3d>
+      <a:camera prst="orthographicFront"/>
+      <a:lightRig rig="threePt" dir="t"/>
+    </dgm:scene3d>
+    <dgm:sp3d/>
+    <dgm:txPr/>
+    <dgm:style>
+      <a:lnRef idx="1">
+        <a:scrgbClr r="0" g="0" b="0"/>
+      </a:lnRef>
+      <a:fillRef idx="1">
+        <a:scrgbClr r="0" g="0" b="0"/>
+      </a:fillRef>
+      <a:effectRef idx="0">
+        <a:scrgbClr r="0" g="0" b="0"/>
+      </a:effectRef>
+      <a:fontRef idx="minor"/>
+    </dgm:style>
+  </dgm:styleLbl>
+  <dgm:styleLbl name="bgAcc1">
+    <dgm:scene3d>
+      <a:camera prst="orthographicFront"/>
+      <a:lightRig rig="threePt" dir="t"/>
+    </dgm:scene3d>
+    <dgm:sp3d/>
+    <dgm:txPr/>
+    <dgm:style>
+      <a:lnRef idx="2">
+        <a:scrgbClr r="0" g="0" b="0"/>
+      </a:lnRef>
+      <a:fillRef idx="1">
+        <a:scrgbClr r="0" g="0" b="0"/>
+      </a:fillRef>
+      <a:effectRef idx="0">
+        <a:scrgbClr r="0" g="0" b="0"/>
+      </a:effectRef>
+      <a:fontRef idx="minor"/>
+    </dgm:style>
+  </dgm:styleLbl>
+  <dgm:styleLbl name="solidFgAcc1">
+    <dgm:scene3d>
+      <a:camera prst="orthographicFront"/>
+      <a:lightRig rig="threePt" dir="t"/>
+    </dgm:scene3d>
+    <dgm:sp3d/>
+    <dgm:txPr/>
+    <dgm:style>
+      <a:lnRef idx="2">
+        <a:scrgbClr r="0" g="0" b="0"/>
+      </a:lnRef>
+      <a:fillRef idx="1">
+        <a:scrgbClr r="0" g="0" b="0"/>
+      </a:fillRef>
+      <a:effectRef idx="0">
+        <a:scrgbClr r="0" g="0" b="0"/>
+      </a:effectRef>
+      <a:fontRef idx="minor"/>
+    </dgm:style>
+  </dgm:styleLbl>
+  <dgm:styleLbl name="solidAlignAcc1">
+    <dgm:scene3d>
+      <a:camera prst="orthographicFront"/>
+      <a:lightRig rig="threePt" dir="t"/>
+    </dgm:scene3d>
+    <dgm:sp3d/>
+    <dgm:txPr/>
+    <dgm:style>
+      <a:lnRef idx="2">
+        <a:scrgbClr r="0" g="0" b="0"/>
+      </a:lnRef>
+      <a:fillRef idx="1">
+        <a:scrgbClr r="0" g="0" b="0"/>
+      </a:fillRef>
+      <a:effectRef idx="0">
+        <a:scrgbClr r="0" g="0" b="0"/>
+      </a:effectRef>
+      <a:fontRef idx="minor"/>
+    </dgm:style>
+  </dgm:styleLbl>
+  <dgm:styleLbl name="solidBgAcc1">
+    <dgm:scene3d>
+      <a:camera prst="orthographicFront"/>
+      <a:lightRig rig="threePt" dir="t"/>
+    </dgm:scene3d>
+    <dgm:sp3d/>
+    <dgm:txPr/>
+    <dgm:style>
+      <a:lnRef idx="2">
+        <a:scrgbClr r="0" g="0" b="0"/>
+      </a:lnRef>
+      <a:fillRef idx="1">
+        <a:scrgbClr r="0" g="0" b="0"/>
+      </a:fillRef>
+      <a:effectRef idx="0">
+        <a:scrgbClr r="0" g="0" b="0"/>
+      </a:effectRef>
+      <a:fontRef idx="minor"/>
+    </dgm:style>
+  </dgm:styleLbl>
+  <dgm:styleLbl name="fgAccFollowNode1">
+    <dgm:scene3d>
+      <a:camera prst="orthographicFront"/>
+      <a:lightRig rig="threePt" dir="t"/>
+    </dgm:scene3d>
+    <dgm:sp3d/>
+    <dgm:txPr/>
+    <dgm:style>
+      <a:lnRef idx="2">
+        <a:scrgbClr r="0" g="0" b="0"/>
+      </a:lnRef>
+      <a:fillRef idx="1">
+        <a:scrgbClr r="0" g="0" b="0"/>
+      </a:fillRef>
+      <a:effectRef idx="0">
+        <a:scrgbClr r="0" g="0" b="0"/>
+      </a:effectRef>
+      <a:fontRef idx="minor"/>
+    </dgm:style>
+  </dgm:styleLbl>
+  <dgm:styleLbl name="alignAccFollowNode1">
+    <dgm:scene3d>
+      <a:camera prst="orthographicFront"/>
+      <a:lightRig rig="threePt" dir="t"/>
+    </dgm:scene3d>
+    <dgm:sp3d/>
+    <dgm:txPr/>
+    <dgm:style>
+      <a:lnRef idx="2">
+        <a:scrgbClr r="0" g="0" b="0"/>
+      </a:lnRef>
+      <a:fillRef idx="1">
+        <a:scrgbClr r="0" g="0" b="0"/>
+      </a:fillRef>
+      <a:effectRef idx="0">
+        <a:scrgbClr r="0" g="0" b="0"/>
+      </a:effectRef>
+      <a:fontRef idx="minor"/>
+    </dgm:style>
+  </dgm:styleLbl>
+  <dgm:styleLbl name="bgAccFollowNode1">
+    <dgm:scene3d>
+      <a:camera prst="orthographicFront"/>
+      <a:lightRig rig="threePt" dir="t"/>
+    </dgm:scene3d>
+    <dgm:sp3d/>
+    <dgm:txPr/>
+    <dgm:style>
+      <a:lnRef idx="2">
+        <a:scrgbClr r="0" g="0" b="0"/>
+      </a:lnRef>
+      <a:fillRef idx="1">
+        <a:scrgbClr r="0" g="0" b="0"/>
+      </a:fillRef>
+      <a:effectRef idx="0">
+        <a:scrgbClr r="0" g="0" b="0"/>
+      </a:effectRef>
+      <a:fontRef idx="minor"/>
+    </dgm:style>
+  </dgm:styleLbl>
+  <dgm:styleLbl name="fgAcc0">
+    <dgm:scene3d>
+      <a:camera prst="orthographicFront"/>
+      <a:lightRig rig="threePt" dir="t"/>
+    </dgm:scene3d>
+    <dgm:sp3d/>
+    <dgm:txPr/>
+    <dgm:style>
+      <a:lnRef idx="2">
+        <a:scrgbClr r="0" g="0" b="0"/>
+      </a:lnRef>
+      <a:fillRef idx="1">
+        <a:scrgbClr r="0" g="0" b="0"/>
+      </a:fillRef>
+      <a:effectRef idx="0">
+        <a:scrgbClr r="0" g="0" b="0"/>
+      </a:effectRef>
+      <a:fontRef idx="minor"/>
+    </dgm:style>
+  </dgm:styleLbl>
+  <dgm:styleLbl name="fgAcc2">
+    <dgm:scene3d>
+      <a:camera prst="orthographicFront"/>
+      <a:lightRig rig="threePt" dir="t"/>
+    </dgm:scene3d>
+    <dgm:sp3d/>
+    <dgm:txPr/>
+    <dgm:style>
+      <a:lnRef idx="2">
+        <a:scrgbClr r="0" g="0" b="0"/>
+      </a:lnRef>
+      <a:fillRef idx="1">
+        <a:scrgbClr r="0" g="0" b="0"/>
+      </a:fillRef>
+      <a:effectRef idx="0">
+        <a:scrgbClr r="0" g="0" b="0"/>
+      </a:effectRef>
+      <a:fontRef idx="minor"/>
+    </dgm:style>
+  </dgm:styleLbl>
+  <dgm:styleLbl name="fgAcc3">
+    <dgm:scene3d>
+      <a:camera prst="orthographicFront"/>
+      <a:lightRig rig="threePt" dir="t"/>
+    </dgm:scene3d>
+    <dgm:sp3d/>
+    <dgm:txPr/>
+    <dgm:style>
+      <a:lnRef idx="2">
+        <a:scrgbClr r="0" g="0" b="0"/>
+      </a:lnRef>
+      <a:fillRef idx="1">
+        <a:scrgbClr r="0" g="0" b="0"/>
+      </a:fillRef>
+      <a:effectRef idx="0">
+        <a:scrgbClr r="0" g="0" b="0"/>
+      </a:effectRef>
+      <a:fontRef idx="minor"/>
+    </dgm:style>
+  </dgm:styleLbl>
+  <dgm:styleLbl name="fgAcc4">
+    <dgm:scene3d>
+      <a:camera prst="orthographicFront"/>
+      <a:lightRig rig="threePt" dir="t"/>
+    </dgm:scene3d>
+    <dgm:sp3d/>
+    <dgm:txPr/>
+    <dgm:style>
+      <a:lnRef idx="2">
+        <a:scrgbClr r="0" g="0" b="0"/>
+      </a:lnRef>
+      <a:fillRef idx="1">
+        <a:scrgbClr r="0" g="0" b="0"/>
+      </a:fillRef>
+      <a:effectRef idx="0">
+        <a:scrgbClr r="0" g="0" b="0"/>
+      </a:effectRef>
+      <a:fontRef idx="minor"/>
+    </dgm:style>
+  </dgm:styleLbl>
+  <dgm:styleLbl name="bgShp">
+    <dgm:scene3d>
+      <a:camera prst="orthographicFront"/>
+      <a:lightRig rig="threePt" dir="t"/>
+    </dgm:scene3d>
+    <dgm:sp3d/>
+    <dgm:txPr/>
+    <dgm:style>
+      <a:lnRef idx="0">
+        <a:scrgbClr r="0" g="0" b="0"/>
+      </a:lnRef>
+      <a:fillRef idx="1">
+        <a:scrgbClr r="0" g="0" b="0"/>
+      </a:fillRef>
+      <a:effectRef idx="0">
+        <a:scrgbClr r="0" g="0" b="0"/>
+      </a:effectRef>
+      <a:fontRef idx="minor"/>
+    </dgm:style>
+  </dgm:styleLbl>
+  <dgm:styleLbl name="dkBgShp">
+    <dgm:scene3d>
+      <a:camera prst="orthographicFront"/>
+      <a:lightRig rig="threePt" dir="t"/>
+    </dgm:scene3d>
+    <dgm:sp3d/>
+    <dgm:txPr/>
+    <dgm:style>
+      <a:lnRef idx="0">
+        <a:scrgbClr r="0" g="0" b="0"/>
+      </a:lnRef>
+      <a:fillRef idx="1">
+        <a:scrgbClr r="0" g="0" b="0"/>
+      </a:fillRef>
+      <a:effectRef idx="0">
+        <a:scrgbClr r="0" g="0" b="0"/>
+      </a:effectRef>
+      <a:fontRef idx="minor"/>
+    </dgm:style>
+  </dgm:styleLbl>
+  <dgm:styleLbl name="trBgShp">
+    <dgm:scene3d>
+      <a:camera prst="orthographicFront"/>
+      <a:lightRig rig="threePt" dir="t"/>
+    </dgm:scene3d>
+    <dgm:sp3d/>
+    <dgm:txPr/>
+    <dgm:style>
+      <a:lnRef idx="0">
+        <a:scrgbClr r="0" g="0" b="0"/>
+      </a:lnRef>
+      <a:fillRef idx="1">
+        <a:scrgbClr r="0" g="0" b="0"/>
+      </a:fillRef>
+      <a:effectRef idx="0">
+        <a:scrgbClr r="0" g="0" b="0"/>
+      </a:effectRef>
+      <a:fontRef idx="minor"/>
+    </dgm:style>
+  </dgm:styleLbl>
+  <dgm:styleLbl name="fgShp">
+    <dgm:scene3d>
+      <a:camera prst="orthographicFront"/>
+      <a:lightRig rig="threePt" dir="t"/>
+    </dgm:scene3d>
+    <dgm:sp3d/>
+    <dgm:txPr/>
+    <dgm:style>
+      <a:lnRef idx="2">
+        <a:scrgbClr r="0" g="0" b="0"/>
+      </a:lnRef>
+      <a:fillRef idx="1">
+        <a:scrgbClr r="0" g="0" b="0"/>
+      </a:fillRef>
+      <a:effectRef idx="0">
+        <a:scrgbClr r="0" g="0" b="0"/>
+      </a:effectRef>
+      <a:fontRef idx="minor"/>
+    </dgm:style>
+  </dgm:styleLbl>
+  <dgm:styleLbl name="revTx">
+    <dgm:scene3d>
+      <a:camera prst="orthographicFront"/>
+      <a:lightRig rig="threePt" dir="t"/>
+    </dgm:scene3d>
+    <dgm:sp3d/>
+    <dgm:txPr/>
+    <dgm:style>
+      <a:lnRef idx="0">
+        <a:scrgbClr r="0" g="0" b="0"/>
+      </a:lnRef>
+      <a:fillRef idx="0">
+        <a:scrgbClr r="0" g="0" b="0"/>
+      </a:fillRef>
+      <a:effectRef idx="0">
+        <a:scrgbClr r="0" g="0" b="0"/>
+      </a:effectRef>
+      <a:fontRef idx="minor"/>
+    </dgm:style>
+  </dgm:styleLbl>
+</dgm:styleDef>
+</file>
+
+<file path=ppt/diagrams/quickStyle5.xml><?xml version="1.0" encoding="utf-8"?>
 <dgm:styleDef xmlns:dgm="http://schemas.openxmlformats.org/drawingml/2006/diagram" xmlns:a="http://schemas.openxmlformats.org/drawingml/2006/main" uniqueId="urn:microsoft.com/office/officeart/2005/8/quickstyle/simple1">
   <dgm:title val=""/>
   <dgm:desc val=""/>
@@ -13908,7 +17110,7 @@
           </a:lstStyle>
           <a:p>
             <a:fld id="{69732D9D-C667-489A-831F-0E01110209EA}" type="datetimeFigureOut">
-              <a:t>09/16/2024</a:t>
+              <a:t>09/17/2024</a:t>
             </a:fld>
             <a:endParaRPr lang="en-US"/>
           </a:p>
@@ -14509,7 +17711,7 @@
           <a:p>
             <a:fld id="{846CE7D5-CF57-46EF-B807-FDD0502418D4}" type="datetimeFigureOut">
               <a:rPr lang="en-US" smtClean="0"/>
-              <a:t>9/16/2024</a:t>
+              <a:t>9/17/2024</a:t>
             </a:fld>
             <a:endParaRPr lang="en-US"/>
           </a:p>
@@ -14679,7 +17881,7 @@
           <a:p>
             <a:fld id="{846CE7D5-CF57-46EF-B807-FDD0502418D4}" type="datetimeFigureOut">
               <a:rPr lang="en-US" smtClean="0"/>
-              <a:t>9/16/2024</a:t>
+              <a:t>9/17/2024</a:t>
             </a:fld>
             <a:endParaRPr lang="en-US"/>
           </a:p>
@@ -14859,7 +18061,7 @@
           <a:p>
             <a:fld id="{846CE7D5-CF57-46EF-B807-FDD0502418D4}" type="datetimeFigureOut">
               <a:rPr lang="en-US" smtClean="0"/>
-              <a:t>9/16/2024</a:t>
+              <a:t>9/17/2024</a:t>
             </a:fld>
             <a:endParaRPr lang="en-US"/>
           </a:p>
@@ -16344,7 +19546,7 @@
           <a:p>
             <a:fld id="{846CE7D5-CF57-46EF-B807-FDD0502418D4}" type="datetimeFigureOut">
               <a:rPr lang="en-US" smtClean="0"/>
-              <a:t>9/16/2024</a:t>
+              <a:t>9/17/2024</a:t>
             </a:fld>
             <a:endParaRPr lang="en-US"/>
           </a:p>
@@ -18470,7 +21672,7 @@
           <a:p>
             <a:fld id="{846CE7D5-CF57-46EF-B807-FDD0502418D4}" type="datetimeFigureOut">
               <a:rPr lang="en-US" smtClean="0"/>
-              <a:t>9/16/2024</a:t>
+              <a:t>9/17/2024</a:t>
             </a:fld>
             <a:endParaRPr lang="en-US"/>
           </a:p>
@@ -20181,7 +23383,7 @@
           <a:p>
             <a:fld id="{EA730EFB-AB28-4A68-9CF2-24FEA7CF3D98}" type="datetimeFigureOut">
               <a:rPr lang="en-US" smtClean="0"/>
-              <a:t>9/16/2024</a:t>
+              <a:t>9/17/2024</a:t>
             </a:fld>
             <a:endParaRPr lang="en-US"/>
           </a:p>
@@ -20419,7 +23621,7 @@
           <a:p>
             <a:fld id="{EA730EFB-AB28-4A68-9CF2-24FEA7CF3D98}" type="datetimeFigureOut">
               <a:rPr lang="en-US" smtClean="0"/>
-              <a:t>9/16/2024</a:t>
+              <a:t>9/17/2024</a:t>
             </a:fld>
             <a:endParaRPr lang="en-US"/>
           </a:p>
@@ -20614,7 +23816,7 @@
           <a:p>
             <a:fld id="{EA730EFB-AB28-4A68-9CF2-24FEA7CF3D98}" type="datetimeFigureOut">
               <a:rPr lang="en-US" smtClean="0"/>
-              <a:t>9/16/2024</a:t>
+              <a:t>9/17/2024</a:t>
             </a:fld>
             <a:endParaRPr lang="en-US"/>
           </a:p>
@@ -20814,7 +24016,7 @@
           <a:p>
             <a:fld id="{EA730EFB-AB28-4A68-9CF2-24FEA7CF3D98}" type="datetimeFigureOut">
               <a:rPr lang="en-US" smtClean="0"/>
-              <a:t>9/16/2024</a:t>
+              <a:t>9/17/2024</a:t>
             </a:fld>
             <a:endParaRPr lang="en-US"/>
           </a:p>
@@ -21290,7 +24492,7 @@
           <a:p>
             <a:fld id="{846CE7D5-CF57-46EF-B807-FDD0502418D4}" type="datetimeFigureOut">
               <a:rPr lang="en-US" smtClean="0"/>
-              <a:t>9/16/2024</a:t>
+              <a:t>9/17/2024</a:t>
             </a:fld>
             <a:endParaRPr lang="en-US"/>
           </a:p>
@@ -21657,7 +24859,7 @@
           <a:p>
             <a:fld id="{846CE7D5-CF57-46EF-B807-FDD0502418D4}" type="datetimeFigureOut">
               <a:rPr lang="en-US" smtClean="0"/>
-              <a:t>9/16/2024</a:t>
+              <a:t>9/17/2024</a:t>
             </a:fld>
             <a:endParaRPr lang="en-US"/>
           </a:p>
@@ -21775,7 +24977,7 @@
           <a:p>
             <a:fld id="{846CE7D5-CF57-46EF-B807-FDD0502418D4}" type="datetimeFigureOut">
               <a:rPr lang="en-US" smtClean="0"/>
-              <a:t>9/16/2024</a:t>
+              <a:t>9/17/2024</a:t>
             </a:fld>
             <a:endParaRPr lang="en-US"/>
           </a:p>
@@ -21870,7 +25072,7 @@
           <a:p>
             <a:fld id="{846CE7D5-CF57-46EF-B807-FDD0502418D4}" type="datetimeFigureOut">
               <a:rPr lang="en-US" smtClean="0"/>
-              <a:t>9/16/2024</a:t>
+              <a:t>9/17/2024</a:t>
             </a:fld>
             <a:endParaRPr lang="en-US"/>
           </a:p>
@@ -22147,7 +25349,7 @@
           <a:p>
             <a:fld id="{846CE7D5-CF57-46EF-B807-FDD0502418D4}" type="datetimeFigureOut">
               <a:rPr lang="en-US" smtClean="0"/>
-              <a:t>9/16/2024</a:t>
+              <a:t>9/17/2024</a:t>
             </a:fld>
             <a:endParaRPr lang="en-US"/>
           </a:p>
@@ -22404,7 +25606,7 @@
           <a:p>
             <a:fld id="{846CE7D5-CF57-46EF-B807-FDD0502418D4}" type="datetimeFigureOut">
               <a:rPr lang="en-US" smtClean="0"/>
-              <a:t>9/16/2024</a:t>
+              <a:t>9/17/2024</a:t>
             </a:fld>
             <a:endParaRPr lang="en-US"/>
           </a:p>
@@ -22617,7 +25819,7 @@
           <a:p>
             <a:fld id="{846CE7D5-CF57-46EF-B807-FDD0502418D4}" type="datetimeFigureOut">
               <a:rPr lang="en-US" smtClean="0"/>
-              <a:t>9/16/2024</a:t>
+              <a:t>9/17/2024</a:t>
             </a:fld>
             <a:endParaRPr lang="en-US"/>
           </a:p>
@@ -27136,6 +30338,668 @@
 </file>
 
 <file path=ppt/slides/slide13.xml><?xml version="1.0" encoding="utf-8"?>
+<p:sld xmlns:a="http://schemas.openxmlformats.org/drawingml/2006/main" xmlns:r="http://schemas.openxmlformats.org/officeDocument/2006/relationships" xmlns:p="http://schemas.openxmlformats.org/presentationml/2006/main">
+  <p:cSld>
+    <p:spTree>
+      <p:nvGrpSpPr>
+        <p:cNvPr id="1" name=""/>
+        <p:cNvGrpSpPr/>
+        <p:nvPr/>
+      </p:nvGrpSpPr>
+      <p:grpSpPr>
+        <a:xfrm>
+          <a:off x="0" y="0"/>
+          <a:ext cx="0" cy="0"/>
+          <a:chOff x="0" y="0"/>
+          <a:chExt cx="0" cy="0"/>
+        </a:xfrm>
+      </p:grpSpPr>
+      <p:sp>
+        <p:nvSpPr>
+          <p:cNvPr id="3" name="TextBox 1">
+            <a:extLst>
+              <a:ext uri="{FF2B5EF4-FFF2-40B4-BE49-F238E27FC236}">
+                <a16:creationId xmlns:a16="http://schemas.microsoft.com/office/drawing/2014/main" id="{B76E810A-7D89-CFF6-389E-860870EE3033}"/>
+              </a:ext>
+            </a:extLst>
+          </p:cNvPr>
+          <p:cNvSpPr txBox="1"/>
+          <p:nvPr/>
+        </p:nvSpPr>
+        <p:spPr>
+          <a:xfrm>
+            <a:off x="2404395" y="374369"/>
+            <a:ext cx="7751517" cy="523220"/>
+          </a:xfrm>
+          <a:prstGeom prst="rect">
+            <a:avLst/>
+          </a:prstGeom>
+          <a:noFill/>
+        </p:spPr>
+        <p:txBody>
+          <a:bodyPr wrap="square" lIns="91440" tIns="45720" rIns="91440" bIns="45720" rtlCol="0" anchor="t">
+            <a:spAutoFit/>
+          </a:bodyPr>
+          <a:lstStyle>
+            <a:defPPr>
+              <a:defRPr lang="en-US"/>
+            </a:defPPr>
+            <a:lvl1pPr marL="0" algn="l" defTabSz="914400" rtl="0" eaLnBrk="1" latinLnBrk="0" hangingPunct="1">
+              <a:defRPr sz="1800" kern="1200">
+                <a:solidFill>
+                  <a:schemeClr val="tx1"/>
+                </a:solidFill>
+                <a:latin typeface="+mn-lt"/>
+                <a:ea typeface="+mn-ea"/>
+                <a:cs typeface="+mn-cs"/>
+              </a:defRPr>
+            </a:lvl1pPr>
+            <a:lvl2pPr marL="457200" algn="l" defTabSz="914400" rtl="0" eaLnBrk="1" latinLnBrk="0" hangingPunct="1">
+              <a:defRPr sz="1800" kern="1200">
+                <a:solidFill>
+                  <a:schemeClr val="tx1"/>
+                </a:solidFill>
+                <a:latin typeface="+mn-lt"/>
+                <a:ea typeface="+mn-ea"/>
+                <a:cs typeface="+mn-cs"/>
+              </a:defRPr>
+            </a:lvl2pPr>
+            <a:lvl3pPr marL="914400" algn="l" defTabSz="914400" rtl="0" eaLnBrk="1" latinLnBrk="0" hangingPunct="1">
+              <a:defRPr sz="1800" kern="1200">
+                <a:solidFill>
+                  <a:schemeClr val="tx1"/>
+                </a:solidFill>
+                <a:latin typeface="+mn-lt"/>
+                <a:ea typeface="+mn-ea"/>
+                <a:cs typeface="+mn-cs"/>
+              </a:defRPr>
+            </a:lvl3pPr>
+            <a:lvl4pPr marL="1371600" algn="l" defTabSz="914400" rtl="0" eaLnBrk="1" latinLnBrk="0" hangingPunct="1">
+              <a:defRPr sz="1800" kern="1200">
+                <a:solidFill>
+                  <a:schemeClr val="tx1"/>
+                </a:solidFill>
+                <a:latin typeface="+mn-lt"/>
+                <a:ea typeface="+mn-ea"/>
+                <a:cs typeface="+mn-cs"/>
+              </a:defRPr>
+            </a:lvl4pPr>
+            <a:lvl5pPr marL="1828800" algn="l" defTabSz="914400" rtl="0" eaLnBrk="1" latinLnBrk="0" hangingPunct="1">
+              <a:defRPr sz="1800" kern="1200">
+                <a:solidFill>
+                  <a:schemeClr val="tx1"/>
+                </a:solidFill>
+                <a:latin typeface="+mn-lt"/>
+                <a:ea typeface="+mn-ea"/>
+                <a:cs typeface="+mn-cs"/>
+              </a:defRPr>
+            </a:lvl5pPr>
+            <a:lvl6pPr marL="2286000" algn="l" defTabSz="914400" rtl="0" eaLnBrk="1" latinLnBrk="0" hangingPunct="1">
+              <a:defRPr sz="1800" kern="1200">
+                <a:solidFill>
+                  <a:schemeClr val="tx1"/>
+                </a:solidFill>
+                <a:latin typeface="+mn-lt"/>
+                <a:ea typeface="+mn-ea"/>
+                <a:cs typeface="+mn-cs"/>
+              </a:defRPr>
+            </a:lvl6pPr>
+            <a:lvl7pPr marL="2743200" algn="l" defTabSz="914400" rtl="0" eaLnBrk="1" latinLnBrk="0" hangingPunct="1">
+              <a:defRPr sz="1800" kern="1200">
+                <a:solidFill>
+                  <a:schemeClr val="tx1"/>
+                </a:solidFill>
+                <a:latin typeface="+mn-lt"/>
+                <a:ea typeface="+mn-ea"/>
+                <a:cs typeface="+mn-cs"/>
+              </a:defRPr>
+            </a:lvl7pPr>
+            <a:lvl8pPr marL="3200400" algn="l" defTabSz="914400" rtl="0" eaLnBrk="1" latinLnBrk="0" hangingPunct="1">
+              <a:defRPr sz="1800" kern="1200">
+                <a:solidFill>
+                  <a:schemeClr val="tx1"/>
+                </a:solidFill>
+                <a:latin typeface="+mn-lt"/>
+                <a:ea typeface="+mn-ea"/>
+                <a:cs typeface="+mn-cs"/>
+              </a:defRPr>
+            </a:lvl8pPr>
+            <a:lvl9pPr marL="3657600" algn="l" defTabSz="914400" rtl="0" eaLnBrk="1" latinLnBrk="0" hangingPunct="1">
+              <a:defRPr sz="1800" kern="1200">
+                <a:solidFill>
+                  <a:schemeClr val="tx1"/>
+                </a:solidFill>
+                <a:latin typeface="+mn-lt"/>
+                <a:ea typeface="+mn-ea"/>
+                <a:cs typeface="+mn-cs"/>
+              </a:defRPr>
+            </a:lvl9pPr>
+          </a:lstStyle>
+          <a:p>
+            <a:r>
+              <a:rPr lang="en-US" sz="2800" b="1" dirty="0">
+                <a:solidFill>
+                  <a:srgbClr val="00A0E1"/>
+                </a:solidFill>
+              </a:rPr>
+              <a:t>   </a:t>
+            </a:r>
+          </a:p>
+        </p:txBody>
+      </p:sp>
+      <p:sp>
+        <p:nvSpPr>
+          <p:cNvPr id="6" name="TextBox 5">
+            <a:extLst>
+              <a:ext uri="{FF2B5EF4-FFF2-40B4-BE49-F238E27FC236}">
+                <a16:creationId xmlns:a16="http://schemas.microsoft.com/office/drawing/2014/main" id="{06A4B648-05BE-03EB-D1AD-5BD4B922EF2D}"/>
+              </a:ext>
+            </a:extLst>
+          </p:cNvPr>
+          <p:cNvSpPr txBox="1"/>
+          <p:nvPr/>
+        </p:nvSpPr>
+        <p:spPr>
+          <a:xfrm>
+            <a:off x="2880847" y="3230395"/>
+            <a:ext cx="6430306" cy="2308324"/>
+          </a:xfrm>
+          <a:prstGeom prst="rect">
+            <a:avLst/>
+          </a:prstGeom>
+          <a:noFill/>
+        </p:spPr>
+        <p:txBody>
+          <a:bodyPr rot="0" spcFirstLastPara="0" vertOverflow="overflow" horzOverflow="overflow" vert="horz" wrap="square" lIns="91440" tIns="45720" rIns="91440" bIns="45720" numCol="1" spcCol="0" rtlCol="0" fromWordArt="0" anchor="t" anchorCtr="0" forceAA="0" compatLnSpc="1">
+            <a:prstTxWarp prst="textNoShape">
+              <a:avLst/>
+            </a:prstTxWarp>
+            <a:spAutoFit/>
+          </a:bodyPr>
+          <a:lstStyle/>
+          <a:p>
+            <a:pPr lvl="0"/>
+            <a:r>
+              <a:rPr lang="en-US" sz="2400" dirty="0">
+                <a:highlight>
+                  <a:srgbClr val="008000"/>
+                </a:highlight>
+              </a:rPr>
+              <a:t>Sven Van Der </a:t>
+            </a:r>
+            <a:r>
+              <a:rPr lang="en-US" sz="2400" dirty="0" err="1">
+                <a:highlight>
+                  <a:srgbClr val="008000"/>
+                </a:highlight>
+              </a:rPr>
+              <a:t>Brug</a:t>
+            </a:r>
+            <a:r>
+              <a:rPr lang="en-US" sz="2400" dirty="0">
+                <a:highlight>
+                  <a:srgbClr val="008000"/>
+                </a:highlight>
+              </a:rPr>
+              <a:t>:</a:t>
+            </a:r>
+          </a:p>
+          <a:p>
+            <a:r>
+              <a:rPr lang="en-US" sz="2400" b="1" dirty="0"/>
+              <a:t>Trainer &amp; Lesson Developer</a:t>
+            </a:r>
+          </a:p>
+          <a:p>
+            <a:pPr lvl="0"/>
+            <a:endParaRPr lang="en-US" sz="2400" dirty="0"/>
+          </a:p>
+          <a:p>
+            <a:pPr lvl="0"/>
+            <a:r>
+              <a:rPr lang="en-US" sz="2400" dirty="0"/>
+              <a:t>                  </a:t>
+            </a:r>
+            <a:r>
+              <a:rPr lang="en-US" sz="2400" dirty="0">
+                <a:highlight>
+                  <a:srgbClr val="008000"/>
+                </a:highlight>
+              </a:rPr>
+              <a:t>Sacha van Bruegel:</a:t>
+            </a:r>
+          </a:p>
+          <a:p>
+            <a:pPr lvl="0"/>
+            <a:r>
+              <a:rPr lang="en-US" sz="2400" dirty="0"/>
+              <a:t>                      Event coordinator</a:t>
+            </a:r>
+            <a:endParaRPr lang="LID4096" sz="2400" dirty="0"/>
+          </a:p>
+          <a:p>
+            <a:pPr lvl="0"/>
+            <a:endParaRPr lang="LID4096" sz="2400" dirty="0"/>
+          </a:p>
+        </p:txBody>
+      </p:sp>
+      <p:graphicFrame>
+        <p:nvGraphicFramePr>
+          <p:cNvPr id="13" name="Diagram 12">
+            <a:extLst>
+              <a:ext uri="{FF2B5EF4-FFF2-40B4-BE49-F238E27FC236}">
+                <a16:creationId xmlns:a16="http://schemas.microsoft.com/office/drawing/2014/main" id="{C14D2827-AC4A-F206-869A-64A290EE86F0}"/>
+              </a:ext>
+            </a:extLst>
+          </p:cNvPr>
+          <p:cNvGraphicFramePr/>
+          <p:nvPr>
+            <p:extLst>
+              <p:ext uri="{D42A27DB-BD31-4B8C-83A1-F6EECF244321}">
+                <p14:modId xmlns:p14="http://schemas.microsoft.com/office/powerpoint/2010/main" val="23044801"/>
+              </p:ext>
+            </p:extLst>
+          </p:nvPr>
+        </p:nvGraphicFramePr>
+        <p:xfrm>
+          <a:off x="2281134" y="172220"/>
+          <a:ext cx="7432360" cy="1200329"/>
+        </p:xfrm>
+        <a:graphic>
+          <a:graphicData uri="http://schemas.openxmlformats.org/drawingml/2006/diagram">
+            <dgm:relIds xmlns:dgm="http://schemas.openxmlformats.org/drawingml/2006/diagram" xmlns:r="http://schemas.openxmlformats.org/officeDocument/2006/relationships" r:dm="rId2" r:lo="rId3" r:qs="rId4" r:cs="rId5"/>
+          </a:graphicData>
+        </a:graphic>
+      </p:graphicFrame>
+      <p:sp>
+        <p:nvSpPr>
+          <p:cNvPr id="2" name="TextBox 1">
+            <a:extLst>
+              <a:ext uri="{FF2B5EF4-FFF2-40B4-BE49-F238E27FC236}">
+                <a16:creationId xmlns:a16="http://schemas.microsoft.com/office/drawing/2014/main" id="{2F42F429-F6D1-1550-8711-ACFF34FA943B}"/>
+              </a:ext>
+            </a:extLst>
+          </p:cNvPr>
+          <p:cNvSpPr txBox="1"/>
+          <p:nvPr/>
+        </p:nvSpPr>
+        <p:spPr>
+          <a:xfrm>
+            <a:off x="2585310" y="1478292"/>
+            <a:ext cx="7090912" cy="1938992"/>
+          </a:xfrm>
+          <a:prstGeom prst="rect">
+            <a:avLst/>
+          </a:prstGeom>
+          <a:noFill/>
+        </p:spPr>
+        <p:txBody>
+          <a:bodyPr wrap="square" rtlCol="0">
+            <a:spAutoFit/>
+          </a:bodyPr>
+          <a:lstStyle/>
+          <a:p>
+            <a:r>
+              <a:rPr lang="en-US" sz="2400" dirty="0"/>
+              <a:t>                          </a:t>
+            </a:r>
+          </a:p>
+          <a:p>
+            <a:r>
+              <a:rPr lang="en-US" sz="2400" dirty="0" err="1">
+                <a:highlight>
+                  <a:srgbClr val="008000"/>
+                </a:highlight>
+              </a:rPr>
+              <a:t>Fenne</a:t>
+            </a:r>
+            <a:r>
+              <a:rPr lang="en-US" sz="2400" dirty="0">
+                <a:highlight>
+                  <a:srgbClr val="008000"/>
+                </a:highlight>
+              </a:rPr>
+              <a:t> </a:t>
+            </a:r>
+            <a:r>
+              <a:rPr lang="en-US" sz="2400" dirty="0" err="1">
+                <a:highlight>
+                  <a:srgbClr val="008000"/>
+                </a:highlight>
+              </a:rPr>
+              <a:t>Riemslagh</a:t>
+            </a:r>
+            <a:r>
+              <a:rPr lang="en-US" sz="2400" dirty="0">
+                <a:highlight>
+                  <a:srgbClr val="008000"/>
+                </a:highlight>
+              </a:rPr>
+              <a:t>:</a:t>
+            </a:r>
+          </a:p>
+          <a:p>
+            <a:r>
+              <a:rPr lang="en-US" sz="2400" b="1" dirty="0"/>
+              <a:t>Coordinator Training </a:t>
+            </a:r>
+            <a:r>
+              <a:rPr lang="en-US" sz="2400" b="1" dirty="0" err="1"/>
+              <a:t>Programme</a:t>
+            </a:r>
+            <a:endParaRPr lang="en-US" sz="2400" b="1" dirty="0"/>
+          </a:p>
+          <a:p>
+            <a:endParaRPr lang="en-US" sz="2400" dirty="0">
+              <a:sym typeface="Wingdings" panose="05000000000000000000" pitchFamily="2" charset="2"/>
+            </a:endParaRPr>
+          </a:p>
+          <a:p>
+            <a:endParaRPr lang="LID4096" sz="2400" dirty="0"/>
+          </a:p>
+        </p:txBody>
+      </p:sp>
+      <p:sp>
+        <p:nvSpPr>
+          <p:cNvPr id="4" name="TextBox 3">
+            <a:extLst>
+              <a:ext uri="{FF2B5EF4-FFF2-40B4-BE49-F238E27FC236}">
+                <a16:creationId xmlns:a16="http://schemas.microsoft.com/office/drawing/2014/main" id="{F59139FA-E56C-F5E3-596B-426B2145FCBC}"/>
+              </a:ext>
+            </a:extLst>
+          </p:cNvPr>
+          <p:cNvSpPr txBox="1"/>
+          <p:nvPr/>
+        </p:nvSpPr>
+        <p:spPr>
+          <a:xfrm>
+            <a:off x="3515427" y="5400381"/>
+            <a:ext cx="5230678" cy="1938992"/>
+          </a:xfrm>
+          <a:prstGeom prst="rect">
+            <a:avLst/>
+          </a:prstGeom>
+          <a:noFill/>
+        </p:spPr>
+        <p:txBody>
+          <a:bodyPr wrap="square" rtlCol="0">
+            <a:spAutoFit/>
+          </a:bodyPr>
+          <a:lstStyle/>
+          <a:p>
+            <a:r>
+              <a:rPr lang="en-US" sz="2400" dirty="0"/>
+              <a:t>                  </a:t>
+            </a:r>
+          </a:p>
+          <a:p>
+            <a:r>
+              <a:rPr lang="en-US" sz="2400" dirty="0" err="1">
+                <a:highlight>
+                  <a:srgbClr val="008000"/>
+                </a:highlight>
+              </a:rPr>
+              <a:t>Mateuz</a:t>
+            </a:r>
+            <a:r>
+              <a:rPr lang="en-US" sz="2400" dirty="0">
+                <a:highlight>
+                  <a:srgbClr val="008000"/>
+                </a:highlight>
+              </a:rPr>
+              <a:t> </a:t>
+            </a:r>
+            <a:r>
+              <a:rPr lang="en-US" sz="2400" dirty="0" err="1">
+                <a:highlight>
+                  <a:srgbClr val="008000"/>
+                </a:highlight>
+              </a:rPr>
+              <a:t>Kuzak</a:t>
+            </a:r>
+            <a:r>
+              <a:rPr lang="en-US" sz="2400" dirty="0">
+                <a:highlight>
+                  <a:srgbClr val="008000"/>
+                </a:highlight>
+              </a:rPr>
+              <a:t>:</a:t>
+            </a:r>
+          </a:p>
+          <a:p>
+            <a:r>
+              <a:rPr lang="en-US" sz="2400" dirty="0">
+                <a:solidFill>
+                  <a:schemeClr val="accent1">
+                    <a:lumMod val="75000"/>
+                  </a:schemeClr>
+                </a:solidFill>
+              </a:rPr>
+              <a:t>Team lead of the training program</a:t>
+            </a:r>
+          </a:p>
+          <a:p>
+            <a:endParaRPr lang="en-US" sz="2400" dirty="0">
+              <a:sym typeface="Wingdings" panose="05000000000000000000" pitchFamily="2" charset="2"/>
+            </a:endParaRPr>
+          </a:p>
+          <a:p>
+            <a:endParaRPr lang="LID4096" sz="2400" dirty="0"/>
+          </a:p>
+        </p:txBody>
+      </p:sp>
+      <p:pic>
+        <p:nvPicPr>
+          <p:cNvPr id="8" name="Picture 7">
+            <a:extLst>
+              <a:ext uri="{FF2B5EF4-FFF2-40B4-BE49-F238E27FC236}">
+                <a16:creationId xmlns:a16="http://schemas.microsoft.com/office/drawing/2014/main" id="{4AF8CE59-9C7C-9984-2EA0-0A0503449FCA}"/>
+              </a:ext>
+            </a:extLst>
+          </p:cNvPr>
+          <p:cNvPicPr>
+            <a:picLocks noChangeAspect="1"/>
+          </p:cNvPicPr>
+          <p:nvPr/>
+        </p:nvPicPr>
+        <p:blipFill>
+          <a:blip r:embed="rId7"/>
+          <a:stretch>
+            <a:fillRect/>
+          </a:stretch>
+        </p:blipFill>
+        <p:spPr>
+          <a:xfrm>
+            <a:off x="8045578" y="1543706"/>
+            <a:ext cx="2044092" cy="1724268"/>
+          </a:xfrm>
+          <a:prstGeom prst="rect">
+            <a:avLst/>
+          </a:prstGeom>
+        </p:spPr>
+      </p:pic>
+      <p:pic>
+        <p:nvPicPr>
+          <p:cNvPr id="12" name="Picture 11">
+            <a:extLst>
+              <a:ext uri="{FF2B5EF4-FFF2-40B4-BE49-F238E27FC236}">
+                <a16:creationId xmlns:a16="http://schemas.microsoft.com/office/drawing/2014/main" id="{F52A9229-E5FC-0470-16EF-BE4C134503F9}"/>
+              </a:ext>
+            </a:extLst>
+          </p:cNvPr>
+          <p:cNvPicPr>
+            <a:picLocks noChangeAspect="1"/>
+          </p:cNvPicPr>
+          <p:nvPr/>
+        </p:nvPicPr>
+        <p:blipFill>
+          <a:blip r:embed="rId8"/>
+          <a:stretch>
+            <a:fillRect/>
+          </a:stretch>
+        </p:blipFill>
+        <p:spPr>
+          <a:xfrm>
+            <a:off x="1539229" y="5025375"/>
+            <a:ext cx="1976198" cy="1849924"/>
+          </a:xfrm>
+          <a:prstGeom prst="rect">
+            <a:avLst/>
+          </a:prstGeom>
+        </p:spPr>
+      </p:pic>
+      <p:pic>
+        <p:nvPicPr>
+          <p:cNvPr id="15" name="Picture 14">
+            <a:extLst>
+              <a:ext uri="{FF2B5EF4-FFF2-40B4-BE49-F238E27FC236}">
+                <a16:creationId xmlns:a16="http://schemas.microsoft.com/office/drawing/2014/main" id="{B9E79843-CB3F-F716-4552-79C42A4A4AFF}"/>
+              </a:ext>
+            </a:extLst>
+          </p:cNvPr>
+          <p:cNvPicPr>
+            <a:picLocks noChangeAspect="1"/>
+          </p:cNvPicPr>
+          <p:nvPr/>
+        </p:nvPicPr>
+        <p:blipFill>
+          <a:blip r:embed="rId9"/>
+          <a:stretch>
+            <a:fillRect/>
+          </a:stretch>
+        </p:blipFill>
+        <p:spPr>
+          <a:xfrm>
+            <a:off x="920667" y="2675154"/>
+            <a:ext cx="1737254" cy="1819007"/>
+          </a:xfrm>
+          <a:prstGeom prst="rect">
+            <a:avLst/>
+          </a:prstGeom>
+        </p:spPr>
+      </p:pic>
+      <p:pic>
+        <p:nvPicPr>
+          <p:cNvPr id="17" name="Picture 16">
+            <a:extLst>
+              <a:ext uri="{FF2B5EF4-FFF2-40B4-BE49-F238E27FC236}">
+                <a16:creationId xmlns:a16="http://schemas.microsoft.com/office/drawing/2014/main" id="{AEB07628-3FFD-F885-D613-F6AFDAE81EFB}"/>
+              </a:ext>
+            </a:extLst>
+          </p:cNvPr>
+          <p:cNvPicPr>
+            <a:picLocks noChangeAspect="1"/>
+          </p:cNvPicPr>
+          <p:nvPr/>
+        </p:nvPicPr>
+        <p:blipFill>
+          <a:blip r:embed="rId10"/>
+          <a:stretch>
+            <a:fillRect/>
+          </a:stretch>
+        </p:blipFill>
+        <p:spPr>
+          <a:xfrm>
+            <a:off x="7373708" y="4060956"/>
+            <a:ext cx="2160371" cy="1852769"/>
+          </a:xfrm>
+          <a:prstGeom prst="rect">
+            <a:avLst/>
+          </a:prstGeom>
+        </p:spPr>
+      </p:pic>
+    </p:spTree>
+    <p:extLst>
+      <p:ext uri="{BB962C8B-B14F-4D97-AF65-F5344CB8AC3E}">
+        <p14:creationId xmlns:p14="http://schemas.microsoft.com/office/powerpoint/2010/main" val="974475961"/>
+      </p:ext>
+    </p:extLst>
+  </p:cSld>
+  <p:clrMapOvr>
+    <a:masterClrMapping/>
+  </p:clrMapOvr>
+  <p:timing>
+    <p:tnLst>
+      <p:par>
+        <p:cTn id="1" dur="indefinite" restart="never" nodeType="tmRoot">
+          <p:childTnLst>
+            <p:seq concurrent="1" nextAc="seek">
+              <p:cTn id="2" dur="indefinite" nodeType="mainSeq">
+                <p:childTnLst>
+                  <p:par>
+                    <p:cTn id="3" fill="hold">
+                      <p:stCondLst>
+                        <p:cond delay="indefinite"/>
+                      </p:stCondLst>
+                      <p:childTnLst>
+                        <p:par>
+                          <p:cTn id="4" fill="hold">
+                            <p:stCondLst>
+                              <p:cond delay="0"/>
+                            </p:stCondLst>
+                            <p:childTnLst>
+                              <p:par>
+                                <p:cTn id="5" presetID="1" presetClass="entr" presetSubtype="0" fill="hold" grpId="0" nodeType="clickEffect">
+                                  <p:stCondLst>
+                                    <p:cond delay="0"/>
+                                  </p:stCondLst>
+                                  <p:childTnLst>
+                                    <p:set>
+                                      <p:cBhvr>
+                                        <p:cTn id="6" dur="1" fill="hold">
+                                          <p:stCondLst>
+                                            <p:cond delay="0"/>
+                                          </p:stCondLst>
+                                        </p:cTn>
+                                        <p:tgtEl>
+                                          <p:spTgt spid="6"/>
+                                        </p:tgtEl>
+                                        <p:attrNameLst>
+                                          <p:attrName>style.visibility</p:attrName>
+                                        </p:attrNameLst>
+                                      </p:cBhvr>
+                                      <p:to>
+                                        <p:strVal val="visible"/>
+                                      </p:to>
+                                    </p:set>
+                                  </p:childTnLst>
+                                </p:cTn>
+                              </p:par>
+                            </p:childTnLst>
+                          </p:cTn>
+                        </p:par>
+                      </p:childTnLst>
+                    </p:cTn>
+                  </p:par>
+                </p:childTnLst>
+              </p:cTn>
+              <p:prevCondLst>
+                <p:cond evt="onPrev" delay="0">
+                  <p:tgtEl>
+                    <p:sldTgt/>
+                  </p:tgtEl>
+                </p:cond>
+              </p:prevCondLst>
+              <p:nextCondLst>
+                <p:cond evt="onNext" delay="0">
+                  <p:tgtEl>
+                    <p:sldTgt/>
+                  </p:tgtEl>
+                </p:cond>
+              </p:nextCondLst>
+            </p:seq>
+          </p:childTnLst>
+        </p:cTn>
+      </p:par>
+    </p:tnLst>
+    <p:bldLst>
+      <p:bldP spid="6" grpId="0"/>
+    </p:bldLst>
+  </p:timing>
+</p:sld>
+</file>
+
+<file path=ppt/slides/slide14.xml><?xml version="1.0" encoding="utf-8"?>
 <p:sld xmlns:a="http://schemas.openxmlformats.org/drawingml/2006/main" xmlns:r="http://schemas.openxmlformats.org/officeDocument/2006/relationships" xmlns:p="http://schemas.openxmlformats.org/presentationml/2006/main">
   <p:cSld>
     <p:spTree>
